--- a/AguaClara Water Treatment Plant Design/Cheat Sheets/Diagrams.pptx
+++ b/AguaClara Water Treatment Plant Design/Cheat Sheets/Diagrams.pptx
@@ -104,6 +104,11 @@
       </a:defRPr>
     </a:lvl9pPr>
   </p:defaultTextStyle>
+  <p:extLst>
+    <p:ext uri="{EFAFB233-063F-42B5-8137-9DF3F51BA10A}">
+      <p15:sldGuideLst xmlns:p15="http://schemas.microsoft.com/office/powerpoint/2012/main"/>
+    </p:ext>
+  </p:extLst>
 </p:presentation>
 </file>
 
@@ -254,7 +259,7 @@
           <a:p>
             <a:fld id="{21D1E3DE-262E-49AD-8F92-4417FBCF3DA3}" type="datetimeFigureOut">
               <a:rPr lang="en-US" smtClean="0"/>
-              <a:t>4/1/2018</a:t>
+              <a:t>4/2/2018</a:t>
             </a:fld>
             <a:endParaRPr lang="en-US"/>
           </a:p>
@@ -452,7 +457,7 @@
           <a:p>
             <a:fld id="{21D1E3DE-262E-49AD-8F92-4417FBCF3DA3}" type="datetimeFigureOut">
               <a:rPr lang="en-US" smtClean="0"/>
-              <a:t>4/1/2018</a:t>
+              <a:t>4/2/2018</a:t>
             </a:fld>
             <a:endParaRPr lang="en-US"/>
           </a:p>
@@ -660,7 +665,7 @@
           <a:p>
             <a:fld id="{21D1E3DE-262E-49AD-8F92-4417FBCF3DA3}" type="datetimeFigureOut">
               <a:rPr lang="en-US" smtClean="0"/>
-              <a:t>4/1/2018</a:t>
+              <a:t>4/2/2018</a:t>
             </a:fld>
             <a:endParaRPr lang="en-US"/>
           </a:p>
@@ -858,7 +863,7 @@
           <a:p>
             <a:fld id="{21D1E3DE-262E-49AD-8F92-4417FBCF3DA3}" type="datetimeFigureOut">
               <a:rPr lang="en-US" smtClean="0"/>
-              <a:t>4/1/2018</a:t>
+              <a:t>4/2/2018</a:t>
             </a:fld>
             <a:endParaRPr lang="en-US"/>
           </a:p>
@@ -1133,7 +1138,7 @@
           <a:p>
             <a:fld id="{21D1E3DE-262E-49AD-8F92-4417FBCF3DA3}" type="datetimeFigureOut">
               <a:rPr lang="en-US" smtClean="0"/>
-              <a:t>4/1/2018</a:t>
+              <a:t>4/2/2018</a:t>
             </a:fld>
             <a:endParaRPr lang="en-US"/>
           </a:p>
@@ -1398,7 +1403,7 @@
           <a:p>
             <a:fld id="{21D1E3DE-262E-49AD-8F92-4417FBCF3DA3}" type="datetimeFigureOut">
               <a:rPr lang="en-US" smtClean="0"/>
-              <a:t>4/1/2018</a:t>
+              <a:t>4/2/2018</a:t>
             </a:fld>
             <a:endParaRPr lang="en-US"/>
           </a:p>
@@ -1810,7 +1815,7 @@
           <a:p>
             <a:fld id="{21D1E3DE-262E-49AD-8F92-4417FBCF3DA3}" type="datetimeFigureOut">
               <a:rPr lang="en-US" smtClean="0"/>
-              <a:t>4/1/2018</a:t>
+              <a:t>4/2/2018</a:t>
             </a:fld>
             <a:endParaRPr lang="en-US"/>
           </a:p>
@@ -1951,7 +1956,7 @@
           <a:p>
             <a:fld id="{21D1E3DE-262E-49AD-8F92-4417FBCF3DA3}" type="datetimeFigureOut">
               <a:rPr lang="en-US" smtClean="0"/>
-              <a:t>4/1/2018</a:t>
+              <a:t>4/2/2018</a:t>
             </a:fld>
             <a:endParaRPr lang="en-US"/>
           </a:p>
@@ -2064,7 +2069,7 @@
           <a:p>
             <a:fld id="{21D1E3DE-262E-49AD-8F92-4417FBCF3DA3}" type="datetimeFigureOut">
               <a:rPr lang="en-US" smtClean="0"/>
-              <a:t>4/1/2018</a:t>
+              <a:t>4/2/2018</a:t>
             </a:fld>
             <a:endParaRPr lang="en-US"/>
           </a:p>
@@ -2375,7 +2380,7 @@
           <a:p>
             <a:fld id="{21D1E3DE-262E-49AD-8F92-4417FBCF3DA3}" type="datetimeFigureOut">
               <a:rPr lang="en-US" smtClean="0"/>
-              <a:t>4/1/2018</a:t>
+              <a:t>4/2/2018</a:t>
             </a:fld>
             <a:endParaRPr lang="en-US"/>
           </a:p>
@@ -2663,7 +2668,7 @@
           <a:p>
             <a:fld id="{21D1E3DE-262E-49AD-8F92-4417FBCF3DA3}" type="datetimeFigureOut">
               <a:rPr lang="en-US" smtClean="0"/>
-              <a:t>4/1/2018</a:t>
+              <a:t>4/2/2018</a:t>
             </a:fld>
             <a:endParaRPr lang="en-US"/>
           </a:p>
@@ -2904,7 +2909,7 @@
           <a:p>
             <a:fld id="{21D1E3DE-262E-49AD-8F92-4417FBCF3DA3}" type="datetimeFigureOut">
               <a:rPr lang="en-US" smtClean="0"/>
-              <a:t>4/1/2018</a:t>
+              <a:t>4/2/2018</a:t>
             </a:fld>
             <a:endParaRPr lang="en-US"/>
           </a:p>
@@ -3323,10 +3328,10 @@
       </p:grpSpPr>
       <p:grpSp>
         <p:nvGrpSpPr>
-          <p:cNvPr id="54" name="Group 53">
-            <a:extLst>
-              <a:ext uri="{FF2B5EF4-FFF2-40B4-BE49-F238E27FC236}">
-                <a16:creationId xmlns:a16="http://schemas.microsoft.com/office/drawing/2014/main" id="{C2353071-AE09-4713-A25D-CFAA589A888C}"/>
+          <p:cNvPr id="16" name="Group 15">
+            <a:extLst>
+              <a:ext uri="{FF2B5EF4-FFF2-40B4-BE49-F238E27FC236}">
+                <a16:creationId xmlns:a16="http://schemas.microsoft.com/office/drawing/2014/main" id="{C2894E0B-196D-4819-B81D-E79A19AA731E}"/>
               </a:ext>
             </a:extLst>
           </p:cNvPr>
@@ -3335,18 +3340,18 @@
         </p:nvGrpSpPr>
         <p:grpSpPr>
           <a:xfrm>
-            <a:off x="1439694" y="1366124"/>
-            <a:ext cx="7928042" cy="4466748"/>
-            <a:chOff x="1439694" y="1366124"/>
-            <a:chExt cx="7928042" cy="4466748"/>
+            <a:off x="1898510" y="1651518"/>
+            <a:ext cx="7469226" cy="4181354"/>
+            <a:chOff x="1439694" y="1394668"/>
+            <a:chExt cx="7928042" cy="4438204"/>
           </a:xfrm>
         </p:grpSpPr>
         <p:cxnSp>
           <p:nvCxnSpPr>
-            <p:cNvPr id="40" name="Straight Connector 39">
+            <p:cNvPr id="41" name="Straight Connector 40">
               <a:extLst>
                 <a:ext uri="{FF2B5EF4-FFF2-40B4-BE49-F238E27FC236}">
-                  <a16:creationId xmlns:a16="http://schemas.microsoft.com/office/drawing/2014/main" id="{503F33C3-0F40-422B-AFFC-0A59BCFBFB50}"/>
+                  <a16:creationId xmlns:a16="http://schemas.microsoft.com/office/drawing/2014/main" id="{08451B37-7EDC-4BFE-B499-E022E9814C13}"/>
                 </a:ext>
               </a:extLst>
             </p:cNvPr>
@@ -3357,8 +3362,8 @@
           </p:nvCxnSpPr>
           <p:spPr>
             <a:xfrm>
-              <a:off x="3070718" y="1604864"/>
-              <a:ext cx="1" cy="689771"/>
+              <a:off x="7628186" y="1605180"/>
+              <a:ext cx="0" cy="701837"/>
             </a:xfrm>
             <a:prstGeom prst="line">
               <a:avLst/>
@@ -3381,20 +3386,22 @@
         </p:cxnSp>
         <p:cxnSp>
           <p:nvCxnSpPr>
-            <p:cNvPr id="39" name="Straight Connector 38">
+            <p:cNvPr id="37" name="Straight Connector 36">
               <a:extLst>
                 <a:ext uri="{FF2B5EF4-FFF2-40B4-BE49-F238E27FC236}">
-                  <a16:creationId xmlns:a16="http://schemas.microsoft.com/office/drawing/2014/main" id="{4DF4E654-79BD-42B2-A22E-6BE840DFD846}"/>
+                  <a16:creationId xmlns:a16="http://schemas.microsoft.com/office/drawing/2014/main" id="{14379D15-E0E1-48ED-9B6F-F6346B399DE8}"/>
                 </a:ext>
               </a:extLst>
             </p:cNvPr>
-            <p:cNvCxnSpPr/>
+            <p:cNvCxnSpPr>
+              <a:cxnSpLocks/>
+            </p:cNvCxnSpPr>
             <p:nvPr/>
           </p:nvCxnSpPr>
           <p:spPr>
-            <a:xfrm flipH="1">
-              <a:off x="7243839" y="5248285"/>
-              <a:ext cx="1" cy="184019"/>
+            <a:xfrm>
+              <a:off x="6804296" y="1605180"/>
+              <a:ext cx="1" cy="689771"/>
             </a:xfrm>
             <a:prstGeom prst="line">
               <a:avLst/>
@@ -3415,547 +3422,1405 @@
             </a:fontRef>
           </p:style>
         </p:cxnSp>
-        <p:cxnSp>
-          <p:nvCxnSpPr>
-            <p:cNvPr id="6" name="Straight Connector 5">
+        <p:grpSp>
+          <p:nvGrpSpPr>
+            <p:cNvPr id="54" name="Group 53">
               <a:extLst>
                 <a:ext uri="{FF2B5EF4-FFF2-40B4-BE49-F238E27FC236}">
-                  <a16:creationId xmlns:a16="http://schemas.microsoft.com/office/drawing/2014/main" id="{A9EA7C4C-0DD2-447C-8340-F125988DE62F}"/>
+                  <a16:creationId xmlns:a16="http://schemas.microsoft.com/office/drawing/2014/main" id="{C2353071-AE09-4713-A25D-CFAA589A888C}"/>
                 </a:ext>
               </a:extLst>
             </p:cNvPr>
-            <p:cNvCxnSpPr>
-              <a:cxnSpLocks/>
-            </p:cNvCxnSpPr>
+            <p:cNvGrpSpPr/>
             <p:nvPr/>
-          </p:nvCxnSpPr>
-          <p:spPr>
+          </p:nvGrpSpPr>
+          <p:grpSpPr>
             <a:xfrm>
-              <a:off x="1439694" y="5253135"/>
-              <a:ext cx="7928042" cy="0"/>
+              <a:off x="1439694" y="1394668"/>
+              <a:ext cx="7928042" cy="4438204"/>
+              <a:chOff x="1439694" y="1394668"/>
+              <a:chExt cx="7928042" cy="4438204"/>
             </a:xfrm>
-            <a:prstGeom prst="line">
-              <a:avLst/>
-            </a:prstGeom>
-            <a:ln w="57150">
+          </p:grpSpPr>
+          <p:cxnSp>
+            <p:nvCxnSpPr>
+              <p:cNvPr id="40" name="Straight Connector 39">
+                <a:extLst>
+                  <a:ext uri="{FF2B5EF4-FFF2-40B4-BE49-F238E27FC236}">
+                    <a16:creationId xmlns:a16="http://schemas.microsoft.com/office/drawing/2014/main" id="{503F33C3-0F40-422B-AFFC-0A59BCFBFB50}"/>
+                  </a:ext>
+                </a:extLst>
+              </p:cNvPr>
+              <p:cNvCxnSpPr>
+                <a:cxnSpLocks/>
+              </p:cNvCxnSpPr>
+              <p:nvPr/>
+            </p:nvCxnSpPr>
+            <p:spPr>
+              <a:xfrm>
+                <a:off x="3070718" y="1604864"/>
+                <a:ext cx="1" cy="689771"/>
+              </a:xfrm>
+              <a:prstGeom prst="line">
+                <a:avLst/>
+              </a:prstGeom>
+            </p:spPr>
+            <p:style>
+              <a:lnRef idx="1">
+                <a:schemeClr val="dk1"/>
+              </a:lnRef>
+              <a:fillRef idx="0">
+                <a:schemeClr val="dk1"/>
+              </a:fillRef>
+              <a:effectRef idx="0">
+                <a:schemeClr val="dk1"/>
+              </a:effectRef>
+              <a:fontRef idx="minor">
+                <a:schemeClr val="tx1"/>
+              </a:fontRef>
+            </p:style>
+          </p:cxnSp>
+          <p:cxnSp>
+            <p:nvCxnSpPr>
+              <p:cNvPr id="39" name="Straight Connector 38">
+                <a:extLst>
+                  <a:ext uri="{FF2B5EF4-FFF2-40B4-BE49-F238E27FC236}">
+                    <a16:creationId xmlns:a16="http://schemas.microsoft.com/office/drawing/2014/main" id="{4DF4E654-79BD-42B2-A22E-6BE840DFD846}"/>
+                  </a:ext>
+                </a:extLst>
+              </p:cNvPr>
+              <p:cNvCxnSpPr/>
+              <p:nvPr/>
+            </p:nvCxnSpPr>
+            <p:spPr>
+              <a:xfrm flipH="1">
+                <a:off x="7243839" y="5248285"/>
+                <a:ext cx="1" cy="184019"/>
+              </a:xfrm>
+              <a:prstGeom prst="line">
+                <a:avLst/>
+              </a:prstGeom>
+            </p:spPr>
+            <p:style>
+              <a:lnRef idx="1">
+                <a:schemeClr val="dk1"/>
+              </a:lnRef>
+              <a:fillRef idx="0">
+                <a:schemeClr val="dk1"/>
+              </a:fillRef>
+              <a:effectRef idx="0">
+                <a:schemeClr val="dk1"/>
+              </a:effectRef>
+              <a:fontRef idx="minor">
+                <a:schemeClr val="tx1"/>
+              </a:fontRef>
+            </p:style>
+          </p:cxnSp>
+          <p:cxnSp>
+            <p:nvCxnSpPr>
+              <p:cNvPr id="6" name="Straight Connector 5">
+                <a:extLst>
+                  <a:ext uri="{FF2B5EF4-FFF2-40B4-BE49-F238E27FC236}">
+                    <a16:creationId xmlns:a16="http://schemas.microsoft.com/office/drawing/2014/main" id="{A9EA7C4C-0DD2-447C-8340-F125988DE62F}"/>
+                  </a:ext>
+                </a:extLst>
+              </p:cNvPr>
+              <p:cNvCxnSpPr>
+                <a:cxnSpLocks/>
+              </p:cNvCxnSpPr>
+              <p:nvPr/>
+            </p:nvCxnSpPr>
+            <p:spPr>
+              <a:xfrm>
+                <a:off x="1439694" y="5253135"/>
+                <a:ext cx="7928042" cy="0"/>
+              </a:xfrm>
+              <a:prstGeom prst="line">
+                <a:avLst/>
+              </a:prstGeom>
+              <a:ln w="57150">
+                <a:solidFill>
+                  <a:schemeClr val="tx1"/>
+                </a:solidFill>
+              </a:ln>
+            </p:spPr>
+            <p:style>
+              <a:lnRef idx="1">
+                <a:schemeClr val="accent1"/>
+              </a:lnRef>
+              <a:fillRef idx="0">
+                <a:schemeClr val="accent1"/>
+              </a:fillRef>
+              <a:effectRef idx="0">
+                <a:schemeClr val="accent1"/>
+              </a:effectRef>
+              <a:fontRef idx="minor">
+                <a:schemeClr val="tx1"/>
+              </a:fontRef>
+            </p:style>
+          </p:cxnSp>
+          <p:sp>
+            <p:nvSpPr>
+              <p:cNvPr id="7" name="Freeform 6">
+                <a:extLst>
+                  <a:ext uri="{FF2B5EF4-FFF2-40B4-BE49-F238E27FC236}">
+                    <a16:creationId xmlns:a16="http://schemas.microsoft.com/office/drawing/2014/main" id="{58021AEB-702F-4BE2-BE8C-D90490646ADA}"/>
+                  </a:ext>
+                </a:extLst>
+              </p:cNvPr>
+              <p:cNvSpPr>
+                <a:spLocks/>
+              </p:cNvSpPr>
+              <p:nvPr/>
+            </p:nvSpPr>
+            <p:spPr bwMode="auto">
+              <a:xfrm>
+                <a:off x="2146040" y="2304897"/>
+                <a:ext cx="1831457" cy="2948238"/>
+              </a:xfrm>
+              <a:custGeom>
+                <a:avLst/>
+                <a:gdLst/>
+                <a:ahLst/>
+                <a:cxnLst>
+                  <a:cxn ang="0">
+                    <a:pos x="0" y="0"/>
+                  </a:cxn>
+                  <a:cxn ang="0">
+                    <a:pos x="0" y="528"/>
+                  </a:cxn>
+                  <a:cxn ang="0">
+                    <a:pos x="3216" y="528"/>
+                  </a:cxn>
+                  <a:cxn ang="0">
+                    <a:pos x="3216" y="0"/>
+                  </a:cxn>
+                </a:cxnLst>
+                <a:rect l="0" t="0" r="r" b="b"/>
+                <a:pathLst>
+                  <a:path w="3216" h="528">
+                    <a:moveTo>
+                      <a:pt x="0" y="0"/>
+                    </a:moveTo>
+                    <a:lnTo>
+                      <a:pt x="0" y="528"/>
+                    </a:lnTo>
+                    <a:lnTo>
+                      <a:pt x="3216" y="528"/>
+                    </a:lnTo>
+                    <a:lnTo>
+                      <a:pt x="3216" y="0"/>
+                    </a:lnTo>
+                  </a:path>
+                </a:pathLst>
+              </a:custGeom>
               <a:solidFill>
+                <a:schemeClr val="hlink"/>
+              </a:solidFill>
+              <a:ln w="57150" cap="flat" cmpd="sng">
+                <a:solidFill>
+                  <a:schemeClr val="tx1">
+                    <a:alpha val="78000"/>
+                  </a:schemeClr>
+                </a:solidFill>
+                <a:prstDash val="solid"/>
+                <a:round/>
+                <a:headEnd type="none" w="lg" len="med"/>
+                <a:tailEnd type="none" w="lg" len="med"/>
+              </a:ln>
+              <a:effectLst/>
+            </p:spPr>
+            <p:txBody>
+              <a:bodyPr wrap="square" anchor="ctr">
+                <a:spAutoFit/>
+              </a:bodyPr>
+              <a:lstStyle/>
+              <a:p>
+                <a:endParaRPr lang="en-US" dirty="0"/>
+              </a:p>
+            </p:txBody>
+          </p:sp>
+          <p:cxnSp>
+            <p:nvCxnSpPr>
+              <p:cNvPr id="19" name="Straight Connector 18">
+                <a:extLst>
+                  <a:ext uri="{FF2B5EF4-FFF2-40B4-BE49-F238E27FC236}">
+                    <a16:creationId xmlns:a16="http://schemas.microsoft.com/office/drawing/2014/main" id="{CD12D136-1B8D-4819-9342-DB7938625856}"/>
+                  </a:ext>
+                </a:extLst>
+              </p:cNvPr>
+              <p:cNvCxnSpPr/>
+              <p:nvPr/>
+            </p:nvCxnSpPr>
+            <p:spPr>
+              <a:xfrm>
+                <a:off x="4267057" y="2304897"/>
+                <a:ext cx="604663" cy="0"/>
+              </a:xfrm>
+              <a:prstGeom prst="line">
+                <a:avLst/>
+              </a:prstGeom>
+              <a:ln w="28575">
+                <a:solidFill>
+                  <a:srgbClr val="FF0000"/>
+                </a:solidFill>
+              </a:ln>
+            </p:spPr>
+            <p:style>
+              <a:lnRef idx="1">
+                <a:schemeClr val="accent1"/>
+              </a:lnRef>
+              <a:fillRef idx="0">
+                <a:schemeClr val="accent1"/>
+              </a:fillRef>
+              <a:effectRef idx="0">
+                <a:schemeClr val="accent1"/>
+              </a:effectRef>
+              <a:fontRef idx="minor">
                 <a:schemeClr val="tx1"/>
+              </a:fontRef>
+            </p:style>
+          </p:cxnSp>
+          <p:cxnSp>
+            <p:nvCxnSpPr>
+              <p:cNvPr id="20" name="Straight Connector 19">
+                <a:extLst>
+                  <a:ext uri="{FF2B5EF4-FFF2-40B4-BE49-F238E27FC236}">
+                    <a16:creationId xmlns:a16="http://schemas.microsoft.com/office/drawing/2014/main" id="{36825B29-9467-409D-960E-0015624CE2F1}"/>
+                  </a:ext>
+                </a:extLst>
+              </p:cNvPr>
+              <p:cNvCxnSpPr/>
+              <p:nvPr/>
+            </p:nvCxnSpPr>
+            <p:spPr>
+              <a:xfrm>
+                <a:off x="5184140" y="2304044"/>
+                <a:ext cx="604663" cy="0"/>
+              </a:xfrm>
+              <a:prstGeom prst="line">
+                <a:avLst/>
+              </a:prstGeom>
+              <a:ln w="28575">
+                <a:solidFill>
+                  <a:srgbClr val="FF0000"/>
+                </a:solidFill>
+              </a:ln>
+            </p:spPr>
+            <p:style>
+              <a:lnRef idx="1">
+                <a:schemeClr val="accent1"/>
+              </a:lnRef>
+              <a:fillRef idx="0">
+                <a:schemeClr val="accent1"/>
+              </a:fillRef>
+              <a:effectRef idx="0">
+                <a:schemeClr val="accent1"/>
+              </a:effectRef>
+              <a:fontRef idx="minor">
+                <a:schemeClr val="tx1"/>
+              </a:fontRef>
+            </p:style>
+          </p:cxnSp>
+          <p:cxnSp>
+            <p:nvCxnSpPr>
+              <p:cNvPr id="21" name="Straight Connector 20">
+                <a:extLst>
+                  <a:ext uri="{FF2B5EF4-FFF2-40B4-BE49-F238E27FC236}">
+                    <a16:creationId xmlns:a16="http://schemas.microsoft.com/office/drawing/2014/main" id="{9B3030BC-8E03-47F5-9DC2-0431DC1BFA87}"/>
+                  </a:ext>
+                </a:extLst>
+              </p:cNvPr>
+              <p:cNvCxnSpPr/>
+              <p:nvPr/>
+            </p:nvCxnSpPr>
+            <p:spPr>
+              <a:xfrm>
+                <a:off x="6101137" y="2304044"/>
+                <a:ext cx="604663" cy="0"/>
+              </a:xfrm>
+              <a:prstGeom prst="line">
+                <a:avLst/>
+              </a:prstGeom>
+              <a:ln w="28575">
+                <a:solidFill>
+                  <a:srgbClr val="FF0000"/>
+                </a:solidFill>
+              </a:ln>
+            </p:spPr>
+            <p:style>
+              <a:lnRef idx="1">
+                <a:schemeClr val="accent1"/>
+              </a:lnRef>
+              <a:fillRef idx="0">
+                <a:schemeClr val="accent1"/>
+              </a:fillRef>
+              <a:effectRef idx="0">
+                <a:schemeClr val="accent1"/>
+              </a:effectRef>
+              <a:fontRef idx="minor">
+                <a:schemeClr val="tx1"/>
+              </a:fontRef>
+            </p:style>
+          </p:cxnSp>
+          <p:cxnSp>
+            <p:nvCxnSpPr>
+              <p:cNvPr id="22" name="Straight Connector 21">
+                <a:extLst>
+                  <a:ext uri="{FF2B5EF4-FFF2-40B4-BE49-F238E27FC236}">
+                    <a16:creationId xmlns:a16="http://schemas.microsoft.com/office/drawing/2014/main" id="{C89E168E-ADBF-454F-BB89-8A628292715A}"/>
+                  </a:ext>
+                </a:extLst>
+              </p:cNvPr>
+              <p:cNvCxnSpPr/>
+              <p:nvPr/>
+            </p:nvCxnSpPr>
+            <p:spPr>
+              <a:xfrm>
+                <a:off x="7007917" y="2304044"/>
+                <a:ext cx="604663" cy="0"/>
+              </a:xfrm>
+              <a:prstGeom prst="line">
+                <a:avLst/>
+              </a:prstGeom>
+              <a:ln w="28575">
+                <a:solidFill>
+                  <a:srgbClr val="FF0000"/>
+                </a:solidFill>
+              </a:ln>
+            </p:spPr>
+            <p:style>
+              <a:lnRef idx="1">
+                <a:schemeClr val="accent1"/>
+              </a:lnRef>
+              <a:fillRef idx="0">
+                <a:schemeClr val="accent1"/>
+              </a:fillRef>
+              <a:effectRef idx="0">
+                <a:schemeClr val="accent1"/>
+              </a:effectRef>
+              <a:fontRef idx="minor">
+                <a:schemeClr val="tx1"/>
+              </a:fontRef>
+            </p:style>
+          </p:cxnSp>
+          <p:cxnSp>
+            <p:nvCxnSpPr>
+              <p:cNvPr id="23" name="Straight Connector 22">
+                <a:extLst>
+                  <a:ext uri="{FF2B5EF4-FFF2-40B4-BE49-F238E27FC236}">
+                    <a16:creationId xmlns:a16="http://schemas.microsoft.com/office/drawing/2014/main" id="{AC2E2D4A-8DD2-4B77-8B9A-848BFCE4D606}"/>
+                  </a:ext>
+                </a:extLst>
+              </p:cNvPr>
+              <p:cNvCxnSpPr/>
+              <p:nvPr/>
+            </p:nvCxnSpPr>
+            <p:spPr>
+              <a:xfrm>
+                <a:off x="7922317" y="2299228"/>
+                <a:ext cx="604663" cy="0"/>
+              </a:xfrm>
+              <a:prstGeom prst="line">
+                <a:avLst/>
+              </a:prstGeom>
+              <a:ln w="28575">
+                <a:solidFill>
+                  <a:srgbClr val="FF0000"/>
+                </a:solidFill>
+              </a:ln>
+            </p:spPr>
+            <p:style>
+              <a:lnRef idx="1">
+                <a:schemeClr val="accent1"/>
+              </a:lnRef>
+              <a:fillRef idx="0">
+                <a:schemeClr val="accent1"/>
+              </a:fillRef>
+              <a:effectRef idx="0">
+                <a:schemeClr val="accent1"/>
+              </a:effectRef>
+              <a:fontRef idx="minor">
+                <a:schemeClr val="tx1"/>
+              </a:fontRef>
+            </p:style>
+          </p:cxnSp>
+          <p:cxnSp>
+            <p:nvCxnSpPr>
+              <p:cNvPr id="24" name="Straight Connector 23">
+                <a:extLst>
+                  <a:ext uri="{FF2B5EF4-FFF2-40B4-BE49-F238E27FC236}">
+                    <a16:creationId xmlns:a16="http://schemas.microsoft.com/office/drawing/2014/main" id="{4C3BC8D4-DF42-46E8-BC95-659901EFA2C7}"/>
+                  </a:ext>
+                </a:extLst>
+              </p:cNvPr>
+              <p:cNvCxnSpPr/>
+              <p:nvPr/>
+            </p:nvCxnSpPr>
+            <p:spPr>
+              <a:xfrm>
+                <a:off x="3359712" y="2299228"/>
+                <a:ext cx="604663" cy="0"/>
+              </a:xfrm>
+              <a:prstGeom prst="line">
+                <a:avLst/>
+              </a:prstGeom>
+              <a:ln w="28575">
+                <a:solidFill>
+                  <a:srgbClr val="FF0000"/>
+                </a:solidFill>
+              </a:ln>
+            </p:spPr>
+            <p:style>
+              <a:lnRef idx="1">
+                <a:schemeClr val="accent1"/>
+              </a:lnRef>
+              <a:fillRef idx="0">
+                <a:schemeClr val="accent1"/>
+              </a:fillRef>
+              <a:effectRef idx="0">
+                <a:schemeClr val="accent1"/>
+              </a:effectRef>
+              <a:fontRef idx="minor">
+                <a:schemeClr val="tx1"/>
+              </a:fontRef>
+            </p:style>
+          </p:cxnSp>
+          <p:cxnSp>
+            <p:nvCxnSpPr>
+              <p:cNvPr id="25" name="Straight Connector 24">
+                <a:extLst>
+                  <a:ext uri="{FF2B5EF4-FFF2-40B4-BE49-F238E27FC236}">
+                    <a16:creationId xmlns:a16="http://schemas.microsoft.com/office/drawing/2014/main" id="{66D0DB74-2689-4A1E-9AA0-0E42392816FC}"/>
+                  </a:ext>
+                </a:extLst>
+              </p:cNvPr>
+              <p:cNvCxnSpPr/>
+              <p:nvPr/>
+            </p:nvCxnSpPr>
+            <p:spPr>
+              <a:xfrm>
+                <a:off x="2452932" y="2299228"/>
+                <a:ext cx="604663" cy="0"/>
+              </a:xfrm>
+              <a:prstGeom prst="line">
+                <a:avLst/>
+              </a:prstGeom>
+              <a:ln w="28575">
+                <a:solidFill>
+                  <a:srgbClr val="FF0000"/>
+                </a:solidFill>
+              </a:ln>
+            </p:spPr>
+            <p:style>
+              <a:lnRef idx="1">
+                <a:schemeClr val="accent1"/>
+              </a:lnRef>
+              <a:fillRef idx="0">
+                <a:schemeClr val="accent1"/>
+              </a:fillRef>
+              <a:effectRef idx="0">
+                <a:schemeClr val="accent1"/>
+              </a:effectRef>
+              <a:fontRef idx="minor">
+                <a:schemeClr val="tx1"/>
+              </a:fontRef>
+            </p:style>
+          </p:cxnSp>
+          <p:cxnSp>
+            <p:nvCxnSpPr>
+              <p:cNvPr id="26" name="Straight Connector 25">
+                <a:extLst>
+                  <a:ext uri="{FF2B5EF4-FFF2-40B4-BE49-F238E27FC236}">
+                    <a16:creationId xmlns:a16="http://schemas.microsoft.com/office/drawing/2014/main" id="{3EFCB8FE-B858-4B0A-8B35-B9432A3D6149}"/>
+                  </a:ext>
+                </a:extLst>
+              </p:cNvPr>
+              <p:cNvCxnSpPr/>
+              <p:nvPr/>
+            </p:nvCxnSpPr>
+            <p:spPr>
+              <a:xfrm>
+                <a:off x="1533757" y="2299228"/>
+                <a:ext cx="604663" cy="0"/>
+              </a:xfrm>
+              <a:prstGeom prst="line">
+                <a:avLst/>
+              </a:prstGeom>
+              <a:ln w="28575">
+                <a:solidFill>
+                  <a:srgbClr val="FF0000"/>
+                </a:solidFill>
+              </a:ln>
+            </p:spPr>
+            <p:style>
+              <a:lnRef idx="1">
+                <a:schemeClr val="accent1"/>
+              </a:lnRef>
+              <a:fillRef idx="0">
+                <a:schemeClr val="accent1"/>
+              </a:fillRef>
+              <a:effectRef idx="0">
+                <a:schemeClr val="accent1"/>
+              </a:effectRef>
+              <a:fontRef idx="minor">
+                <a:schemeClr val="tx1"/>
+              </a:fontRef>
+            </p:style>
+          </p:cxnSp>
+          <p:cxnSp>
+            <p:nvCxnSpPr>
+              <p:cNvPr id="29" name="Straight Arrow Connector 28">
+                <a:extLst>
+                  <a:ext uri="{FF2B5EF4-FFF2-40B4-BE49-F238E27FC236}">
+                    <a16:creationId xmlns:a16="http://schemas.microsoft.com/office/drawing/2014/main" id="{F722C922-5779-4187-A3E8-D78E77F764F0}"/>
+                  </a:ext>
+                </a:extLst>
+              </p:cNvPr>
+              <p:cNvCxnSpPr/>
+              <p:nvPr/>
+            </p:nvCxnSpPr>
+            <p:spPr>
+              <a:xfrm>
+                <a:off x="8526980" y="2299228"/>
+                <a:ext cx="0" cy="2949057"/>
+              </a:xfrm>
+              <a:prstGeom prst="straightConnector1">
+                <a:avLst/>
+              </a:prstGeom>
+              <a:ln w="19050">
+                <a:solidFill>
+                  <a:schemeClr val="tx1"/>
+                </a:solidFill>
+                <a:headEnd type="triangle" w="lg" len="lg"/>
+                <a:tailEnd type="triangle" w="lg" len="lg"/>
+              </a:ln>
+            </p:spPr>
+            <p:style>
+              <a:lnRef idx="1">
+                <a:schemeClr val="accent1"/>
+              </a:lnRef>
+              <a:fillRef idx="0">
+                <a:schemeClr val="accent1"/>
+              </a:fillRef>
+              <a:effectRef idx="0">
+                <a:schemeClr val="accent1"/>
+              </a:effectRef>
+              <a:fontRef idx="minor">
+                <a:schemeClr val="tx1"/>
+              </a:fontRef>
+            </p:style>
+          </p:cxnSp>
+          <p:sp>
+            <p:nvSpPr>
+              <p:cNvPr id="27" name="TextBox 26">
+                <a:extLst>
+                  <a:ext uri="{FF2B5EF4-FFF2-40B4-BE49-F238E27FC236}">
+                    <a16:creationId xmlns:a16="http://schemas.microsoft.com/office/drawing/2014/main" id="{A657B6E9-1301-4DD7-9ED5-5184F2D8624C}"/>
+                  </a:ext>
+                </a:extLst>
+              </p:cNvPr>
+              <p:cNvSpPr txBox="1"/>
+              <p:nvPr/>
+            </p:nvSpPr>
+            <p:spPr>
+              <a:xfrm>
+                <a:off x="8065411" y="3499923"/>
+                <a:ext cx="883575" cy="369332"/>
+              </a:xfrm>
+              <a:prstGeom prst="rect">
+                <a:avLst/>
+              </a:prstGeom>
+              <a:solidFill>
+                <a:schemeClr val="bg1"/>
               </a:solidFill>
-            </a:ln>
-          </p:spPr>
-          <p:style>
-            <a:lnRef idx="1">
-              <a:schemeClr val="accent1"/>
-            </a:lnRef>
-            <a:fillRef idx="0">
-              <a:schemeClr val="accent1"/>
-            </a:fillRef>
-            <a:effectRef idx="0">
-              <a:schemeClr val="accent1"/>
-            </a:effectRef>
-            <a:fontRef idx="minor">
-              <a:schemeClr val="tx1"/>
-            </a:fontRef>
-          </p:style>
-        </p:cxnSp>
+            </p:spPr>
+            <p:txBody>
+              <a:bodyPr wrap="none" rtlCol="0">
+                <a:spAutoFit/>
+              </a:bodyPr>
+              <a:lstStyle/>
+              <a:p>
+                <a:r>
+                  <a:rPr lang="en-US" dirty="0">
+                    <a:latin typeface="Times New Roman" panose="02020603050405020304" pitchFamily="18" charset="0"/>
+                    <a:cs typeface="Times New Roman" panose="02020603050405020304" pitchFamily="18" charset="0"/>
+                  </a:rPr>
+                  <a:t>1 meter</a:t>
+                </a:r>
+              </a:p>
+            </p:txBody>
+          </p:sp>
+          <p:sp>
+            <p:nvSpPr>
+              <p:cNvPr id="35" name="Oval 34">
+                <a:extLst>
+                  <a:ext uri="{FF2B5EF4-FFF2-40B4-BE49-F238E27FC236}">
+                    <a16:creationId xmlns:a16="http://schemas.microsoft.com/office/drawing/2014/main" id="{EA246440-DD76-4A9D-8AB9-FE1F7B5B9DD6}"/>
+                  </a:ext>
+                </a:extLst>
+              </p:cNvPr>
+              <p:cNvSpPr/>
+              <p:nvPr/>
+            </p:nvSpPr>
+            <p:spPr bwMode="auto">
+              <a:xfrm>
+                <a:off x="2982691" y="5129714"/>
+                <a:ext cx="149807" cy="149807"/>
+              </a:xfrm>
+              <a:prstGeom prst="ellipse">
+                <a:avLst/>
+              </a:prstGeom>
+              <a:solidFill>
+                <a:srgbClr val="C00000"/>
+              </a:solidFill>
+              <a:ln w="12700" cap="flat" cmpd="sng" algn="ctr">
+                <a:solidFill>
+                  <a:srgbClr val="C00000"/>
+                </a:solidFill>
+                <a:prstDash val="solid"/>
+                <a:round/>
+                <a:headEnd type="none" w="lg" len="med"/>
+                <a:tailEnd type="none" w="lg" len="med"/>
+              </a:ln>
+              <a:effectLst/>
+            </p:spPr>
+            <p:txBody>
+              <a:bodyPr vert="horz" wrap="square" lIns="91440" tIns="45720" rIns="91440" bIns="45720" numCol="1" rtlCol="0" anchor="ctr" anchorCtr="0" compatLnSpc="1">
+                <a:prstTxWarp prst="textNoShape">
+                  <a:avLst/>
+                </a:prstTxWarp>
+                <a:spAutoFit/>
+              </a:bodyPr>
+              <a:lstStyle/>
+              <a:p>
+                <a:pPr marL="0" marR="0" indent="0" algn="l" defTabSz="914400" rtl="0" eaLnBrk="1" fontAlgn="base" latinLnBrk="0" hangingPunct="1">
+                  <a:lnSpc>
+                    <a:spcPct val="100000"/>
+                  </a:lnSpc>
+                  <a:spcBef>
+                    <a:spcPct val="0"/>
+                  </a:spcBef>
+                  <a:spcAft>
+                    <a:spcPct val="0"/>
+                  </a:spcAft>
+                  <a:buClrTx/>
+                  <a:buSzTx/>
+                  <a:buFontTx/>
+                  <a:buNone/>
+                  <a:tabLst/>
+                </a:pPr>
+                <a:endParaRPr kumimoji="0" lang="en-US" sz="1800" b="0" i="0" u="none" strike="noStrike" cap="none" normalizeH="0" baseline="0">
+                  <a:ln>
+                    <a:noFill/>
+                  </a:ln>
+                  <a:solidFill>
+                    <a:schemeClr val="tx1"/>
+                  </a:solidFill>
+                  <a:effectLst/>
+                  <a:latin typeface="Century Gothic" pitchFamily="34" charset="0"/>
+                  <a:cs typeface="Arial" charset="0"/>
+                </a:endParaRPr>
+              </a:p>
+            </p:txBody>
+          </p:sp>
+          <p:sp>
+            <p:nvSpPr>
+              <p:cNvPr id="36" name="Oval 35">
+                <a:extLst>
+                  <a:ext uri="{FF2B5EF4-FFF2-40B4-BE49-F238E27FC236}">
+                    <a16:creationId xmlns:a16="http://schemas.microsoft.com/office/drawing/2014/main" id="{B636916F-E631-43D5-AFCF-FB0EFA6E981D}"/>
+                  </a:ext>
+                </a:extLst>
+              </p:cNvPr>
+              <p:cNvSpPr/>
+              <p:nvPr/>
+            </p:nvSpPr>
+            <p:spPr bwMode="auto">
+              <a:xfrm>
+                <a:off x="2992569" y="2224324"/>
+                <a:ext cx="149807" cy="149807"/>
+              </a:xfrm>
+              <a:prstGeom prst="ellipse">
+                <a:avLst/>
+              </a:prstGeom>
+              <a:solidFill>
+                <a:srgbClr val="C00000"/>
+              </a:solidFill>
+              <a:ln w="12700" cap="flat" cmpd="sng" algn="ctr">
+                <a:solidFill>
+                  <a:srgbClr val="C00000"/>
+                </a:solidFill>
+                <a:prstDash val="solid"/>
+                <a:round/>
+                <a:headEnd type="none" w="lg" len="med"/>
+                <a:tailEnd type="none" w="lg" len="med"/>
+              </a:ln>
+              <a:effectLst/>
+            </p:spPr>
+            <p:txBody>
+              <a:bodyPr vert="horz" wrap="square" lIns="91440" tIns="45720" rIns="91440" bIns="45720" numCol="1" rtlCol="0" anchor="ctr" anchorCtr="0" compatLnSpc="1">
+                <a:prstTxWarp prst="textNoShape">
+                  <a:avLst/>
+                </a:prstTxWarp>
+                <a:spAutoFit/>
+              </a:bodyPr>
+              <a:lstStyle/>
+              <a:p>
+                <a:pPr marL="0" marR="0" indent="0" algn="l" defTabSz="914400" rtl="0" eaLnBrk="1" fontAlgn="base" latinLnBrk="0" hangingPunct="1">
+                  <a:lnSpc>
+                    <a:spcPct val="100000"/>
+                  </a:lnSpc>
+                  <a:spcBef>
+                    <a:spcPct val="0"/>
+                  </a:spcBef>
+                  <a:spcAft>
+                    <a:spcPct val="0"/>
+                  </a:spcAft>
+                  <a:buClrTx/>
+                  <a:buSzTx/>
+                  <a:buFontTx/>
+                  <a:buNone/>
+                  <a:tabLst/>
+                </a:pPr>
+                <a:endParaRPr kumimoji="0" lang="en-US" sz="1800" b="0" i="0" u="none" strike="noStrike" cap="none" normalizeH="0" baseline="0">
+                  <a:ln>
+                    <a:noFill/>
+                  </a:ln>
+                  <a:solidFill>
+                    <a:schemeClr val="tx1"/>
+                  </a:solidFill>
+                  <a:effectLst/>
+                  <a:latin typeface="Century Gothic" pitchFamily="34" charset="0"/>
+                  <a:cs typeface="Arial" charset="0"/>
+                </a:endParaRPr>
+              </a:p>
+            </p:txBody>
+          </p:sp>
+          <p:cxnSp>
+            <p:nvCxnSpPr>
+              <p:cNvPr id="38" name="Straight Connector 37">
+                <a:extLst>
+                  <a:ext uri="{FF2B5EF4-FFF2-40B4-BE49-F238E27FC236}">
+                    <a16:creationId xmlns:a16="http://schemas.microsoft.com/office/drawing/2014/main" id="{A73CFDDE-A54D-4C47-93ED-C83A5CBFF56A}"/>
+                  </a:ext>
+                </a:extLst>
+              </p:cNvPr>
+              <p:cNvCxnSpPr>
+                <a:stCxn id="35" idx="4"/>
+              </p:cNvCxnSpPr>
+              <p:nvPr/>
+            </p:nvCxnSpPr>
+            <p:spPr>
+              <a:xfrm flipH="1">
+                <a:off x="3057594" y="5279521"/>
+                <a:ext cx="1" cy="184019"/>
+              </a:xfrm>
+              <a:prstGeom prst="line">
+                <a:avLst/>
+              </a:prstGeom>
+            </p:spPr>
+            <p:style>
+              <a:lnRef idx="1">
+                <a:schemeClr val="dk1"/>
+              </a:lnRef>
+              <a:fillRef idx="0">
+                <a:schemeClr val="dk1"/>
+              </a:fillRef>
+              <a:effectRef idx="0">
+                <a:schemeClr val="dk1"/>
+              </a:effectRef>
+              <a:fontRef idx="minor">
+                <a:schemeClr val="tx1"/>
+              </a:fontRef>
+            </p:style>
+          </p:cxnSp>
+          <p:grpSp>
+            <p:nvGrpSpPr>
+              <p:cNvPr id="12" name="Group 11">
+                <a:extLst>
+                  <a:ext uri="{FF2B5EF4-FFF2-40B4-BE49-F238E27FC236}">
+                    <a16:creationId xmlns:a16="http://schemas.microsoft.com/office/drawing/2014/main" id="{AA99E7F0-9391-4D18-ADB3-3BE01FBAD3B1}"/>
+                  </a:ext>
+                </a:extLst>
+              </p:cNvPr>
+              <p:cNvGrpSpPr/>
+              <p:nvPr/>
+            </p:nvGrpSpPr>
+            <p:grpSpPr>
+              <a:xfrm>
+                <a:off x="3183114" y="2045186"/>
+                <a:ext cx="595784" cy="519420"/>
+                <a:chOff x="6545089" y="2384266"/>
+                <a:chExt cx="210233" cy="193882"/>
+              </a:xfrm>
+            </p:grpSpPr>
+            <p:sp>
+              <p:nvSpPr>
+                <p:cNvPr id="8" name="AutoShape 174">
+                  <a:extLst>
+                    <a:ext uri="{FF2B5EF4-FFF2-40B4-BE49-F238E27FC236}">
+                      <a16:creationId xmlns:a16="http://schemas.microsoft.com/office/drawing/2014/main" id="{826416CD-FFFE-46F3-BF71-6458DB2A561D}"/>
+                    </a:ext>
+                  </a:extLst>
+                </p:cNvPr>
+                <p:cNvSpPr>
+                  <a:spLocks noChangeArrowheads="1"/>
+                </p:cNvSpPr>
+                <p:nvPr/>
+              </p:nvSpPr>
+              <p:spPr bwMode="auto">
+                <a:xfrm flipV="1">
+                  <a:off x="6571368" y="2384266"/>
+                  <a:ext cx="157675" cy="105156"/>
+                </a:xfrm>
+                <a:prstGeom prst="triangle">
+                  <a:avLst>
+                    <a:gd name="adj" fmla="val 50000"/>
+                  </a:avLst>
+                </a:prstGeom>
+                <a:noFill/>
+                <a:ln w="12700">
+                  <a:solidFill>
+                    <a:schemeClr val="tx1"/>
+                  </a:solidFill>
+                  <a:miter lim="800000"/>
+                  <a:headEnd type="none" w="lg" len="med"/>
+                  <a:tailEnd type="none" w="lg" len="med"/>
+                </a:ln>
+                <a:effectLst/>
+              </p:spPr>
+              <p:txBody>
+                <a:bodyPr anchor="ctr">
+                  <a:spAutoFit/>
+                </a:bodyPr>
+                <a:lstStyle/>
+                <a:p>
+                  <a:endParaRPr lang="en-US"/>
+                </a:p>
+              </p:txBody>
+            </p:sp>
+            <p:sp>
+              <p:nvSpPr>
+                <p:cNvPr id="9" name="Line 175">
+                  <a:extLst>
+                    <a:ext uri="{FF2B5EF4-FFF2-40B4-BE49-F238E27FC236}">
+                      <a16:creationId xmlns:a16="http://schemas.microsoft.com/office/drawing/2014/main" id="{69E53567-22C4-4D37-B119-33F14895647C}"/>
+                    </a:ext>
+                  </a:extLst>
+                </p:cNvPr>
+                <p:cNvSpPr>
+                  <a:spLocks noChangeShapeType="1"/>
+                </p:cNvSpPr>
+                <p:nvPr/>
+              </p:nvSpPr>
+              <p:spPr bwMode="auto">
+                <a:xfrm>
+                  <a:off x="6545089" y="2518997"/>
+                  <a:ext cx="210233" cy="0"/>
+                </a:xfrm>
+                <a:prstGeom prst="line">
+                  <a:avLst/>
+                </a:prstGeom>
+                <a:noFill/>
+                <a:ln w="12700">
+                  <a:solidFill>
+                    <a:schemeClr val="tx1"/>
+                  </a:solidFill>
+                  <a:round/>
+                  <a:headEnd type="none" w="lg" len="med"/>
+                  <a:tailEnd type="none" w="lg" len="med"/>
+                </a:ln>
+                <a:effectLst/>
+              </p:spPr>
+              <p:txBody>
+                <a:bodyPr anchor="ctr">
+                  <a:spAutoFit/>
+                </a:bodyPr>
+                <a:lstStyle/>
+                <a:p>
+                  <a:endParaRPr lang="en-US"/>
+                </a:p>
+              </p:txBody>
+            </p:sp>
+            <p:sp>
+              <p:nvSpPr>
+                <p:cNvPr id="10" name="Line 176">
+                  <a:extLst>
+                    <a:ext uri="{FF2B5EF4-FFF2-40B4-BE49-F238E27FC236}">
+                      <a16:creationId xmlns:a16="http://schemas.microsoft.com/office/drawing/2014/main" id="{514E9AFB-CF9B-49C4-A21C-6AB30C91B677}"/>
+                    </a:ext>
+                  </a:extLst>
+                </p:cNvPr>
+                <p:cNvSpPr>
+                  <a:spLocks noChangeShapeType="1"/>
+                </p:cNvSpPr>
+                <p:nvPr/>
+              </p:nvSpPr>
+              <p:spPr bwMode="auto">
+                <a:xfrm>
+                  <a:off x="6571368" y="2548573"/>
+                  <a:ext cx="157675" cy="0"/>
+                </a:xfrm>
+                <a:prstGeom prst="line">
+                  <a:avLst/>
+                </a:prstGeom>
+                <a:noFill/>
+                <a:ln w="12700">
+                  <a:solidFill>
+                    <a:schemeClr val="tx1"/>
+                  </a:solidFill>
+                  <a:round/>
+                  <a:headEnd type="none" w="lg" len="med"/>
+                  <a:tailEnd type="none" w="lg" len="med"/>
+                </a:ln>
+                <a:effectLst/>
+              </p:spPr>
+              <p:txBody>
+                <a:bodyPr anchor="ctr">
+                  <a:spAutoFit/>
+                </a:bodyPr>
+                <a:lstStyle/>
+                <a:p>
+                  <a:endParaRPr lang="en-US"/>
+                </a:p>
+              </p:txBody>
+            </p:sp>
+            <p:sp>
+              <p:nvSpPr>
+                <p:cNvPr id="11" name="Line 177">
+                  <a:extLst>
+                    <a:ext uri="{FF2B5EF4-FFF2-40B4-BE49-F238E27FC236}">
+                      <a16:creationId xmlns:a16="http://schemas.microsoft.com/office/drawing/2014/main" id="{D3338B02-509F-4D1D-AFAE-EDDBF99A0DD1}"/>
+                    </a:ext>
+                  </a:extLst>
+                </p:cNvPr>
+                <p:cNvSpPr>
+                  <a:spLocks noChangeShapeType="1"/>
+                </p:cNvSpPr>
+                <p:nvPr/>
+              </p:nvSpPr>
+              <p:spPr bwMode="auto">
+                <a:xfrm>
+                  <a:off x="6602027" y="2578148"/>
+                  <a:ext cx="95262" cy="0"/>
+                </a:xfrm>
+                <a:prstGeom prst="line">
+                  <a:avLst/>
+                </a:prstGeom>
+                <a:noFill/>
+                <a:ln w="12700">
+                  <a:solidFill>
+                    <a:schemeClr val="tx1"/>
+                  </a:solidFill>
+                  <a:round/>
+                  <a:headEnd type="none" w="lg" len="med"/>
+                  <a:tailEnd type="none" w="lg" len="med"/>
+                </a:ln>
+                <a:effectLst/>
+              </p:spPr>
+              <p:txBody>
+                <a:bodyPr anchor="ctr">
+                  <a:spAutoFit/>
+                </a:bodyPr>
+                <a:lstStyle/>
+                <a:p>
+                  <a:endParaRPr lang="en-US"/>
+                </a:p>
+              </p:txBody>
+            </p:sp>
+          </p:grpSp>
+          <p:sp>
+            <p:nvSpPr>
+              <p:cNvPr id="42" name="TextBox 41">
+                <a:extLst>
+                  <a:ext uri="{FF2B5EF4-FFF2-40B4-BE49-F238E27FC236}">
+                    <a16:creationId xmlns:a16="http://schemas.microsoft.com/office/drawing/2014/main" id="{BA92C151-C849-4CCB-BFD0-5973E5E417DE}"/>
+                  </a:ext>
+                </a:extLst>
+              </p:cNvPr>
+              <p:cNvSpPr txBox="1"/>
+              <p:nvPr/>
+            </p:nvSpPr>
+            <p:spPr>
+              <a:xfrm>
+                <a:off x="6029404" y="5410700"/>
+                <a:ext cx="2428870" cy="369332"/>
+              </a:xfrm>
+              <a:prstGeom prst="rect">
+                <a:avLst/>
+              </a:prstGeom>
+              <a:solidFill>
+                <a:schemeClr val="bg1"/>
+              </a:solidFill>
+            </p:spPr>
+            <p:txBody>
+              <a:bodyPr wrap="none" rtlCol="0">
+                <a:spAutoFit/>
+              </a:bodyPr>
+              <a:lstStyle/>
+              <a:p>
+                <a:r>
+                  <a:rPr lang="en-US" dirty="0">
+                    <a:latin typeface="Times New Roman" panose="02020603050405020304" pitchFamily="18" charset="0"/>
+                    <a:cs typeface="Times New Roman" panose="02020603050405020304" pitchFamily="18" charset="0"/>
+                  </a:rPr>
+                  <a:t>1 meter of velocity head</a:t>
+                </a:r>
+              </a:p>
+            </p:txBody>
+          </p:sp>
+          <p:sp>
+            <p:nvSpPr>
+              <p:cNvPr id="43" name="TextBox 42">
+                <a:extLst>
+                  <a:ext uri="{FF2B5EF4-FFF2-40B4-BE49-F238E27FC236}">
+                    <a16:creationId xmlns:a16="http://schemas.microsoft.com/office/drawing/2014/main" id="{F8B4DFB6-15DB-4E5B-B514-1CFBDF2ED0EA}"/>
+                  </a:ext>
+                </a:extLst>
+              </p:cNvPr>
+              <p:cNvSpPr txBox="1"/>
+              <p:nvPr/>
+            </p:nvSpPr>
+            <p:spPr>
+              <a:xfrm>
+                <a:off x="1838187" y="5463540"/>
+                <a:ext cx="2454518" cy="369332"/>
+              </a:xfrm>
+              <a:prstGeom prst="rect">
+                <a:avLst/>
+              </a:prstGeom>
+              <a:solidFill>
+                <a:schemeClr val="bg1"/>
+              </a:solidFill>
+            </p:spPr>
+            <p:txBody>
+              <a:bodyPr wrap="none" rtlCol="0">
+                <a:spAutoFit/>
+              </a:bodyPr>
+              <a:lstStyle/>
+              <a:p>
+                <a:r>
+                  <a:rPr lang="en-US" dirty="0">
+                    <a:latin typeface="Times New Roman" panose="02020603050405020304" pitchFamily="18" charset="0"/>
+                    <a:cs typeface="Times New Roman" panose="02020603050405020304" pitchFamily="18" charset="0"/>
+                  </a:rPr>
+                  <a:t>1 meter of pressure head</a:t>
+                </a:r>
+              </a:p>
+            </p:txBody>
+          </p:sp>
+          <p:sp>
+            <p:nvSpPr>
+              <p:cNvPr id="44" name="TextBox 43">
+                <a:extLst>
+                  <a:ext uri="{FF2B5EF4-FFF2-40B4-BE49-F238E27FC236}">
+                    <a16:creationId xmlns:a16="http://schemas.microsoft.com/office/drawing/2014/main" id="{543BB2FE-D7D0-402C-948C-BAF371D9E1B7}"/>
+                  </a:ext>
+                </a:extLst>
+              </p:cNvPr>
+              <p:cNvSpPr txBox="1"/>
+              <p:nvPr/>
+            </p:nvSpPr>
+            <p:spPr>
+              <a:xfrm>
+                <a:off x="3790130" y="1394668"/>
+                <a:ext cx="2531462" cy="369332"/>
+              </a:xfrm>
+              <a:prstGeom prst="rect">
+                <a:avLst/>
+              </a:prstGeom>
+              <a:solidFill>
+                <a:schemeClr val="bg1"/>
+              </a:solidFill>
+            </p:spPr>
+            <p:txBody>
+              <a:bodyPr wrap="none" rtlCol="0">
+                <a:spAutoFit/>
+              </a:bodyPr>
+              <a:lstStyle/>
+              <a:p>
+                <a:r>
+                  <a:rPr lang="en-US" dirty="0">
+                    <a:latin typeface="Times New Roman" panose="02020603050405020304" pitchFamily="18" charset="0"/>
+                    <a:cs typeface="Times New Roman" panose="02020603050405020304" pitchFamily="18" charset="0"/>
+                  </a:rPr>
+                  <a:t>1 meter of elevation head</a:t>
+                </a:r>
+              </a:p>
+            </p:txBody>
+          </p:sp>
+          <p:grpSp>
+            <p:nvGrpSpPr>
+              <p:cNvPr id="50" name="Group 49">
+                <a:extLst>
+                  <a:ext uri="{FF2B5EF4-FFF2-40B4-BE49-F238E27FC236}">
+                    <a16:creationId xmlns:a16="http://schemas.microsoft.com/office/drawing/2014/main" id="{C73AE796-6455-43BC-967A-B5E16D7831D4}"/>
+                  </a:ext>
+                </a:extLst>
+              </p:cNvPr>
+              <p:cNvGrpSpPr/>
+              <p:nvPr/>
+            </p:nvGrpSpPr>
+            <p:grpSpPr>
+              <a:xfrm>
+                <a:off x="6150522" y="2299767"/>
+                <a:ext cx="2159535" cy="2926983"/>
+                <a:chOff x="4258439" y="2292005"/>
+                <a:chExt cx="2159535" cy="2926983"/>
+              </a:xfrm>
+            </p:grpSpPr>
+            <p:sp>
+              <p:nvSpPr>
+                <p:cNvPr id="46" name="Arrow: U-Turn 45">
+                  <a:extLst>
+                    <a:ext uri="{FF2B5EF4-FFF2-40B4-BE49-F238E27FC236}">
+                      <a16:creationId xmlns:a16="http://schemas.microsoft.com/office/drawing/2014/main" id="{DD82B258-948E-4F43-A1C6-29A1B78DE6AB}"/>
+                    </a:ext>
+                  </a:extLst>
+                </p:cNvPr>
+                <p:cNvSpPr/>
+                <p:nvPr/>
+              </p:nvSpPr>
+              <p:spPr>
+                <a:xfrm>
+                  <a:off x="5180891" y="2292005"/>
+                  <a:ext cx="1237083" cy="2926983"/>
+                </a:xfrm>
+                <a:prstGeom prst="uturnArrow">
+                  <a:avLst>
+                    <a:gd name="adj1" fmla="val 25000"/>
+                    <a:gd name="adj2" fmla="val 25000"/>
+                    <a:gd name="adj3" fmla="val 25616"/>
+                    <a:gd name="adj4" fmla="val 42247"/>
+                    <a:gd name="adj5" fmla="val 28422"/>
+                  </a:avLst>
+                </a:prstGeom>
+                <a:solidFill>
+                  <a:srgbClr val="0563C1"/>
+                </a:solidFill>
+                <a:ln>
+                  <a:noFill/>
+                </a:ln>
+              </p:spPr>
+              <p:style>
+                <a:lnRef idx="2">
+                  <a:schemeClr val="accent1">
+                    <a:shade val="50000"/>
+                  </a:schemeClr>
+                </a:lnRef>
+                <a:fillRef idx="1">
+                  <a:schemeClr val="accent1"/>
+                </a:fillRef>
+                <a:effectRef idx="0">
+                  <a:schemeClr val="accent1"/>
+                </a:effectRef>
+                <a:fontRef idx="minor">
+                  <a:schemeClr val="lt1"/>
+                </a:fontRef>
+              </p:style>
+              <p:txBody>
+                <a:bodyPr rtlCol="0" anchor="ctr"/>
+                <a:lstStyle/>
+                <a:p>
+                  <a:pPr algn="ctr"/>
+                  <a:endParaRPr lang="en-US">
+                    <a:solidFill>
+                      <a:schemeClr val="tx1"/>
+                    </a:solidFill>
+                  </a:endParaRPr>
+                </a:p>
+              </p:txBody>
+            </p:sp>
+            <p:sp>
+              <p:nvSpPr>
+                <p:cNvPr id="49" name="Arrow: U-Turn 48">
+                  <a:extLst>
+                    <a:ext uri="{FF2B5EF4-FFF2-40B4-BE49-F238E27FC236}">
+                      <a16:creationId xmlns:a16="http://schemas.microsoft.com/office/drawing/2014/main" id="{4F4BC159-53C5-4B81-96CA-482C0D0C003D}"/>
+                    </a:ext>
+                  </a:extLst>
+                </p:cNvPr>
+                <p:cNvSpPr/>
+                <p:nvPr/>
+              </p:nvSpPr>
+              <p:spPr>
+                <a:xfrm flipH="1">
+                  <a:off x="4258439" y="2292005"/>
+                  <a:ext cx="1234440" cy="2926983"/>
+                </a:xfrm>
+                <a:prstGeom prst="uturnArrow">
+                  <a:avLst>
+                    <a:gd name="adj1" fmla="val 25000"/>
+                    <a:gd name="adj2" fmla="val 25000"/>
+                    <a:gd name="adj3" fmla="val 25616"/>
+                    <a:gd name="adj4" fmla="val 42247"/>
+                    <a:gd name="adj5" fmla="val 28422"/>
+                  </a:avLst>
+                </a:prstGeom>
+                <a:solidFill>
+                  <a:srgbClr val="0563C1"/>
+                </a:solidFill>
+                <a:ln>
+                  <a:noFill/>
+                </a:ln>
+              </p:spPr>
+              <p:style>
+                <a:lnRef idx="2">
+                  <a:schemeClr val="accent1">
+                    <a:shade val="50000"/>
+                  </a:schemeClr>
+                </a:lnRef>
+                <a:fillRef idx="1">
+                  <a:schemeClr val="accent1"/>
+                </a:fillRef>
+                <a:effectRef idx="0">
+                  <a:schemeClr val="accent1"/>
+                </a:effectRef>
+                <a:fontRef idx="minor">
+                  <a:schemeClr val="lt1"/>
+                </a:fontRef>
+              </p:style>
+              <p:txBody>
+                <a:bodyPr rtlCol="0" anchor="ctr"/>
+                <a:lstStyle/>
+                <a:p>
+                  <a:pPr algn="ctr"/>
+                  <a:endParaRPr lang="en-US">
+                    <a:solidFill>
+                      <a:schemeClr val="tx1"/>
+                    </a:solidFill>
+                  </a:endParaRPr>
+                </a:p>
+              </p:txBody>
+            </p:sp>
+            <p:sp>
+              <p:nvSpPr>
+                <p:cNvPr id="30" name="Arrow: Up 29">
+                  <a:extLst>
+                    <a:ext uri="{FF2B5EF4-FFF2-40B4-BE49-F238E27FC236}">
+                      <a16:creationId xmlns:a16="http://schemas.microsoft.com/office/drawing/2014/main" id="{2D51BD65-5F71-4556-995C-2301D7549D5C}"/>
+                    </a:ext>
+                  </a:extLst>
+                </p:cNvPr>
+                <p:cNvSpPr/>
+                <p:nvPr/>
+              </p:nvSpPr>
+              <p:spPr>
+                <a:xfrm>
+                  <a:off x="5257003" y="3692113"/>
+                  <a:ext cx="189505" cy="1200682"/>
+                </a:xfrm>
+                <a:prstGeom prst="upArrow">
+                  <a:avLst/>
+                </a:prstGeom>
+              </p:spPr>
+              <p:style>
+                <a:lnRef idx="2">
+                  <a:schemeClr val="accent1">
+                    <a:shade val="50000"/>
+                  </a:schemeClr>
+                </a:lnRef>
+                <a:fillRef idx="1">
+                  <a:schemeClr val="accent1"/>
+                </a:fillRef>
+                <a:effectRef idx="0">
+                  <a:schemeClr val="accent1"/>
+                </a:effectRef>
+                <a:fontRef idx="minor">
+                  <a:schemeClr val="lt1"/>
+                </a:fontRef>
+              </p:style>
+              <p:txBody>
+                <a:bodyPr rtlCol="0" anchor="ctr"/>
+                <a:lstStyle/>
+                <a:p>
+                  <a:pPr algn="ctr"/>
+                  <a:endParaRPr lang="en-US"/>
+                </a:p>
+              </p:txBody>
+            </p:sp>
+          </p:grpSp>
+          <p:sp>
+            <p:nvSpPr>
+              <p:cNvPr id="31" name="Oval 30">
+                <a:extLst>
+                  <a:ext uri="{FF2B5EF4-FFF2-40B4-BE49-F238E27FC236}">
+                    <a16:creationId xmlns:a16="http://schemas.microsoft.com/office/drawing/2014/main" id="{0F52903D-F9ED-469E-AACD-14BD4B407D76}"/>
+                  </a:ext>
+                </a:extLst>
+              </p:cNvPr>
+              <p:cNvSpPr/>
+              <p:nvPr/>
+            </p:nvSpPr>
+            <p:spPr bwMode="auto">
+              <a:xfrm>
+                <a:off x="7169446" y="5137472"/>
+                <a:ext cx="149807" cy="149807"/>
+              </a:xfrm>
+              <a:prstGeom prst="ellipse">
+                <a:avLst/>
+              </a:prstGeom>
+              <a:solidFill>
+                <a:srgbClr val="C00000"/>
+              </a:solidFill>
+              <a:ln w="12700" cap="flat" cmpd="sng" algn="ctr">
+                <a:solidFill>
+                  <a:srgbClr val="C00000"/>
+                </a:solidFill>
+                <a:prstDash val="solid"/>
+                <a:round/>
+                <a:headEnd type="none" w="lg" len="med"/>
+                <a:tailEnd type="none" w="lg" len="med"/>
+              </a:ln>
+              <a:effectLst/>
+            </p:spPr>
+            <p:txBody>
+              <a:bodyPr vert="horz" wrap="square" lIns="91440" tIns="45720" rIns="91440" bIns="45720" numCol="1" rtlCol="0" anchor="ctr" anchorCtr="0" compatLnSpc="1">
+                <a:prstTxWarp prst="textNoShape">
+                  <a:avLst/>
+                </a:prstTxWarp>
+                <a:spAutoFit/>
+              </a:bodyPr>
+              <a:lstStyle/>
+              <a:p>
+                <a:pPr marL="0" marR="0" indent="0" algn="l" defTabSz="914400" rtl="0" eaLnBrk="1" fontAlgn="base" latinLnBrk="0" hangingPunct="1">
+                  <a:lnSpc>
+                    <a:spcPct val="100000"/>
+                  </a:lnSpc>
+                  <a:spcBef>
+                    <a:spcPct val="0"/>
+                  </a:spcBef>
+                  <a:spcAft>
+                    <a:spcPct val="0"/>
+                  </a:spcAft>
+                  <a:buClrTx/>
+                  <a:buSzTx/>
+                  <a:buFontTx/>
+                  <a:buNone/>
+                  <a:tabLst/>
+                </a:pPr>
+                <a:endParaRPr kumimoji="0" lang="en-US" sz="1800" b="0" i="0" u="none" strike="noStrike" cap="none" normalizeH="0" baseline="0">
+                  <a:ln>
+                    <a:noFill/>
+                  </a:ln>
+                  <a:solidFill>
+                    <a:schemeClr val="tx1"/>
+                  </a:solidFill>
+                  <a:effectLst/>
+                  <a:latin typeface="Century Gothic" pitchFamily="34" charset="0"/>
+                  <a:cs typeface="Arial" charset="0"/>
+                </a:endParaRPr>
+              </a:p>
+            </p:txBody>
+          </p:sp>
+        </p:grpSp>
         <p:sp>
           <p:nvSpPr>
-            <p:cNvPr id="7" name="Freeform 6">
+            <p:cNvPr id="33" name="Oval 32">
               <a:extLst>
                 <a:ext uri="{FF2B5EF4-FFF2-40B4-BE49-F238E27FC236}">
-                  <a16:creationId xmlns:a16="http://schemas.microsoft.com/office/drawing/2014/main" id="{58021AEB-702F-4BE2-BE8C-D90490646ADA}"/>
-                </a:ext>
-              </a:extLst>
-            </p:cNvPr>
-            <p:cNvSpPr>
-              <a:spLocks/>
-            </p:cNvSpPr>
-            <p:nvPr/>
-          </p:nvSpPr>
-          <p:spPr bwMode="auto">
-            <a:xfrm>
-              <a:off x="2146040" y="2304897"/>
-              <a:ext cx="1831457" cy="2948238"/>
-            </a:xfrm>
-            <a:custGeom>
-              <a:avLst/>
-              <a:gdLst/>
-              <a:ahLst/>
-              <a:cxnLst>
-                <a:cxn ang="0">
-                  <a:pos x="0" y="0"/>
-                </a:cxn>
-                <a:cxn ang="0">
-                  <a:pos x="0" y="528"/>
-                </a:cxn>
-                <a:cxn ang="0">
-                  <a:pos x="3216" y="528"/>
-                </a:cxn>
-                <a:cxn ang="0">
-                  <a:pos x="3216" y="0"/>
-                </a:cxn>
-              </a:cxnLst>
-              <a:rect l="0" t="0" r="r" b="b"/>
-              <a:pathLst>
-                <a:path w="3216" h="528">
-                  <a:moveTo>
-                    <a:pt x="0" y="0"/>
-                  </a:moveTo>
-                  <a:lnTo>
-                    <a:pt x="0" y="528"/>
-                  </a:lnTo>
-                  <a:lnTo>
-                    <a:pt x="3216" y="528"/>
-                  </a:lnTo>
-                  <a:lnTo>
-                    <a:pt x="3216" y="0"/>
-                  </a:lnTo>
-                </a:path>
-              </a:pathLst>
-            </a:custGeom>
-            <a:solidFill>
-              <a:schemeClr val="hlink"/>
-            </a:solidFill>
-            <a:ln w="57150" cap="flat" cmpd="sng">
-              <a:solidFill>
-                <a:schemeClr val="tx1">
-                  <a:alpha val="78000"/>
-                </a:schemeClr>
-              </a:solidFill>
-              <a:prstDash val="solid"/>
-              <a:round/>
-              <a:headEnd type="none" w="lg" len="med"/>
-              <a:tailEnd type="none" w="lg" len="med"/>
-            </a:ln>
-            <a:effectLst/>
-          </p:spPr>
-          <p:txBody>
-            <a:bodyPr wrap="square" anchor="ctr">
-              <a:spAutoFit/>
-            </a:bodyPr>
-            <a:lstStyle/>
-            <a:p>
-              <a:endParaRPr lang="en-US" dirty="0"/>
-            </a:p>
-          </p:txBody>
-        </p:sp>
-        <p:cxnSp>
-          <p:nvCxnSpPr>
-            <p:cNvPr id="19" name="Straight Connector 18">
-              <a:extLst>
-                <a:ext uri="{FF2B5EF4-FFF2-40B4-BE49-F238E27FC236}">
-                  <a16:creationId xmlns:a16="http://schemas.microsoft.com/office/drawing/2014/main" id="{CD12D136-1B8D-4819-9342-DB7938625856}"/>
-                </a:ext>
-              </a:extLst>
-            </p:cNvPr>
-            <p:cNvCxnSpPr/>
-            <p:nvPr/>
-          </p:nvCxnSpPr>
-          <p:spPr>
-            <a:xfrm>
-              <a:off x="4267057" y="2304897"/>
-              <a:ext cx="604663" cy="0"/>
-            </a:xfrm>
-            <a:prstGeom prst="line">
-              <a:avLst/>
-            </a:prstGeom>
-            <a:ln w="28575">
-              <a:solidFill>
-                <a:srgbClr val="FF0000"/>
-              </a:solidFill>
-            </a:ln>
-          </p:spPr>
-          <p:style>
-            <a:lnRef idx="1">
-              <a:schemeClr val="accent1"/>
-            </a:lnRef>
-            <a:fillRef idx="0">
-              <a:schemeClr val="accent1"/>
-            </a:fillRef>
-            <a:effectRef idx="0">
-              <a:schemeClr val="accent1"/>
-            </a:effectRef>
-            <a:fontRef idx="minor">
-              <a:schemeClr val="tx1"/>
-            </a:fontRef>
-          </p:style>
-        </p:cxnSp>
-        <p:cxnSp>
-          <p:nvCxnSpPr>
-            <p:cNvPr id="20" name="Straight Connector 19">
-              <a:extLst>
-                <a:ext uri="{FF2B5EF4-FFF2-40B4-BE49-F238E27FC236}">
-                  <a16:creationId xmlns:a16="http://schemas.microsoft.com/office/drawing/2014/main" id="{36825B29-9467-409D-960E-0015624CE2F1}"/>
-                </a:ext>
-              </a:extLst>
-            </p:cNvPr>
-            <p:cNvCxnSpPr/>
-            <p:nvPr/>
-          </p:nvCxnSpPr>
-          <p:spPr>
-            <a:xfrm>
-              <a:off x="5184140" y="2304044"/>
-              <a:ext cx="604663" cy="0"/>
-            </a:xfrm>
-            <a:prstGeom prst="line">
-              <a:avLst/>
-            </a:prstGeom>
-            <a:ln w="28575">
-              <a:solidFill>
-                <a:srgbClr val="FF0000"/>
-              </a:solidFill>
-            </a:ln>
-          </p:spPr>
-          <p:style>
-            <a:lnRef idx="1">
-              <a:schemeClr val="accent1"/>
-            </a:lnRef>
-            <a:fillRef idx="0">
-              <a:schemeClr val="accent1"/>
-            </a:fillRef>
-            <a:effectRef idx="0">
-              <a:schemeClr val="accent1"/>
-            </a:effectRef>
-            <a:fontRef idx="minor">
-              <a:schemeClr val="tx1"/>
-            </a:fontRef>
-          </p:style>
-        </p:cxnSp>
-        <p:cxnSp>
-          <p:nvCxnSpPr>
-            <p:cNvPr id="21" name="Straight Connector 20">
-              <a:extLst>
-                <a:ext uri="{FF2B5EF4-FFF2-40B4-BE49-F238E27FC236}">
-                  <a16:creationId xmlns:a16="http://schemas.microsoft.com/office/drawing/2014/main" id="{9B3030BC-8E03-47F5-9DC2-0431DC1BFA87}"/>
-                </a:ext>
-              </a:extLst>
-            </p:cNvPr>
-            <p:cNvCxnSpPr/>
-            <p:nvPr/>
-          </p:nvCxnSpPr>
-          <p:spPr>
-            <a:xfrm>
-              <a:off x="6101137" y="2304044"/>
-              <a:ext cx="604663" cy="0"/>
-            </a:xfrm>
-            <a:prstGeom prst="line">
-              <a:avLst/>
-            </a:prstGeom>
-            <a:ln w="28575">
-              <a:solidFill>
-                <a:srgbClr val="FF0000"/>
-              </a:solidFill>
-            </a:ln>
-          </p:spPr>
-          <p:style>
-            <a:lnRef idx="1">
-              <a:schemeClr val="accent1"/>
-            </a:lnRef>
-            <a:fillRef idx="0">
-              <a:schemeClr val="accent1"/>
-            </a:fillRef>
-            <a:effectRef idx="0">
-              <a:schemeClr val="accent1"/>
-            </a:effectRef>
-            <a:fontRef idx="minor">
-              <a:schemeClr val="tx1"/>
-            </a:fontRef>
-          </p:style>
-        </p:cxnSp>
-        <p:cxnSp>
-          <p:nvCxnSpPr>
-            <p:cNvPr id="22" name="Straight Connector 21">
-              <a:extLst>
-                <a:ext uri="{FF2B5EF4-FFF2-40B4-BE49-F238E27FC236}">
-                  <a16:creationId xmlns:a16="http://schemas.microsoft.com/office/drawing/2014/main" id="{C89E168E-ADBF-454F-BB89-8A628292715A}"/>
-                </a:ext>
-              </a:extLst>
-            </p:cNvPr>
-            <p:cNvCxnSpPr/>
-            <p:nvPr/>
-          </p:nvCxnSpPr>
-          <p:spPr>
-            <a:xfrm>
-              <a:off x="7007917" y="2304044"/>
-              <a:ext cx="604663" cy="0"/>
-            </a:xfrm>
-            <a:prstGeom prst="line">
-              <a:avLst/>
-            </a:prstGeom>
-            <a:ln w="28575">
-              <a:solidFill>
-                <a:srgbClr val="FF0000"/>
-              </a:solidFill>
-            </a:ln>
-          </p:spPr>
-          <p:style>
-            <a:lnRef idx="1">
-              <a:schemeClr val="accent1"/>
-            </a:lnRef>
-            <a:fillRef idx="0">
-              <a:schemeClr val="accent1"/>
-            </a:fillRef>
-            <a:effectRef idx="0">
-              <a:schemeClr val="accent1"/>
-            </a:effectRef>
-            <a:fontRef idx="minor">
-              <a:schemeClr val="tx1"/>
-            </a:fontRef>
-          </p:style>
-        </p:cxnSp>
-        <p:cxnSp>
-          <p:nvCxnSpPr>
-            <p:cNvPr id="23" name="Straight Connector 22">
-              <a:extLst>
-                <a:ext uri="{FF2B5EF4-FFF2-40B4-BE49-F238E27FC236}">
-                  <a16:creationId xmlns:a16="http://schemas.microsoft.com/office/drawing/2014/main" id="{AC2E2D4A-8DD2-4B77-8B9A-848BFCE4D606}"/>
-                </a:ext>
-              </a:extLst>
-            </p:cNvPr>
-            <p:cNvCxnSpPr/>
-            <p:nvPr/>
-          </p:nvCxnSpPr>
-          <p:spPr>
-            <a:xfrm>
-              <a:off x="7922317" y="2299228"/>
-              <a:ext cx="604663" cy="0"/>
-            </a:xfrm>
-            <a:prstGeom prst="line">
-              <a:avLst/>
-            </a:prstGeom>
-            <a:ln w="28575">
-              <a:solidFill>
-                <a:srgbClr val="FF0000"/>
-              </a:solidFill>
-            </a:ln>
-          </p:spPr>
-          <p:style>
-            <a:lnRef idx="1">
-              <a:schemeClr val="accent1"/>
-            </a:lnRef>
-            <a:fillRef idx="0">
-              <a:schemeClr val="accent1"/>
-            </a:fillRef>
-            <a:effectRef idx="0">
-              <a:schemeClr val="accent1"/>
-            </a:effectRef>
-            <a:fontRef idx="minor">
-              <a:schemeClr val="tx1"/>
-            </a:fontRef>
-          </p:style>
-        </p:cxnSp>
-        <p:cxnSp>
-          <p:nvCxnSpPr>
-            <p:cNvPr id="24" name="Straight Connector 23">
-              <a:extLst>
-                <a:ext uri="{FF2B5EF4-FFF2-40B4-BE49-F238E27FC236}">
-                  <a16:creationId xmlns:a16="http://schemas.microsoft.com/office/drawing/2014/main" id="{4C3BC8D4-DF42-46E8-BC95-659901EFA2C7}"/>
-                </a:ext>
-              </a:extLst>
-            </p:cNvPr>
-            <p:cNvCxnSpPr/>
-            <p:nvPr/>
-          </p:nvCxnSpPr>
-          <p:spPr>
-            <a:xfrm>
-              <a:off x="3359712" y="2299228"/>
-              <a:ext cx="604663" cy="0"/>
-            </a:xfrm>
-            <a:prstGeom prst="line">
-              <a:avLst/>
-            </a:prstGeom>
-            <a:ln w="28575">
-              <a:solidFill>
-                <a:srgbClr val="FF0000"/>
-              </a:solidFill>
-            </a:ln>
-          </p:spPr>
-          <p:style>
-            <a:lnRef idx="1">
-              <a:schemeClr val="accent1"/>
-            </a:lnRef>
-            <a:fillRef idx="0">
-              <a:schemeClr val="accent1"/>
-            </a:fillRef>
-            <a:effectRef idx="0">
-              <a:schemeClr val="accent1"/>
-            </a:effectRef>
-            <a:fontRef idx="minor">
-              <a:schemeClr val="tx1"/>
-            </a:fontRef>
-          </p:style>
-        </p:cxnSp>
-        <p:cxnSp>
-          <p:nvCxnSpPr>
-            <p:cNvPr id="25" name="Straight Connector 24">
-              <a:extLst>
-                <a:ext uri="{FF2B5EF4-FFF2-40B4-BE49-F238E27FC236}">
-                  <a16:creationId xmlns:a16="http://schemas.microsoft.com/office/drawing/2014/main" id="{66D0DB74-2689-4A1E-9AA0-0E42392816FC}"/>
-                </a:ext>
-              </a:extLst>
-            </p:cNvPr>
-            <p:cNvCxnSpPr/>
-            <p:nvPr/>
-          </p:nvCxnSpPr>
-          <p:spPr>
-            <a:xfrm>
-              <a:off x="2452932" y="2299228"/>
-              <a:ext cx="604663" cy="0"/>
-            </a:xfrm>
-            <a:prstGeom prst="line">
-              <a:avLst/>
-            </a:prstGeom>
-            <a:ln w="28575">
-              <a:solidFill>
-                <a:srgbClr val="FF0000"/>
-              </a:solidFill>
-            </a:ln>
-          </p:spPr>
-          <p:style>
-            <a:lnRef idx="1">
-              <a:schemeClr val="accent1"/>
-            </a:lnRef>
-            <a:fillRef idx="0">
-              <a:schemeClr val="accent1"/>
-            </a:fillRef>
-            <a:effectRef idx="0">
-              <a:schemeClr val="accent1"/>
-            </a:effectRef>
-            <a:fontRef idx="minor">
-              <a:schemeClr val="tx1"/>
-            </a:fontRef>
-          </p:style>
-        </p:cxnSp>
-        <p:cxnSp>
-          <p:nvCxnSpPr>
-            <p:cNvPr id="26" name="Straight Connector 25">
-              <a:extLst>
-                <a:ext uri="{FF2B5EF4-FFF2-40B4-BE49-F238E27FC236}">
-                  <a16:creationId xmlns:a16="http://schemas.microsoft.com/office/drawing/2014/main" id="{3EFCB8FE-B858-4B0A-8B35-B9432A3D6149}"/>
-                </a:ext>
-              </a:extLst>
-            </p:cNvPr>
-            <p:cNvCxnSpPr/>
-            <p:nvPr/>
-          </p:nvCxnSpPr>
-          <p:spPr>
-            <a:xfrm>
-              <a:off x="1533757" y="2299228"/>
-              <a:ext cx="604663" cy="0"/>
-            </a:xfrm>
-            <a:prstGeom prst="line">
-              <a:avLst/>
-            </a:prstGeom>
-            <a:ln w="28575">
-              <a:solidFill>
-                <a:srgbClr val="FF0000"/>
-              </a:solidFill>
-            </a:ln>
-          </p:spPr>
-          <p:style>
-            <a:lnRef idx="1">
-              <a:schemeClr val="accent1"/>
-            </a:lnRef>
-            <a:fillRef idx="0">
-              <a:schemeClr val="accent1"/>
-            </a:fillRef>
-            <a:effectRef idx="0">
-              <a:schemeClr val="accent1"/>
-            </a:effectRef>
-            <a:fontRef idx="minor">
-              <a:schemeClr val="tx1"/>
-            </a:fontRef>
-          </p:style>
-        </p:cxnSp>
-        <p:cxnSp>
-          <p:nvCxnSpPr>
-            <p:cNvPr id="29" name="Straight Arrow Connector 28">
-              <a:extLst>
-                <a:ext uri="{FF2B5EF4-FFF2-40B4-BE49-F238E27FC236}">
-                  <a16:creationId xmlns:a16="http://schemas.microsoft.com/office/drawing/2014/main" id="{F722C922-5779-4187-A3E8-D78E77F764F0}"/>
-                </a:ext>
-              </a:extLst>
-            </p:cNvPr>
-            <p:cNvCxnSpPr/>
-            <p:nvPr/>
-          </p:nvCxnSpPr>
-          <p:spPr>
-            <a:xfrm>
-              <a:off x="8526980" y="2299228"/>
-              <a:ext cx="0" cy="2949057"/>
-            </a:xfrm>
-            <a:prstGeom prst="straightConnector1">
-              <a:avLst/>
-            </a:prstGeom>
-            <a:ln w="19050">
-              <a:solidFill>
-                <a:schemeClr val="tx1"/>
-              </a:solidFill>
-              <a:headEnd type="triangle" w="lg" len="lg"/>
-              <a:tailEnd type="triangle" w="lg" len="lg"/>
-            </a:ln>
-          </p:spPr>
-          <p:style>
-            <a:lnRef idx="1">
-              <a:schemeClr val="accent1"/>
-            </a:lnRef>
-            <a:fillRef idx="0">
-              <a:schemeClr val="accent1"/>
-            </a:fillRef>
-            <a:effectRef idx="0">
-              <a:schemeClr val="accent1"/>
-            </a:effectRef>
-            <a:fontRef idx="minor">
-              <a:schemeClr val="tx1"/>
-            </a:fontRef>
-          </p:style>
-        </p:cxnSp>
-        <p:sp>
-          <p:nvSpPr>
-            <p:cNvPr id="27" name="TextBox 26">
-              <a:extLst>
-                <a:ext uri="{FF2B5EF4-FFF2-40B4-BE49-F238E27FC236}">
-                  <a16:creationId xmlns:a16="http://schemas.microsoft.com/office/drawing/2014/main" id="{A657B6E9-1301-4DD7-9ED5-5184F2D8624C}"/>
-                </a:ext>
-              </a:extLst>
-            </p:cNvPr>
-            <p:cNvSpPr txBox="1"/>
-            <p:nvPr/>
-          </p:nvSpPr>
-          <p:spPr>
-            <a:xfrm>
-              <a:off x="8065411" y="3499923"/>
-              <a:ext cx="883575" cy="369332"/>
-            </a:xfrm>
-            <a:prstGeom prst="rect">
-              <a:avLst/>
-            </a:prstGeom>
-            <a:solidFill>
-              <a:schemeClr val="bg1"/>
-            </a:solidFill>
-          </p:spPr>
-          <p:txBody>
-            <a:bodyPr wrap="none" rtlCol="0">
-              <a:spAutoFit/>
-            </a:bodyPr>
-            <a:lstStyle/>
-            <a:p>
-              <a:r>
-                <a:rPr lang="en-US" dirty="0">
-                  <a:latin typeface="Times New Roman" panose="02020603050405020304" pitchFamily="18" charset="0"/>
-                  <a:cs typeface="Times New Roman" panose="02020603050405020304" pitchFamily="18" charset="0"/>
-                </a:rPr>
-                <a:t>1 meter</a:t>
-              </a:r>
-            </a:p>
-          </p:txBody>
-        </p:sp>
-        <p:sp>
-          <p:nvSpPr>
-            <p:cNvPr id="35" name="Oval 34">
-              <a:extLst>
-                <a:ext uri="{FF2B5EF4-FFF2-40B4-BE49-F238E27FC236}">
-                  <a16:creationId xmlns:a16="http://schemas.microsoft.com/office/drawing/2014/main" id="{EA246440-DD76-4A9D-8AB9-FE1F7B5B9DD6}"/>
+                  <a16:creationId xmlns:a16="http://schemas.microsoft.com/office/drawing/2014/main" id="{58E03121-E633-4C56-93E4-9DE553DA5A71}"/>
                 </a:ext>
               </a:extLst>
             </p:cNvPr>
@@ -3964,7 +4829,7 @@
           </p:nvSpPr>
           <p:spPr bwMode="auto">
             <a:xfrm>
-              <a:off x="2982691" y="5129714"/>
+              <a:off x="6729393" y="2211671"/>
               <a:ext cx="149807" cy="149807"/>
             </a:xfrm>
             <a:prstGeom prst="ellipse">
@@ -4025,10 +4890,10 @@
         </p:sp>
         <p:sp>
           <p:nvSpPr>
-            <p:cNvPr id="36" name="Oval 35">
+            <p:cNvPr id="34" name="Oval 33">
               <a:extLst>
                 <a:ext uri="{FF2B5EF4-FFF2-40B4-BE49-F238E27FC236}">
-                  <a16:creationId xmlns:a16="http://schemas.microsoft.com/office/drawing/2014/main" id="{B636916F-E631-43D5-AFCF-FB0EFA6E981D}"/>
+                  <a16:creationId xmlns:a16="http://schemas.microsoft.com/office/drawing/2014/main" id="{994E1818-2EF6-4FBA-9794-BFFCF85AEFB5}"/>
                 </a:ext>
               </a:extLst>
             </p:cNvPr>
@@ -4037,7 +4902,7 @@
           </p:nvSpPr>
           <p:spPr bwMode="auto">
             <a:xfrm>
-              <a:off x="2992569" y="2224324"/>
+              <a:off x="7553282" y="2198478"/>
               <a:ext cx="149807" cy="149807"/>
             </a:xfrm>
             <a:prstGeom prst="ellipse">
@@ -4098,22 +4963,22 @@
         </p:sp>
         <p:cxnSp>
           <p:nvCxnSpPr>
-            <p:cNvPr id="38" name="Straight Connector 37">
+            <p:cNvPr id="3" name="Straight Connector 2">
               <a:extLst>
                 <a:ext uri="{FF2B5EF4-FFF2-40B4-BE49-F238E27FC236}">
-                  <a16:creationId xmlns:a16="http://schemas.microsoft.com/office/drawing/2014/main" id="{A73CFDDE-A54D-4C47-93ED-C83A5CBFF56A}"/>
+                  <a16:creationId xmlns:a16="http://schemas.microsoft.com/office/drawing/2014/main" id="{BB464499-4CFC-4B40-A0EF-2756FECE2114}"/>
                 </a:ext>
               </a:extLst>
             </p:cNvPr>
             <p:cNvCxnSpPr>
-              <a:stCxn id="35" idx="4"/>
+              <a:cxnSpLocks/>
             </p:cNvCxnSpPr>
             <p:nvPr/>
           </p:nvCxnSpPr>
           <p:spPr>
-            <a:xfrm flipH="1">
-              <a:off x="3057594" y="5279521"/>
-              <a:ext cx="1" cy="184019"/>
+            <a:xfrm>
+              <a:off x="3057675" y="1604864"/>
+              <a:ext cx="646751" cy="0"/>
             </a:xfrm>
             <a:prstGeom prst="line">
               <a:avLst/>
@@ -4134,585 +4999,44 @@
             </a:fontRef>
           </p:style>
         </p:cxnSp>
-        <p:grpSp>
-          <p:nvGrpSpPr>
-            <p:cNvPr id="12" name="Group 11">
+        <p:cxnSp>
+          <p:nvCxnSpPr>
+            <p:cNvPr id="45" name="Straight Connector 44">
               <a:extLst>
                 <a:ext uri="{FF2B5EF4-FFF2-40B4-BE49-F238E27FC236}">
-                  <a16:creationId xmlns:a16="http://schemas.microsoft.com/office/drawing/2014/main" id="{AA99E7F0-9391-4D18-ADB3-3BE01FBAD3B1}"/>
+                  <a16:creationId xmlns:a16="http://schemas.microsoft.com/office/drawing/2014/main" id="{FC382F06-1410-47AC-8FC6-444E1A4A6FB0}"/>
                 </a:ext>
               </a:extLst>
             </p:cNvPr>
-            <p:cNvGrpSpPr/>
+            <p:cNvCxnSpPr>
+              <a:cxnSpLocks/>
+            </p:cNvCxnSpPr>
             <p:nvPr/>
-          </p:nvGrpSpPr>
-          <p:grpSpPr>
-            <a:xfrm>
-              <a:off x="3183114" y="2045186"/>
-              <a:ext cx="595784" cy="519420"/>
-              <a:chOff x="6545089" y="2384266"/>
-              <a:chExt cx="210233" cy="193882"/>
-            </a:xfrm>
-          </p:grpSpPr>
-          <p:sp>
-            <p:nvSpPr>
-              <p:cNvPr id="8" name="AutoShape 174">
-                <a:extLst>
-                  <a:ext uri="{FF2B5EF4-FFF2-40B4-BE49-F238E27FC236}">
-                    <a16:creationId xmlns:a16="http://schemas.microsoft.com/office/drawing/2014/main" id="{826416CD-FFFE-46F3-BF71-6458DB2A561D}"/>
-                  </a:ext>
-                </a:extLst>
-              </p:cNvPr>
-              <p:cNvSpPr>
-                <a:spLocks noChangeArrowheads="1"/>
-              </p:cNvSpPr>
-              <p:nvPr/>
-            </p:nvSpPr>
-            <p:spPr bwMode="auto">
-              <a:xfrm flipV="1">
-                <a:off x="6571368" y="2384266"/>
-                <a:ext cx="157675" cy="105156"/>
-              </a:xfrm>
-              <a:prstGeom prst="triangle">
-                <a:avLst>
-                  <a:gd name="adj" fmla="val 50000"/>
-                </a:avLst>
-              </a:prstGeom>
-              <a:noFill/>
-              <a:ln w="12700">
-                <a:solidFill>
-                  <a:schemeClr val="tx1"/>
-                </a:solidFill>
-                <a:miter lim="800000"/>
-                <a:headEnd type="none" w="lg" len="med"/>
-                <a:tailEnd type="none" w="lg" len="med"/>
-              </a:ln>
-              <a:effectLst/>
-            </p:spPr>
-            <p:txBody>
-              <a:bodyPr anchor="ctr">
-                <a:spAutoFit/>
-              </a:bodyPr>
-              <a:lstStyle/>
-              <a:p>
-                <a:endParaRPr lang="en-US"/>
-              </a:p>
-            </p:txBody>
-          </p:sp>
-          <p:sp>
-            <p:nvSpPr>
-              <p:cNvPr id="9" name="Line 175">
-                <a:extLst>
-                  <a:ext uri="{FF2B5EF4-FFF2-40B4-BE49-F238E27FC236}">
-                    <a16:creationId xmlns:a16="http://schemas.microsoft.com/office/drawing/2014/main" id="{69E53567-22C4-4D37-B119-33F14895647C}"/>
-                  </a:ext>
-                </a:extLst>
-              </p:cNvPr>
-              <p:cNvSpPr>
-                <a:spLocks noChangeShapeType="1"/>
-              </p:cNvSpPr>
-              <p:nvPr/>
-            </p:nvSpPr>
-            <p:spPr bwMode="auto">
-              <a:xfrm>
-                <a:off x="6545089" y="2518997"/>
-                <a:ext cx="210233" cy="0"/>
-              </a:xfrm>
-              <a:prstGeom prst="line">
-                <a:avLst/>
-              </a:prstGeom>
-              <a:noFill/>
-              <a:ln w="12700">
-                <a:solidFill>
-                  <a:schemeClr val="tx1"/>
-                </a:solidFill>
-                <a:round/>
-                <a:headEnd type="none" w="lg" len="med"/>
-                <a:tailEnd type="none" w="lg" len="med"/>
-              </a:ln>
-              <a:effectLst/>
-            </p:spPr>
-            <p:txBody>
-              <a:bodyPr anchor="ctr">
-                <a:spAutoFit/>
-              </a:bodyPr>
-              <a:lstStyle/>
-              <a:p>
-                <a:endParaRPr lang="en-US"/>
-              </a:p>
-            </p:txBody>
-          </p:sp>
-          <p:sp>
-            <p:nvSpPr>
-              <p:cNvPr id="10" name="Line 176">
-                <a:extLst>
-                  <a:ext uri="{FF2B5EF4-FFF2-40B4-BE49-F238E27FC236}">
-                    <a16:creationId xmlns:a16="http://schemas.microsoft.com/office/drawing/2014/main" id="{514E9AFB-CF9B-49C4-A21C-6AB30C91B677}"/>
-                  </a:ext>
-                </a:extLst>
-              </p:cNvPr>
-              <p:cNvSpPr>
-                <a:spLocks noChangeShapeType="1"/>
-              </p:cNvSpPr>
-              <p:nvPr/>
-            </p:nvSpPr>
-            <p:spPr bwMode="auto">
-              <a:xfrm>
-                <a:off x="6571368" y="2548573"/>
-                <a:ext cx="157675" cy="0"/>
-              </a:xfrm>
-              <a:prstGeom prst="line">
-                <a:avLst/>
-              </a:prstGeom>
-              <a:noFill/>
-              <a:ln w="12700">
-                <a:solidFill>
-                  <a:schemeClr val="tx1"/>
-                </a:solidFill>
-                <a:round/>
-                <a:headEnd type="none" w="lg" len="med"/>
-                <a:tailEnd type="none" w="lg" len="med"/>
-              </a:ln>
-              <a:effectLst/>
-            </p:spPr>
-            <p:txBody>
-              <a:bodyPr anchor="ctr">
-                <a:spAutoFit/>
-              </a:bodyPr>
-              <a:lstStyle/>
-              <a:p>
-                <a:endParaRPr lang="en-US"/>
-              </a:p>
-            </p:txBody>
-          </p:sp>
-          <p:sp>
-            <p:nvSpPr>
-              <p:cNvPr id="11" name="Line 177">
-                <a:extLst>
-                  <a:ext uri="{FF2B5EF4-FFF2-40B4-BE49-F238E27FC236}">
-                    <a16:creationId xmlns:a16="http://schemas.microsoft.com/office/drawing/2014/main" id="{D3338B02-509F-4D1D-AFAE-EDDBF99A0DD1}"/>
-                  </a:ext>
-                </a:extLst>
-              </p:cNvPr>
-              <p:cNvSpPr>
-                <a:spLocks noChangeShapeType="1"/>
-              </p:cNvSpPr>
-              <p:nvPr/>
-            </p:nvSpPr>
-            <p:spPr bwMode="auto">
-              <a:xfrm>
-                <a:off x="6602027" y="2578148"/>
-                <a:ext cx="95262" cy="0"/>
-              </a:xfrm>
-              <a:prstGeom prst="line">
-                <a:avLst/>
-              </a:prstGeom>
-              <a:noFill/>
-              <a:ln w="12700">
-                <a:solidFill>
-                  <a:schemeClr val="tx1"/>
-                </a:solidFill>
-                <a:round/>
-                <a:headEnd type="none" w="lg" len="med"/>
-                <a:tailEnd type="none" w="lg" len="med"/>
-              </a:ln>
-              <a:effectLst/>
-            </p:spPr>
-            <p:txBody>
-              <a:bodyPr anchor="ctr">
-                <a:spAutoFit/>
-              </a:bodyPr>
-              <a:lstStyle/>
-              <a:p>
-                <a:endParaRPr lang="en-US"/>
-              </a:p>
-            </p:txBody>
-          </p:sp>
-        </p:grpSp>
-        <p:sp>
-          <p:nvSpPr>
-            <p:cNvPr id="42" name="TextBox 41">
-              <a:extLst>
-                <a:ext uri="{FF2B5EF4-FFF2-40B4-BE49-F238E27FC236}">
-                  <a16:creationId xmlns:a16="http://schemas.microsoft.com/office/drawing/2014/main" id="{BA92C151-C849-4CCB-BFD0-5973E5E417DE}"/>
-                </a:ext>
-              </a:extLst>
-            </p:cNvPr>
-            <p:cNvSpPr txBox="1"/>
-            <p:nvPr/>
-          </p:nvSpPr>
+          </p:nvCxnSpPr>
           <p:spPr>
             <a:xfrm>
-              <a:off x="6029404" y="5410700"/>
-              <a:ext cx="2428870" cy="369332"/>
+              <a:off x="6403468" y="1598642"/>
+              <a:ext cx="1224717" cy="0"/>
             </a:xfrm>
-            <a:prstGeom prst="rect">
+            <a:prstGeom prst="line">
               <a:avLst/>
             </a:prstGeom>
-            <a:solidFill>
-              <a:schemeClr val="bg1"/>
-            </a:solidFill>
           </p:spPr>
-          <p:txBody>
-            <a:bodyPr wrap="none" rtlCol="0">
-              <a:spAutoFit/>
-            </a:bodyPr>
-            <a:lstStyle/>
-            <a:p>
-              <a:r>
-                <a:rPr lang="en-US" dirty="0">
-                  <a:latin typeface="Times New Roman" panose="02020603050405020304" pitchFamily="18" charset="0"/>
-                  <a:cs typeface="Times New Roman" panose="02020603050405020304" pitchFamily="18" charset="0"/>
-                </a:rPr>
-                <a:t>1 meter of velocity head</a:t>
-              </a:r>
-            </a:p>
-          </p:txBody>
-        </p:sp>
-        <p:sp>
-          <p:nvSpPr>
-            <p:cNvPr id="43" name="TextBox 42">
-              <a:extLst>
-                <a:ext uri="{FF2B5EF4-FFF2-40B4-BE49-F238E27FC236}">
-                  <a16:creationId xmlns:a16="http://schemas.microsoft.com/office/drawing/2014/main" id="{F8B4DFB6-15DB-4E5B-B514-1CFBDF2ED0EA}"/>
-                </a:ext>
-              </a:extLst>
-            </p:cNvPr>
-            <p:cNvSpPr txBox="1"/>
-            <p:nvPr/>
-          </p:nvSpPr>
-          <p:spPr>
-            <a:xfrm>
-              <a:off x="1838187" y="5463540"/>
-              <a:ext cx="2454518" cy="369332"/>
-            </a:xfrm>
-            <a:prstGeom prst="rect">
-              <a:avLst/>
-            </a:prstGeom>
-            <a:solidFill>
-              <a:schemeClr val="bg1"/>
-            </a:solidFill>
-          </p:spPr>
-          <p:txBody>
-            <a:bodyPr wrap="none" rtlCol="0">
-              <a:spAutoFit/>
-            </a:bodyPr>
-            <a:lstStyle/>
-            <a:p>
-              <a:r>
-                <a:rPr lang="en-US" dirty="0">
-                  <a:latin typeface="Times New Roman" panose="02020603050405020304" pitchFamily="18" charset="0"/>
-                  <a:cs typeface="Times New Roman" panose="02020603050405020304" pitchFamily="18" charset="0"/>
-                </a:rPr>
-                <a:t>1 meter of pressure head</a:t>
-              </a:r>
-            </a:p>
-          </p:txBody>
-        </p:sp>
-        <p:sp>
-          <p:nvSpPr>
-            <p:cNvPr id="44" name="TextBox 43">
-              <a:extLst>
-                <a:ext uri="{FF2B5EF4-FFF2-40B4-BE49-F238E27FC236}">
-                  <a16:creationId xmlns:a16="http://schemas.microsoft.com/office/drawing/2014/main" id="{543BB2FE-D7D0-402C-948C-BAF371D9E1B7}"/>
-                </a:ext>
-              </a:extLst>
-            </p:cNvPr>
-            <p:cNvSpPr txBox="1"/>
-            <p:nvPr/>
-          </p:nvSpPr>
-          <p:spPr>
-            <a:xfrm>
-              <a:off x="1791863" y="1366124"/>
-              <a:ext cx="2531462" cy="369332"/>
-            </a:xfrm>
-            <a:prstGeom prst="rect">
-              <a:avLst/>
-            </a:prstGeom>
-            <a:solidFill>
-              <a:schemeClr val="bg1"/>
-            </a:solidFill>
-          </p:spPr>
-          <p:txBody>
-            <a:bodyPr wrap="none" rtlCol="0">
-              <a:spAutoFit/>
-            </a:bodyPr>
-            <a:lstStyle/>
-            <a:p>
-              <a:r>
-                <a:rPr lang="en-US" dirty="0">
-                  <a:latin typeface="Times New Roman" panose="02020603050405020304" pitchFamily="18" charset="0"/>
-                  <a:cs typeface="Times New Roman" panose="02020603050405020304" pitchFamily="18" charset="0"/>
-                </a:rPr>
-                <a:t>1 meter of elevation head</a:t>
-              </a:r>
-            </a:p>
-          </p:txBody>
-        </p:sp>
-        <p:grpSp>
-          <p:nvGrpSpPr>
-            <p:cNvPr id="50" name="Group 49">
-              <a:extLst>
-                <a:ext uri="{FF2B5EF4-FFF2-40B4-BE49-F238E27FC236}">
-                  <a16:creationId xmlns:a16="http://schemas.microsoft.com/office/drawing/2014/main" id="{C73AE796-6455-43BC-967A-B5E16D7831D4}"/>
-                </a:ext>
-              </a:extLst>
-            </p:cNvPr>
-            <p:cNvGrpSpPr/>
-            <p:nvPr/>
-          </p:nvGrpSpPr>
-          <p:grpSpPr>
-            <a:xfrm>
-              <a:off x="6150522" y="2299767"/>
-              <a:ext cx="2159535" cy="2926983"/>
-              <a:chOff x="4258439" y="2292005"/>
-              <a:chExt cx="2159535" cy="2926983"/>
-            </a:xfrm>
-          </p:grpSpPr>
-          <p:sp>
-            <p:nvSpPr>
-              <p:cNvPr id="46" name="Arrow: U-Turn 45">
-                <a:extLst>
-                  <a:ext uri="{FF2B5EF4-FFF2-40B4-BE49-F238E27FC236}">
-                    <a16:creationId xmlns:a16="http://schemas.microsoft.com/office/drawing/2014/main" id="{DD82B258-948E-4F43-A1C6-29A1B78DE6AB}"/>
-                  </a:ext>
-                </a:extLst>
-              </p:cNvPr>
-              <p:cNvSpPr/>
-              <p:nvPr/>
-            </p:nvSpPr>
-            <p:spPr>
-              <a:xfrm>
-                <a:off x="5180891" y="2292005"/>
-                <a:ext cx="1237083" cy="2926983"/>
-              </a:xfrm>
-              <a:prstGeom prst="uturnArrow">
-                <a:avLst>
-                  <a:gd name="adj1" fmla="val 25000"/>
-                  <a:gd name="adj2" fmla="val 25000"/>
-                  <a:gd name="adj3" fmla="val 25616"/>
-                  <a:gd name="adj4" fmla="val 42247"/>
-                  <a:gd name="adj5" fmla="val 28422"/>
-                </a:avLst>
-              </a:prstGeom>
-              <a:solidFill>
-                <a:srgbClr val="0563C1"/>
-              </a:solidFill>
-              <a:ln>
-                <a:noFill/>
-              </a:ln>
-            </p:spPr>
-            <p:style>
-              <a:lnRef idx="2">
-                <a:schemeClr val="accent1">
-                  <a:shade val="50000"/>
-                </a:schemeClr>
-              </a:lnRef>
-              <a:fillRef idx="1">
-                <a:schemeClr val="accent1"/>
-              </a:fillRef>
-              <a:effectRef idx="0">
-                <a:schemeClr val="accent1"/>
-              </a:effectRef>
-              <a:fontRef idx="minor">
-                <a:schemeClr val="lt1"/>
-              </a:fontRef>
-            </p:style>
-            <p:txBody>
-              <a:bodyPr rtlCol="0" anchor="ctr"/>
-              <a:lstStyle/>
-              <a:p>
-                <a:pPr algn="ctr"/>
-                <a:endParaRPr lang="en-US">
-                  <a:solidFill>
-                    <a:schemeClr val="tx1"/>
-                  </a:solidFill>
-                </a:endParaRPr>
-              </a:p>
-            </p:txBody>
-          </p:sp>
-          <p:sp>
-            <p:nvSpPr>
-              <p:cNvPr id="49" name="Arrow: U-Turn 48">
-                <a:extLst>
-                  <a:ext uri="{FF2B5EF4-FFF2-40B4-BE49-F238E27FC236}">
-                    <a16:creationId xmlns:a16="http://schemas.microsoft.com/office/drawing/2014/main" id="{4F4BC159-53C5-4B81-96CA-482C0D0C003D}"/>
-                  </a:ext>
-                </a:extLst>
-              </p:cNvPr>
-              <p:cNvSpPr/>
-              <p:nvPr/>
-            </p:nvSpPr>
-            <p:spPr>
-              <a:xfrm flipH="1">
-                <a:off x="4258439" y="2292005"/>
-                <a:ext cx="1234440" cy="2926983"/>
-              </a:xfrm>
-              <a:prstGeom prst="uturnArrow">
-                <a:avLst>
-                  <a:gd name="adj1" fmla="val 25000"/>
-                  <a:gd name="adj2" fmla="val 25000"/>
-                  <a:gd name="adj3" fmla="val 25616"/>
-                  <a:gd name="adj4" fmla="val 42247"/>
-                  <a:gd name="adj5" fmla="val 28422"/>
-                </a:avLst>
-              </a:prstGeom>
-              <a:solidFill>
-                <a:srgbClr val="0563C1"/>
-              </a:solidFill>
-              <a:ln>
-                <a:noFill/>
-              </a:ln>
-            </p:spPr>
-            <p:style>
-              <a:lnRef idx="2">
-                <a:schemeClr val="accent1">
-                  <a:shade val="50000"/>
-                </a:schemeClr>
-              </a:lnRef>
-              <a:fillRef idx="1">
-                <a:schemeClr val="accent1"/>
-              </a:fillRef>
-              <a:effectRef idx="0">
-                <a:schemeClr val="accent1"/>
-              </a:effectRef>
-              <a:fontRef idx="minor">
-                <a:schemeClr val="lt1"/>
-              </a:fontRef>
-            </p:style>
-            <p:txBody>
-              <a:bodyPr rtlCol="0" anchor="ctr"/>
-              <a:lstStyle/>
-              <a:p>
-                <a:pPr algn="ctr"/>
-                <a:endParaRPr lang="en-US">
-                  <a:solidFill>
-                    <a:schemeClr val="tx1"/>
-                  </a:solidFill>
-                </a:endParaRPr>
-              </a:p>
-            </p:txBody>
-          </p:sp>
-          <p:sp>
-            <p:nvSpPr>
-              <p:cNvPr id="30" name="Arrow: Up 29">
-                <a:extLst>
-                  <a:ext uri="{FF2B5EF4-FFF2-40B4-BE49-F238E27FC236}">
-                    <a16:creationId xmlns:a16="http://schemas.microsoft.com/office/drawing/2014/main" id="{2D51BD65-5F71-4556-995C-2301D7549D5C}"/>
-                  </a:ext>
-                </a:extLst>
-              </p:cNvPr>
-              <p:cNvSpPr/>
-              <p:nvPr/>
-            </p:nvSpPr>
-            <p:spPr>
-              <a:xfrm>
-                <a:off x="5257003" y="3692113"/>
-                <a:ext cx="189505" cy="1200682"/>
-              </a:xfrm>
-              <a:prstGeom prst="upArrow">
-                <a:avLst/>
-              </a:prstGeom>
-            </p:spPr>
-            <p:style>
-              <a:lnRef idx="2">
-                <a:schemeClr val="accent1">
-                  <a:shade val="50000"/>
-                </a:schemeClr>
-              </a:lnRef>
-              <a:fillRef idx="1">
-                <a:schemeClr val="accent1"/>
-              </a:fillRef>
-              <a:effectRef idx="0">
-                <a:schemeClr val="accent1"/>
-              </a:effectRef>
-              <a:fontRef idx="minor">
-                <a:schemeClr val="lt1"/>
-              </a:fontRef>
-            </p:style>
-            <p:txBody>
-              <a:bodyPr rtlCol="0" anchor="ctr"/>
-              <a:lstStyle/>
-              <a:p>
-                <a:pPr algn="ctr"/>
-                <a:endParaRPr lang="en-US"/>
-              </a:p>
-            </p:txBody>
-          </p:sp>
-        </p:grpSp>
-        <p:sp>
-          <p:nvSpPr>
-            <p:cNvPr id="31" name="Oval 30">
-              <a:extLst>
-                <a:ext uri="{FF2B5EF4-FFF2-40B4-BE49-F238E27FC236}">
-                  <a16:creationId xmlns:a16="http://schemas.microsoft.com/office/drawing/2014/main" id="{0F52903D-F9ED-469E-AACD-14BD4B407D76}"/>
-                </a:ext>
-              </a:extLst>
-            </p:cNvPr>
-            <p:cNvSpPr/>
-            <p:nvPr/>
-          </p:nvSpPr>
-          <p:spPr bwMode="auto">
-            <a:xfrm>
-              <a:off x="7169446" y="5137472"/>
-              <a:ext cx="149807" cy="149807"/>
-            </a:xfrm>
-            <a:prstGeom prst="ellipse">
-              <a:avLst/>
-            </a:prstGeom>
-            <a:solidFill>
-              <a:srgbClr val="C00000"/>
-            </a:solidFill>
-            <a:ln w="12700" cap="flat" cmpd="sng" algn="ctr">
-              <a:solidFill>
-                <a:srgbClr val="C00000"/>
-              </a:solidFill>
-              <a:prstDash val="solid"/>
-              <a:round/>
-              <a:headEnd type="none" w="lg" len="med"/>
-              <a:tailEnd type="none" w="lg" len="med"/>
-            </a:ln>
-            <a:effectLst/>
-          </p:spPr>
-          <p:txBody>
-            <a:bodyPr vert="horz" wrap="square" lIns="91440" tIns="45720" rIns="91440" bIns="45720" numCol="1" rtlCol="0" anchor="ctr" anchorCtr="0" compatLnSpc="1">
-              <a:prstTxWarp prst="textNoShape">
-                <a:avLst/>
-              </a:prstTxWarp>
-              <a:spAutoFit/>
-            </a:bodyPr>
-            <a:lstStyle/>
-            <a:p>
-              <a:pPr marL="0" marR="0" indent="0" algn="l" defTabSz="914400" rtl="0" eaLnBrk="1" fontAlgn="base" latinLnBrk="0" hangingPunct="1">
-                <a:lnSpc>
-                  <a:spcPct val="100000"/>
-                </a:lnSpc>
-                <a:spcBef>
-                  <a:spcPct val="0"/>
-                </a:spcBef>
-                <a:spcAft>
-                  <a:spcPct val="0"/>
-                </a:spcAft>
-                <a:buClrTx/>
-                <a:buSzTx/>
-                <a:buFontTx/>
-                <a:buNone/>
-                <a:tabLst/>
-              </a:pPr>
-              <a:endParaRPr kumimoji="0" lang="en-US" sz="1800" b="0" i="0" u="none" strike="noStrike" cap="none" normalizeH="0" baseline="0">
-                <a:ln>
-                  <a:noFill/>
-                </a:ln>
-                <a:solidFill>
-                  <a:schemeClr val="tx1"/>
-                </a:solidFill>
-                <a:effectLst/>
-                <a:latin typeface="Century Gothic" pitchFamily="34" charset="0"/>
-                <a:cs typeface="Arial" charset="0"/>
-              </a:endParaRPr>
-            </a:p>
-          </p:txBody>
-        </p:sp>
+          <p:style>
+            <a:lnRef idx="1">
+              <a:schemeClr val="dk1"/>
+            </a:lnRef>
+            <a:fillRef idx="0">
+              <a:schemeClr val="dk1"/>
+            </a:fillRef>
+            <a:effectRef idx="0">
+              <a:schemeClr val="dk1"/>
+            </a:effectRef>
+            <a:fontRef idx="minor">
+              <a:schemeClr val="tx1"/>
+            </a:fontRef>
+          </p:style>
+        </p:cxnSp>
       </p:grpSp>
     </p:spTree>
     <p:extLst>

--- a/AguaClara Water Treatment Plant Design/Cheat Sheets/Diagrams.pptx
+++ b/AguaClara Water Treatment Plant Design/Cheat Sheets/Diagrams.pptx
@@ -3328,10 +3328,10 @@
       </p:grpSpPr>
       <p:grpSp>
         <p:nvGrpSpPr>
-          <p:cNvPr id="16" name="Group 15">
-            <a:extLst>
-              <a:ext uri="{FF2B5EF4-FFF2-40B4-BE49-F238E27FC236}">
-                <a16:creationId xmlns:a16="http://schemas.microsoft.com/office/drawing/2014/main" id="{C2894E0B-196D-4819-B81D-E79A19AA731E}"/>
+          <p:cNvPr id="14" name="Group 13">
+            <a:extLst>
+              <a:ext uri="{FF2B5EF4-FFF2-40B4-BE49-F238E27FC236}">
+                <a16:creationId xmlns:a16="http://schemas.microsoft.com/office/drawing/2014/main" id="{2D5FCC65-D7BF-4228-972B-310D0E42290C}"/>
               </a:ext>
             </a:extLst>
           </p:cNvPr>
@@ -3340,94 +3340,18 @@
         </p:nvGrpSpPr>
         <p:grpSpPr>
           <a:xfrm>
-            <a:off x="1898510" y="1651518"/>
-            <a:ext cx="7469226" cy="4181354"/>
-            <a:chOff x="1439694" y="1394668"/>
-            <a:chExt cx="7928042" cy="4438204"/>
+            <a:off x="1484008" y="1352237"/>
+            <a:ext cx="7585227" cy="3619575"/>
+            <a:chOff x="1987129" y="1620113"/>
+            <a:chExt cx="8828310" cy="4212759"/>
           </a:xfrm>
         </p:grpSpPr>
-        <p:cxnSp>
-          <p:nvCxnSpPr>
-            <p:cNvPr id="41" name="Straight Connector 40">
+        <p:grpSp>
+          <p:nvGrpSpPr>
+            <p:cNvPr id="16" name="Group 15">
               <a:extLst>
                 <a:ext uri="{FF2B5EF4-FFF2-40B4-BE49-F238E27FC236}">
-                  <a16:creationId xmlns:a16="http://schemas.microsoft.com/office/drawing/2014/main" id="{08451B37-7EDC-4BFE-B499-E022E9814C13}"/>
-                </a:ext>
-              </a:extLst>
-            </p:cNvPr>
-            <p:cNvCxnSpPr>
-              <a:cxnSpLocks/>
-            </p:cNvCxnSpPr>
-            <p:nvPr/>
-          </p:nvCxnSpPr>
-          <p:spPr>
-            <a:xfrm>
-              <a:off x="7628186" y="1605180"/>
-              <a:ext cx="0" cy="701837"/>
-            </a:xfrm>
-            <a:prstGeom prst="line">
-              <a:avLst/>
-            </a:prstGeom>
-          </p:spPr>
-          <p:style>
-            <a:lnRef idx="1">
-              <a:schemeClr val="dk1"/>
-            </a:lnRef>
-            <a:fillRef idx="0">
-              <a:schemeClr val="dk1"/>
-            </a:fillRef>
-            <a:effectRef idx="0">
-              <a:schemeClr val="dk1"/>
-            </a:effectRef>
-            <a:fontRef idx="minor">
-              <a:schemeClr val="tx1"/>
-            </a:fontRef>
-          </p:style>
-        </p:cxnSp>
-        <p:cxnSp>
-          <p:nvCxnSpPr>
-            <p:cNvPr id="37" name="Straight Connector 36">
-              <a:extLst>
-                <a:ext uri="{FF2B5EF4-FFF2-40B4-BE49-F238E27FC236}">
-                  <a16:creationId xmlns:a16="http://schemas.microsoft.com/office/drawing/2014/main" id="{14379D15-E0E1-48ED-9B6F-F6346B399DE8}"/>
-                </a:ext>
-              </a:extLst>
-            </p:cNvPr>
-            <p:cNvCxnSpPr>
-              <a:cxnSpLocks/>
-            </p:cNvCxnSpPr>
-            <p:nvPr/>
-          </p:nvCxnSpPr>
-          <p:spPr>
-            <a:xfrm>
-              <a:off x="6804296" y="1605180"/>
-              <a:ext cx="1" cy="689771"/>
-            </a:xfrm>
-            <a:prstGeom prst="line">
-              <a:avLst/>
-            </a:prstGeom>
-          </p:spPr>
-          <p:style>
-            <a:lnRef idx="1">
-              <a:schemeClr val="dk1"/>
-            </a:lnRef>
-            <a:fillRef idx="0">
-              <a:schemeClr val="dk1"/>
-            </a:fillRef>
-            <a:effectRef idx="0">
-              <a:schemeClr val="dk1"/>
-            </a:effectRef>
-            <a:fontRef idx="minor">
-              <a:schemeClr val="tx1"/>
-            </a:fontRef>
-          </p:style>
-        </p:cxnSp>
-        <p:grpSp>
-          <p:nvGrpSpPr>
-            <p:cNvPr id="54" name="Group 53">
-              <a:extLst>
-                <a:ext uri="{FF2B5EF4-FFF2-40B4-BE49-F238E27FC236}">
-                  <a16:creationId xmlns:a16="http://schemas.microsoft.com/office/drawing/2014/main" id="{C2353071-AE09-4713-A25D-CFAA589A888C}"/>
+                  <a16:creationId xmlns:a16="http://schemas.microsoft.com/office/drawing/2014/main" id="{C2894E0B-196D-4819-B81D-E79A19AA731E}"/>
                 </a:ext>
               </a:extLst>
             </p:cNvPr>
@@ -3436,18 +3360,18 @@
           </p:nvGrpSpPr>
           <p:grpSpPr>
             <a:xfrm>
-              <a:off x="1439694" y="1394668"/>
-              <a:ext cx="7928042" cy="4438204"/>
-              <a:chOff x="1439694" y="1394668"/>
-              <a:chExt cx="7928042" cy="4438204"/>
+              <a:off x="1987129" y="1620113"/>
+              <a:ext cx="6986091" cy="4212759"/>
+              <a:chOff x="1533757" y="1361334"/>
+              <a:chExt cx="7415229" cy="4471538"/>
             </a:xfrm>
           </p:grpSpPr>
           <p:cxnSp>
             <p:nvCxnSpPr>
-              <p:cNvPr id="40" name="Straight Connector 39">
+              <p:cNvPr id="41" name="Straight Connector 40">
                 <a:extLst>
                   <a:ext uri="{FF2B5EF4-FFF2-40B4-BE49-F238E27FC236}">
-                    <a16:creationId xmlns:a16="http://schemas.microsoft.com/office/drawing/2014/main" id="{503F33C3-0F40-422B-AFFC-0A59BCFBFB50}"/>
+                    <a16:creationId xmlns:a16="http://schemas.microsoft.com/office/drawing/2014/main" id="{08451B37-7EDC-4BFE-B499-E022E9814C13}"/>
                   </a:ext>
                 </a:extLst>
               </p:cNvPr>
@@ -3458,8 +3382,8 @@
             </p:nvCxnSpPr>
             <p:spPr>
               <a:xfrm>
-                <a:off x="3070718" y="1604864"/>
-                <a:ext cx="1" cy="689771"/>
+                <a:off x="7628186" y="1605180"/>
+                <a:ext cx="0" cy="701837"/>
               </a:xfrm>
               <a:prstGeom prst="line">
                 <a:avLst/>
@@ -3482,20 +3406,22 @@
           </p:cxnSp>
           <p:cxnSp>
             <p:nvCxnSpPr>
-              <p:cNvPr id="39" name="Straight Connector 38">
+              <p:cNvPr id="37" name="Straight Connector 36">
                 <a:extLst>
                   <a:ext uri="{FF2B5EF4-FFF2-40B4-BE49-F238E27FC236}">
-                    <a16:creationId xmlns:a16="http://schemas.microsoft.com/office/drawing/2014/main" id="{4DF4E654-79BD-42B2-A22E-6BE840DFD846}"/>
+                    <a16:creationId xmlns:a16="http://schemas.microsoft.com/office/drawing/2014/main" id="{14379D15-E0E1-48ED-9B6F-F6346B399DE8}"/>
                   </a:ext>
                 </a:extLst>
               </p:cNvPr>
-              <p:cNvCxnSpPr/>
+              <p:cNvCxnSpPr>
+                <a:cxnSpLocks/>
+              </p:cNvCxnSpPr>
               <p:nvPr/>
             </p:nvCxnSpPr>
             <p:spPr>
-              <a:xfrm flipH="1">
-                <a:off x="7243839" y="5248285"/>
-                <a:ext cx="1" cy="184019"/>
+              <a:xfrm>
+                <a:off x="6804296" y="1605180"/>
+                <a:ext cx="1" cy="689771"/>
               </a:xfrm>
               <a:prstGeom prst="line">
                 <a:avLst/>
@@ -3516,547 +3442,1296 @@
               </a:fontRef>
             </p:style>
           </p:cxnSp>
-          <p:cxnSp>
-            <p:nvCxnSpPr>
-              <p:cNvPr id="6" name="Straight Connector 5">
+          <p:grpSp>
+            <p:nvGrpSpPr>
+              <p:cNvPr id="54" name="Group 53">
                 <a:extLst>
                   <a:ext uri="{FF2B5EF4-FFF2-40B4-BE49-F238E27FC236}">
-                    <a16:creationId xmlns:a16="http://schemas.microsoft.com/office/drawing/2014/main" id="{A9EA7C4C-0DD2-447C-8340-F125988DE62F}"/>
+                    <a16:creationId xmlns:a16="http://schemas.microsoft.com/office/drawing/2014/main" id="{C2353071-AE09-4713-A25D-CFAA589A888C}"/>
                   </a:ext>
                 </a:extLst>
               </p:cNvPr>
-              <p:cNvCxnSpPr>
-                <a:cxnSpLocks/>
-              </p:cNvCxnSpPr>
+              <p:cNvGrpSpPr/>
               <p:nvPr/>
-            </p:nvCxnSpPr>
-            <p:spPr>
+            </p:nvGrpSpPr>
+            <p:grpSpPr>
               <a:xfrm>
-                <a:off x="1439694" y="5253135"/>
-                <a:ext cx="7928042" cy="0"/>
+                <a:off x="1533757" y="1361334"/>
+                <a:ext cx="7415229" cy="4471538"/>
+                <a:chOff x="1533757" y="1361334"/>
+                <a:chExt cx="7415229" cy="4471538"/>
               </a:xfrm>
-              <a:prstGeom prst="line">
-                <a:avLst/>
-              </a:prstGeom>
-              <a:ln w="57150">
+            </p:grpSpPr>
+            <p:cxnSp>
+              <p:nvCxnSpPr>
+                <p:cNvPr id="40" name="Straight Connector 39">
+                  <a:extLst>
+                    <a:ext uri="{FF2B5EF4-FFF2-40B4-BE49-F238E27FC236}">
+                      <a16:creationId xmlns:a16="http://schemas.microsoft.com/office/drawing/2014/main" id="{503F33C3-0F40-422B-AFFC-0A59BCFBFB50}"/>
+                    </a:ext>
+                  </a:extLst>
+                </p:cNvPr>
+                <p:cNvCxnSpPr>
+                  <a:cxnSpLocks/>
+                </p:cNvCxnSpPr>
+                <p:nvPr/>
+              </p:nvCxnSpPr>
+              <p:spPr>
+                <a:xfrm>
+                  <a:off x="3070718" y="1604864"/>
+                  <a:ext cx="1" cy="689771"/>
+                </a:xfrm>
+                <a:prstGeom prst="line">
+                  <a:avLst/>
+                </a:prstGeom>
+              </p:spPr>
+              <p:style>
+                <a:lnRef idx="1">
+                  <a:schemeClr val="dk1"/>
+                </a:lnRef>
+                <a:fillRef idx="0">
+                  <a:schemeClr val="dk1"/>
+                </a:fillRef>
+                <a:effectRef idx="0">
+                  <a:schemeClr val="dk1"/>
+                </a:effectRef>
+                <a:fontRef idx="minor">
+                  <a:schemeClr val="tx1"/>
+                </a:fontRef>
+              </p:style>
+            </p:cxnSp>
+            <p:cxnSp>
+              <p:nvCxnSpPr>
+                <p:cNvPr id="6" name="Straight Connector 5">
+                  <a:extLst>
+                    <a:ext uri="{FF2B5EF4-FFF2-40B4-BE49-F238E27FC236}">
+                      <a16:creationId xmlns:a16="http://schemas.microsoft.com/office/drawing/2014/main" id="{A9EA7C4C-0DD2-447C-8340-F125988DE62F}"/>
+                    </a:ext>
+                  </a:extLst>
+                </p:cNvPr>
+                <p:cNvCxnSpPr>
+                  <a:cxnSpLocks/>
+                </p:cNvCxnSpPr>
+                <p:nvPr/>
+              </p:nvCxnSpPr>
+              <p:spPr>
+                <a:xfrm>
+                  <a:off x="1616432" y="5253135"/>
+                  <a:ext cx="7332554" cy="0"/>
+                </a:xfrm>
+                <a:prstGeom prst="line">
+                  <a:avLst/>
+                </a:prstGeom>
+                <a:ln w="57150">
+                  <a:solidFill>
+                    <a:schemeClr val="tx1"/>
+                  </a:solidFill>
+                </a:ln>
+              </p:spPr>
+              <p:style>
+                <a:lnRef idx="1">
+                  <a:schemeClr val="accent1"/>
+                </a:lnRef>
+                <a:fillRef idx="0">
+                  <a:schemeClr val="accent1"/>
+                </a:fillRef>
+                <a:effectRef idx="0">
+                  <a:schemeClr val="accent1"/>
+                </a:effectRef>
+                <a:fontRef idx="minor">
+                  <a:schemeClr val="tx1"/>
+                </a:fontRef>
+              </p:style>
+            </p:cxnSp>
+            <p:sp>
+              <p:nvSpPr>
+                <p:cNvPr id="7" name="Freeform 6">
+                  <a:extLst>
+                    <a:ext uri="{FF2B5EF4-FFF2-40B4-BE49-F238E27FC236}">
+                      <a16:creationId xmlns:a16="http://schemas.microsoft.com/office/drawing/2014/main" id="{58021AEB-702F-4BE2-BE8C-D90490646ADA}"/>
+                    </a:ext>
+                  </a:extLst>
+                </p:cNvPr>
+                <p:cNvSpPr>
+                  <a:spLocks/>
+                </p:cNvSpPr>
+                <p:nvPr/>
+              </p:nvSpPr>
+              <p:spPr bwMode="auto">
+                <a:xfrm>
+                  <a:off x="2146040" y="2304897"/>
+                  <a:ext cx="1831457" cy="2948238"/>
+                </a:xfrm>
+                <a:custGeom>
+                  <a:avLst/>
+                  <a:gdLst/>
+                  <a:ahLst/>
+                  <a:cxnLst>
+                    <a:cxn ang="0">
+                      <a:pos x="0" y="0"/>
+                    </a:cxn>
+                    <a:cxn ang="0">
+                      <a:pos x="0" y="528"/>
+                    </a:cxn>
+                    <a:cxn ang="0">
+                      <a:pos x="3216" y="528"/>
+                    </a:cxn>
+                    <a:cxn ang="0">
+                      <a:pos x="3216" y="0"/>
+                    </a:cxn>
+                  </a:cxnLst>
+                  <a:rect l="0" t="0" r="r" b="b"/>
+                  <a:pathLst>
+                    <a:path w="3216" h="528">
+                      <a:moveTo>
+                        <a:pt x="0" y="0"/>
+                      </a:moveTo>
+                      <a:lnTo>
+                        <a:pt x="0" y="528"/>
+                      </a:lnTo>
+                      <a:lnTo>
+                        <a:pt x="3216" y="528"/>
+                      </a:lnTo>
+                      <a:lnTo>
+                        <a:pt x="3216" y="0"/>
+                      </a:lnTo>
+                    </a:path>
+                  </a:pathLst>
+                </a:custGeom>
                 <a:solidFill>
+                  <a:schemeClr val="hlink"/>
+                </a:solidFill>
+                <a:ln w="57150" cap="flat" cmpd="sng">
+                  <a:solidFill>
+                    <a:schemeClr val="tx1">
+                      <a:alpha val="78000"/>
+                    </a:schemeClr>
+                  </a:solidFill>
+                  <a:prstDash val="solid"/>
+                  <a:round/>
+                  <a:headEnd type="none" w="lg" len="med"/>
+                  <a:tailEnd type="none" w="lg" len="med"/>
+                </a:ln>
+                <a:effectLst/>
+              </p:spPr>
+              <p:txBody>
+                <a:bodyPr wrap="square" anchor="ctr">
+                  <a:spAutoFit/>
+                </a:bodyPr>
+                <a:lstStyle/>
+                <a:p>
+                  <a:endParaRPr lang="en-US" dirty="0"/>
+                </a:p>
+              </p:txBody>
+            </p:sp>
+            <p:cxnSp>
+              <p:nvCxnSpPr>
+                <p:cNvPr id="19" name="Straight Connector 18">
+                  <a:extLst>
+                    <a:ext uri="{FF2B5EF4-FFF2-40B4-BE49-F238E27FC236}">
+                      <a16:creationId xmlns:a16="http://schemas.microsoft.com/office/drawing/2014/main" id="{CD12D136-1B8D-4819-9342-DB7938625856}"/>
+                    </a:ext>
+                  </a:extLst>
+                </p:cNvPr>
+                <p:cNvCxnSpPr/>
+                <p:nvPr/>
+              </p:nvCxnSpPr>
+              <p:spPr>
+                <a:xfrm>
+                  <a:off x="4267057" y="2304897"/>
+                  <a:ext cx="604663" cy="0"/>
+                </a:xfrm>
+                <a:prstGeom prst="line">
+                  <a:avLst/>
+                </a:prstGeom>
+                <a:ln w="28575">
+                  <a:solidFill>
+                    <a:srgbClr val="FF0000"/>
+                  </a:solidFill>
+                </a:ln>
+              </p:spPr>
+              <p:style>
+                <a:lnRef idx="1">
+                  <a:schemeClr val="accent1"/>
+                </a:lnRef>
+                <a:fillRef idx="0">
+                  <a:schemeClr val="accent1"/>
+                </a:fillRef>
+                <a:effectRef idx="0">
+                  <a:schemeClr val="accent1"/>
+                </a:effectRef>
+                <a:fontRef idx="minor">
                   <a:schemeClr val="tx1"/>
+                </a:fontRef>
+              </p:style>
+            </p:cxnSp>
+            <p:cxnSp>
+              <p:nvCxnSpPr>
+                <p:cNvPr id="20" name="Straight Connector 19">
+                  <a:extLst>
+                    <a:ext uri="{FF2B5EF4-FFF2-40B4-BE49-F238E27FC236}">
+                      <a16:creationId xmlns:a16="http://schemas.microsoft.com/office/drawing/2014/main" id="{36825B29-9467-409D-960E-0015624CE2F1}"/>
+                    </a:ext>
+                  </a:extLst>
+                </p:cNvPr>
+                <p:cNvCxnSpPr/>
+                <p:nvPr/>
+              </p:nvCxnSpPr>
+              <p:spPr>
+                <a:xfrm>
+                  <a:off x="5184140" y="2304044"/>
+                  <a:ext cx="604663" cy="0"/>
+                </a:xfrm>
+                <a:prstGeom prst="line">
+                  <a:avLst/>
+                </a:prstGeom>
+                <a:ln w="28575">
+                  <a:solidFill>
+                    <a:srgbClr val="FF0000"/>
+                  </a:solidFill>
+                </a:ln>
+              </p:spPr>
+              <p:style>
+                <a:lnRef idx="1">
+                  <a:schemeClr val="accent1"/>
+                </a:lnRef>
+                <a:fillRef idx="0">
+                  <a:schemeClr val="accent1"/>
+                </a:fillRef>
+                <a:effectRef idx="0">
+                  <a:schemeClr val="accent1"/>
+                </a:effectRef>
+                <a:fontRef idx="minor">
+                  <a:schemeClr val="tx1"/>
+                </a:fontRef>
+              </p:style>
+            </p:cxnSp>
+            <p:cxnSp>
+              <p:nvCxnSpPr>
+                <p:cNvPr id="21" name="Straight Connector 20">
+                  <a:extLst>
+                    <a:ext uri="{FF2B5EF4-FFF2-40B4-BE49-F238E27FC236}">
+                      <a16:creationId xmlns:a16="http://schemas.microsoft.com/office/drawing/2014/main" id="{9B3030BC-8E03-47F5-9DC2-0431DC1BFA87}"/>
+                    </a:ext>
+                  </a:extLst>
+                </p:cNvPr>
+                <p:cNvCxnSpPr/>
+                <p:nvPr/>
+              </p:nvCxnSpPr>
+              <p:spPr>
+                <a:xfrm>
+                  <a:off x="6101137" y="2304044"/>
+                  <a:ext cx="604663" cy="0"/>
+                </a:xfrm>
+                <a:prstGeom prst="line">
+                  <a:avLst/>
+                </a:prstGeom>
+                <a:ln w="28575">
+                  <a:solidFill>
+                    <a:srgbClr val="FF0000"/>
+                  </a:solidFill>
+                </a:ln>
+              </p:spPr>
+              <p:style>
+                <a:lnRef idx="1">
+                  <a:schemeClr val="accent1"/>
+                </a:lnRef>
+                <a:fillRef idx="0">
+                  <a:schemeClr val="accent1"/>
+                </a:fillRef>
+                <a:effectRef idx="0">
+                  <a:schemeClr val="accent1"/>
+                </a:effectRef>
+                <a:fontRef idx="minor">
+                  <a:schemeClr val="tx1"/>
+                </a:fontRef>
+              </p:style>
+            </p:cxnSp>
+            <p:cxnSp>
+              <p:nvCxnSpPr>
+                <p:cNvPr id="22" name="Straight Connector 21">
+                  <a:extLst>
+                    <a:ext uri="{FF2B5EF4-FFF2-40B4-BE49-F238E27FC236}">
+                      <a16:creationId xmlns:a16="http://schemas.microsoft.com/office/drawing/2014/main" id="{C89E168E-ADBF-454F-BB89-8A628292715A}"/>
+                    </a:ext>
+                  </a:extLst>
+                </p:cNvPr>
+                <p:cNvCxnSpPr/>
+                <p:nvPr/>
+              </p:nvCxnSpPr>
+              <p:spPr>
+                <a:xfrm>
+                  <a:off x="7007917" y="2304044"/>
+                  <a:ext cx="604663" cy="0"/>
+                </a:xfrm>
+                <a:prstGeom prst="line">
+                  <a:avLst/>
+                </a:prstGeom>
+                <a:ln w="28575">
+                  <a:solidFill>
+                    <a:srgbClr val="FF0000"/>
+                  </a:solidFill>
+                </a:ln>
+              </p:spPr>
+              <p:style>
+                <a:lnRef idx="1">
+                  <a:schemeClr val="accent1"/>
+                </a:lnRef>
+                <a:fillRef idx="0">
+                  <a:schemeClr val="accent1"/>
+                </a:fillRef>
+                <a:effectRef idx="0">
+                  <a:schemeClr val="accent1"/>
+                </a:effectRef>
+                <a:fontRef idx="minor">
+                  <a:schemeClr val="tx1"/>
+                </a:fontRef>
+              </p:style>
+            </p:cxnSp>
+            <p:cxnSp>
+              <p:nvCxnSpPr>
+                <p:cNvPr id="23" name="Straight Connector 22">
+                  <a:extLst>
+                    <a:ext uri="{FF2B5EF4-FFF2-40B4-BE49-F238E27FC236}">
+                      <a16:creationId xmlns:a16="http://schemas.microsoft.com/office/drawing/2014/main" id="{AC2E2D4A-8DD2-4B77-8B9A-848BFCE4D606}"/>
+                    </a:ext>
+                  </a:extLst>
+                </p:cNvPr>
+                <p:cNvCxnSpPr/>
+                <p:nvPr/>
+              </p:nvCxnSpPr>
+              <p:spPr>
+                <a:xfrm>
+                  <a:off x="7922317" y="2299228"/>
+                  <a:ext cx="604663" cy="0"/>
+                </a:xfrm>
+                <a:prstGeom prst="line">
+                  <a:avLst/>
+                </a:prstGeom>
+                <a:ln w="28575">
+                  <a:solidFill>
+                    <a:srgbClr val="FF0000"/>
+                  </a:solidFill>
+                </a:ln>
+              </p:spPr>
+              <p:style>
+                <a:lnRef idx="1">
+                  <a:schemeClr val="accent1"/>
+                </a:lnRef>
+                <a:fillRef idx="0">
+                  <a:schemeClr val="accent1"/>
+                </a:fillRef>
+                <a:effectRef idx="0">
+                  <a:schemeClr val="accent1"/>
+                </a:effectRef>
+                <a:fontRef idx="minor">
+                  <a:schemeClr val="tx1"/>
+                </a:fontRef>
+              </p:style>
+            </p:cxnSp>
+            <p:cxnSp>
+              <p:nvCxnSpPr>
+                <p:cNvPr id="24" name="Straight Connector 23">
+                  <a:extLst>
+                    <a:ext uri="{FF2B5EF4-FFF2-40B4-BE49-F238E27FC236}">
+                      <a16:creationId xmlns:a16="http://schemas.microsoft.com/office/drawing/2014/main" id="{4C3BC8D4-DF42-46E8-BC95-659901EFA2C7}"/>
+                    </a:ext>
+                  </a:extLst>
+                </p:cNvPr>
+                <p:cNvCxnSpPr/>
+                <p:nvPr/>
+              </p:nvCxnSpPr>
+              <p:spPr>
+                <a:xfrm>
+                  <a:off x="3359712" y="2299228"/>
+                  <a:ext cx="604663" cy="0"/>
+                </a:xfrm>
+                <a:prstGeom prst="line">
+                  <a:avLst/>
+                </a:prstGeom>
+                <a:ln w="28575">
+                  <a:solidFill>
+                    <a:srgbClr val="FF0000"/>
+                  </a:solidFill>
+                </a:ln>
+              </p:spPr>
+              <p:style>
+                <a:lnRef idx="1">
+                  <a:schemeClr val="accent1"/>
+                </a:lnRef>
+                <a:fillRef idx="0">
+                  <a:schemeClr val="accent1"/>
+                </a:fillRef>
+                <a:effectRef idx="0">
+                  <a:schemeClr val="accent1"/>
+                </a:effectRef>
+                <a:fontRef idx="minor">
+                  <a:schemeClr val="tx1"/>
+                </a:fontRef>
+              </p:style>
+            </p:cxnSp>
+            <p:cxnSp>
+              <p:nvCxnSpPr>
+                <p:cNvPr id="25" name="Straight Connector 24">
+                  <a:extLst>
+                    <a:ext uri="{FF2B5EF4-FFF2-40B4-BE49-F238E27FC236}">
+                      <a16:creationId xmlns:a16="http://schemas.microsoft.com/office/drawing/2014/main" id="{66D0DB74-2689-4A1E-9AA0-0E42392816FC}"/>
+                    </a:ext>
+                  </a:extLst>
+                </p:cNvPr>
+                <p:cNvCxnSpPr/>
+                <p:nvPr/>
+              </p:nvCxnSpPr>
+              <p:spPr>
+                <a:xfrm>
+                  <a:off x="2452932" y="2299228"/>
+                  <a:ext cx="604663" cy="0"/>
+                </a:xfrm>
+                <a:prstGeom prst="line">
+                  <a:avLst/>
+                </a:prstGeom>
+                <a:ln w="28575">
+                  <a:solidFill>
+                    <a:srgbClr val="FF0000"/>
+                  </a:solidFill>
+                </a:ln>
+              </p:spPr>
+              <p:style>
+                <a:lnRef idx="1">
+                  <a:schemeClr val="accent1"/>
+                </a:lnRef>
+                <a:fillRef idx="0">
+                  <a:schemeClr val="accent1"/>
+                </a:fillRef>
+                <a:effectRef idx="0">
+                  <a:schemeClr val="accent1"/>
+                </a:effectRef>
+                <a:fontRef idx="minor">
+                  <a:schemeClr val="tx1"/>
+                </a:fontRef>
+              </p:style>
+            </p:cxnSp>
+            <p:cxnSp>
+              <p:nvCxnSpPr>
+                <p:cNvPr id="26" name="Straight Connector 25">
+                  <a:extLst>
+                    <a:ext uri="{FF2B5EF4-FFF2-40B4-BE49-F238E27FC236}">
+                      <a16:creationId xmlns:a16="http://schemas.microsoft.com/office/drawing/2014/main" id="{3EFCB8FE-B858-4B0A-8B35-B9432A3D6149}"/>
+                    </a:ext>
+                  </a:extLst>
+                </p:cNvPr>
+                <p:cNvCxnSpPr/>
+                <p:nvPr/>
+              </p:nvCxnSpPr>
+              <p:spPr>
+                <a:xfrm>
+                  <a:off x="1533757" y="2299228"/>
+                  <a:ext cx="604663" cy="0"/>
+                </a:xfrm>
+                <a:prstGeom prst="line">
+                  <a:avLst/>
+                </a:prstGeom>
+                <a:ln w="28575">
+                  <a:solidFill>
+                    <a:srgbClr val="FF0000"/>
+                  </a:solidFill>
+                </a:ln>
+              </p:spPr>
+              <p:style>
+                <a:lnRef idx="1">
+                  <a:schemeClr val="accent1"/>
+                </a:lnRef>
+                <a:fillRef idx="0">
+                  <a:schemeClr val="accent1"/>
+                </a:fillRef>
+                <a:effectRef idx="0">
+                  <a:schemeClr val="accent1"/>
+                </a:effectRef>
+                <a:fontRef idx="minor">
+                  <a:schemeClr val="tx1"/>
+                </a:fontRef>
+              </p:style>
+            </p:cxnSp>
+            <p:cxnSp>
+              <p:nvCxnSpPr>
+                <p:cNvPr id="29" name="Straight Arrow Connector 28">
+                  <a:extLst>
+                    <a:ext uri="{FF2B5EF4-FFF2-40B4-BE49-F238E27FC236}">
+                      <a16:creationId xmlns:a16="http://schemas.microsoft.com/office/drawing/2014/main" id="{F722C922-5779-4187-A3E8-D78E77F764F0}"/>
+                    </a:ext>
+                  </a:extLst>
+                </p:cNvPr>
+                <p:cNvCxnSpPr/>
+                <p:nvPr/>
+              </p:nvCxnSpPr>
+              <p:spPr>
+                <a:xfrm>
+                  <a:off x="8526980" y="2299228"/>
+                  <a:ext cx="0" cy="2949057"/>
+                </a:xfrm>
+                <a:prstGeom prst="straightConnector1">
+                  <a:avLst/>
+                </a:prstGeom>
+                <a:ln w="19050">
+                  <a:solidFill>
+                    <a:schemeClr val="tx1"/>
+                  </a:solidFill>
+                  <a:headEnd type="triangle" w="lg" len="lg"/>
+                  <a:tailEnd type="triangle" w="lg" len="lg"/>
+                </a:ln>
+              </p:spPr>
+              <p:style>
+                <a:lnRef idx="1">
+                  <a:schemeClr val="accent1"/>
+                </a:lnRef>
+                <a:fillRef idx="0">
+                  <a:schemeClr val="accent1"/>
+                </a:fillRef>
+                <a:effectRef idx="0">
+                  <a:schemeClr val="accent1"/>
+                </a:effectRef>
+                <a:fontRef idx="minor">
+                  <a:schemeClr val="tx1"/>
+                </a:fontRef>
+              </p:style>
+            </p:cxnSp>
+            <p:sp>
+              <p:nvSpPr>
+                <p:cNvPr id="27" name="TextBox 26">
+                  <a:extLst>
+                    <a:ext uri="{FF2B5EF4-FFF2-40B4-BE49-F238E27FC236}">
+                      <a16:creationId xmlns:a16="http://schemas.microsoft.com/office/drawing/2014/main" id="{A657B6E9-1301-4DD7-9ED5-5184F2D8624C}"/>
+                    </a:ext>
+                  </a:extLst>
+                </p:cNvPr>
+                <p:cNvSpPr txBox="1"/>
+                <p:nvPr/>
+              </p:nvSpPr>
+              <p:spPr>
+                <a:xfrm>
+                  <a:off x="8065411" y="3499923"/>
+                  <a:ext cx="883575" cy="369332"/>
+                </a:xfrm>
+                <a:prstGeom prst="rect">
+                  <a:avLst/>
+                </a:prstGeom>
+                <a:solidFill>
+                  <a:schemeClr val="bg1"/>
                 </a:solidFill>
-              </a:ln>
-            </p:spPr>
-            <p:style>
-              <a:lnRef idx="1">
-                <a:schemeClr val="accent1"/>
-              </a:lnRef>
-              <a:fillRef idx="0">
-                <a:schemeClr val="accent1"/>
-              </a:fillRef>
-              <a:effectRef idx="0">
-                <a:schemeClr val="accent1"/>
-              </a:effectRef>
-              <a:fontRef idx="minor">
-                <a:schemeClr val="tx1"/>
-              </a:fontRef>
-            </p:style>
-          </p:cxnSp>
+              </p:spPr>
+              <p:txBody>
+                <a:bodyPr wrap="none" rtlCol="0">
+                  <a:spAutoFit/>
+                </a:bodyPr>
+                <a:lstStyle/>
+                <a:p>
+                  <a:r>
+                    <a:rPr lang="en-US" dirty="0">
+                      <a:latin typeface="Times New Roman" panose="02020603050405020304" pitchFamily="18" charset="0"/>
+                      <a:cs typeface="Times New Roman" panose="02020603050405020304" pitchFamily="18" charset="0"/>
+                    </a:rPr>
+                    <a:t>1 meter</a:t>
+                  </a:r>
+                </a:p>
+              </p:txBody>
+            </p:sp>
+            <p:sp>
+              <p:nvSpPr>
+                <p:cNvPr id="35" name="Oval 34">
+                  <a:extLst>
+                    <a:ext uri="{FF2B5EF4-FFF2-40B4-BE49-F238E27FC236}">
+                      <a16:creationId xmlns:a16="http://schemas.microsoft.com/office/drawing/2014/main" id="{EA246440-DD76-4A9D-8AB9-FE1F7B5B9DD6}"/>
+                    </a:ext>
+                  </a:extLst>
+                </p:cNvPr>
+                <p:cNvSpPr/>
+                <p:nvPr/>
+              </p:nvSpPr>
+              <p:spPr bwMode="auto">
+                <a:xfrm>
+                  <a:off x="2982691" y="5129714"/>
+                  <a:ext cx="149807" cy="149807"/>
+                </a:xfrm>
+                <a:prstGeom prst="ellipse">
+                  <a:avLst/>
+                </a:prstGeom>
+                <a:solidFill>
+                  <a:srgbClr val="C00000"/>
+                </a:solidFill>
+                <a:ln w="12700" cap="flat" cmpd="sng" algn="ctr">
+                  <a:solidFill>
+                    <a:srgbClr val="C00000"/>
+                  </a:solidFill>
+                  <a:prstDash val="solid"/>
+                  <a:round/>
+                  <a:headEnd type="none" w="lg" len="med"/>
+                  <a:tailEnd type="none" w="lg" len="med"/>
+                </a:ln>
+                <a:effectLst/>
+              </p:spPr>
+              <p:txBody>
+                <a:bodyPr vert="horz" wrap="square" lIns="91440" tIns="45720" rIns="91440" bIns="45720" numCol="1" rtlCol="0" anchor="ctr" anchorCtr="0" compatLnSpc="1">
+                  <a:prstTxWarp prst="textNoShape">
+                    <a:avLst/>
+                  </a:prstTxWarp>
+                  <a:spAutoFit/>
+                </a:bodyPr>
+                <a:lstStyle/>
+                <a:p>
+                  <a:pPr marL="0" marR="0" indent="0" algn="l" defTabSz="914400" rtl="0" eaLnBrk="1" fontAlgn="base" latinLnBrk="0" hangingPunct="1">
+                    <a:lnSpc>
+                      <a:spcPct val="100000"/>
+                    </a:lnSpc>
+                    <a:spcBef>
+                      <a:spcPct val="0"/>
+                    </a:spcBef>
+                    <a:spcAft>
+                      <a:spcPct val="0"/>
+                    </a:spcAft>
+                    <a:buClrTx/>
+                    <a:buSzTx/>
+                    <a:buFontTx/>
+                    <a:buNone/>
+                    <a:tabLst/>
+                  </a:pPr>
+                  <a:endParaRPr kumimoji="0" lang="en-US" sz="1800" b="0" i="0" u="none" strike="noStrike" cap="none" normalizeH="0" baseline="0">
+                    <a:ln>
+                      <a:noFill/>
+                    </a:ln>
+                    <a:solidFill>
+                      <a:schemeClr val="tx1"/>
+                    </a:solidFill>
+                    <a:effectLst/>
+                    <a:latin typeface="Century Gothic" pitchFamily="34" charset="0"/>
+                    <a:cs typeface="Arial" charset="0"/>
+                  </a:endParaRPr>
+                </a:p>
+              </p:txBody>
+            </p:sp>
+            <p:sp>
+              <p:nvSpPr>
+                <p:cNvPr id="36" name="Oval 35">
+                  <a:extLst>
+                    <a:ext uri="{FF2B5EF4-FFF2-40B4-BE49-F238E27FC236}">
+                      <a16:creationId xmlns:a16="http://schemas.microsoft.com/office/drawing/2014/main" id="{B636916F-E631-43D5-AFCF-FB0EFA6E981D}"/>
+                    </a:ext>
+                  </a:extLst>
+                </p:cNvPr>
+                <p:cNvSpPr/>
+                <p:nvPr/>
+              </p:nvSpPr>
+              <p:spPr bwMode="auto">
+                <a:xfrm>
+                  <a:off x="2992569" y="2224324"/>
+                  <a:ext cx="149807" cy="149807"/>
+                </a:xfrm>
+                <a:prstGeom prst="ellipse">
+                  <a:avLst/>
+                </a:prstGeom>
+                <a:solidFill>
+                  <a:srgbClr val="C00000"/>
+                </a:solidFill>
+                <a:ln w="12700" cap="flat" cmpd="sng" algn="ctr">
+                  <a:solidFill>
+                    <a:srgbClr val="C00000"/>
+                  </a:solidFill>
+                  <a:prstDash val="solid"/>
+                  <a:round/>
+                  <a:headEnd type="none" w="lg" len="med"/>
+                  <a:tailEnd type="none" w="lg" len="med"/>
+                </a:ln>
+                <a:effectLst/>
+              </p:spPr>
+              <p:txBody>
+                <a:bodyPr vert="horz" wrap="square" lIns="91440" tIns="45720" rIns="91440" bIns="45720" numCol="1" rtlCol="0" anchor="ctr" anchorCtr="0" compatLnSpc="1">
+                  <a:prstTxWarp prst="textNoShape">
+                    <a:avLst/>
+                  </a:prstTxWarp>
+                  <a:spAutoFit/>
+                </a:bodyPr>
+                <a:lstStyle/>
+                <a:p>
+                  <a:pPr marL="0" marR="0" indent="0" algn="l" defTabSz="914400" rtl="0" eaLnBrk="1" fontAlgn="base" latinLnBrk="0" hangingPunct="1">
+                    <a:lnSpc>
+                      <a:spcPct val="100000"/>
+                    </a:lnSpc>
+                    <a:spcBef>
+                      <a:spcPct val="0"/>
+                    </a:spcBef>
+                    <a:spcAft>
+                      <a:spcPct val="0"/>
+                    </a:spcAft>
+                    <a:buClrTx/>
+                    <a:buSzTx/>
+                    <a:buFontTx/>
+                    <a:buNone/>
+                    <a:tabLst/>
+                  </a:pPr>
+                  <a:endParaRPr kumimoji="0" lang="en-US" sz="1800" b="0" i="0" u="none" strike="noStrike" cap="none" normalizeH="0" baseline="0">
+                    <a:ln>
+                      <a:noFill/>
+                    </a:ln>
+                    <a:solidFill>
+                      <a:schemeClr val="tx1"/>
+                    </a:solidFill>
+                    <a:effectLst/>
+                    <a:latin typeface="Century Gothic" pitchFamily="34" charset="0"/>
+                    <a:cs typeface="Arial" charset="0"/>
+                  </a:endParaRPr>
+                </a:p>
+              </p:txBody>
+            </p:sp>
+            <p:cxnSp>
+              <p:nvCxnSpPr>
+                <p:cNvPr id="38" name="Straight Connector 37">
+                  <a:extLst>
+                    <a:ext uri="{FF2B5EF4-FFF2-40B4-BE49-F238E27FC236}">
+                      <a16:creationId xmlns:a16="http://schemas.microsoft.com/office/drawing/2014/main" id="{A73CFDDE-A54D-4C47-93ED-C83A5CBFF56A}"/>
+                    </a:ext>
+                  </a:extLst>
+                </p:cNvPr>
+                <p:cNvCxnSpPr>
+                  <a:stCxn id="35" idx="4"/>
+                </p:cNvCxnSpPr>
+                <p:nvPr/>
+              </p:nvCxnSpPr>
+              <p:spPr>
+                <a:xfrm flipH="1">
+                  <a:off x="3057594" y="5279521"/>
+                  <a:ext cx="1" cy="184019"/>
+                </a:xfrm>
+                <a:prstGeom prst="line">
+                  <a:avLst/>
+                </a:prstGeom>
+              </p:spPr>
+              <p:style>
+                <a:lnRef idx="1">
+                  <a:schemeClr val="dk1"/>
+                </a:lnRef>
+                <a:fillRef idx="0">
+                  <a:schemeClr val="dk1"/>
+                </a:fillRef>
+                <a:effectRef idx="0">
+                  <a:schemeClr val="dk1"/>
+                </a:effectRef>
+                <a:fontRef idx="minor">
+                  <a:schemeClr val="tx1"/>
+                </a:fontRef>
+              </p:style>
+            </p:cxnSp>
+            <p:grpSp>
+              <p:nvGrpSpPr>
+                <p:cNvPr id="12" name="Group 11">
+                  <a:extLst>
+                    <a:ext uri="{FF2B5EF4-FFF2-40B4-BE49-F238E27FC236}">
+                      <a16:creationId xmlns:a16="http://schemas.microsoft.com/office/drawing/2014/main" id="{AA99E7F0-9391-4D18-ADB3-3BE01FBAD3B1}"/>
+                    </a:ext>
+                  </a:extLst>
+                </p:cNvPr>
+                <p:cNvGrpSpPr/>
+                <p:nvPr/>
+              </p:nvGrpSpPr>
+              <p:grpSpPr>
+                <a:xfrm>
+                  <a:off x="3183114" y="2045186"/>
+                  <a:ext cx="595784" cy="519420"/>
+                  <a:chOff x="6545089" y="2384266"/>
+                  <a:chExt cx="210233" cy="193882"/>
+                </a:xfrm>
+              </p:grpSpPr>
+              <p:sp>
+                <p:nvSpPr>
+                  <p:cNvPr id="8" name="AutoShape 174">
+                    <a:extLst>
+                      <a:ext uri="{FF2B5EF4-FFF2-40B4-BE49-F238E27FC236}">
+                        <a16:creationId xmlns:a16="http://schemas.microsoft.com/office/drawing/2014/main" id="{826416CD-FFFE-46F3-BF71-6458DB2A561D}"/>
+                      </a:ext>
+                    </a:extLst>
+                  </p:cNvPr>
+                  <p:cNvSpPr>
+                    <a:spLocks noChangeArrowheads="1"/>
+                  </p:cNvSpPr>
+                  <p:nvPr/>
+                </p:nvSpPr>
+                <p:spPr bwMode="auto">
+                  <a:xfrm flipV="1">
+                    <a:off x="6571368" y="2384266"/>
+                    <a:ext cx="157675" cy="105156"/>
+                  </a:xfrm>
+                  <a:prstGeom prst="triangle">
+                    <a:avLst>
+                      <a:gd name="adj" fmla="val 50000"/>
+                    </a:avLst>
+                  </a:prstGeom>
+                  <a:noFill/>
+                  <a:ln w="12700">
+                    <a:solidFill>
+                      <a:schemeClr val="tx1"/>
+                    </a:solidFill>
+                    <a:miter lim="800000"/>
+                    <a:headEnd type="none" w="lg" len="med"/>
+                    <a:tailEnd type="none" w="lg" len="med"/>
+                  </a:ln>
+                  <a:effectLst/>
+                </p:spPr>
+                <p:txBody>
+                  <a:bodyPr anchor="ctr">
+                    <a:spAutoFit/>
+                  </a:bodyPr>
+                  <a:lstStyle/>
+                  <a:p>
+                    <a:endParaRPr lang="en-US"/>
+                  </a:p>
+                </p:txBody>
+              </p:sp>
+              <p:sp>
+                <p:nvSpPr>
+                  <p:cNvPr id="9" name="Line 175">
+                    <a:extLst>
+                      <a:ext uri="{FF2B5EF4-FFF2-40B4-BE49-F238E27FC236}">
+                        <a16:creationId xmlns:a16="http://schemas.microsoft.com/office/drawing/2014/main" id="{69E53567-22C4-4D37-B119-33F14895647C}"/>
+                      </a:ext>
+                    </a:extLst>
+                  </p:cNvPr>
+                  <p:cNvSpPr>
+                    <a:spLocks noChangeShapeType="1"/>
+                  </p:cNvSpPr>
+                  <p:nvPr/>
+                </p:nvSpPr>
+                <p:spPr bwMode="auto">
+                  <a:xfrm>
+                    <a:off x="6545089" y="2518997"/>
+                    <a:ext cx="210233" cy="0"/>
+                  </a:xfrm>
+                  <a:prstGeom prst="line">
+                    <a:avLst/>
+                  </a:prstGeom>
+                  <a:noFill/>
+                  <a:ln w="12700">
+                    <a:solidFill>
+                      <a:schemeClr val="tx1"/>
+                    </a:solidFill>
+                    <a:round/>
+                    <a:headEnd type="none" w="lg" len="med"/>
+                    <a:tailEnd type="none" w="lg" len="med"/>
+                  </a:ln>
+                  <a:effectLst/>
+                </p:spPr>
+                <p:txBody>
+                  <a:bodyPr anchor="ctr">
+                    <a:spAutoFit/>
+                  </a:bodyPr>
+                  <a:lstStyle/>
+                  <a:p>
+                    <a:endParaRPr lang="en-US"/>
+                  </a:p>
+                </p:txBody>
+              </p:sp>
+              <p:sp>
+                <p:nvSpPr>
+                  <p:cNvPr id="10" name="Line 176">
+                    <a:extLst>
+                      <a:ext uri="{FF2B5EF4-FFF2-40B4-BE49-F238E27FC236}">
+                        <a16:creationId xmlns:a16="http://schemas.microsoft.com/office/drawing/2014/main" id="{514E9AFB-CF9B-49C4-A21C-6AB30C91B677}"/>
+                      </a:ext>
+                    </a:extLst>
+                  </p:cNvPr>
+                  <p:cNvSpPr>
+                    <a:spLocks noChangeShapeType="1"/>
+                  </p:cNvSpPr>
+                  <p:nvPr/>
+                </p:nvSpPr>
+                <p:spPr bwMode="auto">
+                  <a:xfrm>
+                    <a:off x="6571368" y="2548573"/>
+                    <a:ext cx="157675" cy="0"/>
+                  </a:xfrm>
+                  <a:prstGeom prst="line">
+                    <a:avLst/>
+                  </a:prstGeom>
+                  <a:noFill/>
+                  <a:ln w="12700">
+                    <a:solidFill>
+                      <a:schemeClr val="tx1"/>
+                    </a:solidFill>
+                    <a:round/>
+                    <a:headEnd type="none" w="lg" len="med"/>
+                    <a:tailEnd type="none" w="lg" len="med"/>
+                  </a:ln>
+                  <a:effectLst/>
+                </p:spPr>
+                <p:txBody>
+                  <a:bodyPr anchor="ctr">
+                    <a:spAutoFit/>
+                  </a:bodyPr>
+                  <a:lstStyle/>
+                  <a:p>
+                    <a:endParaRPr lang="en-US"/>
+                  </a:p>
+                </p:txBody>
+              </p:sp>
+              <p:sp>
+                <p:nvSpPr>
+                  <p:cNvPr id="11" name="Line 177">
+                    <a:extLst>
+                      <a:ext uri="{FF2B5EF4-FFF2-40B4-BE49-F238E27FC236}">
+                        <a16:creationId xmlns:a16="http://schemas.microsoft.com/office/drawing/2014/main" id="{D3338B02-509F-4D1D-AFAE-EDDBF99A0DD1}"/>
+                      </a:ext>
+                    </a:extLst>
+                  </p:cNvPr>
+                  <p:cNvSpPr>
+                    <a:spLocks noChangeShapeType="1"/>
+                  </p:cNvSpPr>
+                  <p:nvPr/>
+                </p:nvSpPr>
+                <p:spPr bwMode="auto">
+                  <a:xfrm>
+                    <a:off x="6602027" y="2578148"/>
+                    <a:ext cx="95262" cy="0"/>
+                  </a:xfrm>
+                  <a:prstGeom prst="line">
+                    <a:avLst/>
+                  </a:prstGeom>
+                  <a:noFill/>
+                  <a:ln w="12700">
+                    <a:solidFill>
+                      <a:schemeClr val="tx1"/>
+                    </a:solidFill>
+                    <a:round/>
+                    <a:headEnd type="none" w="lg" len="med"/>
+                    <a:tailEnd type="none" w="lg" len="med"/>
+                  </a:ln>
+                  <a:effectLst/>
+                </p:spPr>
+                <p:txBody>
+                  <a:bodyPr anchor="ctr">
+                    <a:spAutoFit/>
+                  </a:bodyPr>
+                  <a:lstStyle/>
+                  <a:p>
+                    <a:endParaRPr lang="en-US"/>
+                  </a:p>
+                </p:txBody>
+              </p:sp>
+            </p:grpSp>
+            <p:sp>
+              <p:nvSpPr>
+                <p:cNvPr id="42" name="TextBox 41">
+                  <a:extLst>
+                    <a:ext uri="{FF2B5EF4-FFF2-40B4-BE49-F238E27FC236}">
+                      <a16:creationId xmlns:a16="http://schemas.microsoft.com/office/drawing/2014/main" id="{BA92C151-C849-4CCB-BFD0-5973E5E417DE}"/>
+                    </a:ext>
+                  </a:extLst>
+                </p:cNvPr>
+                <p:cNvSpPr txBox="1"/>
+                <p:nvPr/>
+              </p:nvSpPr>
+              <p:spPr>
+                <a:xfrm>
+                  <a:off x="6029402" y="5460438"/>
+                  <a:ext cx="2428870" cy="369332"/>
+                </a:xfrm>
+                <a:prstGeom prst="rect">
+                  <a:avLst/>
+                </a:prstGeom>
+                <a:solidFill>
+                  <a:schemeClr val="bg1"/>
+                </a:solidFill>
+              </p:spPr>
+              <p:txBody>
+                <a:bodyPr wrap="none" rtlCol="0">
+                  <a:spAutoFit/>
+                </a:bodyPr>
+                <a:lstStyle/>
+                <a:p>
+                  <a:r>
+                    <a:rPr lang="en-US" dirty="0">
+                      <a:latin typeface="Times New Roman" panose="02020603050405020304" pitchFamily="18" charset="0"/>
+                      <a:cs typeface="Times New Roman" panose="02020603050405020304" pitchFamily="18" charset="0"/>
+                    </a:rPr>
+                    <a:t>1 meter of velocity head</a:t>
+                  </a:r>
+                </a:p>
+              </p:txBody>
+            </p:sp>
+            <p:sp>
+              <p:nvSpPr>
+                <p:cNvPr id="43" name="TextBox 42">
+                  <a:extLst>
+                    <a:ext uri="{FF2B5EF4-FFF2-40B4-BE49-F238E27FC236}">
+                      <a16:creationId xmlns:a16="http://schemas.microsoft.com/office/drawing/2014/main" id="{F8B4DFB6-15DB-4E5B-B514-1CFBDF2ED0EA}"/>
+                    </a:ext>
+                  </a:extLst>
+                </p:cNvPr>
+                <p:cNvSpPr txBox="1"/>
+                <p:nvPr/>
+              </p:nvSpPr>
+              <p:spPr>
+                <a:xfrm>
+                  <a:off x="1838187" y="5463540"/>
+                  <a:ext cx="2454518" cy="369332"/>
+                </a:xfrm>
+                <a:prstGeom prst="rect">
+                  <a:avLst/>
+                </a:prstGeom>
+                <a:solidFill>
+                  <a:schemeClr val="bg1"/>
+                </a:solidFill>
+              </p:spPr>
+              <p:txBody>
+                <a:bodyPr wrap="none" rtlCol="0">
+                  <a:spAutoFit/>
+                </a:bodyPr>
+                <a:lstStyle/>
+                <a:p>
+                  <a:r>
+                    <a:rPr lang="en-US" dirty="0">
+                      <a:latin typeface="Times New Roman" panose="02020603050405020304" pitchFamily="18" charset="0"/>
+                      <a:cs typeface="Times New Roman" panose="02020603050405020304" pitchFamily="18" charset="0"/>
+                    </a:rPr>
+                    <a:t>1 meter of pressure head</a:t>
+                  </a:r>
+                </a:p>
+              </p:txBody>
+            </p:sp>
+            <p:sp>
+              <p:nvSpPr>
+                <p:cNvPr id="44" name="TextBox 43">
+                  <a:extLst>
+                    <a:ext uri="{FF2B5EF4-FFF2-40B4-BE49-F238E27FC236}">
+                      <a16:creationId xmlns:a16="http://schemas.microsoft.com/office/drawing/2014/main" id="{543BB2FE-D7D0-402C-948C-BAF371D9E1B7}"/>
+                    </a:ext>
+                  </a:extLst>
+                </p:cNvPr>
+                <p:cNvSpPr txBox="1"/>
+                <p:nvPr/>
+              </p:nvSpPr>
+              <p:spPr>
+                <a:xfrm>
+                  <a:off x="3523847" y="1361334"/>
+                  <a:ext cx="3280445" cy="456264"/>
+                </a:xfrm>
+                <a:prstGeom prst="rect">
+                  <a:avLst/>
+                </a:prstGeom>
+                <a:solidFill>
+                  <a:schemeClr val="bg1"/>
+                </a:solidFill>
+              </p:spPr>
+              <p:txBody>
+                <a:bodyPr wrap="square" rtlCol="0">
+                  <a:spAutoFit/>
+                </a:bodyPr>
+                <a:lstStyle/>
+                <a:p>
+                  <a:r>
+                    <a:rPr lang="en-US" dirty="0">
+                      <a:latin typeface="Times New Roman" panose="02020603050405020304" pitchFamily="18" charset="0"/>
+                      <a:cs typeface="Times New Roman" panose="02020603050405020304" pitchFamily="18" charset="0"/>
+                    </a:rPr>
+                    <a:t>1 meter of elevation head</a:t>
+                  </a:r>
+                </a:p>
+              </p:txBody>
+            </p:sp>
+            <p:grpSp>
+              <p:nvGrpSpPr>
+                <p:cNvPr id="50" name="Group 49">
+                  <a:extLst>
+                    <a:ext uri="{FF2B5EF4-FFF2-40B4-BE49-F238E27FC236}">
+                      <a16:creationId xmlns:a16="http://schemas.microsoft.com/office/drawing/2014/main" id="{C73AE796-6455-43BC-967A-B5E16D7831D4}"/>
+                    </a:ext>
+                  </a:extLst>
+                </p:cNvPr>
+                <p:cNvGrpSpPr/>
+                <p:nvPr/>
+              </p:nvGrpSpPr>
+              <p:grpSpPr>
+                <a:xfrm>
+                  <a:off x="6150522" y="2299767"/>
+                  <a:ext cx="2159535" cy="2926983"/>
+                  <a:chOff x="4258439" y="2292005"/>
+                  <a:chExt cx="2159535" cy="2926983"/>
+                </a:xfrm>
+              </p:grpSpPr>
+              <p:sp>
+                <p:nvSpPr>
+                  <p:cNvPr id="46" name="Arrow: U-Turn 45">
+                    <a:extLst>
+                      <a:ext uri="{FF2B5EF4-FFF2-40B4-BE49-F238E27FC236}">
+                        <a16:creationId xmlns:a16="http://schemas.microsoft.com/office/drawing/2014/main" id="{DD82B258-948E-4F43-A1C6-29A1B78DE6AB}"/>
+                      </a:ext>
+                    </a:extLst>
+                  </p:cNvPr>
+                  <p:cNvSpPr/>
+                  <p:nvPr/>
+                </p:nvSpPr>
+                <p:spPr>
+                  <a:xfrm>
+                    <a:off x="5180891" y="2292005"/>
+                    <a:ext cx="1237083" cy="2926983"/>
+                  </a:xfrm>
+                  <a:prstGeom prst="uturnArrow">
+                    <a:avLst>
+                      <a:gd name="adj1" fmla="val 25000"/>
+                      <a:gd name="adj2" fmla="val 25000"/>
+                      <a:gd name="adj3" fmla="val 25616"/>
+                      <a:gd name="adj4" fmla="val 42247"/>
+                      <a:gd name="adj5" fmla="val 28422"/>
+                    </a:avLst>
+                  </a:prstGeom>
+                  <a:solidFill>
+                    <a:srgbClr val="0563C1"/>
+                  </a:solidFill>
+                  <a:ln>
+                    <a:noFill/>
+                  </a:ln>
+                </p:spPr>
+                <p:style>
+                  <a:lnRef idx="2">
+                    <a:schemeClr val="accent1">
+                      <a:shade val="50000"/>
+                    </a:schemeClr>
+                  </a:lnRef>
+                  <a:fillRef idx="1">
+                    <a:schemeClr val="accent1"/>
+                  </a:fillRef>
+                  <a:effectRef idx="0">
+                    <a:schemeClr val="accent1"/>
+                  </a:effectRef>
+                  <a:fontRef idx="minor">
+                    <a:schemeClr val="lt1"/>
+                  </a:fontRef>
+                </p:style>
+                <p:txBody>
+                  <a:bodyPr rtlCol="0" anchor="ctr"/>
+                  <a:lstStyle/>
+                  <a:p>
+                    <a:pPr algn="ctr"/>
+                    <a:endParaRPr lang="en-US">
+                      <a:solidFill>
+                        <a:schemeClr val="tx1"/>
+                      </a:solidFill>
+                    </a:endParaRPr>
+                  </a:p>
+                </p:txBody>
+              </p:sp>
+              <p:sp>
+                <p:nvSpPr>
+                  <p:cNvPr id="49" name="Arrow: U-Turn 48">
+                    <a:extLst>
+                      <a:ext uri="{FF2B5EF4-FFF2-40B4-BE49-F238E27FC236}">
+                        <a16:creationId xmlns:a16="http://schemas.microsoft.com/office/drawing/2014/main" id="{4F4BC159-53C5-4B81-96CA-482C0D0C003D}"/>
+                      </a:ext>
+                    </a:extLst>
+                  </p:cNvPr>
+                  <p:cNvSpPr/>
+                  <p:nvPr/>
+                </p:nvSpPr>
+                <p:spPr>
+                  <a:xfrm flipH="1">
+                    <a:off x="4258439" y="2292005"/>
+                    <a:ext cx="1234440" cy="2926983"/>
+                  </a:xfrm>
+                  <a:prstGeom prst="uturnArrow">
+                    <a:avLst>
+                      <a:gd name="adj1" fmla="val 25000"/>
+                      <a:gd name="adj2" fmla="val 25000"/>
+                      <a:gd name="adj3" fmla="val 25616"/>
+                      <a:gd name="adj4" fmla="val 42247"/>
+                      <a:gd name="adj5" fmla="val 28422"/>
+                    </a:avLst>
+                  </a:prstGeom>
+                  <a:solidFill>
+                    <a:srgbClr val="0563C1"/>
+                  </a:solidFill>
+                  <a:ln>
+                    <a:noFill/>
+                  </a:ln>
+                </p:spPr>
+                <p:style>
+                  <a:lnRef idx="2">
+                    <a:schemeClr val="accent1">
+                      <a:shade val="50000"/>
+                    </a:schemeClr>
+                  </a:lnRef>
+                  <a:fillRef idx="1">
+                    <a:schemeClr val="accent1"/>
+                  </a:fillRef>
+                  <a:effectRef idx="0">
+                    <a:schemeClr val="accent1"/>
+                  </a:effectRef>
+                  <a:fontRef idx="minor">
+                    <a:schemeClr val="lt1"/>
+                  </a:fontRef>
+                </p:style>
+                <p:txBody>
+                  <a:bodyPr rtlCol="0" anchor="ctr"/>
+                  <a:lstStyle/>
+                  <a:p>
+                    <a:pPr algn="ctr"/>
+                    <a:endParaRPr lang="en-US">
+                      <a:solidFill>
+                        <a:schemeClr val="tx1"/>
+                      </a:solidFill>
+                    </a:endParaRPr>
+                  </a:p>
+                </p:txBody>
+              </p:sp>
+              <p:sp>
+                <p:nvSpPr>
+                  <p:cNvPr id="30" name="Arrow: Up 29">
+                    <a:extLst>
+                      <a:ext uri="{FF2B5EF4-FFF2-40B4-BE49-F238E27FC236}">
+                        <a16:creationId xmlns:a16="http://schemas.microsoft.com/office/drawing/2014/main" id="{2D51BD65-5F71-4556-995C-2301D7549D5C}"/>
+                      </a:ext>
+                    </a:extLst>
+                  </p:cNvPr>
+                  <p:cNvSpPr/>
+                  <p:nvPr/>
+                </p:nvSpPr>
+                <p:spPr>
+                  <a:xfrm>
+                    <a:off x="5257003" y="3692113"/>
+                    <a:ext cx="189505" cy="1200682"/>
+                  </a:xfrm>
+                  <a:prstGeom prst="upArrow">
+                    <a:avLst/>
+                  </a:prstGeom>
+                </p:spPr>
+                <p:style>
+                  <a:lnRef idx="2">
+                    <a:schemeClr val="accent1">
+                      <a:shade val="50000"/>
+                    </a:schemeClr>
+                  </a:lnRef>
+                  <a:fillRef idx="1">
+                    <a:schemeClr val="accent1"/>
+                  </a:fillRef>
+                  <a:effectRef idx="0">
+                    <a:schemeClr val="accent1"/>
+                  </a:effectRef>
+                  <a:fontRef idx="minor">
+                    <a:schemeClr val="lt1"/>
+                  </a:fontRef>
+                </p:style>
+                <p:txBody>
+                  <a:bodyPr rtlCol="0" anchor="ctr"/>
+                  <a:lstStyle/>
+                  <a:p>
+                    <a:pPr algn="ctr"/>
+                    <a:endParaRPr lang="en-US"/>
+                  </a:p>
+                </p:txBody>
+              </p:sp>
+            </p:grpSp>
+          </p:grpSp>
           <p:sp>
             <p:nvSpPr>
-              <p:cNvPr id="7" name="Freeform 6">
+              <p:cNvPr id="33" name="Oval 32">
                 <a:extLst>
                   <a:ext uri="{FF2B5EF4-FFF2-40B4-BE49-F238E27FC236}">
-                    <a16:creationId xmlns:a16="http://schemas.microsoft.com/office/drawing/2014/main" id="{58021AEB-702F-4BE2-BE8C-D90490646ADA}"/>
-                  </a:ext>
-                </a:extLst>
-              </p:cNvPr>
-              <p:cNvSpPr>
-                <a:spLocks/>
-              </p:cNvSpPr>
-              <p:nvPr/>
-            </p:nvSpPr>
-            <p:spPr bwMode="auto">
-              <a:xfrm>
-                <a:off x="2146040" y="2304897"/>
-                <a:ext cx="1831457" cy="2948238"/>
-              </a:xfrm>
-              <a:custGeom>
-                <a:avLst/>
-                <a:gdLst/>
-                <a:ahLst/>
-                <a:cxnLst>
-                  <a:cxn ang="0">
-                    <a:pos x="0" y="0"/>
-                  </a:cxn>
-                  <a:cxn ang="0">
-                    <a:pos x="0" y="528"/>
-                  </a:cxn>
-                  <a:cxn ang="0">
-                    <a:pos x="3216" y="528"/>
-                  </a:cxn>
-                  <a:cxn ang="0">
-                    <a:pos x="3216" y="0"/>
-                  </a:cxn>
-                </a:cxnLst>
-                <a:rect l="0" t="0" r="r" b="b"/>
-                <a:pathLst>
-                  <a:path w="3216" h="528">
-                    <a:moveTo>
-                      <a:pt x="0" y="0"/>
-                    </a:moveTo>
-                    <a:lnTo>
-                      <a:pt x="0" y="528"/>
-                    </a:lnTo>
-                    <a:lnTo>
-                      <a:pt x="3216" y="528"/>
-                    </a:lnTo>
-                    <a:lnTo>
-                      <a:pt x="3216" y="0"/>
-                    </a:lnTo>
-                  </a:path>
-                </a:pathLst>
-              </a:custGeom>
-              <a:solidFill>
-                <a:schemeClr val="hlink"/>
-              </a:solidFill>
-              <a:ln w="57150" cap="flat" cmpd="sng">
-                <a:solidFill>
-                  <a:schemeClr val="tx1">
-                    <a:alpha val="78000"/>
-                  </a:schemeClr>
-                </a:solidFill>
-                <a:prstDash val="solid"/>
-                <a:round/>
-                <a:headEnd type="none" w="lg" len="med"/>
-                <a:tailEnd type="none" w="lg" len="med"/>
-              </a:ln>
-              <a:effectLst/>
-            </p:spPr>
-            <p:txBody>
-              <a:bodyPr wrap="square" anchor="ctr">
-                <a:spAutoFit/>
-              </a:bodyPr>
-              <a:lstStyle/>
-              <a:p>
-                <a:endParaRPr lang="en-US" dirty="0"/>
-              </a:p>
-            </p:txBody>
-          </p:sp>
-          <p:cxnSp>
-            <p:nvCxnSpPr>
-              <p:cNvPr id="19" name="Straight Connector 18">
-                <a:extLst>
-                  <a:ext uri="{FF2B5EF4-FFF2-40B4-BE49-F238E27FC236}">
-                    <a16:creationId xmlns:a16="http://schemas.microsoft.com/office/drawing/2014/main" id="{CD12D136-1B8D-4819-9342-DB7938625856}"/>
-                  </a:ext>
-                </a:extLst>
-              </p:cNvPr>
-              <p:cNvCxnSpPr/>
-              <p:nvPr/>
-            </p:nvCxnSpPr>
-            <p:spPr>
-              <a:xfrm>
-                <a:off x="4267057" y="2304897"/>
-                <a:ext cx="604663" cy="0"/>
-              </a:xfrm>
-              <a:prstGeom prst="line">
-                <a:avLst/>
-              </a:prstGeom>
-              <a:ln w="28575">
-                <a:solidFill>
-                  <a:srgbClr val="FF0000"/>
-                </a:solidFill>
-              </a:ln>
-            </p:spPr>
-            <p:style>
-              <a:lnRef idx="1">
-                <a:schemeClr val="accent1"/>
-              </a:lnRef>
-              <a:fillRef idx="0">
-                <a:schemeClr val="accent1"/>
-              </a:fillRef>
-              <a:effectRef idx="0">
-                <a:schemeClr val="accent1"/>
-              </a:effectRef>
-              <a:fontRef idx="minor">
-                <a:schemeClr val="tx1"/>
-              </a:fontRef>
-            </p:style>
-          </p:cxnSp>
-          <p:cxnSp>
-            <p:nvCxnSpPr>
-              <p:cNvPr id="20" name="Straight Connector 19">
-                <a:extLst>
-                  <a:ext uri="{FF2B5EF4-FFF2-40B4-BE49-F238E27FC236}">
-                    <a16:creationId xmlns:a16="http://schemas.microsoft.com/office/drawing/2014/main" id="{36825B29-9467-409D-960E-0015624CE2F1}"/>
-                  </a:ext>
-                </a:extLst>
-              </p:cNvPr>
-              <p:cNvCxnSpPr/>
-              <p:nvPr/>
-            </p:nvCxnSpPr>
-            <p:spPr>
-              <a:xfrm>
-                <a:off x="5184140" y="2304044"/>
-                <a:ext cx="604663" cy="0"/>
-              </a:xfrm>
-              <a:prstGeom prst="line">
-                <a:avLst/>
-              </a:prstGeom>
-              <a:ln w="28575">
-                <a:solidFill>
-                  <a:srgbClr val="FF0000"/>
-                </a:solidFill>
-              </a:ln>
-            </p:spPr>
-            <p:style>
-              <a:lnRef idx="1">
-                <a:schemeClr val="accent1"/>
-              </a:lnRef>
-              <a:fillRef idx="0">
-                <a:schemeClr val="accent1"/>
-              </a:fillRef>
-              <a:effectRef idx="0">
-                <a:schemeClr val="accent1"/>
-              </a:effectRef>
-              <a:fontRef idx="minor">
-                <a:schemeClr val="tx1"/>
-              </a:fontRef>
-            </p:style>
-          </p:cxnSp>
-          <p:cxnSp>
-            <p:nvCxnSpPr>
-              <p:cNvPr id="21" name="Straight Connector 20">
-                <a:extLst>
-                  <a:ext uri="{FF2B5EF4-FFF2-40B4-BE49-F238E27FC236}">
-                    <a16:creationId xmlns:a16="http://schemas.microsoft.com/office/drawing/2014/main" id="{9B3030BC-8E03-47F5-9DC2-0431DC1BFA87}"/>
-                  </a:ext>
-                </a:extLst>
-              </p:cNvPr>
-              <p:cNvCxnSpPr/>
-              <p:nvPr/>
-            </p:nvCxnSpPr>
-            <p:spPr>
-              <a:xfrm>
-                <a:off x="6101137" y="2304044"/>
-                <a:ext cx="604663" cy="0"/>
-              </a:xfrm>
-              <a:prstGeom prst="line">
-                <a:avLst/>
-              </a:prstGeom>
-              <a:ln w="28575">
-                <a:solidFill>
-                  <a:srgbClr val="FF0000"/>
-                </a:solidFill>
-              </a:ln>
-            </p:spPr>
-            <p:style>
-              <a:lnRef idx="1">
-                <a:schemeClr val="accent1"/>
-              </a:lnRef>
-              <a:fillRef idx="0">
-                <a:schemeClr val="accent1"/>
-              </a:fillRef>
-              <a:effectRef idx="0">
-                <a:schemeClr val="accent1"/>
-              </a:effectRef>
-              <a:fontRef idx="minor">
-                <a:schemeClr val="tx1"/>
-              </a:fontRef>
-            </p:style>
-          </p:cxnSp>
-          <p:cxnSp>
-            <p:nvCxnSpPr>
-              <p:cNvPr id="22" name="Straight Connector 21">
-                <a:extLst>
-                  <a:ext uri="{FF2B5EF4-FFF2-40B4-BE49-F238E27FC236}">
-                    <a16:creationId xmlns:a16="http://schemas.microsoft.com/office/drawing/2014/main" id="{C89E168E-ADBF-454F-BB89-8A628292715A}"/>
-                  </a:ext>
-                </a:extLst>
-              </p:cNvPr>
-              <p:cNvCxnSpPr/>
-              <p:nvPr/>
-            </p:nvCxnSpPr>
-            <p:spPr>
-              <a:xfrm>
-                <a:off x="7007917" y="2304044"/>
-                <a:ext cx="604663" cy="0"/>
-              </a:xfrm>
-              <a:prstGeom prst="line">
-                <a:avLst/>
-              </a:prstGeom>
-              <a:ln w="28575">
-                <a:solidFill>
-                  <a:srgbClr val="FF0000"/>
-                </a:solidFill>
-              </a:ln>
-            </p:spPr>
-            <p:style>
-              <a:lnRef idx="1">
-                <a:schemeClr val="accent1"/>
-              </a:lnRef>
-              <a:fillRef idx="0">
-                <a:schemeClr val="accent1"/>
-              </a:fillRef>
-              <a:effectRef idx="0">
-                <a:schemeClr val="accent1"/>
-              </a:effectRef>
-              <a:fontRef idx="minor">
-                <a:schemeClr val="tx1"/>
-              </a:fontRef>
-            </p:style>
-          </p:cxnSp>
-          <p:cxnSp>
-            <p:nvCxnSpPr>
-              <p:cNvPr id="23" name="Straight Connector 22">
-                <a:extLst>
-                  <a:ext uri="{FF2B5EF4-FFF2-40B4-BE49-F238E27FC236}">
-                    <a16:creationId xmlns:a16="http://schemas.microsoft.com/office/drawing/2014/main" id="{AC2E2D4A-8DD2-4B77-8B9A-848BFCE4D606}"/>
-                  </a:ext>
-                </a:extLst>
-              </p:cNvPr>
-              <p:cNvCxnSpPr/>
-              <p:nvPr/>
-            </p:nvCxnSpPr>
-            <p:spPr>
-              <a:xfrm>
-                <a:off x="7922317" y="2299228"/>
-                <a:ext cx="604663" cy="0"/>
-              </a:xfrm>
-              <a:prstGeom prst="line">
-                <a:avLst/>
-              </a:prstGeom>
-              <a:ln w="28575">
-                <a:solidFill>
-                  <a:srgbClr val="FF0000"/>
-                </a:solidFill>
-              </a:ln>
-            </p:spPr>
-            <p:style>
-              <a:lnRef idx="1">
-                <a:schemeClr val="accent1"/>
-              </a:lnRef>
-              <a:fillRef idx="0">
-                <a:schemeClr val="accent1"/>
-              </a:fillRef>
-              <a:effectRef idx="0">
-                <a:schemeClr val="accent1"/>
-              </a:effectRef>
-              <a:fontRef idx="minor">
-                <a:schemeClr val="tx1"/>
-              </a:fontRef>
-            </p:style>
-          </p:cxnSp>
-          <p:cxnSp>
-            <p:nvCxnSpPr>
-              <p:cNvPr id="24" name="Straight Connector 23">
-                <a:extLst>
-                  <a:ext uri="{FF2B5EF4-FFF2-40B4-BE49-F238E27FC236}">
-                    <a16:creationId xmlns:a16="http://schemas.microsoft.com/office/drawing/2014/main" id="{4C3BC8D4-DF42-46E8-BC95-659901EFA2C7}"/>
-                  </a:ext>
-                </a:extLst>
-              </p:cNvPr>
-              <p:cNvCxnSpPr/>
-              <p:nvPr/>
-            </p:nvCxnSpPr>
-            <p:spPr>
-              <a:xfrm>
-                <a:off x="3359712" y="2299228"/>
-                <a:ext cx="604663" cy="0"/>
-              </a:xfrm>
-              <a:prstGeom prst="line">
-                <a:avLst/>
-              </a:prstGeom>
-              <a:ln w="28575">
-                <a:solidFill>
-                  <a:srgbClr val="FF0000"/>
-                </a:solidFill>
-              </a:ln>
-            </p:spPr>
-            <p:style>
-              <a:lnRef idx="1">
-                <a:schemeClr val="accent1"/>
-              </a:lnRef>
-              <a:fillRef idx="0">
-                <a:schemeClr val="accent1"/>
-              </a:fillRef>
-              <a:effectRef idx="0">
-                <a:schemeClr val="accent1"/>
-              </a:effectRef>
-              <a:fontRef idx="minor">
-                <a:schemeClr val="tx1"/>
-              </a:fontRef>
-            </p:style>
-          </p:cxnSp>
-          <p:cxnSp>
-            <p:nvCxnSpPr>
-              <p:cNvPr id="25" name="Straight Connector 24">
-                <a:extLst>
-                  <a:ext uri="{FF2B5EF4-FFF2-40B4-BE49-F238E27FC236}">
-                    <a16:creationId xmlns:a16="http://schemas.microsoft.com/office/drawing/2014/main" id="{66D0DB74-2689-4A1E-9AA0-0E42392816FC}"/>
-                  </a:ext>
-                </a:extLst>
-              </p:cNvPr>
-              <p:cNvCxnSpPr/>
-              <p:nvPr/>
-            </p:nvCxnSpPr>
-            <p:spPr>
-              <a:xfrm>
-                <a:off x="2452932" y="2299228"/>
-                <a:ext cx="604663" cy="0"/>
-              </a:xfrm>
-              <a:prstGeom prst="line">
-                <a:avLst/>
-              </a:prstGeom>
-              <a:ln w="28575">
-                <a:solidFill>
-                  <a:srgbClr val="FF0000"/>
-                </a:solidFill>
-              </a:ln>
-            </p:spPr>
-            <p:style>
-              <a:lnRef idx="1">
-                <a:schemeClr val="accent1"/>
-              </a:lnRef>
-              <a:fillRef idx="0">
-                <a:schemeClr val="accent1"/>
-              </a:fillRef>
-              <a:effectRef idx="0">
-                <a:schemeClr val="accent1"/>
-              </a:effectRef>
-              <a:fontRef idx="minor">
-                <a:schemeClr val="tx1"/>
-              </a:fontRef>
-            </p:style>
-          </p:cxnSp>
-          <p:cxnSp>
-            <p:nvCxnSpPr>
-              <p:cNvPr id="26" name="Straight Connector 25">
-                <a:extLst>
-                  <a:ext uri="{FF2B5EF4-FFF2-40B4-BE49-F238E27FC236}">
-                    <a16:creationId xmlns:a16="http://schemas.microsoft.com/office/drawing/2014/main" id="{3EFCB8FE-B858-4B0A-8B35-B9432A3D6149}"/>
-                  </a:ext>
-                </a:extLst>
-              </p:cNvPr>
-              <p:cNvCxnSpPr/>
-              <p:nvPr/>
-            </p:nvCxnSpPr>
-            <p:spPr>
-              <a:xfrm>
-                <a:off x="1533757" y="2299228"/>
-                <a:ext cx="604663" cy="0"/>
-              </a:xfrm>
-              <a:prstGeom prst="line">
-                <a:avLst/>
-              </a:prstGeom>
-              <a:ln w="28575">
-                <a:solidFill>
-                  <a:srgbClr val="FF0000"/>
-                </a:solidFill>
-              </a:ln>
-            </p:spPr>
-            <p:style>
-              <a:lnRef idx="1">
-                <a:schemeClr val="accent1"/>
-              </a:lnRef>
-              <a:fillRef idx="0">
-                <a:schemeClr val="accent1"/>
-              </a:fillRef>
-              <a:effectRef idx="0">
-                <a:schemeClr val="accent1"/>
-              </a:effectRef>
-              <a:fontRef idx="minor">
-                <a:schemeClr val="tx1"/>
-              </a:fontRef>
-            </p:style>
-          </p:cxnSp>
-          <p:cxnSp>
-            <p:nvCxnSpPr>
-              <p:cNvPr id="29" name="Straight Arrow Connector 28">
-                <a:extLst>
-                  <a:ext uri="{FF2B5EF4-FFF2-40B4-BE49-F238E27FC236}">
-                    <a16:creationId xmlns:a16="http://schemas.microsoft.com/office/drawing/2014/main" id="{F722C922-5779-4187-A3E8-D78E77F764F0}"/>
-                  </a:ext>
-                </a:extLst>
-              </p:cNvPr>
-              <p:cNvCxnSpPr/>
-              <p:nvPr/>
-            </p:nvCxnSpPr>
-            <p:spPr>
-              <a:xfrm>
-                <a:off x="8526980" y="2299228"/>
-                <a:ext cx="0" cy="2949057"/>
-              </a:xfrm>
-              <a:prstGeom prst="straightConnector1">
-                <a:avLst/>
-              </a:prstGeom>
-              <a:ln w="19050">
-                <a:solidFill>
-                  <a:schemeClr val="tx1"/>
-                </a:solidFill>
-                <a:headEnd type="triangle" w="lg" len="lg"/>
-                <a:tailEnd type="triangle" w="lg" len="lg"/>
-              </a:ln>
-            </p:spPr>
-            <p:style>
-              <a:lnRef idx="1">
-                <a:schemeClr val="accent1"/>
-              </a:lnRef>
-              <a:fillRef idx="0">
-                <a:schemeClr val="accent1"/>
-              </a:fillRef>
-              <a:effectRef idx="0">
-                <a:schemeClr val="accent1"/>
-              </a:effectRef>
-              <a:fontRef idx="minor">
-                <a:schemeClr val="tx1"/>
-              </a:fontRef>
-            </p:style>
-          </p:cxnSp>
-          <p:sp>
-            <p:nvSpPr>
-              <p:cNvPr id="27" name="TextBox 26">
-                <a:extLst>
-                  <a:ext uri="{FF2B5EF4-FFF2-40B4-BE49-F238E27FC236}">
-                    <a16:creationId xmlns:a16="http://schemas.microsoft.com/office/drawing/2014/main" id="{A657B6E9-1301-4DD7-9ED5-5184F2D8624C}"/>
-                  </a:ext>
-                </a:extLst>
-              </p:cNvPr>
-              <p:cNvSpPr txBox="1"/>
-              <p:nvPr/>
-            </p:nvSpPr>
-            <p:spPr>
-              <a:xfrm>
-                <a:off x="8065411" y="3499923"/>
-                <a:ext cx="883575" cy="369332"/>
-              </a:xfrm>
-              <a:prstGeom prst="rect">
-                <a:avLst/>
-              </a:prstGeom>
-              <a:solidFill>
-                <a:schemeClr val="bg1"/>
-              </a:solidFill>
-            </p:spPr>
-            <p:txBody>
-              <a:bodyPr wrap="none" rtlCol="0">
-                <a:spAutoFit/>
-              </a:bodyPr>
-              <a:lstStyle/>
-              <a:p>
-                <a:r>
-                  <a:rPr lang="en-US" dirty="0">
-                    <a:latin typeface="Times New Roman" panose="02020603050405020304" pitchFamily="18" charset="0"/>
-                    <a:cs typeface="Times New Roman" panose="02020603050405020304" pitchFamily="18" charset="0"/>
-                  </a:rPr>
-                  <a:t>1 meter</a:t>
-                </a:r>
-              </a:p>
-            </p:txBody>
-          </p:sp>
-          <p:sp>
-            <p:nvSpPr>
-              <p:cNvPr id="35" name="Oval 34">
-                <a:extLst>
-                  <a:ext uri="{FF2B5EF4-FFF2-40B4-BE49-F238E27FC236}">
-                    <a16:creationId xmlns:a16="http://schemas.microsoft.com/office/drawing/2014/main" id="{EA246440-DD76-4A9D-8AB9-FE1F7B5B9DD6}"/>
+                    <a16:creationId xmlns:a16="http://schemas.microsoft.com/office/drawing/2014/main" id="{58E03121-E633-4C56-93E4-9DE553DA5A71}"/>
                   </a:ext>
                 </a:extLst>
               </p:cNvPr>
@@ -4065,7 +4740,7 @@
             </p:nvSpPr>
             <p:spPr bwMode="auto">
               <a:xfrm>
-                <a:off x="2982691" y="5129714"/>
+                <a:off x="6729393" y="2211671"/>
                 <a:ext cx="149807" cy="149807"/>
               </a:xfrm>
               <a:prstGeom prst="ellipse">
@@ -4126,10 +4801,10 @@
           </p:sp>
           <p:sp>
             <p:nvSpPr>
-              <p:cNvPr id="36" name="Oval 35">
+              <p:cNvPr id="34" name="Oval 33">
                 <a:extLst>
                   <a:ext uri="{FF2B5EF4-FFF2-40B4-BE49-F238E27FC236}">
-                    <a16:creationId xmlns:a16="http://schemas.microsoft.com/office/drawing/2014/main" id="{B636916F-E631-43D5-AFCF-FB0EFA6E981D}"/>
+                    <a16:creationId xmlns:a16="http://schemas.microsoft.com/office/drawing/2014/main" id="{994E1818-2EF6-4FBA-9794-BFFCF85AEFB5}"/>
                   </a:ext>
                 </a:extLst>
               </p:cNvPr>
@@ -4138,7 +4813,7 @@
             </p:nvSpPr>
             <p:spPr bwMode="auto">
               <a:xfrm>
-                <a:off x="2992569" y="2224324"/>
+                <a:off x="7553282" y="2198478"/>
                 <a:ext cx="149807" cy="149807"/>
               </a:xfrm>
               <a:prstGeom prst="ellipse">
@@ -4199,22 +4874,23 @@
           </p:sp>
           <p:cxnSp>
             <p:nvCxnSpPr>
-              <p:cNvPr id="38" name="Straight Connector 37">
+              <p:cNvPr id="3" name="Straight Connector 2">
                 <a:extLst>
                   <a:ext uri="{FF2B5EF4-FFF2-40B4-BE49-F238E27FC236}">
-                    <a16:creationId xmlns:a16="http://schemas.microsoft.com/office/drawing/2014/main" id="{A73CFDDE-A54D-4C47-93ED-C83A5CBFF56A}"/>
+                    <a16:creationId xmlns:a16="http://schemas.microsoft.com/office/drawing/2014/main" id="{BB464499-4CFC-4B40-A0EF-2756FECE2114}"/>
                   </a:ext>
                 </a:extLst>
               </p:cNvPr>
               <p:cNvCxnSpPr>
-                <a:stCxn id="35" idx="4"/>
+                <a:cxnSpLocks/>
+                <a:endCxn id="44" idx="1"/>
               </p:cNvCxnSpPr>
               <p:nvPr/>
             </p:nvCxnSpPr>
             <p:spPr>
-              <a:xfrm flipH="1">
-                <a:off x="3057594" y="5279521"/>
-                <a:ext cx="1" cy="184019"/>
+              <a:xfrm flipV="1">
+                <a:off x="3057675" y="1589466"/>
+                <a:ext cx="466172" cy="15398"/>
               </a:xfrm>
               <a:prstGeom prst="line">
                 <a:avLst/>
@@ -4235,592 +4911,51 @@
               </a:fontRef>
             </p:style>
           </p:cxnSp>
-          <p:grpSp>
-            <p:nvGrpSpPr>
-              <p:cNvPr id="12" name="Group 11">
+          <p:cxnSp>
+            <p:nvCxnSpPr>
+              <p:cNvPr id="45" name="Straight Connector 44">
                 <a:extLst>
                   <a:ext uri="{FF2B5EF4-FFF2-40B4-BE49-F238E27FC236}">
-                    <a16:creationId xmlns:a16="http://schemas.microsoft.com/office/drawing/2014/main" id="{AA99E7F0-9391-4D18-ADB3-3BE01FBAD3B1}"/>
+                    <a16:creationId xmlns:a16="http://schemas.microsoft.com/office/drawing/2014/main" id="{FC382F06-1410-47AC-8FC6-444E1A4A6FB0}"/>
                   </a:ext>
                 </a:extLst>
               </p:cNvPr>
-              <p:cNvGrpSpPr/>
+              <p:cNvCxnSpPr>
+                <a:cxnSpLocks/>
+              </p:cNvCxnSpPr>
               <p:nvPr/>
-            </p:nvGrpSpPr>
-            <p:grpSpPr>
-              <a:xfrm>
-                <a:off x="3183114" y="2045186"/>
-                <a:ext cx="595784" cy="519420"/>
-                <a:chOff x="6545089" y="2384266"/>
-                <a:chExt cx="210233" cy="193882"/>
-              </a:xfrm>
-            </p:grpSpPr>
-            <p:sp>
-              <p:nvSpPr>
-                <p:cNvPr id="8" name="AutoShape 174">
-                  <a:extLst>
-                    <a:ext uri="{FF2B5EF4-FFF2-40B4-BE49-F238E27FC236}">
-                      <a16:creationId xmlns:a16="http://schemas.microsoft.com/office/drawing/2014/main" id="{826416CD-FFFE-46F3-BF71-6458DB2A561D}"/>
-                    </a:ext>
-                  </a:extLst>
-                </p:cNvPr>
-                <p:cNvSpPr>
-                  <a:spLocks noChangeArrowheads="1"/>
-                </p:cNvSpPr>
-                <p:nvPr/>
-              </p:nvSpPr>
-              <p:spPr bwMode="auto">
-                <a:xfrm flipV="1">
-                  <a:off x="6571368" y="2384266"/>
-                  <a:ext cx="157675" cy="105156"/>
-                </a:xfrm>
-                <a:prstGeom prst="triangle">
-                  <a:avLst>
-                    <a:gd name="adj" fmla="val 50000"/>
-                  </a:avLst>
-                </a:prstGeom>
-                <a:noFill/>
-                <a:ln w="12700">
-                  <a:solidFill>
-                    <a:schemeClr val="tx1"/>
-                  </a:solidFill>
-                  <a:miter lim="800000"/>
-                  <a:headEnd type="none" w="lg" len="med"/>
-                  <a:tailEnd type="none" w="lg" len="med"/>
-                </a:ln>
-                <a:effectLst/>
-              </p:spPr>
-              <p:txBody>
-                <a:bodyPr anchor="ctr">
-                  <a:spAutoFit/>
-                </a:bodyPr>
-                <a:lstStyle/>
-                <a:p>
-                  <a:endParaRPr lang="en-US"/>
-                </a:p>
-              </p:txBody>
-            </p:sp>
-            <p:sp>
-              <p:nvSpPr>
-                <p:cNvPr id="9" name="Line 175">
-                  <a:extLst>
-                    <a:ext uri="{FF2B5EF4-FFF2-40B4-BE49-F238E27FC236}">
-                      <a16:creationId xmlns:a16="http://schemas.microsoft.com/office/drawing/2014/main" id="{69E53567-22C4-4D37-B119-33F14895647C}"/>
-                    </a:ext>
-                  </a:extLst>
-                </p:cNvPr>
-                <p:cNvSpPr>
-                  <a:spLocks noChangeShapeType="1"/>
-                </p:cNvSpPr>
-                <p:nvPr/>
-              </p:nvSpPr>
-              <p:spPr bwMode="auto">
-                <a:xfrm>
-                  <a:off x="6545089" y="2518997"/>
-                  <a:ext cx="210233" cy="0"/>
-                </a:xfrm>
-                <a:prstGeom prst="line">
-                  <a:avLst/>
-                </a:prstGeom>
-                <a:noFill/>
-                <a:ln w="12700">
-                  <a:solidFill>
-                    <a:schemeClr val="tx1"/>
-                  </a:solidFill>
-                  <a:round/>
-                  <a:headEnd type="none" w="lg" len="med"/>
-                  <a:tailEnd type="none" w="lg" len="med"/>
-                </a:ln>
-                <a:effectLst/>
-              </p:spPr>
-              <p:txBody>
-                <a:bodyPr anchor="ctr">
-                  <a:spAutoFit/>
-                </a:bodyPr>
-                <a:lstStyle/>
-                <a:p>
-                  <a:endParaRPr lang="en-US"/>
-                </a:p>
-              </p:txBody>
-            </p:sp>
-            <p:sp>
-              <p:nvSpPr>
-                <p:cNvPr id="10" name="Line 176">
-                  <a:extLst>
-                    <a:ext uri="{FF2B5EF4-FFF2-40B4-BE49-F238E27FC236}">
-                      <a16:creationId xmlns:a16="http://schemas.microsoft.com/office/drawing/2014/main" id="{514E9AFB-CF9B-49C4-A21C-6AB30C91B677}"/>
-                    </a:ext>
-                  </a:extLst>
-                </p:cNvPr>
-                <p:cNvSpPr>
-                  <a:spLocks noChangeShapeType="1"/>
-                </p:cNvSpPr>
-                <p:nvPr/>
-              </p:nvSpPr>
-              <p:spPr bwMode="auto">
-                <a:xfrm>
-                  <a:off x="6571368" y="2548573"/>
-                  <a:ext cx="157675" cy="0"/>
-                </a:xfrm>
-                <a:prstGeom prst="line">
-                  <a:avLst/>
-                </a:prstGeom>
-                <a:noFill/>
-                <a:ln w="12700">
-                  <a:solidFill>
-                    <a:schemeClr val="tx1"/>
-                  </a:solidFill>
-                  <a:round/>
-                  <a:headEnd type="none" w="lg" len="med"/>
-                  <a:tailEnd type="none" w="lg" len="med"/>
-                </a:ln>
-                <a:effectLst/>
-              </p:spPr>
-              <p:txBody>
-                <a:bodyPr anchor="ctr">
-                  <a:spAutoFit/>
-                </a:bodyPr>
-                <a:lstStyle/>
-                <a:p>
-                  <a:endParaRPr lang="en-US"/>
-                </a:p>
-              </p:txBody>
-            </p:sp>
-            <p:sp>
-              <p:nvSpPr>
-                <p:cNvPr id="11" name="Line 177">
-                  <a:extLst>
-                    <a:ext uri="{FF2B5EF4-FFF2-40B4-BE49-F238E27FC236}">
-                      <a16:creationId xmlns:a16="http://schemas.microsoft.com/office/drawing/2014/main" id="{D3338B02-509F-4D1D-AFAE-EDDBF99A0DD1}"/>
-                    </a:ext>
-                  </a:extLst>
-                </p:cNvPr>
-                <p:cNvSpPr>
-                  <a:spLocks noChangeShapeType="1"/>
-                </p:cNvSpPr>
-                <p:nvPr/>
-              </p:nvSpPr>
-              <p:spPr bwMode="auto">
-                <a:xfrm>
-                  <a:off x="6602027" y="2578148"/>
-                  <a:ext cx="95262" cy="0"/>
-                </a:xfrm>
-                <a:prstGeom prst="line">
-                  <a:avLst/>
-                </a:prstGeom>
-                <a:noFill/>
-                <a:ln w="12700">
-                  <a:solidFill>
-                    <a:schemeClr val="tx1"/>
-                  </a:solidFill>
-                  <a:round/>
-                  <a:headEnd type="none" w="lg" len="med"/>
-                  <a:tailEnd type="none" w="lg" len="med"/>
-                </a:ln>
-                <a:effectLst/>
-              </p:spPr>
-              <p:txBody>
-                <a:bodyPr anchor="ctr">
-                  <a:spAutoFit/>
-                </a:bodyPr>
-                <a:lstStyle/>
-                <a:p>
-                  <a:endParaRPr lang="en-US"/>
-                </a:p>
-              </p:txBody>
-            </p:sp>
-          </p:grpSp>
-          <p:sp>
-            <p:nvSpPr>
-              <p:cNvPr id="42" name="TextBox 41">
-                <a:extLst>
-                  <a:ext uri="{FF2B5EF4-FFF2-40B4-BE49-F238E27FC236}">
-                    <a16:creationId xmlns:a16="http://schemas.microsoft.com/office/drawing/2014/main" id="{BA92C151-C849-4CCB-BFD0-5973E5E417DE}"/>
-                  </a:ext>
-                </a:extLst>
-              </p:cNvPr>
-              <p:cNvSpPr txBox="1"/>
-              <p:nvPr/>
-            </p:nvSpPr>
+            </p:nvCxnSpPr>
             <p:spPr>
               <a:xfrm>
-                <a:off x="6029404" y="5410700"/>
-                <a:ext cx="2428870" cy="369332"/>
+                <a:off x="6638249" y="1598642"/>
+                <a:ext cx="989936" cy="0"/>
               </a:xfrm>
-              <a:prstGeom prst="rect">
+              <a:prstGeom prst="line">
                 <a:avLst/>
               </a:prstGeom>
-              <a:solidFill>
-                <a:schemeClr val="bg1"/>
-              </a:solidFill>
             </p:spPr>
-            <p:txBody>
-              <a:bodyPr wrap="none" rtlCol="0">
-                <a:spAutoFit/>
-              </a:bodyPr>
-              <a:lstStyle/>
-              <a:p>
-                <a:r>
-                  <a:rPr lang="en-US" dirty="0">
-                    <a:latin typeface="Times New Roman" panose="02020603050405020304" pitchFamily="18" charset="0"/>
-                    <a:cs typeface="Times New Roman" panose="02020603050405020304" pitchFamily="18" charset="0"/>
-                  </a:rPr>
-                  <a:t>1 meter of velocity head</a:t>
-                </a:r>
-              </a:p>
-            </p:txBody>
-          </p:sp>
-          <p:sp>
-            <p:nvSpPr>
-              <p:cNvPr id="43" name="TextBox 42">
-                <a:extLst>
-                  <a:ext uri="{FF2B5EF4-FFF2-40B4-BE49-F238E27FC236}">
-                    <a16:creationId xmlns:a16="http://schemas.microsoft.com/office/drawing/2014/main" id="{F8B4DFB6-15DB-4E5B-B514-1CFBDF2ED0EA}"/>
-                  </a:ext>
-                </a:extLst>
-              </p:cNvPr>
-              <p:cNvSpPr txBox="1"/>
-              <p:nvPr/>
-            </p:nvSpPr>
-            <p:spPr>
-              <a:xfrm>
-                <a:off x="1838187" y="5463540"/>
-                <a:ext cx="2454518" cy="369332"/>
-              </a:xfrm>
-              <a:prstGeom prst="rect">
-                <a:avLst/>
-              </a:prstGeom>
-              <a:solidFill>
-                <a:schemeClr val="bg1"/>
-              </a:solidFill>
-            </p:spPr>
-            <p:txBody>
-              <a:bodyPr wrap="none" rtlCol="0">
-                <a:spAutoFit/>
-              </a:bodyPr>
-              <a:lstStyle/>
-              <a:p>
-                <a:r>
-                  <a:rPr lang="en-US" dirty="0">
-                    <a:latin typeface="Times New Roman" panose="02020603050405020304" pitchFamily="18" charset="0"/>
-                    <a:cs typeface="Times New Roman" panose="02020603050405020304" pitchFamily="18" charset="0"/>
-                  </a:rPr>
-                  <a:t>1 meter of pressure head</a:t>
-                </a:r>
-              </a:p>
-            </p:txBody>
-          </p:sp>
-          <p:sp>
-            <p:nvSpPr>
-              <p:cNvPr id="44" name="TextBox 43">
-                <a:extLst>
-                  <a:ext uri="{FF2B5EF4-FFF2-40B4-BE49-F238E27FC236}">
-                    <a16:creationId xmlns:a16="http://schemas.microsoft.com/office/drawing/2014/main" id="{543BB2FE-D7D0-402C-948C-BAF371D9E1B7}"/>
-                  </a:ext>
-                </a:extLst>
-              </p:cNvPr>
-              <p:cNvSpPr txBox="1"/>
-              <p:nvPr/>
-            </p:nvSpPr>
-            <p:spPr>
-              <a:xfrm>
-                <a:off x="3790130" y="1394668"/>
-                <a:ext cx="2531462" cy="369332"/>
-              </a:xfrm>
-              <a:prstGeom prst="rect">
-                <a:avLst/>
-              </a:prstGeom>
-              <a:solidFill>
-                <a:schemeClr val="bg1"/>
-              </a:solidFill>
-            </p:spPr>
-            <p:txBody>
-              <a:bodyPr wrap="none" rtlCol="0">
-                <a:spAutoFit/>
-              </a:bodyPr>
-              <a:lstStyle/>
-              <a:p>
-                <a:r>
-                  <a:rPr lang="en-US" dirty="0">
-                    <a:latin typeface="Times New Roman" panose="02020603050405020304" pitchFamily="18" charset="0"/>
-                    <a:cs typeface="Times New Roman" panose="02020603050405020304" pitchFamily="18" charset="0"/>
-                  </a:rPr>
-                  <a:t>1 meter of elevation head</a:t>
-                </a:r>
-              </a:p>
-            </p:txBody>
-          </p:sp>
-          <p:grpSp>
-            <p:nvGrpSpPr>
-              <p:cNvPr id="50" name="Group 49">
-                <a:extLst>
-                  <a:ext uri="{FF2B5EF4-FFF2-40B4-BE49-F238E27FC236}">
-                    <a16:creationId xmlns:a16="http://schemas.microsoft.com/office/drawing/2014/main" id="{C73AE796-6455-43BC-967A-B5E16D7831D4}"/>
-                  </a:ext>
-                </a:extLst>
-              </p:cNvPr>
-              <p:cNvGrpSpPr/>
-              <p:nvPr/>
-            </p:nvGrpSpPr>
-            <p:grpSpPr>
-              <a:xfrm>
-                <a:off x="6150522" y="2299767"/>
-                <a:ext cx="2159535" cy="2926983"/>
-                <a:chOff x="4258439" y="2292005"/>
-                <a:chExt cx="2159535" cy="2926983"/>
-              </a:xfrm>
-            </p:grpSpPr>
-            <p:sp>
-              <p:nvSpPr>
-                <p:cNvPr id="46" name="Arrow: U-Turn 45">
-                  <a:extLst>
-                    <a:ext uri="{FF2B5EF4-FFF2-40B4-BE49-F238E27FC236}">
-                      <a16:creationId xmlns:a16="http://schemas.microsoft.com/office/drawing/2014/main" id="{DD82B258-948E-4F43-A1C6-29A1B78DE6AB}"/>
-                    </a:ext>
-                  </a:extLst>
-                </p:cNvPr>
-                <p:cNvSpPr/>
-                <p:nvPr/>
-              </p:nvSpPr>
-              <p:spPr>
-                <a:xfrm>
-                  <a:off x="5180891" y="2292005"/>
-                  <a:ext cx="1237083" cy="2926983"/>
-                </a:xfrm>
-                <a:prstGeom prst="uturnArrow">
-                  <a:avLst>
-                    <a:gd name="adj1" fmla="val 25000"/>
-                    <a:gd name="adj2" fmla="val 25000"/>
-                    <a:gd name="adj3" fmla="val 25616"/>
-                    <a:gd name="adj4" fmla="val 42247"/>
-                    <a:gd name="adj5" fmla="val 28422"/>
-                  </a:avLst>
-                </a:prstGeom>
-                <a:solidFill>
-                  <a:srgbClr val="0563C1"/>
-                </a:solidFill>
-                <a:ln>
-                  <a:noFill/>
-                </a:ln>
-              </p:spPr>
-              <p:style>
-                <a:lnRef idx="2">
-                  <a:schemeClr val="accent1">
-                    <a:shade val="50000"/>
-                  </a:schemeClr>
-                </a:lnRef>
-                <a:fillRef idx="1">
-                  <a:schemeClr val="accent1"/>
-                </a:fillRef>
-                <a:effectRef idx="0">
-                  <a:schemeClr val="accent1"/>
-                </a:effectRef>
-                <a:fontRef idx="minor">
-                  <a:schemeClr val="lt1"/>
-                </a:fontRef>
-              </p:style>
-              <p:txBody>
-                <a:bodyPr rtlCol="0" anchor="ctr"/>
-                <a:lstStyle/>
-                <a:p>
-                  <a:pPr algn="ctr"/>
-                  <a:endParaRPr lang="en-US">
-                    <a:solidFill>
-                      <a:schemeClr val="tx1"/>
-                    </a:solidFill>
-                  </a:endParaRPr>
-                </a:p>
-              </p:txBody>
-            </p:sp>
-            <p:sp>
-              <p:nvSpPr>
-                <p:cNvPr id="49" name="Arrow: U-Turn 48">
-                  <a:extLst>
-                    <a:ext uri="{FF2B5EF4-FFF2-40B4-BE49-F238E27FC236}">
-                      <a16:creationId xmlns:a16="http://schemas.microsoft.com/office/drawing/2014/main" id="{4F4BC159-53C5-4B81-96CA-482C0D0C003D}"/>
-                    </a:ext>
-                  </a:extLst>
-                </p:cNvPr>
-                <p:cNvSpPr/>
-                <p:nvPr/>
-              </p:nvSpPr>
-              <p:spPr>
-                <a:xfrm flipH="1">
-                  <a:off x="4258439" y="2292005"/>
-                  <a:ext cx="1234440" cy="2926983"/>
-                </a:xfrm>
-                <a:prstGeom prst="uturnArrow">
-                  <a:avLst>
-                    <a:gd name="adj1" fmla="val 25000"/>
-                    <a:gd name="adj2" fmla="val 25000"/>
-                    <a:gd name="adj3" fmla="val 25616"/>
-                    <a:gd name="adj4" fmla="val 42247"/>
-                    <a:gd name="adj5" fmla="val 28422"/>
-                  </a:avLst>
-                </a:prstGeom>
-                <a:solidFill>
-                  <a:srgbClr val="0563C1"/>
-                </a:solidFill>
-                <a:ln>
-                  <a:noFill/>
-                </a:ln>
-              </p:spPr>
-              <p:style>
-                <a:lnRef idx="2">
-                  <a:schemeClr val="accent1">
-                    <a:shade val="50000"/>
-                  </a:schemeClr>
-                </a:lnRef>
-                <a:fillRef idx="1">
-                  <a:schemeClr val="accent1"/>
-                </a:fillRef>
-                <a:effectRef idx="0">
-                  <a:schemeClr val="accent1"/>
-                </a:effectRef>
-                <a:fontRef idx="minor">
-                  <a:schemeClr val="lt1"/>
-                </a:fontRef>
-              </p:style>
-              <p:txBody>
-                <a:bodyPr rtlCol="0" anchor="ctr"/>
-                <a:lstStyle/>
-                <a:p>
-                  <a:pPr algn="ctr"/>
-                  <a:endParaRPr lang="en-US">
-                    <a:solidFill>
-                      <a:schemeClr val="tx1"/>
-                    </a:solidFill>
-                  </a:endParaRPr>
-                </a:p>
-              </p:txBody>
-            </p:sp>
-            <p:sp>
-              <p:nvSpPr>
-                <p:cNvPr id="30" name="Arrow: Up 29">
-                  <a:extLst>
-                    <a:ext uri="{FF2B5EF4-FFF2-40B4-BE49-F238E27FC236}">
-                      <a16:creationId xmlns:a16="http://schemas.microsoft.com/office/drawing/2014/main" id="{2D51BD65-5F71-4556-995C-2301D7549D5C}"/>
-                    </a:ext>
-                  </a:extLst>
-                </p:cNvPr>
-                <p:cNvSpPr/>
-                <p:nvPr/>
-              </p:nvSpPr>
-              <p:spPr>
-                <a:xfrm>
-                  <a:off x="5257003" y="3692113"/>
-                  <a:ext cx="189505" cy="1200682"/>
-                </a:xfrm>
-                <a:prstGeom prst="upArrow">
-                  <a:avLst/>
-                </a:prstGeom>
-              </p:spPr>
-              <p:style>
-                <a:lnRef idx="2">
-                  <a:schemeClr val="accent1">
-                    <a:shade val="50000"/>
-                  </a:schemeClr>
-                </a:lnRef>
-                <a:fillRef idx="1">
-                  <a:schemeClr val="accent1"/>
-                </a:fillRef>
-                <a:effectRef idx="0">
-                  <a:schemeClr val="accent1"/>
-                </a:effectRef>
-                <a:fontRef idx="minor">
-                  <a:schemeClr val="lt1"/>
-                </a:fontRef>
-              </p:style>
-              <p:txBody>
-                <a:bodyPr rtlCol="0" anchor="ctr"/>
-                <a:lstStyle/>
-                <a:p>
-                  <a:pPr algn="ctr"/>
-                  <a:endParaRPr lang="en-US"/>
-                </a:p>
-              </p:txBody>
-            </p:sp>
-          </p:grpSp>
-          <p:sp>
-            <p:nvSpPr>
-              <p:cNvPr id="31" name="Oval 30">
-                <a:extLst>
-                  <a:ext uri="{FF2B5EF4-FFF2-40B4-BE49-F238E27FC236}">
-                    <a16:creationId xmlns:a16="http://schemas.microsoft.com/office/drawing/2014/main" id="{0F52903D-F9ED-469E-AACD-14BD4B407D76}"/>
-                  </a:ext>
-                </a:extLst>
-              </p:cNvPr>
-              <p:cNvSpPr/>
-              <p:nvPr/>
-            </p:nvSpPr>
-            <p:spPr bwMode="auto">
-              <a:xfrm>
-                <a:off x="7169446" y="5137472"/>
-                <a:ext cx="149807" cy="149807"/>
-              </a:xfrm>
-              <a:prstGeom prst="ellipse">
-                <a:avLst/>
-              </a:prstGeom>
-              <a:solidFill>
-                <a:srgbClr val="C00000"/>
-              </a:solidFill>
-              <a:ln w="12700" cap="flat" cmpd="sng" algn="ctr">
-                <a:solidFill>
-                  <a:srgbClr val="C00000"/>
-                </a:solidFill>
-                <a:prstDash val="solid"/>
-                <a:round/>
-                <a:headEnd type="none" w="lg" len="med"/>
-                <a:tailEnd type="none" w="lg" len="med"/>
-              </a:ln>
-              <a:effectLst/>
-            </p:spPr>
-            <p:txBody>
-              <a:bodyPr vert="horz" wrap="square" lIns="91440" tIns="45720" rIns="91440" bIns="45720" numCol="1" rtlCol="0" anchor="ctr" anchorCtr="0" compatLnSpc="1">
-                <a:prstTxWarp prst="textNoShape">
-                  <a:avLst/>
-                </a:prstTxWarp>
-                <a:spAutoFit/>
-              </a:bodyPr>
-              <a:lstStyle/>
-              <a:p>
-                <a:pPr marL="0" marR="0" indent="0" algn="l" defTabSz="914400" rtl="0" eaLnBrk="1" fontAlgn="base" latinLnBrk="0" hangingPunct="1">
-                  <a:lnSpc>
-                    <a:spcPct val="100000"/>
-                  </a:lnSpc>
-                  <a:spcBef>
-                    <a:spcPct val="0"/>
-                  </a:spcBef>
-                  <a:spcAft>
-                    <a:spcPct val="0"/>
-                  </a:spcAft>
-                  <a:buClrTx/>
-                  <a:buSzTx/>
-                  <a:buFontTx/>
-                  <a:buNone/>
-                  <a:tabLst/>
-                </a:pPr>
-                <a:endParaRPr kumimoji="0" lang="en-US" sz="1800" b="0" i="0" u="none" strike="noStrike" cap="none" normalizeH="0" baseline="0">
-                  <a:ln>
-                    <a:noFill/>
-                  </a:ln>
-                  <a:solidFill>
-                    <a:schemeClr val="tx1"/>
-                  </a:solidFill>
-                  <a:effectLst/>
-                  <a:latin typeface="Century Gothic" pitchFamily="34" charset="0"/>
-                  <a:cs typeface="Arial" charset="0"/>
-                </a:endParaRPr>
-              </a:p>
-            </p:txBody>
-          </p:sp>
+            <p:style>
+              <a:lnRef idx="1">
+                <a:schemeClr val="dk1"/>
+              </a:lnRef>
+              <a:fillRef idx="0">
+                <a:schemeClr val="dk1"/>
+              </a:fillRef>
+              <a:effectRef idx="0">
+                <a:schemeClr val="dk1"/>
+              </a:effectRef>
+              <a:fontRef idx="minor">
+                <a:schemeClr val="tx1"/>
+              </a:fontRef>
+            </p:style>
+          </p:cxnSp>
         </p:grpSp>
         <p:sp>
           <p:nvSpPr>
-            <p:cNvPr id="33" name="Oval 32">
+            <p:cNvPr id="47" name="Oval 46">
               <a:extLst>
                 <a:ext uri="{FF2B5EF4-FFF2-40B4-BE49-F238E27FC236}">
-                  <a16:creationId xmlns:a16="http://schemas.microsoft.com/office/drawing/2014/main" id="{58E03121-E633-4C56-93E4-9DE553DA5A71}"/>
+                  <a16:creationId xmlns:a16="http://schemas.microsoft.com/office/drawing/2014/main" id="{296D39F2-BE75-4427-8417-1AFBEE64EBCE}"/>
                 </a:ext>
               </a:extLst>
             </p:cNvPr>
@@ -4829,81 +4964,8 @@
           </p:nvSpPr>
           <p:spPr bwMode="auto">
             <a:xfrm>
-              <a:off x="6729393" y="2211671"/>
-              <a:ext cx="149807" cy="149807"/>
-            </a:xfrm>
-            <a:prstGeom prst="ellipse">
-              <a:avLst/>
-            </a:prstGeom>
-            <a:solidFill>
-              <a:srgbClr val="C00000"/>
-            </a:solidFill>
-            <a:ln w="12700" cap="flat" cmpd="sng" algn="ctr">
-              <a:solidFill>
-                <a:srgbClr val="C00000"/>
-              </a:solidFill>
-              <a:prstDash val="solid"/>
-              <a:round/>
-              <a:headEnd type="none" w="lg" len="med"/>
-              <a:tailEnd type="none" w="lg" len="med"/>
-            </a:ln>
-            <a:effectLst/>
-          </p:spPr>
-          <p:txBody>
-            <a:bodyPr vert="horz" wrap="square" lIns="91440" tIns="45720" rIns="91440" bIns="45720" numCol="1" rtlCol="0" anchor="ctr" anchorCtr="0" compatLnSpc="1">
-              <a:prstTxWarp prst="textNoShape">
-                <a:avLst/>
-              </a:prstTxWarp>
-              <a:spAutoFit/>
-            </a:bodyPr>
-            <a:lstStyle/>
-            <a:p>
-              <a:pPr marL="0" marR="0" indent="0" algn="l" defTabSz="914400" rtl="0" eaLnBrk="1" fontAlgn="base" latinLnBrk="0" hangingPunct="1">
-                <a:lnSpc>
-                  <a:spcPct val="100000"/>
-                </a:lnSpc>
-                <a:spcBef>
-                  <a:spcPct val="0"/>
-                </a:spcBef>
-                <a:spcAft>
-                  <a:spcPct val="0"/>
-                </a:spcAft>
-                <a:buClrTx/>
-                <a:buSzTx/>
-                <a:buFontTx/>
-                <a:buNone/>
-                <a:tabLst/>
-              </a:pPr>
-              <a:endParaRPr kumimoji="0" lang="en-US" sz="1800" b="0" i="0" u="none" strike="noStrike" cap="none" normalizeH="0" baseline="0">
-                <a:ln>
-                  <a:noFill/>
-                </a:ln>
-                <a:solidFill>
-                  <a:schemeClr val="tx1"/>
-                </a:solidFill>
-                <a:effectLst/>
-                <a:latin typeface="Century Gothic" pitchFamily="34" charset="0"/>
-                <a:cs typeface="Arial" charset="0"/>
-              </a:endParaRPr>
-            </a:p>
-          </p:txBody>
-        </p:sp>
-        <p:sp>
-          <p:nvSpPr>
-            <p:cNvPr id="34" name="Oval 33">
-              <a:extLst>
-                <a:ext uri="{FF2B5EF4-FFF2-40B4-BE49-F238E27FC236}">
-                  <a16:creationId xmlns:a16="http://schemas.microsoft.com/office/drawing/2014/main" id="{994E1818-2EF6-4FBA-9794-BFFCF85AEFB5}"/>
-                </a:ext>
-              </a:extLst>
-            </p:cNvPr>
-            <p:cNvSpPr/>
-            <p:nvPr/>
-          </p:nvSpPr>
-          <p:spPr bwMode="auto">
-            <a:xfrm>
-              <a:off x="7553282" y="2198478"/>
-              <a:ext cx="149807" cy="149807"/>
+              <a:off x="7136347" y="5170408"/>
+              <a:ext cx="141137" cy="141137"/>
             </a:xfrm>
             <a:prstGeom prst="ellipse">
               <a:avLst/>
@@ -4963,22 +5025,22 @@
         </p:sp>
         <p:cxnSp>
           <p:nvCxnSpPr>
-            <p:cNvPr id="3" name="Straight Connector 2">
+            <p:cNvPr id="48" name="Straight Connector 47">
               <a:extLst>
                 <a:ext uri="{FF2B5EF4-FFF2-40B4-BE49-F238E27FC236}">
-                  <a16:creationId xmlns:a16="http://schemas.microsoft.com/office/drawing/2014/main" id="{BB464499-4CFC-4B40-A0EF-2756FECE2114}"/>
+                  <a16:creationId xmlns:a16="http://schemas.microsoft.com/office/drawing/2014/main" id="{BC854EB2-CE05-4BEC-B7FF-353200332BE1}"/>
                 </a:ext>
               </a:extLst>
             </p:cNvPr>
             <p:cNvCxnSpPr>
-              <a:cxnSpLocks/>
+              <a:stCxn id="47" idx="4"/>
             </p:cNvCxnSpPr>
             <p:nvPr/>
           </p:nvCxnSpPr>
           <p:spPr>
-            <a:xfrm>
-              <a:off x="3057675" y="1604864"/>
-              <a:ext cx="646751" cy="0"/>
+            <a:xfrm flipH="1">
+              <a:off x="7206915" y="5311545"/>
+              <a:ext cx="1" cy="173369"/>
             </a:xfrm>
             <a:prstGeom prst="line">
               <a:avLst/>
@@ -4999,12 +5061,53 @@
             </a:fontRef>
           </p:style>
         </p:cxnSp>
+        <p:sp>
+          <p:nvSpPr>
+            <p:cNvPr id="51" name="TextBox 50">
+              <a:extLst>
+                <a:ext uri="{FF2B5EF4-FFF2-40B4-BE49-F238E27FC236}">
+                  <a16:creationId xmlns:a16="http://schemas.microsoft.com/office/drawing/2014/main" id="{82D1D3C3-CA4E-488C-AC4F-A86359E4E7F2}"/>
+                </a:ext>
+              </a:extLst>
+            </p:cNvPr>
+            <p:cNvSpPr txBox="1"/>
+            <p:nvPr/>
+          </p:nvSpPr>
+          <p:spPr>
+            <a:xfrm>
+              <a:off x="9322370" y="4917810"/>
+              <a:ext cx="1493069" cy="752253"/>
+            </a:xfrm>
+            <a:prstGeom prst="rect">
+              <a:avLst/>
+            </a:prstGeom>
+            <a:solidFill>
+              <a:schemeClr val="bg1"/>
+            </a:solidFill>
+          </p:spPr>
+          <p:txBody>
+            <a:bodyPr wrap="square" rtlCol="0">
+              <a:spAutoFit/>
+            </a:bodyPr>
+            <a:lstStyle/>
+            <a:p>
+              <a:pPr algn="ctr"/>
+              <a:r>
+                <a:rPr lang="en-US" dirty="0">
+                  <a:latin typeface="Times New Roman" panose="02020603050405020304" pitchFamily="18" charset="0"/>
+                  <a:cs typeface="Times New Roman" panose="02020603050405020304" pitchFamily="18" charset="0"/>
+                </a:rPr>
+                <a:t>Reference elevation</a:t>
+              </a:r>
+            </a:p>
+          </p:txBody>
+        </p:sp>
         <p:cxnSp>
           <p:nvCxnSpPr>
-            <p:cNvPr id="45" name="Straight Connector 44">
+            <p:cNvPr id="52" name="Straight Arrow Connector 51">
               <a:extLst>
                 <a:ext uri="{FF2B5EF4-FFF2-40B4-BE49-F238E27FC236}">
-                  <a16:creationId xmlns:a16="http://schemas.microsoft.com/office/drawing/2014/main" id="{FC382F06-1410-47AC-8FC6-444E1A4A6FB0}"/>
+                  <a16:creationId xmlns:a16="http://schemas.microsoft.com/office/drawing/2014/main" id="{D0C0DBED-AAA5-474E-A50C-11A708625030}"/>
                 </a:ext>
               </a:extLst>
             </p:cNvPr>
@@ -5014,23 +5117,30 @@
             <p:nvPr/>
           </p:nvCxnSpPr>
           <p:spPr>
-            <a:xfrm>
-              <a:off x="6403468" y="1598642"/>
-              <a:ext cx="1224717" cy="0"/>
+            <a:xfrm flipH="1">
+              <a:off x="9000870" y="5284827"/>
+              <a:ext cx="446324" cy="6429"/>
             </a:xfrm>
-            <a:prstGeom prst="line">
+            <a:prstGeom prst="straightConnector1">
               <a:avLst/>
             </a:prstGeom>
+            <a:ln w="19050">
+              <a:solidFill>
+                <a:schemeClr val="tx1"/>
+              </a:solidFill>
+              <a:headEnd type="none" w="lg" len="lg"/>
+              <a:tailEnd type="triangle" w="lg" len="lg"/>
+            </a:ln>
           </p:spPr>
           <p:style>
             <a:lnRef idx="1">
-              <a:schemeClr val="dk1"/>
+              <a:schemeClr val="accent1"/>
             </a:lnRef>
             <a:fillRef idx="0">
-              <a:schemeClr val="dk1"/>
+              <a:schemeClr val="accent1"/>
             </a:fillRef>
             <a:effectRef idx="0">
-              <a:schemeClr val="dk1"/>
+              <a:schemeClr val="accent1"/>
             </a:effectRef>
             <a:fontRef idx="minor">
               <a:schemeClr val="tx1"/>

--- a/AguaClara Water Treatment Plant Design/Cheat Sheets/Diagrams.pptx
+++ b/AguaClara Water Treatment Plant Design/Cheat Sheets/Diagrams.pptx
@@ -6,6 +6,7 @@
   </p:sldMasterIdLst>
   <p:sldIdLst>
     <p:sldId id="256" r:id="rId2"/>
+    <p:sldId id="257" r:id="rId3"/>
   </p:sldIdLst>
   <p:sldSz cx="12192000" cy="6858000"/>
   <p:notesSz cx="6858000" cy="9144000"/>
@@ -259,7 +260,7 @@
           <a:p>
             <a:fld id="{21D1E3DE-262E-49AD-8F92-4417FBCF3DA3}" type="datetimeFigureOut">
               <a:rPr lang="en-US" smtClean="0"/>
-              <a:t>4/2/2018</a:t>
+              <a:t>4/4/2018</a:t>
             </a:fld>
             <a:endParaRPr lang="en-US"/>
           </a:p>
@@ -457,7 +458,7 @@
           <a:p>
             <a:fld id="{21D1E3DE-262E-49AD-8F92-4417FBCF3DA3}" type="datetimeFigureOut">
               <a:rPr lang="en-US" smtClean="0"/>
-              <a:t>4/2/2018</a:t>
+              <a:t>4/4/2018</a:t>
             </a:fld>
             <a:endParaRPr lang="en-US"/>
           </a:p>
@@ -665,7 +666,7 @@
           <a:p>
             <a:fld id="{21D1E3DE-262E-49AD-8F92-4417FBCF3DA3}" type="datetimeFigureOut">
               <a:rPr lang="en-US" smtClean="0"/>
-              <a:t>4/2/2018</a:t>
+              <a:t>4/4/2018</a:t>
             </a:fld>
             <a:endParaRPr lang="en-US"/>
           </a:p>
@@ -863,7 +864,7 @@
           <a:p>
             <a:fld id="{21D1E3DE-262E-49AD-8F92-4417FBCF3DA3}" type="datetimeFigureOut">
               <a:rPr lang="en-US" smtClean="0"/>
-              <a:t>4/2/2018</a:t>
+              <a:t>4/4/2018</a:t>
             </a:fld>
             <a:endParaRPr lang="en-US"/>
           </a:p>
@@ -1138,7 +1139,7 @@
           <a:p>
             <a:fld id="{21D1E3DE-262E-49AD-8F92-4417FBCF3DA3}" type="datetimeFigureOut">
               <a:rPr lang="en-US" smtClean="0"/>
-              <a:t>4/2/2018</a:t>
+              <a:t>4/4/2018</a:t>
             </a:fld>
             <a:endParaRPr lang="en-US"/>
           </a:p>
@@ -1403,7 +1404,7 @@
           <a:p>
             <a:fld id="{21D1E3DE-262E-49AD-8F92-4417FBCF3DA3}" type="datetimeFigureOut">
               <a:rPr lang="en-US" smtClean="0"/>
-              <a:t>4/2/2018</a:t>
+              <a:t>4/4/2018</a:t>
             </a:fld>
             <a:endParaRPr lang="en-US"/>
           </a:p>
@@ -1815,7 +1816,7 @@
           <a:p>
             <a:fld id="{21D1E3DE-262E-49AD-8F92-4417FBCF3DA3}" type="datetimeFigureOut">
               <a:rPr lang="en-US" smtClean="0"/>
-              <a:t>4/2/2018</a:t>
+              <a:t>4/4/2018</a:t>
             </a:fld>
             <a:endParaRPr lang="en-US"/>
           </a:p>
@@ -1956,7 +1957,7 @@
           <a:p>
             <a:fld id="{21D1E3DE-262E-49AD-8F92-4417FBCF3DA3}" type="datetimeFigureOut">
               <a:rPr lang="en-US" smtClean="0"/>
-              <a:t>4/2/2018</a:t>
+              <a:t>4/4/2018</a:t>
             </a:fld>
             <a:endParaRPr lang="en-US"/>
           </a:p>
@@ -2069,7 +2070,7 @@
           <a:p>
             <a:fld id="{21D1E3DE-262E-49AD-8F92-4417FBCF3DA3}" type="datetimeFigureOut">
               <a:rPr lang="en-US" smtClean="0"/>
-              <a:t>4/2/2018</a:t>
+              <a:t>4/4/2018</a:t>
             </a:fld>
             <a:endParaRPr lang="en-US"/>
           </a:p>
@@ -2380,7 +2381,7 @@
           <a:p>
             <a:fld id="{21D1E3DE-262E-49AD-8F92-4417FBCF3DA3}" type="datetimeFigureOut">
               <a:rPr lang="en-US" smtClean="0"/>
-              <a:t>4/2/2018</a:t>
+              <a:t>4/4/2018</a:t>
             </a:fld>
             <a:endParaRPr lang="en-US"/>
           </a:p>
@@ -2668,7 +2669,7 @@
           <a:p>
             <a:fld id="{21D1E3DE-262E-49AD-8F92-4417FBCF3DA3}" type="datetimeFigureOut">
               <a:rPr lang="en-US" smtClean="0"/>
-              <a:t>4/2/2018</a:t>
+              <a:t>4/4/2018</a:t>
             </a:fld>
             <a:endParaRPr lang="en-US"/>
           </a:p>
@@ -2909,7 +2910,7 @@
           <a:p>
             <a:fld id="{21D1E3DE-262E-49AD-8F92-4417FBCF3DA3}" type="datetimeFigureOut">
               <a:rPr lang="en-US" smtClean="0"/>
-              <a:t>4/2/2018</a:t>
+              <a:t>4/4/2018</a:t>
             </a:fld>
             <a:endParaRPr lang="en-US"/>
           </a:p>
@@ -5161,6 +5162,1791 @@
 </p:sld>
 </file>
 
+<file path=ppt/slides/slide2.xml><?xml version="1.0" encoding="utf-8"?>
+<p:sld xmlns:a="http://schemas.openxmlformats.org/drawingml/2006/main" xmlns:r="http://schemas.openxmlformats.org/officeDocument/2006/relationships" xmlns:p="http://schemas.openxmlformats.org/presentationml/2006/main">
+  <p:cSld>
+    <p:spTree>
+      <p:nvGrpSpPr>
+        <p:cNvPr id="1" name=""/>
+        <p:cNvGrpSpPr/>
+        <p:nvPr/>
+      </p:nvGrpSpPr>
+      <p:grpSpPr>
+        <a:xfrm>
+          <a:off x="0" y="0"/>
+          <a:ext cx="0" cy="0"/>
+          <a:chOff x="0" y="0"/>
+          <a:chExt cx="0" cy="0"/>
+        </a:xfrm>
+      </p:grpSpPr>
+      <p:sp>
+        <p:nvSpPr>
+          <p:cNvPr id="23" name="Rectangle 24">
+            <a:extLst>
+              <a:ext uri="{FF2B5EF4-FFF2-40B4-BE49-F238E27FC236}">
+                <a16:creationId xmlns:a16="http://schemas.microsoft.com/office/drawing/2014/main" id="{DC1F7809-2FD3-4B9B-BA3C-BB60F4C22CD5}"/>
+              </a:ext>
+            </a:extLst>
+          </p:cNvPr>
+          <p:cNvSpPr>
+            <a:spLocks noChangeArrowheads="1"/>
+          </p:cNvSpPr>
+          <p:nvPr/>
+        </p:nvSpPr>
+        <p:spPr bwMode="auto">
+          <a:xfrm>
+            <a:off x="3757613" y="2759075"/>
+            <a:ext cx="362280" cy="366767"/>
+          </a:xfrm>
+          <a:prstGeom prst="rect">
+            <a:avLst/>
+          </a:prstGeom>
+          <a:noFill/>
+          <a:ln w="12700">
+            <a:noFill/>
+            <a:miter lim="800000"/>
+            <a:headEnd/>
+            <a:tailEnd/>
+          </a:ln>
+        </p:spPr>
+        <p:txBody>
+          <a:bodyPr wrap="none" lIns="90488" tIns="44450" rIns="90488" bIns="44450">
+            <a:spAutoFit/>
+          </a:bodyPr>
+          <a:lstStyle/>
+          <a:p>
+            <a:r>
+              <a:rPr lang="en-US" sz="1800" dirty="0">
+                <a:latin typeface="Times New Roman" panose="02020603050405020304" pitchFamily="18" charset="0"/>
+                <a:cs typeface="Times New Roman" panose="02020603050405020304" pitchFamily="18" charset="0"/>
+              </a:rPr>
+              <a:t>in</a:t>
+            </a:r>
+          </a:p>
+        </p:txBody>
+      </p:sp>
+      <p:sp>
+        <p:nvSpPr>
+          <p:cNvPr id="24" name="Rectangle 25">
+            <a:extLst>
+              <a:ext uri="{FF2B5EF4-FFF2-40B4-BE49-F238E27FC236}">
+                <a16:creationId xmlns:a16="http://schemas.microsoft.com/office/drawing/2014/main" id="{492488D3-6357-43D9-964E-7FFB4DF26363}"/>
+              </a:ext>
+            </a:extLst>
+          </p:cNvPr>
+          <p:cNvSpPr>
+            <a:spLocks noChangeArrowheads="1"/>
+          </p:cNvSpPr>
+          <p:nvPr/>
+        </p:nvSpPr>
+        <p:spPr bwMode="auto">
+          <a:xfrm>
+            <a:off x="5205413" y="2757488"/>
+            <a:ext cx="567777" cy="366767"/>
+          </a:xfrm>
+          <a:prstGeom prst="rect">
+            <a:avLst/>
+          </a:prstGeom>
+          <a:noFill/>
+          <a:ln w="12700">
+            <a:noFill/>
+            <a:miter lim="800000"/>
+            <a:headEnd/>
+            <a:tailEnd/>
+          </a:ln>
+        </p:spPr>
+        <p:txBody>
+          <a:bodyPr wrap="square" lIns="90488" tIns="44450" rIns="90488" bIns="44450">
+            <a:spAutoFit/>
+          </a:bodyPr>
+          <a:lstStyle/>
+          <a:p>
+            <a:r>
+              <a:rPr lang="en-US" sz="1800" dirty="0">
+                <a:latin typeface="Times New Roman" panose="02020603050405020304" pitchFamily="18" charset="0"/>
+                <a:cs typeface="Times New Roman" panose="02020603050405020304" pitchFamily="18" charset="0"/>
+              </a:rPr>
+              <a:t>out</a:t>
+            </a:r>
+          </a:p>
+        </p:txBody>
+      </p:sp>
+      <p:sp>
+        <p:nvSpPr>
+          <p:cNvPr id="25" name="Freeform 23">
+            <a:extLst>
+              <a:ext uri="{FF2B5EF4-FFF2-40B4-BE49-F238E27FC236}">
+                <a16:creationId xmlns:a16="http://schemas.microsoft.com/office/drawing/2014/main" id="{9142750E-6941-46D8-885D-85A33455C45B}"/>
+              </a:ext>
+            </a:extLst>
+          </p:cNvPr>
+          <p:cNvSpPr>
+            <a:spLocks/>
+          </p:cNvSpPr>
+          <p:nvPr/>
+        </p:nvSpPr>
+        <p:spPr bwMode="auto">
+          <a:xfrm>
+            <a:off x="1676400" y="1816100"/>
+            <a:ext cx="4406900" cy="774700"/>
+          </a:xfrm>
+          <a:custGeom>
+            <a:avLst/>
+            <a:gdLst>
+              <a:gd name="T0" fmla="*/ 0 w 2776"/>
+              <a:gd name="T1" fmla="*/ 546100 h 488"/>
+              <a:gd name="T2" fmla="*/ 2209800 w 2776"/>
+              <a:gd name="T3" fmla="*/ 546100 h 488"/>
+              <a:gd name="T4" fmla="*/ 2209800 w 2776"/>
+              <a:gd name="T5" fmla="*/ 774700 h 488"/>
+              <a:gd name="T6" fmla="*/ 4406900 w 2776"/>
+              <a:gd name="T7" fmla="*/ 774700 h 488"/>
+              <a:gd name="T8" fmla="*/ 4406900 w 2776"/>
+              <a:gd name="T9" fmla="*/ 0 h 488"/>
+              <a:gd name="T10" fmla="*/ 2209800 w 2776"/>
+              <a:gd name="T11" fmla="*/ 0 h 488"/>
+              <a:gd name="T12" fmla="*/ 2209800 w 2776"/>
+              <a:gd name="T13" fmla="*/ 241300 h 488"/>
+              <a:gd name="T14" fmla="*/ 0 w 2776"/>
+              <a:gd name="T15" fmla="*/ 241300 h 488"/>
+              <a:gd name="T16" fmla="*/ 0 60000 65536"/>
+              <a:gd name="T17" fmla="*/ 0 60000 65536"/>
+              <a:gd name="T18" fmla="*/ 0 60000 65536"/>
+              <a:gd name="T19" fmla="*/ 0 60000 65536"/>
+              <a:gd name="T20" fmla="*/ 0 60000 65536"/>
+              <a:gd name="T21" fmla="*/ 0 60000 65536"/>
+              <a:gd name="T22" fmla="*/ 0 60000 65536"/>
+              <a:gd name="T23" fmla="*/ 0 60000 65536"/>
+              <a:gd name="T24" fmla="*/ 0 w 2776"/>
+              <a:gd name="T25" fmla="*/ 0 h 488"/>
+              <a:gd name="T26" fmla="*/ 2776 w 2776"/>
+              <a:gd name="T27" fmla="*/ 488 h 488"/>
+            </a:gdLst>
+            <a:ahLst/>
+            <a:cxnLst>
+              <a:cxn ang="T16">
+                <a:pos x="T0" y="T1"/>
+              </a:cxn>
+              <a:cxn ang="T17">
+                <a:pos x="T2" y="T3"/>
+              </a:cxn>
+              <a:cxn ang="T18">
+                <a:pos x="T4" y="T5"/>
+              </a:cxn>
+              <a:cxn ang="T19">
+                <a:pos x="T6" y="T7"/>
+              </a:cxn>
+              <a:cxn ang="T20">
+                <a:pos x="T8" y="T9"/>
+              </a:cxn>
+              <a:cxn ang="T21">
+                <a:pos x="T10" y="T11"/>
+              </a:cxn>
+              <a:cxn ang="T22">
+                <a:pos x="T12" y="T13"/>
+              </a:cxn>
+              <a:cxn ang="T23">
+                <a:pos x="T14" y="T15"/>
+              </a:cxn>
+            </a:cxnLst>
+            <a:rect l="T24" t="T25" r="T26" b="T27"/>
+            <a:pathLst>
+              <a:path w="2776" h="488">
+                <a:moveTo>
+                  <a:pt x="0" y="344"/>
+                </a:moveTo>
+                <a:lnTo>
+                  <a:pt x="1392" y="344"/>
+                </a:lnTo>
+                <a:lnTo>
+                  <a:pt x="1392" y="488"/>
+                </a:lnTo>
+                <a:lnTo>
+                  <a:pt x="2776" y="488"/>
+                </a:lnTo>
+                <a:lnTo>
+                  <a:pt x="2776" y="0"/>
+                </a:lnTo>
+                <a:lnTo>
+                  <a:pt x="1392" y="0"/>
+                </a:lnTo>
+                <a:lnTo>
+                  <a:pt x="1392" y="152"/>
+                </a:lnTo>
+                <a:lnTo>
+                  <a:pt x="0" y="152"/>
+                </a:lnTo>
+              </a:path>
+            </a:pathLst>
+          </a:custGeom>
+          <a:solidFill>
+            <a:schemeClr val="hlink"/>
+          </a:solidFill>
+          <a:ln w="12700" cap="flat" cmpd="sng">
+            <a:noFill/>
+            <a:prstDash val="solid"/>
+            <a:round/>
+            <a:headEnd type="none" w="sm" len="sm"/>
+            <a:tailEnd type="none" w="lg" len="med"/>
+          </a:ln>
+        </p:spPr>
+        <p:txBody>
+          <a:bodyPr wrap="none" anchor="ctr"/>
+          <a:lstStyle/>
+          <a:p>
+            <a:endParaRPr lang="en-US"/>
+          </a:p>
+        </p:txBody>
+      </p:sp>
+      <p:sp>
+        <p:nvSpPr>
+          <p:cNvPr id="26" name="Line 28">
+            <a:extLst>
+              <a:ext uri="{FF2B5EF4-FFF2-40B4-BE49-F238E27FC236}">
+                <a16:creationId xmlns:a16="http://schemas.microsoft.com/office/drawing/2014/main" id="{2F92B689-95B6-47F0-B671-9E41D2EA5996}"/>
+              </a:ext>
+            </a:extLst>
+          </p:cNvPr>
+          <p:cNvSpPr>
+            <a:spLocks noChangeShapeType="1"/>
+          </p:cNvSpPr>
+          <p:nvPr/>
+        </p:nvSpPr>
+        <p:spPr bwMode="auto">
+          <a:xfrm>
+            <a:off x="2152650" y="2222500"/>
+            <a:ext cx="635000" cy="0"/>
+          </a:xfrm>
+          <a:prstGeom prst="line">
+            <a:avLst/>
+          </a:prstGeom>
+          <a:noFill/>
+          <a:ln w="38100">
+            <a:solidFill>
+              <a:schemeClr val="tx1"/>
+            </a:solidFill>
+            <a:round/>
+            <a:headEnd/>
+            <a:tailEnd type="triangle" w="med" len="med"/>
+          </a:ln>
+        </p:spPr>
+        <p:txBody>
+          <a:bodyPr wrap="none" anchor="ctr"/>
+          <a:lstStyle/>
+          <a:p>
+            <a:endParaRPr lang="en-US"/>
+          </a:p>
+        </p:txBody>
+      </p:sp>
+      <p:sp>
+        <p:nvSpPr>
+          <p:cNvPr id="27" name="Freeform 29">
+            <a:extLst>
+              <a:ext uri="{FF2B5EF4-FFF2-40B4-BE49-F238E27FC236}">
+                <a16:creationId xmlns:a16="http://schemas.microsoft.com/office/drawing/2014/main" id="{E4DAF995-7794-45D7-9436-E4BCA805B57D}"/>
+              </a:ext>
+            </a:extLst>
+          </p:cNvPr>
+          <p:cNvSpPr>
+            <a:spLocks/>
+          </p:cNvSpPr>
+          <p:nvPr/>
+        </p:nvSpPr>
+        <p:spPr bwMode="auto">
+          <a:xfrm>
+            <a:off x="1676400" y="1828800"/>
+            <a:ext cx="4419600" cy="228600"/>
+          </a:xfrm>
+          <a:custGeom>
+            <a:avLst/>
+            <a:gdLst>
+              <a:gd name="T0" fmla="*/ 0 w 2784"/>
+              <a:gd name="T1" fmla="*/ 228600 h 144"/>
+              <a:gd name="T2" fmla="*/ 2209800 w 2784"/>
+              <a:gd name="T3" fmla="*/ 228600 h 144"/>
+              <a:gd name="T4" fmla="*/ 2209800 w 2784"/>
+              <a:gd name="T5" fmla="*/ 0 h 144"/>
+              <a:gd name="T6" fmla="*/ 4419600 w 2784"/>
+              <a:gd name="T7" fmla="*/ 0 h 144"/>
+              <a:gd name="T8" fmla="*/ 0 60000 65536"/>
+              <a:gd name="T9" fmla="*/ 0 60000 65536"/>
+              <a:gd name="T10" fmla="*/ 0 60000 65536"/>
+              <a:gd name="T11" fmla="*/ 0 60000 65536"/>
+              <a:gd name="T12" fmla="*/ 0 w 2784"/>
+              <a:gd name="T13" fmla="*/ 0 h 144"/>
+              <a:gd name="T14" fmla="*/ 2784 w 2784"/>
+              <a:gd name="T15" fmla="*/ 144 h 144"/>
+            </a:gdLst>
+            <a:ahLst/>
+            <a:cxnLst>
+              <a:cxn ang="T8">
+                <a:pos x="T0" y="T1"/>
+              </a:cxn>
+              <a:cxn ang="T9">
+                <a:pos x="T2" y="T3"/>
+              </a:cxn>
+              <a:cxn ang="T10">
+                <a:pos x="T4" y="T5"/>
+              </a:cxn>
+              <a:cxn ang="T11">
+                <a:pos x="T6" y="T7"/>
+              </a:cxn>
+            </a:cxnLst>
+            <a:rect l="T12" t="T13" r="T14" b="T15"/>
+            <a:pathLst>
+              <a:path w="2784" h="144">
+                <a:moveTo>
+                  <a:pt x="0" y="144"/>
+                </a:moveTo>
+                <a:lnTo>
+                  <a:pt x="1392" y="144"/>
+                </a:lnTo>
+                <a:lnTo>
+                  <a:pt x="1392" y="0"/>
+                </a:lnTo>
+                <a:lnTo>
+                  <a:pt x="2784" y="0"/>
+                </a:lnTo>
+              </a:path>
+            </a:pathLst>
+          </a:custGeom>
+          <a:noFill/>
+          <a:ln w="28575" cap="flat" cmpd="sng">
+            <a:solidFill>
+              <a:schemeClr val="tx1"/>
+            </a:solidFill>
+            <a:prstDash val="solid"/>
+            <a:round/>
+            <a:headEnd type="none" w="med" len="med"/>
+            <a:tailEnd type="none" w="med" len="med"/>
+          </a:ln>
+        </p:spPr>
+        <p:txBody>
+          <a:bodyPr wrap="none" anchor="ctr"/>
+          <a:lstStyle/>
+          <a:p>
+            <a:endParaRPr lang="en-US"/>
+          </a:p>
+        </p:txBody>
+      </p:sp>
+      <p:sp>
+        <p:nvSpPr>
+          <p:cNvPr id="28" name="Freeform 30">
+            <a:extLst>
+              <a:ext uri="{FF2B5EF4-FFF2-40B4-BE49-F238E27FC236}">
+                <a16:creationId xmlns:a16="http://schemas.microsoft.com/office/drawing/2014/main" id="{8C6221E9-57F2-40BE-B725-B777474F1882}"/>
+              </a:ext>
+            </a:extLst>
+          </p:cNvPr>
+          <p:cNvSpPr>
+            <a:spLocks/>
+          </p:cNvSpPr>
+          <p:nvPr/>
+        </p:nvSpPr>
+        <p:spPr bwMode="auto">
+          <a:xfrm flipV="1">
+            <a:off x="1676400" y="2362200"/>
+            <a:ext cx="4419600" cy="228600"/>
+          </a:xfrm>
+          <a:custGeom>
+            <a:avLst/>
+            <a:gdLst>
+              <a:gd name="T0" fmla="*/ 0 w 2784"/>
+              <a:gd name="T1" fmla="*/ 228600 h 144"/>
+              <a:gd name="T2" fmla="*/ 2209800 w 2784"/>
+              <a:gd name="T3" fmla="*/ 228600 h 144"/>
+              <a:gd name="T4" fmla="*/ 2209800 w 2784"/>
+              <a:gd name="T5" fmla="*/ 0 h 144"/>
+              <a:gd name="T6" fmla="*/ 4419600 w 2784"/>
+              <a:gd name="T7" fmla="*/ 0 h 144"/>
+              <a:gd name="T8" fmla="*/ 0 60000 65536"/>
+              <a:gd name="T9" fmla="*/ 0 60000 65536"/>
+              <a:gd name="T10" fmla="*/ 0 60000 65536"/>
+              <a:gd name="T11" fmla="*/ 0 60000 65536"/>
+              <a:gd name="T12" fmla="*/ 0 w 2784"/>
+              <a:gd name="T13" fmla="*/ 0 h 144"/>
+              <a:gd name="T14" fmla="*/ 2784 w 2784"/>
+              <a:gd name="T15" fmla="*/ 144 h 144"/>
+            </a:gdLst>
+            <a:ahLst/>
+            <a:cxnLst>
+              <a:cxn ang="T8">
+                <a:pos x="T0" y="T1"/>
+              </a:cxn>
+              <a:cxn ang="T9">
+                <a:pos x="T2" y="T3"/>
+              </a:cxn>
+              <a:cxn ang="T10">
+                <a:pos x="T4" y="T5"/>
+              </a:cxn>
+              <a:cxn ang="T11">
+                <a:pos x="T6" y="T7"/>
+              </a:cxn>
+            </a:cxnLst>
+            <a:rect l="T12" t="T13" r="T14" b="T15"/>
+            <a:pathLst>
+              <a:path w="2784" h="144">
+                <a:moveTo>
+                  <a:pt x="0" y="144"/>
+                </a:moveTo>
+                <a:lnTo>
+                  <a:pt x="1392" y="144"/>
+                </a:lnTo>
+                <a:lnTo>
+                  <a:pt x="1392" y="0"/>
+                </a:lnTo>
+                <a:lnTo>
+                  <a:pt x="2784" y="0"/>
+                </a:lnTo>
+              </a:path>
+            </a:pathLst>
+          </a:custGeom>
+          <a:noFill/>
+          <a:ln w="28575" cap="flat" cmpd="sng">
+            <a:solidFill>
+              <a:schemeClr val="tx1"/>
+            </a:solidFill>
+            <a:prstDash val="solid"/>
+            <a:round/>
+            <a:headEnd type="none" w="med" len="med"/>
+            <a:tailEnd type="none" w="med" len="med"/>
+          </a:ln>
+        </p:spPr>
+        <p:txBody>
+          <a:bodyPr wrap="none" anchor="ctr"/>
+          <a:lstStyle/>
+          <a:p>
+            <a:endParaRPr lang="en-US"/>
+          </a:p>
+        </p:txBody>
+      </p:sp>
+      <p:grpSp>
+        <p:nvGrpSpPr>
+          <p:cNvPr id="29" name="Group 36">
+            <a:extLst>
+              <a:ext uri="{FF2B5EF4-FFF2-40B4-BE49-F238E27FC236}">
+                <a16:creationId xmlns:a16="http://schemas.microsoft.com/office/drawing/2014/main" id="{DE66AE5E-4D42-4B64-B5E2-80CDE0D9C1DD}"/>
+              </a:ext>
+            </a:extLst>
+          </p:cNvPr>
+          <p:cNvGrpSpPr>
+            <a:grpSpLocks/>
+          </p:cNvGrpSpPr>
+          <p:nvPr/>
+        </p:nvGrpSpPr>
+        <p:grpSpPr bwMode="auto">
+          <a:xfrm>
+            <a:off x="3886200" y="2347913"/>
+            <a:ext cx="1460500" cy="238125"/>
+            <a:chOff x="2448" y="1482"/>
+            <a:chExt cx="920" cy="150"/>
+          </a:xfrm>
+        </p:grpSpPr>
+        <p:sp>
+          <p:nvSpPr>
+            <p:cNvPr id="30" name="Freeform 31">
+              <a:extLst>
+                <a:ext uri="{FF2B5EF4-FFF2-40B4-BE49-F238E27FC236}">
+                  <a16:creationId xmlns:a16="http://schemas.microsoft.com/office/drawing/2014/main" id="{60319F21-8D99-416C-9F5D-160EB3FB649B}"/>
+                </a:ext>
+              </a:extLst>
+            </p:cNvPr>
+            <p:cNvSpPr>
+              <a:spLocks/>
+            </p:cNvSpPr>
+            <p:nvPr/>
+          </p:nvSpPr>
+          <p:spPr bwMode="auto">
+            <a:xfrm>
+              <a:off x="2448" y="1482"/>
+              <a:ext cx="920" cy="150"/>
+            </a:xfrm>
+            <a:custGeom>
+              <a:avLst/>
+              <a:gdLst>
+                <a:gd name="T0" fmla="*/ 0 w 920"/>
+                <a:gd name="T1" fmla="*/ 2 h 162"/>
+                <a:gd name="T2" fmla="*/ 920 w 920"/>
+                <a:gd name="T3" fmla="*/ 150 h 162"/>
+                <a:gd name="T4" fmla="*/ 0 w 920"/>
+                <a:gd name="T5" fmla="*/ 150 h 162"/>
+                <a:gd name="T6" fmla="*/ 0 w 920"/>
+                <a:gd name="T7" fmla="*/ 2 h 162"/>
+                <a:gd name="T8" fmla="*/ 0 60000 65536"/>
+                <a:gd name="T9" fmla="*/ 0 60000 65536"/>
+                <a:gd name="T10" fmla="*/ 0 60000 65536"/>
+                <a:gd name="T11" fmla="*/ 0 60000 65536"/>
+                <a:gd name="T12" fmla="*/ 0 w 920"/>
+                <a:gd name="T13" fmla="*/ 0 h 162"/>
+                <a:gd name="T14" fmla="*/ 920 w 920"/>
+                <a:gd name="T15" fmla="*/ 162 h 162"/>
+              </a:gdLst>
+              <a:ahLst/>
+              <a:cxnLst>
+                <a:cxn ang="T8">
+                  <a:pos x="T0" y="T1"/>
+                </a:cxn>
+                <a:cxn ang="T9">
+                  <a:pos x="T2" y="T3"/>
+                </a:cxn>
+                <a:cxn ang="T10">
+                  <a:pos x="T4" y="T5"/>
+                </a:cxn>
+                <a:cxn ang="T11">
+                  <a:pos x="T6" y="T7"/>
+                </a:cxn>
+              </a:cxnLst>
+              <a:rect l="T12" t="T13" r="T14" b="T15"/>
+              <a:pathLst>
+                <a:path w="920" h="162">
+                  <a:moveTo>
+                    <a:pt x="0" y="2"/>
+                  </a:moveTo>
+                  <a:cubicBezTo>
+                    <a:pt x="147" y="0"/>
+                    <a:pt x="573" y="48"/>
+                    <a:pt x="920" y="162"/>
+                  </a:cubicBezTo>
+                  <a:cubicBezTo>
+                    <a:pt x="573" y="162"/>
+                    <a:pt x="156" y="162"/>
+                    <a:pt x="0" y="162"/>
+                  </a:cubicBezTo>
+                  <a:cubicBezTo>
+                    <a:pt x="0" y="36"/>
+                    <a:pt x="0" y="126"/>
+                    <a:pt x="0" y="2"/>
+                  </a:cubicBezTo>
+                  <a:close/>
+                </a:path>
+              </a:pathLst>
+            </a:custGeom>
+            <a:solidFill>
+              <a:schemeClr val="hlink"/>
+            </a:solidFill>
+            <a:ln w="12700" cap="flat" cmpd="sng">
+              <a:solidFill>
+                <a:schemeClr val="tx1"/>
+              </a:solidFill>
+              <a:prstDash val="solid"/>
+              <a:round/>
+              <a:headEnd type="none" w="sm" len="sm"/>
+              <a:tailEnd type="none" w="lg" len="med"/>
+            </a:ln>
+          </p:spPr>
+          <p:txBody>
+            <a:bodyPr wrap="none" anchor="ctr"/>
+            <a:lstStyle/>
+            <a:p>
+              <a:endParaRPr lang="en-US"/>
+            </a:p>
+          </p:txBody>
+        </p:sp>
+        <p:sp>
+          <p:nvSpPr>
+            <p:cNvPr id="31" name="Freeform 32">
+              <a:extLst>
+                <a:ext uri="{FF2B5EF4-FFF2-40B4-BE49-F238E27FC236}">
+                  <a16:creationId xmlns:a16="http://schemas.microsoft.com/office/drawing/2014/main" id="{C09C5102-6E47-411F-955A-297823347F82}"/>
+                </a:ext>
+              </a:extLst>
+            </p:cNvPr>
+            <p:cNvSpPr>
+              <a:spLocks/>
+            </p:cNvSpPr>
+            <p:nvPr/>
+          </p:nvSpPr>
+          <p:spPr bwMode="auto">
+            <a:xfrm>
+              <a:off x="2790" y="1536"/>
+              <a:ext cx="155" cy="64"/>
+            </a:xfrm>
+            <a:custGeom>
+              <a:avLst/>
+              <a:gdLst>
+                <a:gd name="T0" fmla="*/ 15 w 155"/>
+                <a:gd name="T1" fmla="*/ 0 h 64"/>
+                <a:gd name="T2" fmla="*/ 153 w 155"/>
+                <a:gd name="T3" fmla="*/ 54 h 64"/>
+                <a:gd name="T4" fmla="*/ 0 w 155"/>
+                <a:gd name="T5" fmla="*/ 63 h 64"/>
+                <a:gd name="T6" fmla="*/ 0 60000 65536"/>
+                <a:gd name="T7" fmla="*/ 0 60000 65536"/>
+                <a:gd name="T8" fmla="*/ 0 60000 65536"/>
+                <a:gd name="T9" fmla="*/ 0 w 155"/>
+                <a:gd name="T10" fmla="*/ 0 h 64"/>
+                <a:gd name="T11" fmla="*/ 155 w 155"/>
+                <a:gd name="T12" fmla="*/ 64 h 64"/>
+              </a:gdLst>
+              <a:ahLst/>
+              <a:cxnLst>
+                <a:cxn ang="T6">
+                  <a:pos x="T0" y="T1"/>
+                </a:cxn>
+                <a:cxn ang="T7">
+                  <a:pos x="T2" y="T3"/>
+                </a:cxn>
+                <a:cxn ang="T8">
+                  <a:pos x="T4" y="T5"/>
+                </a:cxn>
+              </a:cxnLst>
+              <a:rect l="T9" t="T10" r="T11" b="T12"/>
+              <a:pathLst>
+                <a:path w="155" h="64">
+                  <a:moveTo>
+                    <a:pt x="15" y="0"/>
+                  </a:moveTo>
+                  <a:cubicBezTo>
+                    <a:pt x="85" y="22"/>
+                    <a:pt x="155" y="44"/>
+                    <a:pt x="153" y="54"/>
+                  </a:cubicBezTo>
+                  <a:cubicBezTo>
+                    <a:pt x="151" y="64"/>
+                    <a:pt x="75" y="63"/>
+                    <a:pt x="0" y="63"/>
+                  </a:cubicBezTo>
+                </a:path>
+              </a:pathLst>
+            </a:custGeom>
+            <a:solidFill>
+              <a:schemeClr val="hlink"/>
+            </a:solidFill>
+            <a:ln w="12700" cap="flat" cmpd="sng">
+              <a:solidFill>
+                <a:schemeClr val="tx1"/>
+              </a:solidFill>
+              <a:prstDash val="solid"/>
+              <a:round/>
+              <a:headEnd type="none" w="sm" len="sm"/>
+              <a:tailEnd type="triangle" w="sm" len="med"/>
+            </a:ln>
+          </p:spPr>
+          <p:txBody>
+            <a:bodyPr wrap="none" anchor="ctr"/>
+            <a:lstStyle/>
+            <a:p>
+              <a:endParaRPr lang="en-US"/>
+            </a:p>
+          </p:txBody>
+        </p:sp>
+        <p:sp>
+          <p:nvSpPr>
+            <p:cNvPr id="32" name="Freeform 34">
+              <a:extLst>
+                <a:ext uri="{FF2B5EF4-FFF2-40B4-BE49-F238E27FC236}">
+                  <a16:creationId xmlns:a16="http://schemas.microsoft.com/office/drawing/2014/main" id="{15D770E8-D5E2-41EE-914F-4B867CAA6553}"/>
+                </a:ext>
+              </a:extLst>
+            </p:cNvPr>
+            <p:cNvSpPr>
+              <a:spLocks/>
+            </p:cNvSpPr>
+            <p:nvPr/>
+          </p:nvSpPr>
+          <p:spPr bwMode="auto">
+            <a:xfrm>
+              <a:off x="2625" y="1518"/>
+              <a:ext cx="99" cy="90"/>
+            </a:xfrm>
+            <a:custGeom>
+              <a:avLst/>
+              <a:gdLst>
+                <a:gd name="T0" fmla="*/ 0 w 99"/>
+                <a:gd name="T1" fmla="*/ 0 h 90"/>
+                <a:gd name="T2" fmla="*/ 99 w 99"/>
+                <a:gd name="T3" fmla="*/ 48 h 90"/>
+                <a:gd name="T4" fmla="*/ 0 w 99"/>
+                <a:gd name="T5" fmla="*/ 90 h 90"/>
+                <a:gd name="T6" fmla="*/ 0 60000 65536"/>
+                <a:gd name="T7" fmla="*/ 0 60000 65536"/>
+                <a:gd name="T8" fmla="*/ 0 60000 65536"/>
+                <a:gd name="T9" fmla="*/ 0 w 99"/>
+                <a:gd name="T10" fmla="*/ 0 h 90"/>
+                <a:gd name="T11" fmla="*/ 99 w 99"/>
+                <a:gd name="T12" fmla="*/ 90 h 90"/>
+              </a:gdLst>
+              <a:ahLst/>
+              <a:cxnLst>
+                <a:cxn ang="T6">
+                  <a:pos x="T0" y="T1"/>
+                </a:cxn>
+                <a:cxn ang="T7">
+                  <a:pos x="T2" y="T3"/>
+                </a:cxn>
+                <a:cxn ang="T8">
+                  <a:pos x="T4" y="T5"/>
+                </a:cxn>
+              </a:cxnLst>
+              <a:rect l="T9" t="T10" r="T11" b="T12"/>
+              <a:pathLst>
+                <a:path w="99" h="90">
+                  <a:moveTo>
+                    <a:pt x="0" y="0"/>
+                  </a:moveTo>
+                  <a:cubicBezTo>
+                    <a:pt x="16" y="8"/>
+                    <a:pt x="99" y="33"/>
+                    <a:pt x="99" y="48"/>
+                  </a:cubicBezTo>
+                  <a:cubicBezTo>
+                    <a:pt x="99" y="63"/>
+                    <a:pt x="21" y="81"/>
+                    <a:pt x="0" y="90"/>
+                  </a:cubicBezTo>
+                </a:path>
+              </a:pathLst>
+            </a:custGeom>
+            <a:solidFill>
+              <a:schemeClr val="hlink"/>
+            </a:solidFill>
+            <a:ln w="12700" cap="flat" cmpd="sng">
+              <a:solidFill>
+                <a:schemeClr val="tx1"/>
+              </a:solidFill>
+              <a:prstDash val="solid"/>
+              <a:round/>
+              <a:headEnd type="none" w="sm" len="sm"/>
+              <a:tailEnd type="triangle" w="sm" len="med"/>
+            </a:ln>
+          </p:spPr>
+          <p:txBody>
+            <a:bodyPr wrap="none" anchor="ctr"/>
+            <a:lstStyle/>
+            <a:p>
+              <a:endParaRPr lang="en-US"/>
+            </a:p>
+          </p:txBody>
+        </p:sp>
+        <p:sp>
+          <p:nvSpPr>
+            <p:cNvPr id="33" name="Freeform 35">
+              <a:extLst>
+                <a:ext uri="{FF2B5EF4-FFF2-40B4-BE49-F238E27FC236}">
+                  <a16:creationId xmlns:a16="http://schemas.microsoft.com/office/drawing/2014/main" id="{82571B74-F3FD-4F62-9CAE-9BBA5167B1B3}"/>
+                </a:ext>
+              </a:extLst>
+            </p:cNvPr>
+            <p:cNvSpPr>
+              <a:spLocks/>
+            </p:cNvSpPr>
+            <p:nvPr/>
+          </p:nvSpPr>
+          <p:spPr bwMode="auto">
+            <a:xfrm>
+              <a:off x="2472" y="1518"/>
+              <a:ext cx="111" cy="93"/>
+            </a:xfrm>
+            <a:custGeom>
+              <a:avLst/>
+              <a:gdLst>
+                <a:gd name="T0" fmla="*/ 108 w 111"/>
+                <a:gd name="T1" fmla="*/ 89 h 93"/>
+                <a:gd name="T2" fmla="*/ 21 w 111"/>
+                <a:gd name="T3" fmla="*/ 81 h 93"/>
+                <a:gd name="T4" fmla="*/ 15 w 111"/>
+                <a:gd name="T5" fmla="*/ 18 h 93"/>
+                <a:gd name="T6" fmla="*/ 111 w 111"/>
+                <a:gd name="T7" fmla="*/ 0 h 93"/>
+                <a:gd name="T8" fmla="*/ 0 60000 65536"/>
+                <a:gd name="T9" fmla="*/ 0 60000 65536"/>
+                <a:gd name="T10" fmla="*/ 0 60000 65536"/>
+                <a:gd name="T11" fmla="*/ 0 60000 65536"/>
+                <a:gd name="T12" fmla="*/ 0 w 111"/>
+                <a:gd name="T13" fmla="*/ 0 h 93"/>
+                <a:gd name="T14" fmla="*/ 111 w 111"/>
+                <a:gd name="T15" fmla="*/ 93 h 93"/>
+              </a:gdLst>
+              <a:ahLst/>
+              <a:cxnLst>
+                <a:cxn ang="T8">
+                  <a:pos x="T0" y="T1"/>
+                </a:cxn>
+                <a:cxn ang="T9">
+                  <a:pos x="T2" y="T3"/>
+                </a:cxn>
+                <a:cxn ang="T10">
+                  <a:pos x="T4" y="T5"/>
+                </a:cxn>
+                <a:cxn ang="T11">
+                  <a:pos x="T6" y="T7"/>
+                </a:cxn>
+              </a:cxnLst>
+              <a:rect l="T12" t="T13" r="T14" b="T15"/>
+              <a:pathLst>
+                <a:path w="111" h="93">
+                  <a:moveTo>
+                    <a:pt x="108" y="89"/>
+                  </a:moveTo>
+                  <a:cubicBezTo>
+                    <a:pt x="94" y="88"/>
+                    <a:pt x="36" y="93"/>
+                    <a:pt x="21" y="81"/>
+                  </a:cubicBezTo>
+                  <a:cubicBezTo>
+                    <a:pt x="6" y="69"/>
+                    <a:pt x="0" y="32"/>
+                    <a:pt x="15" y="18"/>
+                  </a:cubicBezTo>
+                  <a:cubicBezTo>
+                    <a:pt x="30" y="4"/>
+                    <a:pt x="91" y="4"/>
+                    <a:pt x="111" y="0"/>
+                  </a:cubicBezTo>
+                </a:path>
+              </a:pathLst>
+            </a:custGeom>
+            <a:solidFill>
+              <a:schemeClr val="hlink"/>
+            </a:solidFill>
+            <a:ln w="12700" cap="flat" cmpd="sng">
+              <a:solidFill>
+                <a:schemeClr val="tx1"/>
+              </a:solidFill>
+              <a:prstDash val="solid"/>
+              <a:round/>
+              <a:headEnd type="none" w="sm" len="sm"/>
+              <a:tailEnd type="triangle" w="sm" len="med"/>
+            </a:ln>
+          </p:spPr>
+          <p:txBody>
+            <a:bodyPr wrap="none" anchor="ctr"/>
+            <a:lstStyle/>
+            <a:p>
+              <a:endParaRPr lang="en-US"/>
+            </a:p>
+          </p:txBody>
+        </p:sp>
+      </p:grpSp>
+      <p:grpSp>
+        <p:nvGrpSpPr>
+          <p:cNvPr id="34" name="Group 37">
+            <a:extLst>
+              <a:ext uri="{FF2B5EF4-FFF2-40B4-BE49-F238E27FC236}">
+                <a16:creationId xmlns:a16="http://schemas.microsoft.com/office/drawing/2014/main" id="{E4E5F70D-5890-4D00-807C-947898717920}"/>
+              </a:ext>
+            </a:extLst>
+          </p:cNvPr>
+          <p:cNvGrpSpPr>
+            <a:grpSpLocks/>
+          </p:cNvGrpSpPr>
+          <p:nvPr/>
+        </p:nvGrpSpPr>
+        <p:grpSpPr bwMode="auto">
+          <a:xfrm flipV="1">
+            <a:off x="3886200" y="1828800"/>
+            <a:ext cx="1460500" cy="238125"/>
+            <a:chOff x="2448" y="1482"/>
+            <a:chExt cx="920" cy="150"/>
+          </a:xfrm>
+        </p:grpSpPr>
+        <p:sp>
+          <p:nvSpPr>
+            <p:cNvPr id="35" name="Freeform 38">
+              <a:extLst>
+                <a:ext uri="{FF2B5EF4-FFF2-40B4-BE49-F238E27FC236}">
+                  <a16:creationId xmlns:a16="http://schemas.microsoft.com/office/drawing/2014/main" id="{53E00AB9-6A5B-4221-9A78-65CF5013D644}"/>
+                </a:ext>
+              </a:extLst>
+            </p:cNvPr>
+            <p:cNvSpPr>
+              <a:spLocks/>
+            </p:cNvSpPr>
+            <p:nvPr/>
+          </p:nvSpPr>
+          <p:spPr bwMode="auto">
+            <a:xfrm>
+              <a:off x="2448" y="1482"/>
+              <a:ext cx="920" cy="150"/>
+            </a:xfrm>
+            <a:custGeom>
+              <a:avLst/>
+              <a:gdLst>
+                <a:gd name="T0" fmla="*/ 0 w 920"/>
+                <a:gd name="T1" fmla="*/ 2 h 162"/>
+                <a:gd name="T2" fmla="*/ 920 w 920"/>
+                <a:gd name="T3" fmla="*/ 150 h 162"/>
+                <a:gd name="T4" fmla="*/ 0 w 920"/>
+                <a:gd name="T5" fmla="*/ 150 h 162"/>
+                <a:gd name="T6" fmla="*/ 0 w 920"/>
+                <a:gd name="T7" fmla="*/ 2 h 162"/>
+                <a:gd name="T8" fmla="*/ 0 60000 65536"/>
+                <a:gd name="T9" fmla="*/ 0 60000 65536"/>
+                <a:gd name="T10" fmla="*/ 0 60000 65536"/>
+                <a:gd name="T11" fmla="*/ 0 60000 65536"/>
+                <a:gd name="T12" fmla="*/ 0 w 920"/>
+                <a:gd name="T13" fmla="*/ 0 h 162"/>
+                <a:gd name="T14" fmla="*/ 920 w 920"/>
+                <a:gd name="T15" fmla="*/ 162 h 162"/>
+              </a:gdLst>
+              <a:ahLst/>
+              <a:cxnLst>
+                <a:cxn ang="T8">
+                  <a:pos x="T0" y="T1"/>
+                </a:cxn>
+                <a:cxn ang="T9">
+                  <a:pos x="T2" y="T3"/>
+                </a:cxn>
+                <a:cxn ang="T10">
+                  <a:pos x="T4" y="T5"/>
+                </a:cxn>
+                <a:cxn ang="T11">
+                  <a:pos x="T6" y="T7"/>
+                </a:cxn>
+              </a:cxnLst>
+              <a:rect l="T12" t="T13" r="T14" b="T15"/>
+              <a:pathLst>
+                <a:path w="920" h="162">
+                  <a:moveTo>
+                    <a:pt x="0" y="2"/>
+                  </a:moveTo>
+                  <a:cubicBezTo>
+                    <a:pt x="147" y="0"/>
+                    <a:pt x="573" y="48"/>
+                    <a:pt x="920" y="162"/>
+                  </a:cubicBezTo>
+                  <a:cubicBezTo>
+                    <a:pt x="573" y="162"/>
+                    <a:pt x="156" y="162"/>
+                    <a:pt x="0" y="162"/>
+                  </a:cubicBezTo>
+                  <a:cubicBezTo>
+                    <a:pt x="0" y="36"/>
+                    <a:pt x="0" y="126"/>
+                    <a:pt x="0" y="2"/>
+                  </a:cubicBezTo>
+                  <a:close/>
+                </a:path>
+              </a:pathLst>
+            </a:custGeom>
+            <a:solidFill>
+              <a:schemeClr val="hlink"/>
+            </a:solidFill>
+            <a:ln w="12700" cap="flat" cmpd="sng">
+              <a:solidFill>
+                <a:schemeClr val="tx1"/>
+              </a:solidFill>
+              <a:prstDash val="solid"/>
+              <a:round/>
+              <a:headEnd type="none" w="sm" len="sm"/>
+              <a:tailEnd type="none" w="lg" len="med"/>
+            </a:ln>
+          </p:spPr>
+          <p:txBody>
+            <a:bodyPr wrap="none" anchor="ctr"/>
+            <a:lstStyle/>
+            <a:p>
+              <a:endParaRPr lang="en-US"/>
+            </a:p>
+          </p:txBody>
+        </p:sp>
+        <p:sp>
+          <p:nvSpPr>
+            <p:cNvPr id="36" name="Freeform 39">
+              <a:extLst>
+                <a:ext uri="{FF2B5EF4-FFF2-40B4-BE49-F238E27FC236}">
+                  <a16:creationId xmlns:a16="http://schemas.microsoft.com/office/drawing/2014/main" id="{7AF1D832-491E-4980-86F7-2EEAB2919188}"/>
+                </a:ext>
+              </a:extLst>
+            </p:cNvPr>
+            <p:cNvSpPr>
+              <a:spLocks/>
+            </p:cNvSpPr>
+            <p:nvPr/>
+          </p:nvSpPr>
+          <p:spPr bwMode="auto">
+            <a:xfrm>
+              <a:off x="2790" y="1536"/>
+              <a:ext cx="155" cy="64"/>
+            </a:xfrm>
+            <a:custGeom>
+              <a:avLst/>
+              <a:gdLst>
+                <a:gd name="T0" fmla="*/ 15 w 155"/>
+                <a:gd name="T1" fmla="*/ 0 h 64"/>
+                <a:gd name="T2" fmla="*/ 153 w 155"/>
+                <a:gd name="T3" fmla="*/ 54 h 64"/>
+                <a:gd name="T4" fmla="*/ 0 w 155"/>
+                <a:gd name="T5" fmla="*/ 63 h 64"/>
+                <a:gd name="T6" fmla="*/ 0 60000 65536"/>
+                <a:gd name="T7" fmla="*/ 0 60000 65536"/>
+                <a:gd name="T8" fmla="*/ 0 60000 65536"/>
+                <a:gd name="T9" fmla="*/ 0 w 155"/>
+                <a:gd name="T10" fmla="*/ 0 h 64"/>
+                <a:gd name="T11" fmla="*/ 155 w 155"/>
+                <a:gd name="T12" fmla="*/ 64 h 64"/>
+              </a:gdLst>
+              <a:ahLst/>
+              <a:cxnLst>
+                <a:cxn ang="T6">
+                  <a:pos x="T0" y="T1"/>
+                </a:cxn>
+                <a:cxn ang="T7">
+                  <a:pos x="T2" y="T3"/>
+                </a:cxn>
+                <a:cxn ang="T8">
+                  <a:pos x="T4" y="T5"/>
+                </a:cxn>
+              </a:cxnLst>
+              <a:rect l="T9" t="T10" r="T11" b="T12"/>
+              <a:pathLst>
+                <a:path w="155" h="64">
+                  <a:moveTo>
+                    <a:pt x="15" y="0"/>
+                  </a:moveTo>
+                  <a:cubicBezTo>
+                    <a:pt x="85" y="22"/>
+                    <a:pt x="155" y="44"/>
+                    <a:pt x="153" y="54"/>
+                  </a:cubicBezTo>
+                  <a:cubicBezTo>
+                    <a:pt x="151" y="64"/>
+                    <a:pt x="75" y="63"/>
+                    <a:pt x="0" y="63"/>
+                  </a:cubicBezTo>
+                </a:path>
+              </a:pathLst>
+            </a:custGeom>
+            <a:solidFill>
+              <a:schemeClr val="hlink"/>
+            </a:solidFill>
+            <a:ln w="12700" cap="flat" cmpd="sng">
+              <a:solidFill>
+                <a:schemeClr val="tx1"/>
+              </a:solidFill>
+              <a:prstDash val="solid"/>
+              <a:round/>
+              <a:headEnd type="none" w="sm" len="sm"/>
+              <a:tailEnd type="triangle" w="sm" len="med"/>
+            </a:ln>
+          </p:spPr>
+          <p:txBody>
+            <a:bodyPr wrap="none" anchor="ctr"/>
+            <a:lstStyle/>
+            <a:p>
+              <a:endParaRPr lang="en-US"/>
+            </a:p>
+          </p:txBody>
+        </p:sp>
+        <p:sp>
+          <p:nvSpPr>
+            <p:cNvPr id="37" name="Freeform 40">
+              <a:extLst>
+                <a:ext uri="{FF2B5EF4-FFF2-40B4-BE49-F238E27FC236}">
+                  <a16:creationId xmlns:a16="http://schemas.microsoft.com/office/drawing/2014/main" id="{5D432A6B-6652-429E-BC5F-38E6EBF400F9}"/>
+                </a:ext>
+              </a:extLst>
+            </p:cNvPr>
+            <p:cNvSpPr>
+              <a:spLocks/>
+            </p:cNvSpPr>
+            <p:nvPr/>
+          </p:nvSpPr>
+          <p:spPr bwMode="auto">
+            <a:xfrm>
+              <a:off x="2625" y="1518"/>
+              <a:ext cx="99" cy="90"/>
+            </a:xfrm>
+            <a:custGeom>
+              <a:avLst/>
+              <a:gdLst>
+                <a:gd name="T0" fmla="*/ 0 w 99"/>
+                <a:gd name="T1" fmla="*/ 0 h 90"/>
+                <a:gd name="T2" fmla="*/ 99 w 99"/>
+                <a:gd name="T3" fmla="*/ 48 h 90"/>
+                <a:gd name="T4" fmla="*/ 0 w 99"/>
+                <a:gd name="T5" fmla="*/ 90 h 90"/>
+                <a:gd name="T6" fmla="*/ 0 60000 65536"/>
+                <a:gd name="T7" fmla="*/ 0 60000 65536"/>
+                <a:gd name="T8" fmla="*/ 0 60000 65536"/>
+                <a:gd name="T9" fmla="*/ 0 w 99"/>
+                <a:gd name="T10" fmla="*/ 0 h 90"/>
+                <a:gd name="T11" fmla="*/ 99 w 99"/>
+                <a:gd name="T12" fmla="*/ 90 h 90"/>
+              </a:gdLst>
+              <a:ahLst/>
+              <a:cxnLst>
+                <a:cxn ang="T6">
+                  <a:pos x="T0" y="T1"/>
+                </a:cxn>
+                <a:cxn ang="T7">
+                  <a:pos x="T2" y="T3"/>
+                </a:cxn>
+                <a:cxn ang="T8">
+                  <a:pos x="T4" y="T5"/>
+                </a:cxn>
+              </a:cxnLst>
+              <a:rect l="T9" t="T10" r="T11" b="T12"/>
+              <a:pathLst>
+                <a:path w="99" h="90">
+                  <a:moveTo>
+                    <a:pt x="0" y="0"/>
+                  </a:moveTo>
+                  <a:cubicBezTo>
+                    <a:pt x="16" y="8"/>
+                    <a:pt x="99" y="33"/>
+                    <a:pt x="99" y="48"/>
+                  </a:cubicBezTo>
+                  <a:cubicBezTo>
+                    <a:pt x="99" y="63"/>
+                    <a:pt x="21" y="81"/>
+                    <a:pt x="0" y="90"/>
+                  </a:cubicBezTo>
+                </a:path>
+              </a:pathLst>
+            </a:custGeom>
+            <a:solidFill>
+              <a:schemeClr val="hlink"/>
+            </a:solidFill>
+            <a:ln w="12700" cap="flat" cmpd="sng">
+              <a:solidFill>
+                <a:schemeClr val="tx1"/>
+              </a:solidFill>
+              <a:prstDash val="solid"/>
+              <a:round/>
+              <a:headEnd type="none" w="sm" len="sm"/>
+              <a:tailEnd type="triangle" w="sm" len="med"/>
+            </a:ln>
+          </p:spPr>
+          <p:txBody>
+            <a:bodyPr wrap="none" anchor="ctr"/>
+            <a:lstStyle/>
+            <a:p>
+              <a:endParaRPr lang="en-US"/>
+            </a:p>
+          </p:txBody>
+        </p:sp>
+        <p:sp>
+          <p:nvSpPr>
+            <p:cNvPr id="38" name="Freeform 41">
+              <a:extLst>
+                <a:ext uri="{FF2B5EF4-FFF2-40B4-BE49-F238E27FC236}">
+                  <a16:creationId xmlns:a16="http://schemas.microsoft.com/office/drawing/2014/main" id="{869ED562-0A32-41A0-B42F-7A8A875CDA70}"/>
+                </a:ext>
+              </a:extLst>
+            </p:cNvPr>
+            <p:cNvSpPr>
+              <a:spLocks/>
+            </p:cNvSpPr>
+            <p:nvPr/>
+          </p:nvSpPr>
+          <p:spPr bwMode="auto">
+            <a:xfrm>
+              <a:off x="2472" y="1518"/>
+              <a:ext cx="111" cy="93"/>
+            </a:xfrm>
+            <a:custGeom>
+              <a:avLst/>
+              <a:gdLst>
+                <a:gd name="T0" fmla="*/ 108 w 111"/>
+                <a:gd name="T1" fmla="*/ 89 h 93"/>
+                <a:gd name="T2" fmla="*/ 21 w 111"/>
+                <a:gd name="T3" fmla="*/ 81 h 93"/>
+                <a:gd name="T4" fmla="*/ 15 w 111"/>
+                <a:gd name="T5" fmla="*/ 18 h 93"/>
+                <a:gd name="T6" fmla="*/ 111 w 111"/>
+                <a:gd name="T7" fmla="*/ 0 h 93"/>
+                <a:gd name="T8" fmla="*/ 0 60000 65536"/>
+                <a:gd name="T9" fmla="*/ 0 60000 65536"/>
+                <a:gd name="T10" fmla="*/ 0 60000 65536"/>
+                <a:gd name="T11" fmla="*/ 0 60000 65536"/>
+                <a:gd name="T12" fmla="*/ 0 w 111"/>
+                <a:gd name="T13" fmla="*/ 0 h 93"/>
+                <a:gd name="T14" fmla="*/ 111 w 111"/>
+                <a:gd name="T15" fmla="*/ 93 h 93"/>
+              </a:gdLst>
+              <a:ahLst/>
+              <a:cxnLst>
+                <a:cxn ang="T8">
+                  <a:pos x="T0" y="T1"/>
+                </a:cxn>
+                <a:cxn ang="T9">
+                  <a:pos x="T2" y="T3"/>
+                </a:cxn>
+                <a:cxn ang="T10">
+                  <a:pos x="T4" y="T5"/>
+                </a:cxn>
+                <a:cxn ang="T11">
+                  <a:pos x="T6" y="T7"/>
+                </a:cxn>
+              </a:cxnLst>
+              <a:rect l="T12" t="T13" r="T14" b="T15"/>
+              <a:pathLst>
+                <a:path w="111" h="93">
+                  <a:moveTo>
+                    <a:pt x="108" y="89"/>
+                  </a:moveTo>
+                  <a:cubicBezTo>
+                    <a:pt x="94" y="88"/>
+                    <a:pt x="36" y="93"/>
+                    <a:pt x="21" y="81"/>
+                  </a:cubicBezTo>
+                  <a:cubicBezTo>
+                    <a:pt x="6" y="69"/>
+                    <a:pt x="0" y="32"/>
+                    <a:pt x="15" y="18"/>
+                  </a:cubicBezTo>
+                  <a:cubicBezTo>
+                    <a:pt x="30" y="4"/>
+                    <a:pt x="91" y="4"/>
+                    <a:pt x="111" y="0"/>
+                  </a:cubicBezTo>
+                </a:path>
+              </a:pathLst>
+            </a:custGeom>
+            <a:solidFill>
+              <a:schemeClr val="hlink"/>
+            </a:solidFill>
+            <a:ln w="12700" cap="flat" cmpd="sng">
+              <a:solidFill>
+                <a:schemeClr val="tx1"/>
+              </a:solidFill>
+              <a:prstDash val="solid"/>
+              <a:round/>
+              <a:headEnd type="none" w="sm" len="sm"/>
+              <a:tailEnd type="triangle" w="sm" len="med"/>
+            </a:ln>
+          </p:spPr>
+          <p:txBody>
+            <a:bodyPr wrap="none" anchor="ctr"/>
+            <a:lstStyle/>
+            <a:p>
+              <a:endParaRPr lang="en-US"/>
+            </a:p>
+          </p:txBody>
+        </p:sp>
+      </p:grpSp>
+      <p:sp>
+        <p:nvSpPr>
+          <p:cNvPr id="39" name="Oval 48">
+            <a:extLst>
+              <a:ext uri="{FF2B5EF4-FFF2-40B4-BE49-F238E27FC236}">
+                <a16:creationId xmlns:a16="http://schemas.microsoft.com/office/drawing/2014/main" id="{1E05FAE5-AB89-4F1C-A1A7-17DA30667780}"/>
+              </a:ext>
+            </a:extLst>
+          </p:cNvPr>
+          <p:cNvSpPr>
+            <a:spLocks noChangeArrowheads="1"/>
+          </p:cNvSpPr>
+          <p:nvPr/>
+        </p:nvSpPr>
+        <p:spPr bwMode="auto">
+          <a:xfrm>
+            <a:off x="432520" y="2066925"/>
+            <a:ext cx="317500" cy="317500"/>
+          </a:xfrm>
+          <a:prstGeom prst="ellipse">
+            <a:avLst/>
+          </a:prstGeom>
+          <a:solidFill>
+            <a:schemeClr val="hlink"/>
+          </a:solidFill>
+          <a:ln w="12700">
+            <a:solidFill>
+              <a:schemeClr val="tx1"/>
+            </a:solidFill>
+            <a:round/>
+            <a:headEnd type="none" w="sm" len="sm"/>
+            <a:tailEnd type="none" w="lg" len="med"/>
+          </a:ln>
+        </p:spPr>
+        <p:txBody>
+          <a:bodyPr wrap="none" anchor="ctr"/>
+          <a:lstStyle/>
+          <a:p>
+            <a:endParaRPr lang="en-US"/>
+          </a:p>
+        </p:txBody>
+      </p:sp>
+      <p:sp>
+        <p:nvSpPr>
+          <p:cNvPr id="40" name="Text Box 49">
+            <a:extLst>
+              <a:ext uri="{FF2B5EF4-FFF2-40B4-BE49-F238E27FC236}">
+                <a16:creationId xmlns:a16="http://schemas.microsoft.com/office/drawing/2014/main" id="{3347C798-081E-4CEC-BE2F-F02C29EC47CB}"/>
+              </a:ext>
+            </a:extLst>
+          </p:cNvPr>
+          <p:cNvSpPr txBox="1">
+            <a:spLocks noChangeArrowheads="1"/>
+          </p:cNvSpPr>
+          <p:nvPr/>
+        </p:nvSpPr>
+        <p:spPr bwMode="auto">
+          <a:xfrm>
+            <a:off x="326137" y="2295823"/>
+            <a:ext cx="567784" cy="461665"/>
+          </a:xfrm>
+          <a:prstGeom prst="rect">
+            <a:avLst/>
+          </a:prstGeom>
+          <a:noFill/>
+          <a:ln w="12700">
+            <a:noFill/>
+            <a:miter lim="800000"/>
+            <a:headEnd type="none" w="sm" len="sm"/>
+            <a:tailEnd type="none" w="lg" len="med"/>
+          </a:ln>
+        </p:spPr>
+        <p:txBody>
+          <a:bodyPr wrap="none">
+            <a:spAutoFit/>
+          </a:bodyPr>
+          <a:lstStyle/>
+          <a:p>
+            <a:r>
+              <a:rPr lang="en-US" sz="2400" dirty="0" err="1">
+                <a:latin typeface="Times New Roman" panose="02020603050405020304" pitchFamily="18" charset="0"/>
+                <a:cs typeface="Times New Roman" panose="02020603050405020304" pitchFamily="18" charset="0"/>
+              </a:rPr>
+              <a:t>A</a:t>
+            </a:r>
+            <a:r>
+              <a:rPr lang="en-US" sz="2400" baseline="-25000" dirty="0" err="1">
+                <a:latin typeface="Times New Roman" panose="02020603050405020304" pitchFamily="18" charset="0"/>
+                <a:cs typeface="Times New Roman" panose="02020603050405020304" pitchFamily="18" charset="0"/>
+              </a:rPr>
+              <a:t>in</a:t>
+            </a:r>
+            <a:endParaRPr lang="en-US" sz="2400" dirty="0">
+              <a:latin typeface="Times New Roman" panose="02020603050405020304" pitchFamily="18" charset="0"/>
+              <a:cs typeface="Times New Roman" panose="02020603050405020304" pitchFamily="18" charset="0"/>
+            </a:endParaRPr>
+          </a:p>
+        </p:txBody>
+      </p:sp>
+      <p:sp>
+        <p:nvSpPr>
+          <p:cNvPr id="41" name="Oval 50">
+            <a:extLst>
+              <a:ext uri="{FF2B5EF4-FFF2-40B4-BE49-F238E27FC236}">
+                <a16:creationId xmlns:a16="http://schemas.microsoft.com/office/drawing/2014/main" id="{7E02EE8F-0E1E-4CDC-9CB7-D60BA82CD8C3}"/>
+              </a:ext>
+            </a:extLst>
+          </p:cNvPr>
+          <p:cNvSpPr>
+            <a:spLocks noChangeArrowheads="1"/>
+          </p:cNvSpPr>
+          <p:nvPr/>
+        </p:nvSpPr>
+        <p:spPr bwMode="auto">
+          <a:xfrm>
+            <a:off x="6983585" y="1879600"/>
+            <a:ext cx="749300" cy="749300"/>
+          </a:xfrm>
+          <a:prstGeom prst="ellipse">
+            <a:avLst/>
+          </a:prstGeom>
+          <a:solidFill>
+            <a:schemeClr val="hlink"/>
+          </a:solidFill>
+          <a:ln w="12700">
+            <a:solidFill>
+              <a:schemeClr val="tx1"/>
+            </a:solidFill>
+            <a:round/>
+            <a:headEnd type="none" w="sm" len="sm"/>
+            <a:tailEnd type="none" w="lg" len="med"/>
+          </a:ln>
+        </p:spPr>
+        <p:txBody>
+          <a:bodyPr wrap="none" anchor="ctr"/>
+          <a:lstStyle/>
+          <a:p>
+            <a:endParaRPr lang="en-US" dirty="0"/>
+          </a:p>
+        </p:txBody>
+      </p:sp>
+      <p:sp>
+        <p:nvSpPr>
+          <p:cNvPr id="42" name="Text Box 51">
+            <a:extLst>
+              <a:ext uri="{FF2B5EF4-FFF2-40B4-BE49-F238E27FC236}">
+                <a16:creationId xmlns:a16="http://schemas.microsoft.com/office/drawing/2014/main" id="{16F5FB94-B885-47F2-8BE8-884EB166D73D}"/>
+              </a:ext>
+            </a:extLst>
+          </p:cNvPr>
+          <p:cNvSpPr txBox="1">
+            <a:spLocks noChangeArrowheads="1"/>
+          </p:cNvSpPr>
+          <p:nvPr/>
+        </p:nvSpPr>
+        <p:spPr bwMode="auto">
+          <a:xfrm>
+            <a:off x="7077489" y="2560638"/>
+            <a:ext cx="670376" cy="461665"/>
+          </a:xfrm>
+          <a:prstGeom prst="rect">
+            <a:avLst/>
+          </a:prstGeom>
+          <a:noFill/>
+          <a:ln w="12700">
+            <a:noFill/>
+            <a:miter lim="800000"/>
+            <a:headEnd type="none" w="sm" len="sm"/>
+            <a:tailEnd type="none" w="lg" len="med"/>
+          </a:ln>
+        </p:spPr>
+        <p:txBody>
+          <a:bodyPr wrap="none">
+            <a:spAutoFit/>
+          </a:bodyPr>
+          <a:lstStyle/>
+          <a:p>
+            <a:r>
+              <a:rPr lang="en-US" sz="2400" dirty="0" err="1">
+                <a:latin typeface="Times New Roman" panose="02020603050405020304" pitchFamily="18" charset="0"/>
+                <a:cs typeface="Times New Roman" panose="02020603050405020304" pitchFamily="18" charset="0"/>
+              </a:rPr>
+              <a:t>A</a:t>
+            </a:r>
+            <a:r>
+              <a:rPr lang="en-US" sz="2400" baseline="-25000" dirty="0" err="1">
+                <a:latin typeface="Times New Roman" panose="02020603050405020304" pitchFamily="18" charset="0"/>
+                <a:cs typeface="Times New Roman" panose="02020603050405020304" pitchFamily="18" charset="0"/>
+              </a:rPr>
+              <a:t>out</a:t>
+            </a:r>
+            <a:endParaRPr lang="en-US" sz="2400" dirty="0">
+              <a:latin typeface="Times New Roman" panose="02020603050405020304" pitchFamily="18" charset="0"/>
+              <a:cs typeface="Times New Roman" panose="02020603050405020304" pitchFamily="18" charset="0"/>
+            </a:endParaRPr>
+          </a:p>
+        </p:txBody>
+      </p:sp>
+      <p:sp>
+        <p:nvSpPr>
+          <p:cNvPr id="45" name="Line 27">
+            <a:extLst>
+              <a:ext uri="{FF2B5EF4-FFF2-40B4-BE49-F238E27FC236}">
+                <a16:creationId xmlns:a16="http://schemas.microsoft.com/office/drawing/2014/main" id="{1CAA820F-0C62-437A-BF9F-3E0E1ADAB25A}"/>
+              </a:ext>
+            </a:extLst>
+          </p:cNvPr>
+          <p:cNvSpPr>
+            <a:spLocks noChangeShapeType="1"/>
+          </p:cNvSpPr>
+          <p:nvPr/>
+        </p:nvSpPr>
+        <p:spPr bwMode="auto">
+          <a:xfrm>
+            <a:off x="5346700" y="1771650"/>
+            <a:ext cx="0" cy="901700"/>
+          </a:xfrm>
+          <a:prstGeom prst="line">
+            <a:avLst/>
+          </a:prstGeom>
+          <a:noFill/>
+          <a:ln w="38100">
+            <a:solidFill>
+              <a:schemeClr val="folHlink"/>
+            </a:solidFill>
+            <a:prstDash val="sysDot"/>
+            <a:round/>
+            <a:headEnd/>
+            <a:tailEnd/>
+          </a:ln>
+        </p:spPr>
+        <p:txBody>
+          <a:bodyPr wrap="none" anchor="ctr"/>
+          <a:lstStyle/>
+          <a:p>
+            <a:endParaRPr lang="en-US"/>
+          </a:p>
+        </p:txBody>
+      </p:sp>
+      <p:sp>
+        <p:nvSpPr>
+          <p:cNvPr id="46" name="Line 26">
+            <a:extLst>
+              <a:ext uri="{FF2B5EF4-FFF2-40B4-BE49-F238E27FC236}">
+                <a16:creationId xmlns:a16="http://schemas.microsoft.com/office/drawing/2014/main" id="{47F6B720-34E4-4668-AE2F-FFF81A1DB652}"/>
+              </a:ext>
+            </a:extLst>
+          </p:cNvPr>
+          <p:cNvSpPr>
+            <a:spLocks noChangeShapeType="1"/>
+          </p:cNvSpPr>
+          <p:nvPr/>
+        </p:nvSpPr>
+        <p:spPr bwMode="auto">
+          <a:xfrm>
+            <a:off x="3886200" y="1758950"/>
+            <a:ext cx="0" cy="927100"/>
+          </a:xfrm>
+          <a:prstGeom prst="line">
+            <a:avLst/>
+          </a:prstGeom>
+          <a:noFill/>
+          <a:ln w="38100">
+            <a:solidFill>
+              <a:schemeClr val="folHlink"/>
+            </a:solidFill>
+            <a:prstDash val="sysDot"/>
+            <a:round/>
+            <a:headEnd/>
+            <a:tailEnd/>
+          </a:ln>
+        </p:spPr>
+        <p:txBody>
+          <a:bodyPr wrap="none" anchor="ctr"/>
+          <a:lstStyle/>
+          <a:p>
+            <a:endParaRPr lang="en-US"/>
+          </a:p>
+        </p:txBody>
+      </p:sp>
+      <p:sp>
+        <p:nvSpPr>
+          <p:cNvPr id="47" name="Text Box 49">
+            <a:extLst>
+              <a:ext uri="{FF2B5EF4-FFF2-40B4-BE49-F238E27FC236}">
+                <a16:creationId xmlns:a16="http://schemas.microsoft.com/office/drawing/2014/main" id="{47F62C1F-11BF-498E-AB48-5132B41AE167}"/>
+              </a:ext>
+            </a:extLst>
+          </p:cNvPr>
+          <p:cNvSpPr txBox="1">
+            <a:spLocks noChangeArrowheads="1"/>
+          </p:cNvSpPr>
+          <p:nvPr/>
+        </p:nvSpPr>
+        <p:spPr bwMode="auto">
+          <a:xfrm>
+            <a:off x="1139581" y="1969452"/>
+            <a:ext cx="549318" cy="461665"/>
+          </a:xfrm>
+          <a:prstGeom prst="rect">
+            <a:avLst/>
+          </a:prstGeom>
+          <a:noFill/>
+          <a:ln w="12700">
+            <a:noFill/>
+            <a:miter lim="800000"/>
+            <a:headEnd type="none" w="sm" len="sm"/>
+            <a:tailEnd type="none" w="lg" len="med"/>
+          </a:ln>
+        </p:spPr>
+        <p:txBody>
+          <a:bodyPr wrap="none">
+            <a:spAutoFit/>
+          </a:bodyPr>
+          <a:lstStyle/>
+          <a:p>
+            <a:r>
+              <a:rPr lang="en-US" sz="2400" dirty="0">
+                <a:latin typeface="Times New Roman" panose="02020603050405020304" pitchFamily="18" charset="0"/>
+                <a:cs typeface="Times New Roman" panose="02020603050405020304" pitchFamily="18" charset="0"/>
+              </a:rPr>
+              <a:t>V</a:t>
+            </a:r>
+            <a:r>
+              <a:rPr lang="en-US" sz="2400" baseline="-25000" dirty="0">
+                <a:latin typeface="Times New Roman" panose="02020603050405020304" pitchFamily="18" charset="0"/>
+                <a:cs typeface="Times New Roman" panose="02020603050405020304" pitchFamily="18" charset="0"/>
+              </a:rPr>
+              <a:t>in</a:t>
+            </a:r>
+            <a:endParaRPr lang="en-US" sz="2400" dirty="0">
+              <a:latin typeface="Times New Roman" panose="02020603050405020304" pitchFamily="18" charset="0"/>
+              <a:cs typeface="Times New Roman" panose="02020603050405020304" pitchFamily="18" charset="0"/>
+            </a:endParaRPr>
+          </a:p>
+        </p:txBody>
+      </p:sp>
+      <p:sp>
+        <p:nvSpPr>
+          <p:cNvPr id="49" name="Text Box 49">
+            <a:extLst>
+              <a:ext uri="{FF2B5EF4-FFF2-40B4-BE49-F238E27FC236}">
+                <a16:creationId xmlns:a16="http://schemas.microsoft.com/office/drawing/2014/main" id="{67A3C4D3-DF84-4E9B-97B0-C637EA9F7E65}"/>
+              </a:ext>
+            </a:extLst>
+          </p:cNvPr>
+          <p:cNvSpPr txBox="1">
+            <a:spLocks noChangeArrowheads="1"/>
+          </p:cNvSpPr>
+          <p:nvPr/>
+        </p:nvSpPr>
+        <p:spPr bwMode="auto">
+          <a:xfrm>
+            <a:off x="6010433" y="1939353"/>
+            <a:ext cx="549318" cy="461665"/>
+          </a:xfrm>
+          <a:prstGeom prst="rect">
+            <a:avLst/>
+          </a:prstGeom>
+          <a:noFill/>
+          <a:ln w="12700">
+            <a:noFill/>
+            <a:miter lim="800000"/>
+            <a:headEnd type="none" w="sm" len="sm"/>
+            <a:tailEnd type="none" w="lg" len="med"/>
+          </a:ln>
+        </p:spPr>
+        <p:txBody>
+          <a:bodyPr wrap="none">
+            <a:spAutoFit/>
+          </a:bodyPr>
+          <a:lstStyle/>
+          <a:p>
+            <a:r>
+              <a:rPr lang="en-US" sz="2400" dirty="0">
+                <a:latin typeface="Times New Roman" panose="02020603050405020304" pitchFamily="18" charset="0"/>
+                <a:cs typeface="Times New Roman" panose="02020603050405020304" pitchFamily="18" charset="0"/>
+              </a:rPr>
+              <a:t>V</a:t>
+            </a:r>
+            <a:r>
+              <a:rPr lang="en-US" sz="2400" baseline="-25000" dirty="0">
+                <a:latin typeface="Times New Roman" panose="02020603050405020304" pitchFamily="18" charset="0"/>
+                <a:cs typeface="Times New Roman" panose="02020603050405020304" pitchFamily="18" charset="0"/>
+              </a:rPr>
+              <a:t>in</a:t>
+            </a:r>
+            <a:endParaRPr lang="en-US" sz="2400" dirty="0">
+              <a:latin typeface="Times New Roman" panose="02020603050405020304" pitchFamily="18" charset="0"/>
+              <a:cs typeface="Times New Roman" panose="02020603050405020304" pitchFamily="18" charset="0"/>
+            </a:endParaRPr>
+          </a:p>
+        </p:txBody>
+      </p:sp>
+    </p:spTree>
+    <p:extLst>
+      <p:ext uri="{BB962C8B-B14F-4D97-AF65-F5344CB8AC3E}">
+        <p14:creationId xmlns:p14="http://schemas.microsoft.com/office/powerpoint/2010/main" val="913652694"/>
+      </p:ext>
+    </p:extLst>
+  </p:cSld>
+  <p:clrMapOvr>
+    <a:masterClrMapping/>
+  </p:clrMapOvr>
+  <p:timing>
+    <p:tnLst>
+      <p:par>
+        <p:cTn id="1" dur="indefinite" restart="never" nodeType="tmRoot">
+          <p:childTnLst>
+            <p:seq concurrent="1" nextAc="seek">
+              <p:cTn id="2" dur="indefinite" nodeType="mainSeq">
+                <p:childTnLst>
+                  <p:par>
+                    <p:cTn id="3" fill="hold">
+                      <p:stCondLst>
+                        <p:cond delay="indefinite"/>
+                      </p:stCondLst>
+                      <p:childTnLst>
+                        <p:par>
+                          <p:cTn id="4" fill="hold">
+                            <p:stCondLst>
+                              <p:cond delay="0"/>
+                            </p:stCondLst>
+                            <p:childTnLst>
+                              <p:par>
+                                <p:cTn id="5" presetID="1" presetClass="entr" presetSubtype="0" fill="hold" grpId="0" nodeType="clickEffect">
+                                  <p:stCondLst>
+                                    <p:cond delay="0"/>
+                                  </p:stCondLst>
+                                  <p:childTnLst>
+                                    <p:set>
+                                      <p:cBhvr>
+                                        <p:cTn id="6" dur="1" fill="hold">
+                                          <p:stCondLst>
+                                            <p:cond delay="499"/>
+                                          </p:stCondLst>
+                                        </p:cTn>
+                                        <p:tgtEl>
+                                          <p:spTgt spid="46"/>
+                                        </p:tgtEl>
+                                        <p:attrNameLst>
+                                          <p:attrName>style.visibility</p:attrName>
+                                        </p:attrNameLst>
+                                      </p:cBhvr>
+                                      <p:to>
+                                        <p:strVal val="visible"/>
+                                      </p:to>
+                                    </p:set>
+                                  </p:childTnLst>
+                                </p:cTn>
+                              </p:par>
+                            </p:childTnLst>
+                          </p:cTn>
+                        </p:par>
+                      </p:childTnLst>
+                    </p:cTn>
+                  </p:par>
+                  <p:par>
+                    <p:cTn id="7" fill="hold">
+                      <p:stCondLst>
+                        <p:cond delay="indefinite"/>
+                      </p:stCondLst>
+                      <p:childTnLst>
+                        <p:par>
+                          <p:cTn id="8" fill="hold">
+                            <p:stCondLst>
+                              <p:cond delay="0"/>
+                            </p:stCondLst>
+                            <p:childTnLst>
+                              <p:par>
+                                <p:cTn id="9" presetID="1" presetClass="entr" presetSubtype="0" fill="hold" grpId="0" nodeType="clickEffect">
+                                  <p:stCondLst>
+                                    <p:cond delay="0"/>
+                                  </p:stCondLst>
+                                  <p:childTnLst>
+                                    <p:set>
+                                      <p:cBhvr>
+                                        <p:cTn id="10" dur="1" fill="hold">
+                                          <p:stCondLst>
+                                            <p:cond delay="499"/>
+                                          </p:stCondLst>
+                                        </p:cTn>
+                                        <p:tgtEl>
+                                          <p:spTgt spid="45"/>
+                                        </p:tgtEl>
+                                        <p:attrNameLst>
+                                          <p:attrName>style.visibility</p:attrName>
+                                        </p:attrNameLst>
+                                      </p:cBhvr>
+                                      <p:to>
+                                        <p:strVal val="visible"/>
+                                      </p:to>
+                                    </p:set>
+                                  </p:childTnLst>
+                                </p:cTn>
+                              </p:par>
+                            </p:childTnLst>
+                          </p:cTn>
+                        </p:par>
+                      </p:childTnLst>
+                    </p:cTn>
+                  </p:par>
+                </p:childTnLst>
+              </p:cTn>
+              <p:prevCondLst>
+                <p:cond evt="onPrev" delay="0">
+                  <p:tgtEl>
+                    <p:sldTgt/>
+                  </p:tgtEl>
+                </p:cond>
+              </p:prevCondLst>
+              <p:nextCondLst>
+                <p:cond evt="onNext" delay="0">
+                  <p:tgtEl>
+                    <p:sldTgt/>
+                  </p:tgtEl>
+                </p:cond>
+              </p:nextCondLst>
+            </p:seq>
+          </p:childTnLst>
+        </p:cTn>
+      </p:par>
+    </p:tnLst>
+    <p:bldLst>
+      <p:bldP spid="45" grpId="0" animBg="1"/>
+      <p:bldP spid="46" grpId="0" animBg="1"/>
+    </p:bldLst>
+  </p:timing>
+</p:sld>
+</file>
+
 <file path=ppt/theme/theme1.xml><?xml version="1.0" encoding="utf-8"?>
 <a:theme xmlns:a="http://schemas.openxmlformats.org/drawingml/2006/main" name="Office Theme">
   <a:themeElements>

--- a/AguaClara Water Treatment Plant Design/Cheat Sheets/Diagrams.pptx
+++ b/AguaClara Water Treatment Plant Design/Cheat Sheets/Diagrams.pptx
@@ -260,7 +260,7 @@
           <a:p>
             <a:fld id="{21D1E3DE-262E-49AD-8F92-4417FBCF3DA3}" type="datetimeFigureOut">
               <a:rPr lang="en-US" smtClean="0"/>
-              <a:t>4/4/2018</a:t>
+              <a:t>4/5/2018</a:t>
             </a:fld>
             <a:endParaRPr lang="en-US"/>
           </a:p>
@@ -458,7 +458,7 @@
           <a:p>
             <a:fld id="{21D1E3DE-262E-49AD-8F92-4417FBCF3DA3}" type="datetimeFigureOut">
               <a:rPr lang="en-US" smtClean="0"/>
-              <a:t>4/4/2018</a:t>
+              <a:t>4/5/2018</a:t>
             </a:fld>
             <a:endParaRPr lang="en-US"/>
           </a:p>
@@ -666,7 +666,7 @@
           <a:p>
             <a:fld id="{21D1E3DE-262E-49AD-8F92-4417FBCF3DA3}" type="datetimeFigureOut">
               <a:rPr lang="en-US" smtClean="0"/>
-              <a:t>4/4/2018</a:t>
+              <a:t>4/5/2018</a:t>
             </a:fld>
             <a:endParaRPr lang="en-US"/>
           </a:p>
@@ -864,7 +864,7 @@
           <a:p>
             <a:fld id="{21D1E3DE-262E-49AD-8F92-4417FBCF3DA3}" type="datetimeFigureOut">
               <a:rPr lang="en-US" smtClean="0"/>
-              <a:t>4/4/2018</a:t>
+              <a:t>4/5/2018</a:t>
             </a:fld>
             <a:endParaRPr lang="en-US"/>
           </a:p>
@@ -1139,7 +1139,7 @@
           <a:p>
             <a:fld id="{21D1E3DE-262E-49AD-8F92-4417FBCF3DA3}" type="datetimeFigureOut">
               <a:rPr lang="en-US" smtClean="0"/>
-              <a:t>4/4/2018</a:t>
+              <a:t>4/5/2018</a:t>
             </a:fld>
             <a:endParaRPr lang="en-US"/>
           </a:p>
@@ -1404,7 +1404,7 @@
           <a:p>
             <a:fld id="{21D1E3DE-262E-49AD-8F92-4417FBCF3DA3}" type="datetimeFigureOut">
               <a:rPr lang="en-US" smtClean="0"/>
-              <a:t>4/4/2018</a:t>
+              <a:t>4/5/2018</a:t>
             </a:fld>
             <a:endParaRPr lang="en-US"/>
           </a:p>
@@ -1816,7 +1816,7 @@
           <a:p>
             <a:fld id="{21D1E3DE-262E-49AD-8F92-4417FBCF3DA3}" type="datetimeFigureOut">
               <a:rPr lang="en-US" smtClean="0"/>
-              <a:t>4/4/2018</a:t>
+              <a:t>4/5/2018</a:t>
             </a:fld>
             <a:endParaRPr lang="en-US"/>
           </a:p>
@@ -1957,7 +1957,7 @@
           <a:p>
             <a:fld id="{21D1E3DE-262E-49AD-8F92-4417FBCF3DA3}" type="datetimeFigureOut">
               <a:rPr lang="en-US" smtClean="0"/>
-              <a:t>4/4/2018</a:t>
+              <a:t>4/5/2018</a:t>
             </a:fld>
             <a:endParaRPr lang="en-US"/>
           </a:p>
@@ -2070,7 +2070,7 @@
           <a:p>
             <a:fld id="{21D1E3DE-262E-49AD-8F92-4417FBCF3DA3}" type="datetimeFigureOut">
               <a:rPr lang="en-US" smtClean="0"/>
-              <a:t>4/4/2018</a:t>
+              <a:t>4/5/2018</a:t>
             </a:fld>
             <a:endParaRPr lang="en-US"/>
           </a:p>
@@ -2381,7 +2381,7 @@
           <a:p>
             <a:fld id="{21D1E3DE-262E-49AD-8F92-4417FBCF3DA3}" type="datetimeFigureOut">
               <a:rPr lang="en-US" smtClean="0"/>
-              <a:t>4/4/2018</a:t>
+              <a:t>4/5/2018</a:t>
             </a:fld>
             <a:endParaRPr lang="en-US"/>
           </a:p>
@@ -2669,7 +2669,7 @@
           <a:p>
             <a:fld id="{21D1E3DE-262E-49AD-8F92-4417FBCF3DA3}" type="datetimeFigureOut">
               <a:rPr lang="en-US" smtClean="0"/>
-              <a:t>4/4/2018</a:t>
+              <a:t>4/5/2018</a:t>
             </a:fld>
             <a:endParaRPr lang="en-US"/>
           </a:p>
@@ -2910,7 +2910,7 @@
           <a:p>
             <a:fld id="{21D1E3DE-262E-49AD-8F92-4417FBCF3DA3}" type="datetimeFigureOut">
               <a:rPr lang="en-US" smtClean="0"/>
-              <a:t>4/4/2018</a:t>
+              <a:t>4/5/2018</a:t>
             </a:fld>
             <a:endParaRPr lang="en-US"/>
           </a:p>
@@ -3329,10 +3329,10 @@
       </p:grpSpPr>
       <p:grpSp>
         <p:nvGrpSpPr>
-          <p:cNvPr id="14" name="Group 13">
+          <p:cNvPr id="5" name="Group 4">
             <a:extLst>
               <a:ext uri="{FF2B5EF4-FFF2-40B4-BE49-F238E27FC236}">
-                <a16:creationId xmlns:a16="http://schemas.microsoft.com/office/drawing/2014/main" id="{2D5FCC65-D7BF-4228-972B-310D0E42290C}"/>
+                <a16:creationId xmlns:a16="http://schemas.microsoft.com/office/drawing/2014/main" id="{82EBF62E-84FD-4F42-8686-96D2CDF37C2C}"/>
               </a:ext>
             </a:extLst>
           </p:cNvPr>
@@ -3343,16 +3343,70 @@
           <a:xfrm>
             <a:off x="1484008" y="1352237"/>
             <a:ext cx="7585227" cy="3619575"/>
-            <a:chOff x="1987129" y="1620113"/>
-            <a:chExt cx="8828310" cy="4212759"/>
+            <a:chOff x="1484008" y="1352237"/>
+            <a:chExt cx="7585227" cy="3619575"/>
           </a:xfrm>
         </p:grpSpPr>
+        <p:sp>
+          <p:nvSpPr>
+            <p:cNvPr id="2" name="Rectangle 1">
+              <a:extLst>
+                <a:ext uri="{FF2B5EF4-FFF2-40B4-BE49-F238E27FC236}">
+                  <a16:creationId xmlns:a16="http://schemas.microsoft.com/office/drawing/2014/main" id="{C14D6E69-DBD9-4843-83DF-C33D2D70CE60}"/>
+                </a:ext>
+              </a:extLst>
+            </p:cNvPr>
+            <p:cNvSpPr/>
+            <p:nvPr/>
+          </p:nvSpPr>
+          <p:spPr>
+            <a:xfrm>
+              <a:off x="5810699" y="2122214"/>
+              <a:ext cx="590892" cy="132685"/>
+            </a:xfrm>
+            <a:prstGeom prst="rect">
+              <a:avLst/>
+            </a:prstGeom>
+            <a:solidFill>
+              <a:srgbClr val="0563C1"/>
+            </a:solidFill>
+            <a:ln>
+              <a:solidFill>
+                <a:srgbClr val="0563C1"/>
+              </a:solidFill>
+            </a:ln>
+          </p:spPr>
+          <p:style>
+            <a:lnRef idx="2">
+              <a:schemeClr val="accent1">
+                <a:shade val="50000"/>
+              </a:schemeClr>
+            </a:lnRef>
+            <a:fillRef idx="1">
+              <a:schemeClr val="accent1"/>
+            </a:fillRef>
+            <a:effectRef idx="0">
+              <a:schemeClr val="accent1"/>
+            </a:effectRef>
+            <a:fontRef idx="minor">
+              <a:schemeClr val="lt1"/>
+            </a:fontRef>
+          </p:style>
+          <p:txBody>
+            <a:bodyPr rtlCol="0" anchor="ctr"/>
+            <a:lstStyle/>
+            <a:p>
+              <a:pPr algn="ctr"/>
+              <a:endParaRPr lang="en-US"/>
+            </a:p>
+          </p:txBody>
+        </p:sp>
         <p:grpSp>
           <p:nvGrpSpPr>
-            <p:cNvPr id="16" name="Group 15">
+            <p:cNvPr id="14" name="Group 13">
               <a:extLst>
                 <a:ext uri="{FF2B5EF4-FFF2-40B4-BE49-F238E27FC236}">
-                  <a16:creationId xmlns:a16="http://schemas.microsoft.com/office/drawing/2014/main" id="{C2894E0B-196D-4819-B81D-E79A19AA731E}"/>
+                  <a16:creationId xmlns:a16="http://schemas.microsoft.com/office/drawing/2014/main" id="{2D5FCC65-D7BF-4228-972B-310D0E42290C}"/>
                 </a:ext>
               </a:extLst>
             </p:cNvPr>
@@ -3361,94 +3415,18 @@
           </p:nvGrpSpPr>
           <p:grpSpPr>
             <a:xfrm>
-              <a:off x="1987129" y="1620113"/>
-              <a:ext cx="6986091" cy="4212759"/>
-              <a:chOff x="1533757" y="1361334"/>
-              <a:chExt cx="7415229" cy="4471538"/>
+              <a:off x="1484008" y="1352237"/>
+              <a:ext cx="7585227" cy="3619575"/>
+              <a:chOff x="1987129" y="1620113"/>
+              <a:chExt cx="8828310" cy="4212759"/>
             </a:xfrm>
           </p:grpSpPr>
-          <p:cxnSp>
-            <p:nvCxnSpPr>
-              <p:cNvPr id="41" name="Straight Connector 40">
+          <p:grpSp>
+            <p:nvGrpSpPr>
+              <p:cNvPr id="16" name="Group 15">
                 <a:extLst>
                   <a:ext uri="{FF2B5EF4-FFF2-40B4-BE49-F238E27FC236}">
-                    <a16:creationId xmlns:a16="http://schemas.microsoft.com/office/drawing/2014/main" id="{08451B37-7EDC-4BFE-B499-E022E9814C13}"/>
-                  </a:ext>
-                </a:extLst>
-              </p:cNvPr>
-              <p:cNvCxnSpPr>
-                <a:cxnSpLocks/>
-              </p:cNvCxnSpPr>
-              <p:nvPr/>
-            </p:nvCxnSpPr>
-            <p:spPr>
-              <a:xfrm>
-                <a:off x="7628186" y="1605180"/>
-                <a:ext cx="0" cy="701837"/>
-              </a:xfrm>
-              <a:prstGeom prst="line">
-                <a:avLst/>
-              </a:prstGeom>
-            </p:spPr>
-            <p:style>
-              <a:lnRef idx="1">
-                <a:schemeClr val="dk1"/>
-              </a:lnRef>
-              <a:fillRef idx="0">
-                <a:schemeClr val="dk1"/>
-              </a:fillRef>
-              <a:effectRef idx="0">
-                <a:schemeClr val="dk1"/>
-              </a:effectRef>
-              <a:fontRef idx="minor">
-                <a:schemeClr val="tx1"/>
-              </a:fontRef>
-            </p:style>
-          </p:cxnSp>
-          <p:cxnSp>
-            <p:nvCxnSpPr>
-              <p:cNvPr id="37" name="Straight Connector 36">
-                <a:extLst>
-                  <a:ext uri="{FF2B5EF4-FFF2-40B4-BE49-F238E27FC236}">
-                    <a16:creationId xmlns:a16="http://schemas.microsoft.com/office/drawing/2014/main" id="{14379D15-E0E1-48ED-9B6F-F6346B399DE8}"/>
-                  </a:ext>
-                </a:extLst>
-              </p:cNvPr>
-              <p:cNvCxnSpPr>
-                <a:cxnSpLocks/>
-              </p:cNvCxnSpPr>
-              <p:nvPr/>
-            </p:nvCxnSpPr>
-            <p:spPr>
-              <a:xfrm>
-                <a:off x="6804296" y="1605180"/>
-                <a:ext cx="1" cy="689771"/>
-              </a:xfrm>
-              <a:prstGeom prst="line">
-                <a:avLst/>
-              </a:prstGeom>
-            </p:spPr>
-            <p:style>
-              <a:lnRef idx="1">
-                <a:schemeClr val="dk1"/>
-              </a:lnRef>
-              <a:fillRef idx="0">
-                <a:schemeClr val="dk1"/>
-              </a:fillRef>
-              <a:effectRef idx="0">
-                <a:schemeClr val="dk1"/>
-              </a:effectRef>
-              <a:fontRef idx="minor">
-                <a:schemeClr val="tx1"/>
-              </a:fontRef>
-            </p:style>
-          </p:cxnSp>
-          <p:grpSp>
-            <p:nvGrpSpPr>
-              <p:cNvPr id="54" name="Group 53">
-                <a:extLst>
-                  <a:ext uri="{FF2B5EF4-FFF2-40B4-BE49-F238E27FC236}">
-                    <a16:creationId xmlns:a16="http://schemas.microsoft.com/office/drawing/2014/main" id="{C2353071-AE09-4713-A25D-CFAA589A888C}"/>
+                    <a16:creationId xmlns:a16="http://schemas.microsoft.com/office/drawing/2014/main" id="{C2894E0B-196D-4819-B81D-E79A19AA731E}"/>
                   </a:ext>
                 </a:extLst>
               </p:cNvPr>
@@ -3457,18 +3435,18 @@
             </p:nvGrpSpPr>
             <p:grpSpPr>
               <a:xfrm>
-                <a:off x="1533757" y="1361334"/>
-                <a:ext cx="7415229" cy="4471538"/>
+                <a:off x="1987129" y="1620113"/>
+                <a:ext cx="6986091" cy="4212759"/>
                 <a:chOff x="1533757" y="1361334"/>
                 <a:chExt cx="7415229" cy="4471538"/>
               </a:xfrm>
             </p:grpSpPr>
             <p:cxnSp>
               <p:nvCxnSpPr>
-                <p:cNvPr id="40" name="Straight Connector 39">
+                <p:cNvPr id="41" name="Straight Connector 40">
                   <a:extLst>
                     <a:ext uri="{FF2B5EF4-FFF2-40B4-BE49-F238E27FC236}">
-                      <a16:creationId xmlns:a16="http://schemas.microsoft.com/office/drawing/2014/main" id="{503F33C3-0F40-422B-AFFC-0A59BCFBFB50}"/>
+                      <a16:creationId xmlns:a16="http://schemas.microsoft.com/office/drawing/2014/main" id="{08451B37-7EDC-4BFE-B499-E022E9814C13}"/>
                     </a:ext>
                   </a:extLst>
                 </p:cNvPr>
@@ -3479,8 +3457,8 @@
               </p:nvCxnSpPr>
               <p:spPr>
                 <a:xfrm>
-                  <a:off x="3070718" y="1604864"/>
-                  <a:ext cx="1" cy="689771"/>
+                  <a:off x="7213989" y="1605180"/>
+                  <a:ext cx="0" cy="701837"/>
                 </a:xfrm>
                 <a:prstGeom prst="line">
                   <a:avLst/>
@@ -3501,547 +3479,1296 @@
                 </a:fontRef>
               </p:style>
             </p:cxnSp>
-            <p:cxnSp>
-              <p:nvCxnSpPr>
-                <p:cNvPr id="6" name="Straight Connector 5">
+            <p:grpSp>
+              <p:nvGrpSpPr>
+                <p:cNvPr id="54" name="Group 53">
                   <a:extLst>
                     <a:ext uri="{FF2B5EF4-FFF2-40B4-BE49-F238E27FC236}">
-                      <a16:creationId xmlns:a16="http://schemas.microsoft.com/office/drawing/2014/main" id="{A9EA7C4C-0DD2-447C-8340-F125988DE62F}"/>
+                      <a16:creationId xmlns:a16="http://schemas.microsoft.com/office/drawing/2014/main" id="{C2353071-AE09-4713-A25D-CFAA589A888C}"/>
                     </a:ext>
                   </a:extLst>
                 </p:cNvPr>
-                <p:cNvCxnSpPr>
-                  <a:cxnSpLocks/>
-                </p:cNvCxnSpPr>
+                <p:cNvGrpSpPr/>
                 <p:nvPr/>
-              </p:nvCxnSpPr>
-              <p:spPr>
+              </p:nvGrpSpPr>
+              <p:grpSpPr>
                 <a:xfrm>
-                  <a:off x="1616432" y="5253135"/>
-                  <a:ext cx="7332554" cy="0"/>
+                  <a:off x="1533757" y="1361334"/>
+                  <a:ext cx="7415229" cy="4471538"/>
+                  <a:chOff x="1533757" y="1361334"/>
+                  <a:chExt cx="7415229" cy="4471538"/>
                 </a:xfrm>
-                <a:prstGeom prst="line">
-                  <a:avLst/>
-                </a:prstGeom>
-                <a:ln w="57150">
+              </p:grpSpPr>
+              <p:cxnSp>
+                <p:nvCxnSpPr>
+                  <p:cNvPr id="40" name="Straight Connector 39">
+                    <a:extLst>
+                      <a:ext uri="{FF2B5EF4-FFF2-40B4-BE49-F238E27FC236}">
+                        <a16:creationId xmlns:a16="http://schemas.microsoft.com/office/drawing/2014/main" id="{503F33C3-0F40-422B-AFFC-0A59BCFBFB50}"/>
+                      </a:ext>
+                    </a:extLst>
+                  </p:cNvPr>
+                  <p:cNvCxnSpPr>
+                    <a:cxnSpLocks/>
+                  </p:cNvCxnSpPr>
+                  <p:nvPr/>
+                </p:nvCxnSpPr>
+                <p:spPr>
+                  <a:xfrm>
+                    <a:off x="3070718" y="1604864"/>
+                    <a:ext cx="1" cy="689771"/>
+                  </a:xfrm>
+                  <a:prstGeom prst="line">
+                    <a:avLst/>
+                  </a:prstGeom>
+                </p:spPr>
+                <p:style>
+                  <a:lnRef idx="1">
+                    <a:schemeClr val="dk1"/>
+                  </a:lnRef>
+                  <a:fillRef idx="0">
+                    <a:schemeClr val="dk1"/>
+                  </a:fillRef>
+                  <a:effectRef idx="0">
+                    <a:schemeClr val="dk1"/>
+                  </a:effectRef>
+                  <a:fontRef idx="minor">
+                    <a:schemeClr val="tx1"/>
+                  </a:fontRef>
+                </p:style>
+              </p:cxnSp>
+              <p:cxnSp>
+                <p:nvCxnSpPr>
+                  <p:cNvPr id="6" name="Straight Connector 5">
+                    <a:extLst>
+                      <a:ext uri="{FF2B5EF4-FFF2-40B4-BE49-F238E27FC236}">
+                        <a16:creationId xmlns:a16="http://schemas.microsoft.com/office/drawing/2014/main" id="{A9EA7C4C-0DD2-447C-8340-F125988DE62F}"/>
+                      </a:ext>
+                    </a:extLst>
+                  </p:cNvPr>
+                  <p:cNvCxnSpPr>
+                    <a:cxnSpLocks/>
+                  </p:cNvCxnSpPr>
+                  <p:nvPr/>
+                </p:nvCxnSpPr>
+                <p:spPr>
+                  <a:xfrm>
+                    <a:off x="1616432" y="5253135"/>
+                    <a:ext cx="7332554" cy="0"/>
+                  </a:xfrm>
+                  <a:prstGeom prst="line">
+                    <a:avLst/>
+                  </a:prstGeom>
+                  <a:ln w="57150">
+                    <a:solidFill>
+                      <a:schemeClr val="tx1"/>
+                    </a:solidFill>
+                  </a:ln>
+                </p:spPr>
+                <p:style>
+                  <a:lnRef idx="1">
+                    <a:schemeClr val="accent1"/>
+                  </a:lnRef>
+                  <a:fillRef idx="0">
+                    <a:schemeClr val="accent1"/>
+                  </a:fillRef>
+                  <a:effectRef idx="0">
+                    <a:schemeClr val="accent1"/>
+                  </a:effectRef>
+                  <a:fontRef idx="minor">
+                    <a:schemeClr val="tx1"/>
+                  </a:fontRef>
+                </p:style>
+              </p:cxnSp>
+              <p:sp>
+                <p:nvSpPr>
+                  <p:cNvPr id="7" name="Freeform 6">
+                    <a:extLst>
+                      <a:ext uri="{FF2B5EF4-FFF2-40B4-BE49-F238E27FC236}">
+                        <a16:creationId xmlns:a16="http://schemas.microsoft.com/office/drawing/2014/main" id="{58021AEB-702F-4BE2-BE8C-D90490646ADA}"/>
+                      </a:ext>
+                    </a:extLst>
+                  </p:cNvPr>
+                  <p:cNvSpPr>
+                    <a:spLocks/>
+                  </p:cNvSpPr>
+                  <p:nvPr/>
+                </p:nvSpPr>
+                <p:spPr bwMode="auto">
+                  <a:xfrm>
+                    <a:off x="2146040" y="2304897"/>
+                    <a:ext cx="1831457" cy="2948238"/>
+                  </a:xfrm>
+                  <a:custGeom>
+                    <a:avLst/>
+                    <a:gdLst/>
+                    <a:ahLst/>
+                    <a:cxnLst>
+                      <a:cxn ang="0">
+                        <a:pos x="0" y="0"/>
+                      </a:cxn>
+                      <a:cxn ang="0">
+                        <a:pos x="0" y="528"/>
+                      </a:cxn>
+                      <a:cxn ang="0">
+                        <a:pos x="3216" y="528"/>
+                      </a:cxn>
+                      <a:cxn ang="0">
+                        <a:pos x="3216" y="0"/>
+                      </a:cxn>
+                    </a:cxnLst>
+                    <a:rect l="0" t="0" r="r" b="b"/>
+                    <a:pathLst>
+                      <a:path w="3216" h="528">
+                        <a:moveTo>
+                          <a:pt x="0" y="0"/>
+                        </a:moveTo>
+                        <a:lnTo>
+                          <a:pt x="0" y="528"/>
+                        </a:lnTo>
+                        <a:lnTo>
+                          <a:pt x="3216" y="528"/>
+                        </a:lnTo>
+                        <a:lnTo>
+                          <a:pt x="3216" y="0"/>
+                        </a:lnTo>
+                      </a:path>
+                    </a:pathLst>
+                  </a:custGeom>
                   <a:solidFill>
+                    <a:schemeClr val="hlink"/>
+                  </a:solidFill>
+                  <a:ln w="57150" cap="flat" cmpd="sng">
+                    <a:solidFill>
+                      <a:schemeClr val="tx1">
+                        <a:alpha val="78000"/>
+                      </a:schemeClr>
+                    </a:solidFill>
+                    <a:prstDash val="solid"/>
+                    <a:round/>
+                    <a:headEnd type="none" w="lg" len="med"/>
+                    <a:tailEnd type="none" w="lg" len="med"/>
+                  </a:ln>
+                  <a:effectLst/>
+                </p:spPr>
+                <p:txBody>
+                  <a:bodyPr wrap="square" anchor="ctr">
+                    <a:spAutoFit/>
+                  </a:bodyPr>
+                  <a:lstStyle/>
+                  <a:p>
+                    <a:endParaRPr lang="en-US" dirty="0"/>
+                  </a:p>
+                </p:txBody>
+              </p:sp>
+              <p:cxnSp>
+                <p:nvCxnSpPr>
+                  <p:cNvPr id="19" name="Straight Connector 18">
+                    <a:extLst>
+                      <a:ext uri="{FF2B5EF4-FFF2-40B4-BE49-F238E27FC236}">
+                        <a16:creationId xmlns:a16="http://schemas.microsoft.com/office/drawing/2014/main" id="{CD12D136-1B8D-4819-9342-DB7938625856}"/>
+                      </a:ext>
+                    </a:extLst>
+                  </p:cNvPr>
+                  <p:cNvCxnSpPr/>
+                  <p:nvPr/>
+                </p:nvCxnSpPr>
+                <p:spPr>
+                  <a:xfrm>
+                    <a:off x="4267057" y="2304897"/>
+                    <a:ext cx="604663" cy="0"/>
+                  </a:xfrm>
+                  <a:prstGeom prst="line">
+                    <a:avLst/>
+                  </a:prstGeom>
+                  <a:ln w="28575">
+                    <a:solidFill>
+                      <a:srgbClr val="FF0000"/>
+                    </a:solidFill>
+                  </a:ln>
+                </p:spPr>
+                <p:style>
+                  <a:lnRef idx="1">
+                    <a:schemeClr val="accent1"/>
+                  </a:lnRef>
+                  <a:fillRef idx="0">
+                    <a:schemeClr val="accent1"/>
+                  </a:fillRef>
+                  <a:effectRef idx="0">
+                    <a:schemeClr val="accent1"/>
+                  </a:effectRef>
+                  <a:fontRef idx="minor">
                     <a:schemeClr val="tx1"/>
+                  </a:fontRef>
+                </p:style>
+              </p:cxnSp>
+              <p:cxnSp>
+                <p:nvCxnSpPr>
+                  <p:cNvPr id="20" name="Straight Connector 19">
+                    <a:extLst>
+                      <a:ext uri="{FF2B5EF4-FFF2-40B4-BE49-F238E27FC236}">
+                        <a16:creationId xmlns:a16="http://schemas.microsoft.com/office/drawing/2014/main" id="{36825B29-9467-409D-960E-0015624CE2F1}"/>
+                      </a:ext>
+                    </a:extLst>
+                  </p:cNvPr>
+                  <p:cNvCxnSpPr/>
+                  <p:nvPr/>
+                </p:nvCxnSpPr>
+                <p:spPr>
+                  <a:xfrm>
+                    <a:off x="5184140" y="2304044"/>
+                    <a:ext cx="604663" cy="0"/>
+                  </a:xfrm>
+                  <a:prstGeom prst="line">
+                    <a:avLst/>
+                  </a:prstGeom>
+                  <a:ln w="28575">
+                    <a:solidFill>
+                      <a:srgbClr val="FF0000"/>
+                    </a:solidFill>
+                  </a:ln>
+                </p:spPr>
+                <p:style>
+                  <a:lnRef idx="1">
+                    <a:schemeClr val="accent1"/>
+                  </a:lnRef>
+                  <a:fillRef idx="0">
+                    <a:schemeClr val="accent1"/>
+                  </a:fillRef>
+                  <a:effectRef idx="0">
+                    <a:schemeClr val="accent1"/>
+                  </a:effectRef>
+                  <a:fontRef idx="minor">
+                    <a:schemeClr val="tx1"/>
+                  </a:fontRef>
+                </p:style>
+              </p:cxnSp>
+              <p:cxnSp>
+                <p:nvCxnSpPr>
+                  <p:cNvPr id="21" name="Straight Connector 20">
+                    <a:extLst>
+                      <a:ext uri="{FF2B5EF4-FFF2-40B4-BE49-F238E27FC236}">
+                        <a16:creationId xmlns:a16="http://schemas.microsoft.com/office/drawing/2014/main" id="{9B3030BC-8E03-47F5-9DC2-0431DC1BFA87}"/>
+                      </a:ext>
+                    </a:extLst>
+                  </p:cNvPr>
+                  <p:cNvCxnSpPr/>
+                  <p:nvPr/>
+                </p:nvCxnSpPr>
+                <p:spPr>
+                  <a:xfrm>
+                    <a:off x="6101137" y="2304044"/>
+                    <a:ext cx="604663" cy="0"/>
+                  </a:xfrm>
+                  <a:prstGeom prst="line">
+                    <a:avLst/>
+                  </a:prstGeom>
+                  <a:ln w="28575">
+                    <a:solidFill>
+                      <a:srgbClr val="FF0000"/>
+                    </a:solidFill>
+                  </a:ln>
+                </p:spPr>
+                <p:style>
+                  <a:lnRef idx="1">
+                    <a:schemeClr val="accent1"/>
+                  </a:lnRef>
+                  <a:fillRef idx="0">
+                    <a:schemeClr val="accent1"/>
+                  </a:fillRef>
+                  <a:effectRef idx="0">
+                    <a:schemeClr val="accent1"/>
+                  </a:effectRef>
+                  <a:fontRef idx="minor">
+                    <a:schemeClr val="tx1"/>
+                  </a:fontRef>
+                </p:style>
+              </p:cxnSp>
+              <p:cxnSp>
+                <p:nvCxnSpPr>
+                  <p:cNvPr id="23" name="Straight Connector 22">
+                    <a:extLst>
+                      <a:ext uri="{FF2B5EF4-FFF2-40B4-BE49-F238E27FC236}">
+                        <a16:creationId xmlns:a16="http://schemas.microsoft.com/office/drawing/2014/main" id="{AC2E2D4A-8DD2-4B77-8B9A-848BFCE4D606}"/>
+                      </a:ext>
+                    </a:extLst>
+                  </p:cNvPr>
+                  <p:cNvCxnSpPr/>
+                  <p:nvPr/>
+                </p:nvCxnSpPr>
+                <p:spPr>
+                  <a:xfrm>
+                    <a:off x="7922317" y="2299228"/>
+                    <a:ext cx="604663" cy="0"/>
+                  </a:xfrm>
+                  <a:prstGeom prst="line">
+                    <a:avLst/>
+                  </a:prstGeom>
+                  <a:ln w="28575">
+                    <a:solidFill>
+                      <a:srgbClr val="FF0000"/>
+                    </a:solidFill>
+                  </a:ln>
+                </p:spPr>
+                <p:style>
+                  <a:lnRef idx="1">
+                    <a:schemeClr val="accent1"/>
+                  </a:lnRef>
+                  <a:fillRef idx="0">
+                    <a:schemeClr val="accent1"/>
+                  </a:fillRef>
+                  <a:effectRef idx="0">
+                    <a:schemeClr val="accent1"/>
+                  </a:effectRef>
+                  <a:fontRef idx="minor">
+                    <a:schemeClr val="tx1"/>
+                  </a:fontRef>
+                </p:style>
+              </p:cxnSp>
+              <p:cxnSp>
+                <p:nvCxnSpPr>
+                  <p:cNvPr id="24" name="Straight Connector 23">
+                    <a:extLst>
+                      <a:ext uri="{FF2B5EF4-FFF2-40B4-BE49-F238E27FC236}">
+                        <a16:creationId xmlns:a16="http://schemas.microsoft.com/office/drawing/2014/main" id="{4C3BC8D4-DF42-46E8-BC95-659901EFA2C7}"/>
+                      </a:ext>
+                    </a:extLst>
+                  </p:cNvPr>
+                  <p:cNvCxnSpPr/>
+                  <p:nvPr/>
+                </p:nvCxnSpPr>
+                <p:spPr>
+                  <a:xfrm>
+                    <a:off x="3359712" y="2299228"/>
+                    <a:ext cx="604663" cy="0"/>
+                  </a:xfrm>
+                  <a:prstGeom prst="line">
+                    <a:avLst/>
+                  </a:prstGeom>
+                  <a:ln w="28575">
+                    <a:solidFill>
+                      <a:srgbClr val="FF0000"/>
+                    </a:solidFill>
+                  </a:ln>
+                </p:spPr>
+                <p:style>
+                  <a:lnRef idx="1">
+                    <a:schemeClr val="accent1"/>
+                  </a:lnRef>
+                  <a:fillRef idx="0">
+                    <a:schemeClr val="accent1"/>
+                  </a:fillRef>
+                  <a:effectRef idx="0">
+                    <a:schemeClr val="accent1"/>
+                  </a:effectRef>
+                  <a:fontRef idx="minor">
+                    <a:schemeClr val="tx1"/>
+                  </a:fontRef>
+                </p:style>
+              </p:cxnSp>
+              <p:cxnSp>
+                <p:nvCxnSpPr>
+                  <p:cNvPr id="25" name="Straight Connector 24">
+                    <a:extLst>
+                      <a:ext uri="{FF2B5EF4-FFF2-40B4-BE49-F238E27FC236}">
+                        <a16:creationId xmlns:a16="http://schemas.microsoft.com/office/drawing/2014/main" id="{66D0DB74-2689-4A1E-9AA0-0E42392816FC}"/>
+                      </a:ext>
+                    </a:extLst>
+                  </p:cNvPr>
+                  <p:cNvCxnSpPr/>
+                  <p:nvPr/>
+                </p:nvCxnSpPr>
+                <p:spPr>
+                  <a:xfrm>
+                    <a:off x="2452932" y="2299228"/>
+                    <a:ext cx="604663" cy="0"/>
+                  </a:xfrm>
+                  <a:prstGeom prst="line">
+                    <a:avLst/>
+                  </a:prstGeom>
+                  <a:ln w="28575">
+                    <a:solidFill>
+                      <a:srgbClr val="FF0000"/>
+                    </a:solidFill>
+                  </a:ln>
+                </p:spPr>
+                <p:style>
+                  <a:lnRef idx="1">
+                    <a:schemeClr val="accent1"/>
+                  </a:lnRef>
+                  <a:fillRef idx="0">
+                    <a:schemeClr val="accent1"/>
+                  </a:fillRef>
+                  <a:effectRef idx="0">
+                    <a:schemeClr val="accent1"/>
+                  </a:effectRef>
+                  <a:fontRef idx="minor">
+                    <a:schemeClr val="tx1"/>
+                  </a:fontRef>
+                </p:style>
+              </p:cxnSp>
+              <p:cxnSp>
+                <p:nvCxnSpPr>
+                  <p:cNvPr id="26" name="Straight Connector 25">
+                    <a:extLst>
+                      <a:ext uri="{FF2B5EF4-FFF2-40B4-BE49-F238E27FC236}">
+                        <a16:creationId xmlns:a16="http://schemas.microsoft.com/office/drawing/2014/main" id="{3EFCB8FE-B858-4B0A-8B35-B9432A3D6149}"/>
+                      </a:ext>
+                    </a:extLst>
+                  </p:cNvPr>
+                  <p:cNvCxnSpPr/>
+                  <p:nvPr/>
+                </p:nvCxnSpPr>
+                <p:spPr>
+                  <a:xfrm>
+                    <a:off x="1533757" y="2299228"/>
+                    <a:ext cx="604663" cy="0"/>
+                  </a:xfrm>
+                  <a:prstGeom prst="line">
+                    <a:avLst/>
+                  </a:prstGeom>
+                  <a:ln w="28575">
+                    <a:solidFill>
+                      <a:srgbClr val="FF0000"/>
+                    </a:solidFill>
+                  </a:ln>
+                </p:spPr>
+                <p:style>
+                  <a:lnRef idx="1">
+                    <a:schemeClr val="accent1"/>
+                  </a:lnRef>
+                  <a:fillRef idx="0">
+                    <a:schemeClr val="accent1"/>
+                  </a:fillRef>
+                  <a:effectRef idx="0">
+                    <a:schemeClr val="accent1"/>
+                  </a:effectRef>
+                  <a:fontRef idx="minor">
+                    <a:schemeClr val="tx1"/>
+                  </a:fontRef>
+                </p:style>
+              </p:cxnSp>
+              <p:cxnSp>
+                <p:nvCxnSpPr>
+                  <p:cNvPr id="29" name="Straight Arrow Connector 28">
+                    <a:extLst>
+                      <a:ext uri="{FF2B5EF4-FFF2-40B4-BE49-F238E27FC236}">
+                        <a16:creationId xmlns:a16="http://schemas.microsoft.com/office/drawing/2014/main" id="{F722C922-5779-4187-A3E8-D78E77F764F0}"/>
+                      </a:ext>
+                    </a:extLst>
+                  </p:cNvPr>
+                  <p:cNvCxnSpPr/>
+                  <p:nvPr/>
+                </p:nvCxnSpPr>
+                <p:spPr>
+                  <a:xfrm>
+                    <a:off x="8526980" y="2299228"/>
+                    <a:ext cx="0" cy="2949057"/>
+                  </a:xfrm>
+                  <a:prstGeom prst="straightConnector1">
+                    <a:avLst/>
+                  </a:prstGeom>
+                  <a:ln w="19050">
+                    <a:solidFill>
+                      <a:schemeClr val="tx1"/>
+                    </a:solidFill>
+                    <a:headEnd type="triangle" w="lg" len="lg"/>
+                    <a:tailEnd type="triangle" w="lg" len="lg"/>
+                  </a:ln>
+                </p:spPr>
+                <p:style>
+                  <a:lnRef idx="1">
+                    <a:schemeClr val="accent1"/>
+                  </a:lnRef>
+                  <a:fillRef idx="0">
+                    <a:schemeClr val="accent1"/>
+                  </a:fillRef>
+                  <a:effectRef idx="0">
+                    <a:schemeClr val="accent1"/>
+                  </a:effectRef>
+                  <a:fontRef idx="minor">
+                    <a:schemeClr val="tx1"/>
+                  </a:fontRef>
+                </p:style>
+              </p:cxnSp>
+              <p:sp>
+                <p:nvSpPr>
+                  <p:cNvPr id="27" name="TextBox 26">
+                    <a:extLst>
+                      <a:ext uri="{FF2B5EF4-FFF2-40B4-BE49-F238E27FC236}">
+                        <a16:creationId xmlns:a16="http://schemas.microsoft.com/office/drawing/2014/main" id="{A657B6E9-1301-4DD7-9ED5-5184F2D8624C}"/>
+                      </a:ext>
+                    </a:extLst>
+                  </p:cNvPr>
+                  <p:cNvSpPr txBox="1"/>
+                  <p:nvPr/>
+                </p:nvSpPr>
+                <p:spPr>
+                  <a:xfrm>
+                    <a:off x="8065411" y="3499923"/>
+                    <a:ext cx="883575" cy="369332"/>
+                  </a:xfrm>
+                  <a:prstGeom prst="rect">
+                    <a:avLst/>
+                  </a:prstGeom>
+                  <a:solidFill>
+                    <a:schemeClr val="bg1"/>
                   </a:solidFill>
-                </a:ln>
-              </p:spPr>
-              <p:style>
-                <a:lnRef idx="1">
-                  <a:schemeClr val="accent1"/>
-                </a:lnRef>
-                <a:fillRef idx="0">
-                  <a:schemeClr val="accent1"/>
-                </a:fillRef>
-                <a:effectRef idx="0">
-                  <a:schemeClr val="accent1"/>
-                </a:effectRef>
-                <a:fontRef idx="minor">
-                  <a:schemeClr val="tx1"/>
-                </a:fontRef>
-              </p:style>
-            </p:cxnSp>
+                </p:spPr>
+                <p:txBody>
+                  <a:bodyPr wrap="none" rtlCol="0">
+                    <a:spAutoFit/>
+                  </a:bodyPr>
+                  <a:lstStyle/>
+                  <a:p>
+                    <a:r>
+                      <a:rPr lang="en-US" dirty="0">
+                        <a:latin typeface="Times New Roman" panose="02020603050405020304" pitchFamily="18" charset="0"/>
+                        <a:cs typeface="Times New Roman" panose="02020603050405020304" pitchFamily="18" charset="0"/>
+                      </a:rPr>
+                      <a:t>1 meter</a:t>
+                    </a:r>
+                  </a:p>
+                </p:txBody>
+              </p:sp>
+              <p:sp>
+                <p:nvSpPr>
+                  <p:cNvPr id="35" name="Oval 34">
+                    <a:extLst>
+                      <a:ext uri="{FF2B5EF4-FFF2-40B4-BE49-F238E27FC236}">
+                        <a16:creationId xmlns:a16="http://schemas.microsoft.com/office/drawing/2014/main" id="{EA246440-DD76-4A9D-8AB9-FE1F7B5B9DD6}"/>
+                      </a:ext>
+                    </a:extLst>
+                  </p:cNvPr>
+                  <p:cNvSpPr/>
+                  <p:nvPr/>
+                </p:nvSpPr>
+                <p:spPr bwMode="auto">
+                  <a:xfrm>
+                    <a:off x="2982691" y="5129714"/>
+                    <a:ext cx="149807" cy="149807"/>
+                  </a:xfrm>
+                  <a:prstGeom prst="ellipse">
+                    <a:avLst/>
+                  </a:prstGeom>
+                  <a:solidFill>
+                    <a:srgbClr val="C00000"/>
+                  </a:solidFill>
+                  <a:ln w="12700" cap="flat" cmpd="sng" algn="ctr">
+                    <a:solidFill>
+                      <a:srgbClr val="C00000"/>
+                    </a:solidFill>
+                    <a:prstDash val="solid"/>
+                    <a:round/>
+                    <a:headEnd type="none" w="lg" len="med"/>
+                    <a:tailEnd type="none" w="lg" len="med"/>
+                  </a:ln>
+                  <a:effectLst/>
+                </p:spPr>
+                <p:txBody>
+                  <a:bodyPr vert="horz" wrap="square" lIns="91440" tIns="45720" rIns="91440" bIns="45720" numCol="1" rtlCol="0" anchor="ctr" anchorCtr="0" compatLnSpc="1">
+                    <a:prstTxWarp prst="textNoShape">
+                      <a:avLst/>
+                    </a:prstTxWarp>
+                    <a:spAutoFit/>
+                  </a:bodyPr>
+                  <a:lstStyle/>
+                  <a:p>
+                    <a:pPr marL="0" marR="0" indent="0" algn="l" defTabSz="914400" rtl="0" eaLnBrk="1" fontAlgn="base" latinLnBrk="0" hangingPunct="1">
+                      <a:lnSpc>
+                        <a:spcPct val="100000"/>
+                      </a:lnSpc>
+                      <a:spcBef>
+                        <a:spcPct val="0"/>
+                      </a:spcBef>
+                      <a:spcAft>
+                        <a:spcPct val="0"/>
+                      </a:spcAft>
+                      <a:buClrTx/>
+                      <a:buSzTx/>
+                      <a:buFontTx/>
+                      <a:buNone/>
+                      <a:tabLst/>
+                    </a:pPr>
+                    <a:endParaRPr kumimoji="0" lang="en-US" sz="1800" b="0" i="0" u="none" strike="noStrike" cap="none" normalizeH="0" baseline="0">
+                      <a:ln>
+                        <a:noFill/>
+                      </a:ln>
+                      <a:solidFill>
+                        <a:schemeClr val="tx1"/>
+                      </a:solidFill>
+                      <a:effectLst/>
+                      <a:latin typeface="Century Gothic" pitchFamily="34" charset="0"/>
+                      <a:cs typeface="Arial" charset="0"/>
+                    </a:endParaRPr>
+                  </a:p>
+                </p:txBody>
+              </p:sp>
+              <p:sp>
+                <p:nvSpPr>
+                  <p:cNvPr id="36" name="Oval 35">
+                    <a:extLst>
+                      <a:ext uri="{FF2B5EF4-FFF2-40B4-BE49-F238E27FC236}">
+                        <a16:creationId xmlns:a16="http://schemas.microsoft.com/office/drawing/2014/main" id="{B636916F-E631-43D5-AFCF-FB0EFA6E981D}"/>
+                      </a:ext>
+                    </a:extLst>
+                  </p:cNvPr>
+                  <p:cNvSpPr/>
+                  <p:nvPr/>
+                </p:nvSpPr>
+                <p:spPr bwMode="auto">
+                  <a:xfrm>
+                    <a:off x="2992569" y="2224324"/>
+                    <a:ext cx="149807" cy="149807"/>
+                  </a:xfrm>
+                  <a:prstGeom prst="ellipse">
+                    <a:avLst/>
+                  </a:prstGeom>
+                  <a:solidFill>
+                    <a:srgbClr val="C00000"/>
+                  </a:solidFill>
+                  <a:ln w="12700" cap="flat" cmpd="sng" algn="ctr">
+                    <a:solidFill>
+                      <a:srgbClr val="C00000"/>
+                    </a:solidFill>
+                    <a:prstDash val="solid"/>
+                    <a:round/>
+                    <a:headEnd type="none" w="lg" len="med"/>
+                    <a:tailEnd type="none" w="lg" len="med"/>
+                  </a:ln>
+                  <a:effectLst/>
+                </p:spPr>
+                <p:txBody>
+                  <a:bodyPr vert="horz" wrap="square" lIns="91440" tIns="45720" rIns="91440" bIns="45720" numCol="1" rtlCol="0" anchor="ctr" anchorCtr="0" compatLnSpc="1">
+                    <a:prstTxWarp prst="textNoShape">
+                      <a:avLst/>
+                    </a:prstTxWarp>
+                    <a:spAutoFit/>
+                  </a:bodyPr>
+                  <a:lstStyle/>
+                  <a:p>
+                    <a:pPr marL="0" marR="0" indent="0" algn="l" defTabSz="914400" rtl="0" eaLnBrk="1" fontAlgn="base" latinLnBrk="0" hangingPunct="1">
+                      <a:lnSpc>
+                        <a:spcPct val="100000"/>
+                      </a:lnSpc>
+                      <a:spcBef>
+                        <a:spcPct val="0"/>
+                      </a:spcBef>
+                      <a:spcAft>
+                        <a:spcPct val="0"/>
+                      </a:spcAft>
+                      <a:buClrTx/>
+                      <a:buSzTx/>
+                      <a:buFontTx/>
+                      <a:buNone/>
+                      <a:tabLst/>
+                    </a:pPr>
+                    <a:endParaRPr kumimoji="0" lang="en-US" sz="1800" b="0" i="0" u="none" strike="noStrike" cap="none" normalizeH="0" baseline="0">
+                      <a:ln>
+                        <a:noFill/>
+                      </a:ln>
+                      <a:solidFill>
+                        <a:schemeClr val="tx1"/>
+                      </a:solidFill>
+                      <a:effectLst/>
+                      <a:latin typeface="Century Gothic" pitchFamily="34" charset="0"/>
+                      <a:cs typeface="Arial" charset="0"/>
+                    </a:endParaRPr>
+                  </a:p>
+                </p:txBody>
+              </p:sp>
+              <p:cxnSp>
+                <p:nvCxnSpPr>
+                  <p:cNvPr id="38" name="Straight Connector 37">
+                    <a:extLst>
+                      <a:ext uri="{FF2B5EF4-FFF2-40B4-BE49-F238E27FC236}">
+                        <a16:creationId xmlns:a16="http://schemas.microsoft.com/office/drawing/2014/main" id="{A73CFDDE-A54D-4C47-93ED-C83A5CBFF56A}"/>
+                      </a:ext>
+                    </a:extLst>
+                  </p:cNvPr>
+                  <p:cNvCxnSpPr>
+                    <a:stCxn id="35" idx="4"/>
+                  </p:cNvCxnSpPr>
+                  <p:nvPr/>
+                </p:nvCxnSpPr>
+                <p:spPr>
+                  <a:xfrm flipH="1">
+                    <a:off x="3057594" y="5279521"/>
+                    <a:ext cx="1" cy="184019"/>
+                  </a:xfrm>
+                  <a:prstGeom prst="line">
+                    <a:avLst/>
+                  </a:prstGeom>
+                </p:spPr>
+                <p:style>
+                  <a:lnRef idx="1">
+                    <a:schemeClr val="dk1"/>
+                  </a:lnRef>
+                  <a:fillRef idx="0">
+                    <a:schemeClr val="dk1"/>
+                  </a:fillRef>
+                  <a:effectRef idx="0">
+                    <a:schemeClr val="dk1"/>
+                  </a:effectRef>
+                  <a:fontRef idx="minor">
+                    <a:schemeClr val="tx1"/>
+                  </a:fontRef>
+                </p:style>
+              </p:cxnSp>
+              <p:grpSp>
+                <p:nvGrpSpPr>
+                  <p:cNvPr id="12" name="Group 11">
+                    <a:extLst>
+                      <a:ext uri="{FF2B5EF4-FFF2-40B4-BE49-F238E27FC236}">
+                        <a16:creationId xmlns:a16="http://schemas.microsoft.com/office/drawing/2014/main" id="{AA99E7F0-9391-4D18-ADB3-3BE01FBAD3B1}"/>
+                      </a:ext>
+                    </a:extLst>
+                  </p:cNvPr>
+                  <p:cNvGrpSpPr/>
+                  <p:nvPr/>
+                </p:nvGrpSpPr>
+                <p:grpSpPr>
+                  <a:xfrm>
+                    <a:off x="3183114" y="2045186"/>
+                    <a:ext cx="595784" cy="519420"/>
+                    <a:chOff x="6545089" y="2384266"/>
+                    <a:chExt cx="210233" cy="193882"/>
+                  </a:xfrm>
+                </p:grpSpPr>
+                <p:sp>
+                  <p:nvSpPr>
+                    <p:cNvPr id="8" name="AutoShape 174">
+                      <a:extLst>
+                        <a:ext uri="{FF2B5EF4-FFF2-40B4-BE49-F238E27FC236}">
+                          <a16:creationId xmlns:a16="http://schemas.microsoft.com/office/drawing/2014/main" id="{826416CD-FFFE-46F3-BF71-6458DB2A561D}"/>
+                        </a:ext>
+                      </a:extLst>
+                    </p:cNvPr>
+                    <p:cNvSpPr>
+                      <a:spLocks noChangeArrowheads="1"/>
+                    </p:cNvSpPr>
+                    <p:nvPr/>
+                  </p:nvSpPr>
+                  <p:spPr bwMode="auto">
+                    <a:xfrm flipV="1">
+                      <a:off x="6571368" y="2384266"/>
+                      <a:ext cx="157675" cy="105156"/>
+                    </a:xfrm>
+                    <a:prstGeom prst="triangle">
+                      <a:avLst>
+                        <a:gd name="adj" fmla="val 50000"/>
+                      </a:avLst>
+                    </a:prstGeom>
+                    <a:noFill/>
+                    <a:ln w="12700">
+                      <a:solidFill>
+                        <a:schemeClr val="tx1"/>
+                      </a:solidFill>
+                      <a:miter lim="800000"/>
+                      <a:headEnd type="none" w="lg" len="med"/>
+                      <a:tailEnd type="none" w="lg" len="med"/>
+                    </a:ln>
+                    <a:effectLst/>
+                  </p:spPr>
+                  <p:txBody>
+                    <a:bodyPr anchor="ctr">
+                      <a:spAutoFit/>
+                    </a:bodyPr>
+                    <a:lstStyle/>
+                    <a:p>
+                      <a:endParaRPr lang="en-US"/>
+                    </a:p>
+                  </p:txBody>
+                </p:sp>
+                <p:sp>
+                  <p:nvSpPr>
+                    <p:cNvPr id="9" name="Line 175">
+                      <a:extLst>
+                        <a:ext uri="{FF2B5EF4-FFF2-40B4-BE49-F238E27FC236}">
+                          <a16:creationId xmlns:a16="http://schemas.microsoft.com/office/drawing/2014/main" id="{69E53567-22C4-4D37-B119-33F14895647C}"/>
+                        </a:ext>
+                      </a:extLst>
+                    </p:cNvPr>
+                    <p:cNvSpPr>
+                      <a:spLocks noChangeShapeType="1"/>
+                    </p:cNvSpPr>
+                    <p:nvPr/>
+                  </p:nvSpPr>
+                  <p:spPr bwMode="auto">
+                    <a:xfrm>
+                      <a:off x="6545089" y="2518997"/>
+                      <a:ext cx="210233" cy="0"/>
+                    </a:xfrm>
+                    <a:prstGeom prst="line">
+                      <a:avLst/>
+                    </a:prstGeom>
+                    <a:noFill/>
+                    <a:ln w="12700">
+                      <a:solidFill>
+                        <a:schemeClr val="tx1"/>
+                      </a:solidFill>
+                      <a:round/>
+                      <a:headEnd type="none" w="lg" len="med"/>
+                      <a:tailEnd type="none" w="lg" len="med"/>
+                    </a:ln>
+                    <a:effectLst/>
+                  </p:spPr>
+                  <p:txBody>
+                    <a:bodyPr anchor="ctr">
+                      <a:spAutoFit/>
+                    </a:bodyPr>
+                    <a:lstStyle/>
+                    <a:p>
+                      <a:endParaRPr lang="en-US"/>
+                    </a:p>
+                  </p:txBody>
+                </p:sp>
+                <p:sp>
+                  <p:nvSpPr>
+                    <p:cNvPr id="10" name="Line 176">
+                      <a:extLst>
+                        <a:ext uri="{FF2B5EF4-FFF2-40B4-BE49-F238E27FC236}">
+                          <a16:creationId xmlns:a16="http://schemas.microsoft.com/office/drawing/2014/main" id="{514E9AFB-CF9B-49C4-A21C-6AB30C91B677}"/>
+                        </a:ext>
+                      </a:extLst>
+                    </p:cNvPr>
+                    <p:cNvSpPr>
+                      <a:spLocks noChangeShapeType="1"/>
+                    </p:cNvSpPr>
+                    <p:nvPr/>
+                  </p:nvSpPr>
+                  <p:spPr bwMode="auto">
+                    <a:xfrm>
+                      <a:off x="6571368" y="2548573"/>
+                      <a:ext cx="157675" cy="0"/>
+                    </a:xfrm>
+                    <a:prstGeom prst="line">
+                      <a:avLst/>
+                    </a:prstGeom>
+                    <a:noFill/>
+                    <a:ln w="12700">
+                      <a:solidFill>
+                        <a:schemeClr val="tx1"/>
+                      </a:solidFill>
+                      <a:round/>
+                      <a:headEnd type="none" w="lg" len="med"/>
+                      <a:tailEnd type="none" w="lg" len="med"/>
+                    </a:ln>
+                    <a:effectLst/>
+                  </p:spPr>
+                  <p:txBody>
+                    <a:bodyPr anchor="ctr">
+                      <a:spAutoFit/>
+                    </a:bodyPr>
+                    <a:lstStyle/>
+                    <a:p>
+                      <a:endParaRPr lang="en-US"/>
+                    </a:p>
+                  </p:txBody>
+                </p:sp>
+                <p:sp>
+                  <p:nvSpPr>
+                    <p:cNvPr id="11" name="Line 177">
+                      <a:extLst>
+                        <a:ext uri="{FF2B5EF4-FFF2-40B4-BE49-F238E27FC236}">
+                          <a16:creationId xmlns:a16="http://schemas.microsoft.com/office/drawing/2014/main" id="{D3338B02-509F-4D1D-AFAE-EDDBF99A0DD1}"/>
+                        </a:ext>
+                      </a:extLst>
+                    </p:cNvPr>
+                    <p:cNvSpPr>
+                      <a:spLocks noChangeShapeType="1"/>
+                    </p:cNvSpPr>
+                    <p:nvPr/>
+                  </p:nvSpPr>
+                  <p:spPr bwMode="auto">
+                    <a:xfrm>
+                      <a:off x="6602027" y="2578148"/>
+                      <a:ext cx="95262" cy="0"/>
+                    </a:xfrm>
+                    <a:prstGeom prst="line">
+                      <a:avLst/>
+                    </a:prstGeom>
+                    <a:noFill/>
+                    <a:ln w="12700">
+                      <a:solidFill>
+                        <a:schemeClr val="tx1"/>
+                      </a:solidFill>
+                      <a:round/>
+                      <a:headEnd type="none" w="lg" len="med"/>
+                      <a:tailEnd type="none" w="lg" len="med"/>
+                    </a:ln>
+                    <a:effectLst/>
+                  </p:spPr>
+                  <p:txBody>
+                    <a:bodyPr anchor="ctr">
+                      <a:spAutoFit/>
+                    </a:bodyPr>
+                    <a:lstStyle/>
+                    <a:p>
+                      <a:endParaRPr lang="en-US"/>
+                    </a:p>
+                  </p:txBody>
+                </p:sp>
+              </p:grpSp>
+              <p:sp>
+                <p:nvSpPr>
+                  <p:cNvPr id="42" name="TextBox 41">
+                    <a:extLst>
+                      <a:ext uri="{FF2B5EF4-FFF2-40B4-BE49-F238E27FC236}">
+                        <a16:creationId xmlns:a16="http://schemas.microsoft.com/office/drawing/2014/main" id="{BA92C151-C849-4CCB-BFD0-5973E5E417DE}"/>
+                      </a:ext>
+                    </a:extLst>
+                  </p:cNvPr>
+                  <p:cNvSpPr txBox="1"/>
+                  <p:nvPr/>
+                </p:nvSpPr>
+                <p:spPr>
+                  <a:xfrm>
+                    <a:off x="6029402" y="5460438"/>
+                    <a:ext cx="2428870" cy="369332"/>
+                  </a:xfrm>
+                  <a:prstGeom prst="rect">
+                    <a:avLst/>
+                  </a:prstGeom>
+                  <a:solidFill>
+                    <a:schemeClr val="bg1"/>
+                  </a:solidFill>
+                </p:spPr>
+                <p:txBody>
+                  <a:bodyPr wrap="none" rtlCol="0">
+                    <a:spAutoFit/>
+                  </a:bodyPr>
+                  <a:lstStyle/>
+                  <a:p>
+                    <a:r>
+                      <a:rPr lang="en-US" dirty="0">
+                        <a:latin typeface="Times New Roman" panose="02020603050405020304" pitchFamily="18" charset="0"/>
+                        <a:cs typeface="Times New Roman" panose="02020603050405020304" pitchFamily="18" charset="0"/>
+                      </a:rPr>
+                      <a:t>1 meter of velocity head</a:t>
+                    </a:r>
+                  </a:p>
+                </p:txBody>
+              </p:sp>
+              <p:sp>
+                <p:nvSpPr>
+                  <p:cNvPr id="43" name="TextBox 42">
+                    <a:extLst>
+                      <a:ext uri="{FF2B5EF4-FFF2-40B4-BE49-F238E27FC236}">
+                        <a16:creationId xmlns:a16="http://schemas.microsoft.com/office/drawing/2014/main" id="{F8B4DFB6-15DB-4E5B-B514-1CFBDF2ED0EA}"/>
+                      </a:ext>
+                    </a:extLst>
+                  </p:cNvPr>
+                  <p:cNvSpPr txBox="1"/>
+                  <p:nvPr/>
+                </p:nvSpPr>
+                <p:spPr>
+                  <a:xfrm>
+                    <a:off x="1838187" y="5463540"/>
+                    <a:ext cx="2454518" cy="369332"/>
+                  </a:xfrm>
+                  <a:prstGeom prst="rect">
+                    <a:avLst/>
+                  </a:prstGeom>
+                  <a:solidFill>
+                    <a:schemeClr val="bg1"/>
+                  </a:solidFill>
+                </p:spPr>
+                <p:txBody>
+                  <a:bodyPr wrap="none" rtlCol="0">
+                    <a:spAutoFit/>
+                  </a:bodyPr>
+                  <a:lstStyle/>
+                  <a:p>
+                    <a:r>
+                      <a:rPr lang="en-US" dirty="0">
+                        <a:latin typeface="Times New Roman" panose="02020603050405020304" pitchFamily="18" charset="0"/>
+                        <a:cs typeface="Times New Roman" panose="02020603050405020304" pitchFamily="18" charset="0"/>
+                      </a:rPr>
+                      <a:t>1 meter of pressure head</a:t>
+                    </a:r>
+                  </a:p>
+                </p:txBody>
+              </p:sp>
+              <p:sp>
+                <p:nvSpPr>
+                  <p:cNvPr id="44" name="TextBox 43">
+                    <a:extLst>
+                      <a:ext uri="{FF2B5EF4-FFF2-40B4-BE49-F238E27FC236}">
+                        <a16:creationId xmlns:a16="http://schemas.microsoft.com/office/drawing/2014/main" id="{543BB2FE-D7D0-402C-948C-BAF371D9E1B7}"/>
+                      </a:ext>
+                    </a:extLst>
+                  </p:cNvPr>
+                  <p:cNvSpPr txBox="1"/>
+                  <p:nvPr/>
+                </p:nvSpPr>
+                <p:spPr>
+                  <a:xfrm>
+                    <a:off x="3523847" y="1361334"/>
+                    <a:ext cx="3280445" cy="456264"/>
+                  </a:xfrm>
+                  <a:prstGeom prst="rect">
+                    <a:avLst/>
+                  </a:prstGeom>
+                  <a:solidFill>
+                    <a:schemeClr val="bg1"/>
+                  </a:solidFill>
+                </p:spPr>
+                <p:txBody>
+                  <a:bodyPr wrap="square" rtlCol="0">
+                    <a:spAutoFit/>
+                  </a:bodyPr>
+                  <a:lstStyle/>
+                  <a:p>
+                    <a:r>
+                      <a:rPr lang="en-US" dirty="0">
+                        <a:latin typeface="Times New Roman" panose="02020603050405020304" pitchFamily="18" charset="0"/>
+                        <a:cs typeface="Times New Roman" panose="02020603050405020304" pitchFamily="18" charset="0"/>
+                      </a:rPr>
+                      <a:t>1 meter of elevation head</a:t>
+                    </a:r>
+                  </a:p>
+                </p:txBody>
+              </p:sp>
+              <p:grpSp>
+                <p:nvGrpSpPr>
+                  <p:cNvPr id="50" name="Group 49">
+                    <a:extLst>
+                      <a:ext uri="{FF2B5EF4-FFF2-40B4-BE49-F238E27FC236}">
+                        <a16:creationId xmlns:a16="http://schemas.microsoft.com/office/drawing/2014/main" id="{C73AE796-6455-43BC-967A-B5E16D7831D4}"/>
+                      </a:ext>
+                    </a:extLst>
+                  </p:cNvPr>
+                  <p:cNvGrpSpPr/>
+                  <p:nvPr/>
+                </p:nvGrpSpPr>
+                <p:grpSpPr>
+                  <a:xfrm>
+                    <a:off x="6150522" y="2299767"/>
+                    <a:ext cx="2159535" cy="2926983"/>
+                    <a:chOff x="4258439" y="2292005"/>
+                    <a:chExt cx="2159535" cy="2926983"/>
+                  </a:xfrm>
+                </p:grpSpPr>
+                <p:sp>
+                  <p:nvSpPr>
+                    <p:cNvPr id="46" name="Arrow: U-Turn 45">
+                      <a:extLst>
+                        <a:ext uri="{FF2B5EF4-FFF2-40B4-BE49-F238E27FC236}">
+                          <a16:creationId xmlns:a16="http://schemas.microsoft.com/office/drawing/2014/main" id="{DD82B258-948E-4F43-A1C6-29A1B78DE6AB}"/>
+                        </a:ext>
+                      </a:extLst>
+                    </p:cNvPr>
+                    <p:cNvSpPr/>
+                    <p:nvPr/>
+                  </p:nvSpPr>
+                  <p:spPr>
+                    <a:xfrm>
+                      <a:off x="5180891" y="2292005"/>
+                      <a:ext cx="1237083" cy="2926983"/>
+                    </a:xfrm>
+                    <a:prstGeom prst="uturnArrow">
+                      <a:avLst>
+                        <a:gd name="adj1" fmla="val 25000"/>
+                        <a:gd name="adj2" fmla="val 25000"/>
+                        <a:gd name="adj3" fmla="val 25616"/>
+                        <a:gd name="adj4" fmla="val 42247"/>
+                        <a:gd name="adj5" fmla="val 28422"/>
+                      </a:avLst>
+                    </a:prstGeom>
+                    <a:solidFill>
+                      <a:srgbClr val="0563C1"/>
+                    </a:solidFill>
+                    <a:ln>
+                      <a:noFill/>
+                    </a:ln>
+                  </p:spPr>
+                  <p:style>
+                    <a:lnRef idx="2">
+                      <a:schemeClr val="accent1">
+                        <a:shade val="50000"/>
+                      </a:schemeClr>
+                    </a:lnRef>
+                    <a:fillRef idx="1">
+                      <a:schemeClr val="accent1"/>
+                    </a:fillRef>
+                    <a:effectRef idx="0">
+                      <a:schemeClr val="accent1"/>
+                    </a:effectRef>
+                    <a:fontRef idx="minor">
+                      <a:schemeClr val="lt1"/>
+                    </a:fontRef>
+                  </p:style>
+                  <p:txBody>
+                    <a:bodyPr rtlCol="0" anchor="ctr"/>
+                    <a:lstStyle/>
+                    <a:p>
+                      <a:pPr algn="ctr"/>
+                      <a:endParaRPr lang="en-US">
+                        <a:solidFill>
+                          <a:schemeClr val="tx1"/>
+                        </a:solidFill>
+                      </a:endParaRPr>
+                    </a:p>
+                  </p:txBody>
+                </p:sp>
+                <p:sp>
+                  <p:nvSpPr>
+                    <p:cNvPr id="49" name="Arrow: U-Turn 48">
+                      <a:extLst>
+                        <a:ext uri="{FF2B5EF4-FFF2-40B4-BE49-F238E27FC236}">
+                          <a16:creationId xmlns:a16="http://schemas.microsoft.com/office/drawing/2014/main" id="{4F4BC159-53C5-4B81-96CA-482C0D0C003D}"/>
+                        </a:ext>
+                      </a:extLst>
+                    </p:cNvPr>
+                    <p:cNvSpPr/>
+                    <p:nvPr/>
+                  </p:nvSpPr>
+                  <p:spPr>
+                    <a:xfrm flipH="1">
+                      <a:off x="4258439" y="2292005"/>
+                      <a:ext cx="1234440" cy="2926983"/>
+                    </a:xfrm>
+                    <a:prstGeom prst="uturnArrow">
+                      <a:avLst>
+                        <a:gd name="adj1" fmla="val 25000"/>
+                        <a:gd name="adj2" fmla="val 25000"/>
+                        <a:gd name="adj3" fmla="val 25616"/>
+                        <a:gd name="adj4" fmla="val 42247"/>
+                        <a:gd name="adj5" fmla="val 28422"/>
+                      </a:avLst>
+                    </a:prstGeom>
+                    <a:solidFill>
+                      <a:srgbClr val="0563C1"/>
+                    </a:solidFill>
+                    <a:ln>
+                      <a:noFill/>
+                    </a:ln>
+                  </p:spPr>
+                  <p:style>
+                    <a:lnRef idx="2">
+                      <a:schemeClr val="accent1">
+                        <a:shade val="50000"/>
+                      </a:schemeClr>
+                    </a:lnRef>
+                    <a:fillRef idx="1">
+                      <a:schemeClr val="accent1"/>
+                    </a:fillRef>
+                    <a:effectRef idx="0">
+                      <a:schemeClr val="accent1"/>
+                    </a:effectRef>
+                    <a:fontRef idx="minor">
+                      <a:schemeClr val="lt1"/>
+                    </a:fontRef>
+                  </p:style>
+                  <p:txBody>
+                    <a:bodyPr rtlCol="0" anchor="ctr"/>
+                    <a:lstStyle/>
+                    <a:p>
+                      <a:pPr algn="ctr"/>
+                      <a:endParaRPr lang="en-US">
+                        <a:solidFill>
+                          <a:schemeClr val="tx1"/>
+                        </a:solidFill>
+                      </a:endParaRPr>
+                    </a:p>
+                  </p:txBody>
+                </p:sp>
+                <p:sp>
+                  <p:nvSpPr>
+                    <p:cNvPr id="30" name="Arrow: Up 29">
+                      <a:extLst>
+                        <a:ext uri="{FF2B5EF4-FFF2-40B4-BE49-F238E27FC236}">
+                          <a16:creationId xmlns:a16="http://schemas.microsoft.com/office/drawing/2014/main" id="{2D51BD65-5F71-4556-995C-2301D7549D5C}"/>
+                        </a:ext>
+                      </a:extLst>
+                    </p:cNvPr>
+                    <p:cNvSpPr/>
+                    <p:nvPr/>
+                  </p:nvSpPr>
+                  <p:spPr>
+                    <a:xfrm>
+                      <a:off x="5257003" y="3692113"/>
+                      <a:ext cx="189505" cy="1200682"/>
+                    </a:xfrm>
+                    <a:prstGeom prst="upArrow">
+                      <a:avLst/>
+                    </a:prstGeom>
+                  </p:spPr>
+                  <p:style>
+                    <a:lnRef idx="2">
+                      <a:schemeClr val="accent1">
+                        <a:shade val="50000"/>
+                      </a:schemeClr>
+                    </a:lnRef>
+                    <a:fillRef idx="1">
+                      <a:schemeClr val="accent1"/>
+                    </a:fillRef>
+                    <a:effectRef idx="0">
+                      <a:schemeClr val="accent1"/>
+                    </a:effectRef>
+                    <a:fontRef idx="minor">
+                      <a:schemeClr val="lt1"/>
+                    </a:fontRef>
+                  </p:style>
+                  <p:txBody>
+                    <a:bodyPr rtlCol="0" anchor="ctr"/>
+                    <a:lstStyle/>
+                    <a:p>
+                      <a:pPr algn="ctr"/>
+                      <a:endParaRPr lang="en-US"/>
+                    </a:p>
+                  </p:txBody>
+                </p:sp>
+              </p:grpSp>
+              <p:cxnSp>
+                <p:nvCxnSpPr>
+                  <p:cNvPr id="22" name="Straight Connector 21">
+                    <a:extLst>
+                      <a:ext uri="{FF2B5EF4-FFF2-40B4-BE49-F238E27FC236}">
+                        <a16:creationId xmlns:a16="http://schemas.microsoft.com/office/drawing/2014/main" id="{C89E168E-ADBF-454F-BB89-8A628292715A}"/>
+                      </a:ext>
+                    </a:extLst>
+                  </p:cNvPr>
+                  <p:cNvCxnSpPr/>
+                  <p:nvPr/>
+                </p:nvCxnSpPr>
+                <p:spPr>
+                  <a:xfrm>
+                    <a:off x="7007917" y="2304044"/>
+                    <a:ext cx="604663" cy="0"/>
+                  </a:xfrm>
+                  <a:prstGeom prst="line">
+                    <a:avLst/>
+                  </a:prstGeom>
+                  <a:ln w="28575">
+                    <a:solidFill>
+                      <a:srgbClr val="FF0000"/>
+                    </a:solidFill>
+                  </a:ln>
+                </p:spPr>
+                <p:style>
+                  <a:lnRef idx="1">
+                    <a:schemeClr val="accent1"/>
+                  </a:lnRef>
+                  <a:fillRef idx="0">
+                    <a:schemeClr val="accent1"/>
+                  </a:fillRef>
+                  <a:effectRef idx="0">
+                    <a:schemeClr val="accent1"/>
+                  </a:effectRef>
+                  <a:fontRef idx="minor">
+                    <a:schemeClr val="tx1"/>
+                  </a:fontRef>
+                </p:style>
+              </p:cxnSp>
+            </p:grpSp>
             <p:sp>
               <p:nvSpPr>
-                <p:cNvPr id="7" name="Freeform 6">
+                <p:cNvPr id="34" name="Oval 33">
                   <a:extLst>
                     <a:ext uri="{FF2B5EF4-FFF2-40B4-BE49-F238E27FC236}">
-                      <a16:creationId xmlns:a16="http://schemas.microsoft.com/office/drawing/2014/main" id="{58021AEB-702F-4BE2-BE8C-D90490646ADA}"/>
-                    </a:ext>
-                  </a:extLst>
-                </p:cNvPr>
-                <p:cNvSpPr>
-                  <a:spLocks/>
-                </p:cNvSpPr>
-                <p:nvPr/>
-              </p:nvSpPr>
-              <p:spPr bwMode="auto">
-                <a:xfrm>
-                  <a:off x="2146040" y="2304897"/>
-                  <a:ext cx="1831457" cy="2948238"/>
-                </a:xfrm>
-                <a:custGeom>
-                  <a:avLst/>
-                  <a:gdLst/>
-                  <a:ahLst/>
-                  <a:cxnLst>
-                    <a:cxn ang="0">
-                      <a:pos x="0" y="0"/>
-                    </a:cxn>
-                    <a:cxn ang="0">
-                      <a:pos x="0" y="528"/>
-                    </a:cxn>
-                    <a:cxn ang="0">
-                      <a:pos x="3216" y="528"/>
-                    </a:cxn>
-                    <a:cxn ang="0">
-                      <a:pos x="3216" y="0"/>
-                    </a:cxn>
-                  </a:cxnLst>
-                  <a:rect l="0" t="0" r="r" b="b"/>
-                  <a:pathLst>
-                    <a:path w="3216" h="528">
-                      <a:moveTo>
-                        <a:pt x="0" y="0"/>
-                      </a:moveTo>
-                      <a:lnTo>
-                        <a:pt x="0" y="528"/>
-                      </a:lnTo>
-                      <a:lnTo>
-                        <a:pt x="3216" y="528"/>
-                      </a:lnTo>
-                      <a:lnTo>
-                        <a:pt x="3216" y="0"/>
-                      </a:lnTo>
-                    </a:path>
-                  </a:pathLst>
-                </a:custGeom>
-                <a:solidFill>
-                  <a:schemeClr val="hlink"/>
-                </a:solidFill>
-                <a:ln w="57150" cap="flat" cmpd="sng">
-                  <a:solidFill>
-                    <a:schemeClr val="tx1">
-                      <a:alpha val="78000"/>
-                    </a:schemeClr>
-                  </a:solidFill>
-                  <a:prstDash val="solid"/>
-                  <a:round/>
-                  <a:headEnd type="none" w="lg" len="med"/>
-                  <a:tailEnd type="none" w="lg" len="med"/>
-                </a:ln>
-                <a:effectLst/>
-              </p:spPr>
-              <p:txBody>
-                <a:bodyPr wrap="square" anchor="ctr">
-                  <a:spAutoFit/>
-                </a:bodyPr>
-                <a:lstStyle/>
-                <a:p>
-                  <a:endParaRPr lang="en-US" dirty="0"/>
-                </a:p>
-              </p:txBody>
-            </p:sp>
-            <p:cxnSp>
-              <p:nvCxnSpPr>
-                <p:cNvPr id="19" name="Straight Connector 18">
-                  <a:extLst>
-                    <a:ext uri="{FF2B5EF4-FFF2-40B4-BE49-F238E27FC236}">
-                      <a16:creationId xmlns:a16="http://schemas.microsoft.com/office/drawing/2014/main" id="{CD12D136-1B8D-4819-9342-DB7938625856}"/>
-                    </a:ext>
-                  </a:extLst>
-                </p:cNvPr>
-                <p:cNvCxnSpPr/>
-                <p:nvPr/>
-              </p:nvCxnSpPr>
-              <p:spPr>
-                <a:xfrm>
-                  <a:off x="4267057" y="2304897"/>
-                  <a:ext cx="604663" cy="0"/>
-                </a:xfrm>
-                <a:prstGeom prst="line">
-                  <a:avLst/>
-                </a:prstGeom>
-                <a:ln w="28575">
-                  <a:solidFill>
-                    <a:srgbClr val="FF0000"/>
-                  </a:solidFill>
-                </a:ln>
-              </p:spPr>
-              <p:style>
-                <a:lnRef idx="1">
-                  <a:schemeClr val="accent1"/>
-                </a:lnRef>
-                <a:fillRef idx="0">
-                  <a:schemeClr val="accent1"/>
-                </a:fillRef>
-                <a:effectRef idx="0">
-                  <a:schemeClr val="accent1"/>
-                </a:effectRef>
-                <a:fontRef idx="minor">
-                  <a:schemeClr val="tx1"/>
-                </a:fontRef>
-              </p:style>
-            </p:cxnSp>
-            <p:cxnSp>
-              <p:nvCxnSpPr>
-                <p:cNvPr id="20" name="Straight Connector 19">
-                  <a:extLst>
-                    <a:ext uri="{FF2B5EF4-FFF2-40B4-BE49-F238E27FC236}">
-                      <a16:creationId xmlns:a16="http://schemas.microsoft.com/office/drawing/2014/main" id="{36825B29-9467-409D-960E-0015624CE2F1}"/>
-                    </a:ext>
-                  </a:extLst>
-                </p:cNvPr>
-                <p:cNvCxnSpPr/>
-                <p:nvPr/>
-              </p:nvCxnSpPr>
-              <p:spPr>
-                <a:xfrm>
-                  <a:off x="5184140" y="2304044"/>
-                  <a:ext cx="604663" cy="0"/>
-                </a:xfrm>
-                <a:prstGeom prst="line">
-                  <a:avLst/>
-                </a:prstGeom>
-                <a:ln w="28575">
-                  <a:solidFill>
-                    <a:srgbClr val="FF0000"/>
-                  </a:solidFill>
-                </a:ln>
-              </p:spPr>
-              <p:style>
-                <a:lnRef idx="1">
-                  <a:schemeClr val="accent1"/>
-                </a:lnRef>
-                <a:fillRef idx="0">
-                  <a:schemeClr val="accent1"/>
-                </a:fillRef>
-                <a:effectRef idx="0">
-                  <a:schemeClr val="accent1"/>
-                </a:effectRef>
-                <a:fontRef idx="minor">
-                  <a:schemeClr val="tx1"/>
-                </a:fontRef>
-              </p:style>
-            </p:cxnSp>
-            <p:cxnSp>
-              <p:nvCxnSpPr>
-                <p:cNvPr id="21" name="Straight Connector 20">
-                  <a:extLst>
-                    <a:ext uri="{FF2B5EF4-FFF2-40B4-BE49-F238E27FC236}">
-                      <a16:creationId xmlns:a16="http://schemas.microsoft.com/office/drawing/2014/main" id="{9B3030BC-8E03-47F5-9DC2-0431DC1BFA87}"/>
-                    </a:ext>
-                  </a:extLst>
-                </p:cNvPr>
-                <p:cNvCxnSpPr/>
-                <p:nvPr/>
-              </p:nvCxnSpPr>
-              <p:spPr>
-                <a:xfrm>
-                  <a:off x="6101137" y="2304044"/>
-                  <a:ext cx="604663" cy="0"/>
-                </a:xfrm>
-                <a:prstGeom prst="line">
-                  <a:avLst/>
-                </a:prstGeom>
-                <a:ln w="28575">
-                  <a:solidFill>
-                    <a:srgbClr val="FF0000"/>
-                  </a:solidFill>
-                </a:ln>
-              </p:spPr>
-              <p:style>
-                <a:lnRef idx="1">
-                  <a:schemeClr val="accent1"/>
-                </a:lnRef>
-                <a:fillRef idx="0">
-                  <a:schemeClr val="accent1"/>
-                </a:fillRef>
-                <a:effectRef idx="0">
-                  <a:schemeClr val="accent1"/>
-                </a:effectRef>
-                <a:fontRef idx="minor">
-                  <a:schemeClr val="tx1"/>
-                </a:fontRef>
-              </p:style>
-            </p:cxnSp>
-            <p:cxnSp>
-              <p:nvCxnSpPr>
-                <p:cNvPr id="22" name="Straight Connector 21">
-                  <a:extLst>
-                    <a:ext uri="{FF2B5EF4-FFF2-40B4-BE49-F238E27FC236}">
-                      <a16:creationId xmlns:a16="http://schemas.microsoft.com/office/drawing/2014/main" id="{C89E168E-ADBF-454F-BB89-8A628292715A}"/>
-                    </a:ext>
-                  </a:extLst>
-                </p:cNvPr>
-                <p:cNvCxnSpPr/>
-                <p:nvPr/>
-              </p:nvCxnSpPr>
-              <p:spPr>
-                <a:xfrm>
-                  <a:off x="7007917" y="2304044"/>
-                  <a:ext cx="604663" cy="0"/>
-                </a:xfrm>
-                <a:prstGeom prst="line">
-                  <a:avLst/>
-                </a:prstGeom>
-                <a:ln w="28575">
-                  <a:solidFill>
-                    <a:srgbClr val="FF0000"/>
-                  </a:solidFill>
-                </a:ln>
-              </p:spPr>
-              <p:style>
-                <a:lnRef idx="1">
-                  <a:schemeClr val="accent1"/>
-                </a:lnRef>
-                <a:fillRef idx="0">
-                  <a:schemeClr val="accent1"/>
-                </a:fillRef>
-                <a:effectRef idx="0">
-                  <a:schemeClr val="accent1"/>
-                </a:effectRef>
-                <a:fontRef idx="minor">
-                  <a:schemeClr val="tx1"/>
-                </a:fontRef>
-              </p:style>
-            </p:cxnSp>
-            <p:cxnSp>
-              <p:nvCxnSpPr>
-                <p:cNvPr id="23" name="Straight Connector 22">
-                  <a:extLst>
-                    <a:ext uri="{FF2B5EF4-FFF2-40B4-BE49-F238E27FC236}">
-                      <a16:creationId xmlns:a16="http://schemas.microsoft.com/office/drawing/2014/main" id="{AC2E2D4A-8DD2-4B77-8B9A-848BFCE4D606}"/>
-                    </a:ext>
-                  </a:extLst>
-                </p:cNvPr>
-                <p:cNvCxnSpPr/>
-                <p:nvPr/>
-              </p:nvCxnSpPr>
-              <p:spPr>
-                <a:xfrm>
-                  <a:off x="7922317" y="2299228"/>
-                  <a:ext cx="604663" cy="0"/>
-                </a:xfrm>
-                <a:prstGeom prst="line">
-                  <a:avLst/>
-                </a:prstGeom>
-                <a:ln w="28575">
-                  <a:solidFill>
-                    <a:srgbClr val="FF0000"/>
-                  </a:solidFill>
-                </a:ln>
-              </p:spPr>
-              <p:style>
-                <a:lnRef idx="1">
-                  <a:schemeClr val="accent1"/>
-                </a:lnRef>
-                <a:fillRef idx="0">
-                  <a:schemeClr val="accent1"/>
-                </a:fillRef>
-                <a:effectRef idx="0">
-                  <a:schemeClr val="accent1"/>
-                </a:effectRef>
-                <a:fontRef idx="minor">
-                  <a:schemeClr val="tx1"/>
-                </a:fontRef>
-              </p:style>
-            </p:cxnSp>
-            <p:cxnSp>
-              <p:nvCxnSpPr>
-                <p:cNvPr id="24" name="Straight Connector 23">
-                  <a:extLst>
-                    <a:ext uri="{FF2B5EF4-FFF2-40B4-BE49-F238E27FC236}">
-                      <a16:creationId xmlns:a16="http://schemas.microsoft.com/office/drawing/2014/main" id="{4C3BC8D4-DF42-46E8-BC95-659901EFA2C7}"/>
-                    </a:ext>
-                  </a:extLst>
-                </p:cNvPr>
-                <p:cNvCxnSpPr/>
-                <p:nvPr/>
-              </p:nvCxnSpPr>
-              <p:spPr>
-                <a:xfrm>
-                  <a:off x="3359712" y="2299228"/>
-                  <a:ext cx="604663" cy="0"/>
-                </a:xfrm>
-                <a:prstGeom prst="line">
-                  <a:avLst/>
-                </a:prstGeom>
-                <a:ln w="28575">
-                  <a:solidFill>
-                    <a:srgbClr val="FF0000"/>
-                  </a:solidFill>
-                </a:ln>
-              </p:spPr>
-              <p:style>
-                <a:lnRef idx="1">
-                  <a:schemeClr val="accent1"/>
-                </a:lnRef>
-                <a:fillRef idx="0">
-                  <a:schemeClr val="accent1"/>
-                </a:fillRef>
-                <a:effectRef idx="0">
-                  <a:schemeClr val="accent1"/>
-                </a:effectRef>
-                <a:fontRef idx="minor">
-                  <a:schemeClr val="tx1"/>
-                </a:fontRef>
-              </p:style>
-            </p:cxnSp>
-            <p:cxnSp>
-              <p:nvCxnSpPr>
-                <p:cNvPr id="25" name="Straight Connector 24">
-                  <a:extLst>
-                    <a:ext uri="{FF2B5EF4-FFF2-40B4-BE49-F238E27FC236}">
-                      <a16:creationId xmlns:a16="http://schemas.microsoft.com/office/drawing/2014/main" id="{66D0DB74-2689-4A1E-9AA0-0E42392816FC}"/>
-                    </a:ext>
-                  </a:extLst>
-                </p:cNvPr>
-                <p:cNvCxnSpPr/>
-                <p:nvPr/>
-              </p:nvCxnSpPr>
-              <p:spPr>
-                <a:xfrm>
-                  <a:off x="2452932" y="2299228"/>
-                  <a:ext cx="604663" cy="0"/>
-                </a:xfrm>
-                <a:prstGeom prst="line">
-                  <a:avLst/>
-                </a:prstGeom>
-                <a:ln w="28575">
-                  <a:solidFill>
-                    <a:srgbClr val="FF0000"/>
-                  </a:solidFill>
-                </a:ln>
-              </p:spPr>
-              <p:style>
-                <a:lnRef idx="1">
-                  <a:schemeClr val="accent1"/>
-                </a:lnRef>
-                <a:fillRef idx="0">
-                  <a:schemeClr val="accent1"/>
-                </a:fillRef>
-                <a:effectRef idx="0">
-                  <a:schemeClr val="accent1"/>
-                </a:effectRef>
-                <a:fontRef idx="minor">
-                  <a:schemeClr val="tx1"/>
-                </a:fontRef>
-              </p:style>
-            </p:cxnSp>
-            <p:cxnSp>
-              <p:nvCxnSpPr>
-                <p:cNvPr id="26" name="Straight Connector 25">
-                  <a:extLst>
-                    <a:ext uri="{FF2B5EF4-FFF2-40B4-BE49-F238E27FC236}">
-                      <a16:creationId xmlns:a16="http://schemas.microsoft.com/office/drawing/2014/main" id="{3EFCB8FE-B858-4B0A-8B35-B9432A3D6149}"/>
-                    </a:ext>
-                  </a:extLst>
-                </p:cNvPr>
-                <p:cNvCxnSpPr/>
-                <p:nvPr/>
-              </p:nvCxnSpPr>
-              <p:spPr>
-                <a:xfrm>
-                  <a:off x="1533757" y="2299228"/>
-                  <a:ext cx="604663" cy="0"/>
-                </a:xfrm>
-                <a:prstGeom prst="line">
-                  <a:avLst/>
-                </a:prstGeom>
-                <a:ln w="28575">
-                  <a:solidFill>
-                    <a:srgbClr val="FF0000"/>
-                  </a:solidFill>
-                </a:ln>
-              </p:spPr>
-              <p:style>
-                <a:lnRef idx="1">
-                  <a:schemeClr val="accent1"/>
-                </a:lnRef>
-                <a:fillRef idx="0">
-                  <a:schemeClr val="accent1"/>
-                </a:fillRef>
-                <a:effectRef idx="0">
-                  <a:schemeClr val="accent1"/>
-                </a:effectRef>
-                <a:fontRef idx="minor">
-                  <a:schemeClr val="tx1"/>
-                </a:fontRef>
-              </p:style>
-            </p:cxnSp>
-            <p:cxnSp>
-              <p:nvCxnSpPr>
-                <p:cNvPr id="29" name="Straight Arrow Connector 28">
-                  <a:extLst>
-                    <a:ext uri="{FF2B5EF4-FFF2-40B4-BE49-F238E27FC236}">
-                      <a16:creationId xmlns:a16="http://schemas.microsoft.com/office/drawing/2014/main" id="{F722C922-5779-4187-A3E8-D78E77F764F0}"/>
-                    </a:ext>
-                  </a:extLst>
-                </p:cNvPr>
-                <p:cNvCxnSpPr/>
-                <p:nvPr/>
-              </p:nvCxnSpPr>
-              <p:spPr>
-                <a:xfrm>
-                  <a:off x="8526980" y="2299228"/>
-                  <a:ext cx="0" cy="2949057"/>
-                </a:xfrm>
-                <a:prstGeom prst="straightConnector1">
-                  <a:avLst/>
-                </a:prstGeom>
-                <a:ln w="19050">
-                  <a:solidFill>
-                    <a:schemeClr val="tx1"/>
-                  </a:solidFill>
-                  <a:headEnd type="triangle" w="lg" len="lg"/>
-                  <a:tailEnd type="triangle" w="lg" len="lg"/>
-                </a:ln>
-              </p:spPr>
-              <p:style>
-                <a:lnRef idx="1">
-                  <a:schemeClr val="accent1"/>
-                </a:lnRef>
-                <a:fillRef idx="0">
-                  <a:schemeClr val="accent1"/>
-                </a:fillRef>
-                <a:effectRef idx="0">
-                  <a:schemeClr val="accent1"/>
-                </a:effectRef>
-                <a:fontRef idx="minor">
-                  <a:schemeClr val="tx1"/>
-                </a:fontRef>
-              </p:style>
-            </p:cxnSp>
-            <p:sp>
-              <p:nvSpPr>
-                <p:cNvPr id="27" name="TextBox 26">
-                  <a:extLst>
-                    <a:ext uri="{FF2B5EF4-FFF2-40B4-BE49-F238E27FC236}">
-                      <a16:creationId xmlns:a16="http://schemas.microsoft.com/office/drawing/2014/main" id="{A657B6E9-1301-4DD7-9ED5-5184F2D8624C}"/>
-                    </a:ext>
-                  </a:extLst>
-                </p:cNvPr>
-                <p:cNvSpPr txBox="1"/>
-                <p:nvPr/>
-              </p:nvSpPr>
-              <p:spPr>
-                <a:xfrm>
-                  <a:off x="8065411" y="3499923"/>
-                  <a:ext cx="883575" cy="369332"/>
-                </a:xfrm>
-                <a:prstGeom prst="rect">
-                  <a:avLst/>
-                </a:prstGeom>
-                <a:solidFill>
-                  <a:schemeClr val="bg1"/>
-                </a:solidFill>
-              </p:spPr>
-              <p:txBody>
-                <a:bodyPr wrap="none" rtlCol="0">
-                  <a:spAutoFit/>
-                </a:bodyPr>
-                <a:lstStyle/>
-                <a:p>
-                  <a:r>
-                    <a:rPr lang="en-US" dirty="0">
-                      <a:latin typeface="Times New Roman" panose="02020603050405020304" pitchFamily="18" charset="0"/>
-                      <a:cs typeface="Times New Roman" panose="02020603050405020304" pitchFamily="18" charset="0"/>
-                    </a:rPr>
-                    <a:t>1 meter</a:t>
-                  </a:r>
-                </a:p>
-              </p:txBody>
-            </p:sp>
-            <p:sp>
-              <p:nvSpPr>
-                <p:cNvPr id="35" name="Oval 34">
-                  <a:extLst>
-                    <a:ext uri="{FF2B5EF4-FFF2-40B4-BE49-F238E27FC236}">
-                      <a16:creationId xmlns:a16="http://schemas.microsoft.com/office/drawing/2014/main" id="{EA246440-DD76-4A9D-8AB9-FE1F7B5B9DD6}"/>
+                      <a16:creationId xmlns:a16="http://schemas.microsoft.com/office/drawing/2014/main" id="{994E1818-2EF6-4FBA-9794-BFFCF85AEFB5}"/>
                     </a:ext>
                   </a:extLst>
                 </p:cNvPr>
@@ -4050,7 +4777,7 @@
               </p:nvSpPr>
               <p:spPr bwMode="auto">
                 <a:xfrm>
-                  <a:off x="2982691" y="5129714"/>
+                  <a:off x="7139085" y="2198478"/>
                   <a:ext cx="149807" cy="149807"/>
                 </a:xfrm>
                 <a:prstGeom prst="ellipse">
@@ -4095,80 +4822,7 @@
                     <a:buNone/>
                     <a:tabLst/>
                   </a:pPr>
-                  <a:endParaRPr kumimoji="0" lang="en-US" sz="1800" b="0" i="0" u="none" strike="noStrike" cap="none" normalizeH="0" baseline="0">
-                    <a:ln>
-                      <a:noFill/>
-                    </a:ln>
-                    <a:solidFill>
-                      <a:schemeClr val="tx1"/>
-                    </a:solidFill>
-                    <a:effectLst/>
-                    <a:latin typeface="Century Gothic" pitchFamily="34" charset="0"/>
-                    <a:cs typeface="Arial" charset="0"/>
-                  </a:endParaRPr>
-                </a:p>
-              </p:txBody>
-            </p:sp>
-            <p:sp>
-              <p:nvSpPr>
-                <p:cNvPr id="36" name="Oval 35">
-                  <a:extLst>
-                    <a:ext uri="{FF2B5EF4-FFF2-40B4-BE49-F238E27FC236}">
-                      <a16:creationId xmlns:a16="http://schemas.microsoft.com/office/drawing/2014/main" id="{B636916F-E631-43D5-AFCF-FB0EFA6E981D}"/>
-                    </a:ext>
-                  </a:extLst>
-                </p:cNvPr>
-                <p:cNvSpPr/>
-                <p:nvPr/>
-              </p:nvSpPr>
-              <p:spPr bwMode="auto">
-                <a:xfrm>
-                  <a:off x="2992569" y="2224324"/>
-                  <a:ext cx="149807" cy="149807"/>
-                </a:xfrm>
-                <a:prstGeom prst="ellipse">
-                  <a:avLst/>
-                </a:prstGeom>
-                <a:solidFill>
-                  <a:srgbClr val="C00000"/>
-                </a:solidFill>
-                <a:ln w="12700" cap="flat" cmpd="sng" algn="ctr">
-                  <a:solidFill>
-                    <a:srgbClr val="C00000"/>
-                  </a:solidFill>
-                  <a:prstDash val="solid"/>
-                  <a:round/>
-                  <a:headEnd type="none" w="lg" len="med"/>
-                  <a:tailEnd type="none" w="lg" len="med"/>
-                </a:ln>
-                <a:effectLst/>
-              </p:spPr>
-              <p:txBody>
-                <a:bodyPr vert="horz" wrap="square" lIns="91440" tIns="45720" rIns="91440" bIns="45720" numCol="1" rtlCol="0" anchor="ctr" anchorCtr="0" compatLnSpc="1">
-                  <a:prstTxWarp prst="textNoShape">
-                    <a:avLst/>
-                  </a:prstTxWarp>
-                  <a:spAutoFit/>
-                </a:bodyPr>
-                <a:lstStyle/>
-                <a:p>
-                  <a:pPr marL="0" marR="0" indent="0" algn="l" defTabSz="914400" rtl="0" eaLnBrk="1" fontAlgn="base" latinLnBrk="0" hangingPunct="1">
-                    <a:lnSpc>
-                      <a:spcPct val="100000"/>
-                    </a:lnSpc>
-                    <a:spcBef>
-                      <a:spcPct val="0"/>
-                    </a:spcBef>
-                    <a:spcAft>
-                      <a:spcPct val="0"/>
-                    </a:spcAft>
-                    <a:buClrTx/>
-                    <a:buSzTx/>
-                    <a:buFontTx/>
-                    <a:buNone/>
-                    <a:tabLst/>
-                  </a:pPr>
-                  <a:endParaRPr kumimoji="0" lang="en-US" sz="1800" b="0" i="0" u="none" strike="noStrike" cap="none" normalizeH="0" baseline="0">
+                  <a:endParaRPr kumimoji="0" lang="en-US" sz="1800" b="0" i="0" u="none" strike="noStrike" cap="none" normalizeH="0" baseline="0" dirty="0">
                     <a:ln>
                       <a:noFill/>
                     </a:ln>
@@ -4184,22 +4838,23 @@
             </p:sp>
             <p:cxnSp>
               <p:nvCxnSpPr>
-                <p:cNvPr id="38" name="Straight Connector 37">
+                <p:cNvPr id="3" name="Straight Connector 2">
                   <a:extLst>
                     <a:ext uri="{FF2B5EF4-FFF2-40B4-BE49-F238E27FC236}">
-                      <a16:creationId xmlns:a16="http://schemas.microsoft.com/office/drawing/2014/main" id="{A73CFDDE-A54D-4C47-93ED-C83A5CBFF56A}"/>
+                      <a16:creationId xmlns:a16="http://schemas.microsoft.com/office/drawing/2014/main" id="{BB464499-4CFC-4B40-A0EF-2756FECE2114}"/>
                     </a:ext>
                   </a:extLst>
                 </p:cNvPr>
                 <p:cNvCxnSpPr>
-                  <a:stCxn id="35" idx="4"/>
+                  <a:cxnSpLocks/>
+                  <a:endCxn id="44" idx="1"/>
                 </p:cNvCxnSpPr>
                 <p:nvPr/>
               </p:nvCxnSpPr>
               <p:spPr>
-                <a:xfrm flipH="1">
-                  <a:off x="3057594" y="5279521"/>
-                  <a:ext cx="1" cy="184019"/>
+                <a:xfrm flipV="1">
+                  <a:off x="3057675" y="1589466"/>
+                  <a:ext cx="466172" cy="15398"/>
                 </a:xfrm>
                 <a:prstGeom prst="line">
                   <a:avLst/>
@@ -4220,519 +4875,51 @@
                 </a:fontRef>
               </p:style>
             </p:cxnSp>
-            <p:grpSp>
-              <p:nvGrpSpPr>
-                <p:cNvPr id="12" name="Group 11">
+            <p:cxnSp>
+              <p:nvCxnSpPr>
+                <p:cNvPr id="45" name="Straight Connector 44">
                   <a:extLst>
                     <a:ext uri="{FF2B5EF4-FFF2-40B4-BE49-F238E27FC236}">
-                      <a16:creationId xmlns:a16="http://schemas.microsoft.com/office/drawing/2014/main" id="{AA99E7F0-9391-4D18-ADB3-3BE01FBAD3B1}"/>
+                      <a16:creationId xmlns:a16="http://schemas.microsoft.com/office/drawing/2014/main" id="{FC382F06-1410-47AC-8FC6-444E1A4A6FB0}"/>
                     </a:ext>
                   </a:extLst>
                 </p:cNvPr>
-                <p:cNvGrpSpPr/>
+                <p:cNvCxnSpPr>
+                  <a:cxnSpLocks/>
+                </p:cNvCxnSpPr>
                 <p:nvPr/>
-              </p:nvGrpSpPr>
-              <p:grpSpPr>
-                <a:xfrm>
-                  <a:off x="3183114" y="2045186"/>
-                  <a:ext cx="595784" cy="519420"/>
-                  <a:chOff x="6545089" y="2384266"/>
-                  <a:chExt cx="210233" cy="193882"/>
-                </a:xfrm>
-              </p:grpSpPr>
-              <p:sp>
-                <p:nvSpPr>
-                  <p:cNvPr id="8" name="AutoShape 174">
-                    <a:extLst>
-                      <a:ext uri="{FF2B5EF4-FFF2-40B4-BE49-F238E27FC236}">
-                        <a16:creationId xmlns:a16="http://schemas.microsoft.com/office/drawing/2014/main" id="{826416CD-FFFE-46F3-BF71-6458DB2A561D}"/>
-                      </a:ext>
-                    </a:extLst>
-                  </p:cNvPr>
-                  <p:cNvSpPr>
-                    <a:spLocks noChangeArrowheads="1"/>
-                  </p:cNvSpPr>
-                  <p:nvPr/>
-                </p:nvSpPr>
-                <p:spPr bwMode="auto">
-                  <a:xfrm flipV="1">
-                    <a:off x="6571368" y="2384266"/>
-                    <a:ext cx="157675" cy="105156"/>
-                  </a:xfrm>
-                  <a:prstGeom prst="triangle">
-                    <a:avLst>
-                      <a:gd name="adj" fmla="val 50000"/>
-                    </a:avLst>
-                  </a:prstGeom>
-                  <a:noFill/>
-                  <a:ln w="12700">
-                    <a:solidFill>
-                      <a:schemeClr val="tx1"/>
-                    </a:solidFill>
-                    <a:miter lim="800000"/>
-                    <a:headEnd type="none" w="lg" len="med"/>
-                    <a:tailEnd type="none" w="lg" len="med"/>
-                  </a:ln>
-                  <a:effectLst/>
-                </p:spPr>
-                <p:txBody>
-                  <a:bodyPr anchor="ctr">
-                    <a:spAutoFit/>
-                  </a:bodyPr>
-                  <a:lstStyle/>
-                  <a:p>
-                    <a:endParaRPr lang="en-US"/>
-                  </a:p>
-                </p:txBody>
-              </p:sp>
-              <p:sp>
-                <p:nvSpPr>
-                  <p:cNvPr id="9" name="Line 175">
-                    <a:extLst>
-                      <a:ext uri="{FF2B5EF4-FFF2-40B4-BE49-F238E27FC236}">
-                        <a16:creationId xmlns:a16="http://schemas.microsoft.com/office/drawing/2014/main" id="{69E53567-22C4-4D37-B119-33F14895647C}"/>
-                      </a:ext>
-                    </a:extLst>
-                  </p:cNvPr>
-                  <p:cNvSpPr>
-                    <a:spLocks noChangeShapeType="1"/>
-                  </p:cNvSpPr>
-                  <p:nvPr/>
-                </p:nvSpPr>
-                <p:spPr bwMode="auto">
-                  <a:xfrm>
-                    <a:off x="6545089" y="2518997"/>
-                    <a:ext cx="210233" cy="0"/>
-                  </a:xfrm>
-                  <a:prstGeom prst="line">
-                    <a:avLst/>
-                  </a:prstGeom>
-                  <a:noFill/>
-                  <a:ln w="12700">
-                    <a:solidFill>
-                      <a:schemeClr val="tx1"/>
-                    </a:solidFill>
-                    <a:round/>
-                    <a:headEnd type="none" w="lg" len="med"/>
-                    <a:tailEnd type="none" w="lg" len="med"/>
-                  </a:ln>
-                  <a:effectLst/>
-                </p:spPr>
-                <p:txBody>
-                  <a:bodyPr anchor="ctr">
-                    <a:spAutoFit/>
-                  </a:bodyPr>
-                  <a:lstStyle/>
-                  <a:p>
-                    <a:endParaRPr lang="en-US"/>
-                  </a:p>
-                </p:txBody>
-              </p:sp>
-              <p:sp>
-                <p:nvSpPr>
-                  <p:cNvPr id="10" name="Line 176">
-                    <a:extLst>
-                      <a:ext uri="{FF2B5EF4-FFF2-40B4-BE49-F238E27FC236}">
-                        <a16:creationId xmlns:a16="http://schemas.microsoft.com/office/drawing/2014/main" id="{514E9AFB-CF9B-49C4-A21C-6AB30C91B677}"/>
-                      </a:ext>
-                    </a:extLst>
-                  </p:cNvPr>
-                  <p:cNvSpPr>
-                    <a:spLocks noChangeShapeType="1"/>
-                  </p:cNvSpPr>
-                  <p:nvPr/>
-                </p:nvSpPr>
-                <p:spPr bwMode="auto">
-                  <a:xfrm>
-                    <a:off x="6571368" y="2548573"/>
-                    <a:ext cx="157675" cy="0"/>
-                  </a:xfrm>
-                  <a:prstGeom prst="line">
-                    <a:avLst/>
-                  </a:prstGeom>
-                  <a:noFill/>
-                  <a:ln w="12700">
-                    <a:solidFill>
-                      <a:schemeClr val="tx1"/>
-                    </a:solidFill>
-                    <a:round/>
-                    <a:headEnd type="none" w="lg" len="med"/>
-                    <a:tailEnd type="none" w="lg" len="med"/>
-                  </a:ln>
-                  <a:effectLst/>
-                </p:spPr>
-                <p:txBody>
-                  <a:bodyPr anchor="ctr">
-                    <a:spAutoFit/>
-                  </a:bodyPr>
-                  <a:lstStyle/>
-                  <a:p>
-                    <a:endParaRPr lang="en-US"/>
-                  </a:p>
-                </p:txBody>
-              </p:sp>
-              <p:sp>
-                <p:nvSpPr>
-                  <p:cNvPr id="11" name="Line 177">
-                    <a:extLst>
-                      <a:ext uri="{FF2B5EF4-FFF2-40B4-BE49-F238E27FC236}">
-                        <a16:creationId xmlns:a16="http://schemas.microsoft.com/office/drawing/2014/main" id="{D3338B02-509F-4D1D-AFAE-EDDBF99A0DD1}"/>
-                      </a:ext>
-                    </a:extLst>
-                  </p:cNvPr>
-                  <p:cNvSpPr>
-                    <a:spLocks noChangeShapeType="1"/>
-                  </p:cNvSpPr>
-                  <p:nvPr/>
-                </p:nvSpPr>
-                <p:spPr bwMode="auto">
-                  <a:xfrm>
-                    <a:off x="6602027" y="2578148"/>
-                    <a:ext cx="95262" cy="0"/>
-                  </a:xfrm>
-                  <a:prstGeom prst="line">
-                    <a:avLst/>
-                  </a:prstGeom>
-                  <a:noFill/>
-                  <a:ln w="12700">
-                    <a:solidFill>
-                      <a:schemeClr val="tx1"/>
-                    </a:solidFill>
-                    <a:round/>
-                    <a:headEnd type="none" w="lg" len="med"/>
-                    <a:tailEnd type="none" w="lg" len="med"/>
-                  </a:ln>
-                  <a:effectLst/>
-                </p:spPr>
-                <p:txBody>
-                  <a:bodyPr anchor="ctr">
-                    <a:spAutoFit/>
-                  </a:bodyPr>
-                  <a:lstStyle/>
-                  <a:p>
-                    <a:endParaRPr lang="en-US"/>
-                  </a:p>
-                </p:txBody>
-              </p:sp>
-            </p:grpSp>
-            <p:sp>
-              <p:nvSpPr>
-                <p:cNvPr id="42" name="TextBox 41">
-                  <a:extLst>
-                    <a:ext uri="{FF2B5EF4-FFF2-40B4-BE49-F238E27FC236}">
-                      <a16:creationId xmlns:a16="http://schemas.microsoft.com/office/drawing/2014/main" id="{BA92C151-C849-4CCB-BFD0-5973E5E417DE}"/>
-                    </a:ext>
-                  </a:extLst>
-                </p:cNvPr>
-                <p:cNvSpPr txBox="1"/>
-                <p:nvPr/>
-              </p:nvSpPr>
+              </p:nvCxnSpPr>
               <p:spPr>
                 <a:xfrm>
-                  <a:off x="6029402" y="5460438"/>
-                  <a:ext cx="2428870" cy="369332"/>
+                  <a:off x="6638249" y="1598642"/>
+                  <a:ext cx="575740" cy="0"/>
                 </a:xfrm>
-                <a:prstGeom prst="rect">
+                <a:prstGeom prst="line">
                   <a:avLst/>
                 </a:prstGeom>
-                <a:solidFill>
-                  <a:schemeClr val="bg1"/>
-                </a:solidFill>
               </p:spPr>
-              <p:txBody>
-                <a:bodyPr wrap="none" rtlCol="0">
-                  <a:spAutoFit/>
-                </a:bodyPr>
-                <a:lstStyle/>
-                <a:p>
-                  <a:r>
-                    <a:rPr lang="en-US" dirty="0">
-                      <a:latin typeface="Times New Roman" panose="02020603050405020304" pitchFamily="18" charset="0"/>
-                      <a:cs typeface="Times New Roman" panose="02020603050405020304" pitchFamily="18" charset="0"/>
-                    </a:rPr>
-                    <a:t>1 meter of velocity head</a:t>
-                  </a:r>
-                </a:p>
-              </p:txBody>
-            </p:sp>
-            <p:sp>
-              <p:nvSpPr>
-                <p:cNvPr id="43" name="TextBox 42">
-                  <a:extLst>
-                    <a:ext uri="{FF2B5EF4-FFF2-40B4-BE49-F238E27FC236}">
-                      <a16:creationId xmlns:a16="http://schemas.microsoft.com/office/drawing/2014/main" id="{F8B4DFB6-15DB-4E5B-B514-1CFBDF2ED0EA}"/>
-                    </a:ext>
-                  </a:extLst>
-                </p:cNvPr>
-                <p:cNvSpPr txBox="1"/>
-                <p:nvPr/>
-              </p:nvSpPr>
-              <p:spPr>
-                <a:xfrm>
-                  <a:off x="1838187" y="5463540"/>
-                  <a:ext cx="2454518" cy="369332"/>
-                </a:xfrm>
-                <a:prstGeom prst="rect">
-                  <a:avLst/>
-                </a:prstGeom>
-                <a:solidFill>
-                  <a:schemeClr val="bg1"/>
-                </a:solidFill>
-              </p:spPr>
-              <p:txBody>
-                <a:bodyPr wrap="none" rtlCol="0">
-                  <a:spAutoFit/>
-                </a:bodyPr>
-                <a:lstStyle/>
-                <a:p>
-                  <a:r>
-                    <a:rPr lang="en-US" dirty="0">
-                      <a:latin typeface="Times New Roman" panose="02020603050405020304" pitchFamily="18" charset="0"/>
-                      <a:cs typeface="Times New Roman" panose="02020603050405020304" pitchFamily="18" charset="0"/>
-                    </a:rPr>
-                    <a:t>1 meter of pressure head</a:t>
-                  </a:r>
-                </a:p>
-              </p:txBody>
-            </p:sp>
-            <p:sp>
-              <p:nvSpPr>
-                <p:cNvPr id="44" name="TextBox 43">
-                  <a:extLst>
-                    <a:ext uri="{FF2B5EF4-FFF2-40B4-BE49-F238E27FC236}">
-                      <a16:creationId xmlns:a16="http://schemas.microsoft.com/office/drawing/2014/main" id="{543BB2FE-D7D0-402C-948C-BAF371D9E1B7}"/>
-                    </a:ext>
-                  </a:extLst>
-                </p:cNvPr>
-                <p:cNvSpPr txBox="1"/>
-                <p:nvPr/>
-              </p:nvSpPr>
-              <p:spPr>
-                <a:xfrm>
-                  <a:off x="3523847" y="1361334"/>
-                  <a:ext cx="3280445" cy="456264"/>
-                </a:xfrm>
-                <a:prstGeom prst="rect">
-                  <a:avLst/>
-                </a:prstGeom>
-                <a:solidFill>
-                  <a:schemeClr val="bg1"/>
-                </a:solidFill>
-              </p:spPr>
-              <p:txBody>
-                <a:bodyPr wrap="square" rtlCol="0">
-                  <a:spAutoFit/>
-                </a:bodyPr>
-                <a:lstStyle/>
-                <a:p>
-                  <a:r>
-                    <a:rPr lang="en-US" dirty="0">
-                      <a:latin typeface="Times New Roman" panose="02020603050405020304" pitchFamily="18" charset="0"/>
-                      <a:cs typeface="Times New Roman" panose="02020603050405020304" pitchFamily="18" charset="0"/>
-                    </a:rPr>
-                    <a:t>1 meter of elevation head</a:t>
-                  </a:r>
-                </a:p>
-              </p:txBody>
-            </p:sp>
-            <p:grpSp>
-              <p:nvGrpSpPr>
-                <p:cNvPr id="50" name="Group 49">
-                  <a:extLst>
-                    <a:ext uri="{FF2B5EF4-FFF2-40B4-BE49-F238E27FC236}">
-                      <a16:creationId xmlns:a16="http://schemas.microsoft.com/office/drawing/2014/main" id="{C73AE796-6455-43BC-967A-B5E16D7831D4}"/>
-                    </a:ext>
-                  </a:extLst>
-                </p:cNvPr>
-                <p:cNvGrpSpPr/>
-                <p:nvPr/>
-              </p:nvGrpSpPr>
-              <p:grpSpPr>
-                <a:xfrm>
-                  <a:off x="6150522" y="2299767"/>
-                  <a:ext cx="2159535" cy="2926983"/>
-                  <a:chOff x="4258439" y="2292005"/>
-                  <a:chExt cx="2159535" cy="2926983"/>
-                </a:xfrm>
-              </p:grpSpPr>
-              <p:sp>
-                <p:nvSpPr>
-                  <p:cNvPr id="46" name="Arrow: U-Turn 45">
-                    <a:extLst>
-                      <a:ext uri="{FF2B5EF4-FFF2-40B4-BE49-F238E27FC236}">
-                        <a16:creationId xmlns:a16="http://schemas.microsoft.com/office/drawing/2014/main" id="{DD82B258-948E-4F43-A1C6-29A1B78DE6AB}"/>
-                      </a:ext>
-                    </a:extLst>
-                  </p:cNvPr>
-                  <p:cNvSpPr/>
-                  <p:nvPr/>
-                </p:nvSpPr>
-                <p:spPr>
-                  <a:xfrm>
-                    <a:off x="5180891" y="2292005"/>
-                    <a:ext cx="1237083" cy="2926983"/>
-                  </a:xfrm>
-                  <a:prstGeom prst="uturnArrow">
-                    <a:avLst>
-                      <a:gd name="adj1" fmla="val 25000"/>
-                      <a:gd name="adj2" fmla="val 25000"/>
-                      <a:gd name="adj3" fmla="val 25616"/>
-                      <a:gd name="adj4" fmla="val 42247"/>
-                      <a:gd name="adj5" fmla="val 28422"/>
-                    </a:avLst>
-                  </a:prstGeom>
-                  <a:solidFill>
-                    <a:srgbClr val="0563C1"/>
-                  </a:solidFill>
-                  <a:ln>
-                    <a:noFill/>
-                  </a:ln>
-                </p:spPr>
-                <p:style>
-                  <a:lnRef idx="2">
-                    <a:schemeClr val="accent1">
-                      <a:shade val="50000"/>
-                    </a:schemeClr>
-                  </a:lnRef>
-                  <a:fillRef idx="1">
-                    <a:schemeClr val="accent1"/>
-                  </a:fillRef>
-                  <a:effectRef idx="0">
-                    <a:schemeClr val="accent1"/>
-                  </a:effectRef>
-                  <a:fontRef idx="minor">
-                    <a:schemeClr val="lt1"/>
-                  </a:fontRef>
-                </p:style>
-                <p:txBody>
-                  <a:bodyPr rtlCol="0" anchor="ctr"/>
-                  <a:lstStyle/>
-                  <a:p>
-                    <a:pPr algn="ctr"/>
-                    <a:endParaRPr lang="en-US">
-                      <a:solidFill>
-                        <a:schemeClr val="tx1"/>
-                      </a:solidFill>
-                    </a:endParaRPr>
-                  </a:p>
-                </p:txBody>
-              </p:sp>
-              <p:sp>
-                <p:nvSpPr>
-                  <p:cNvPr id="49" name="Arrow: U-Turn 48">
-                    <a:extLst>
-                      <a:ext uri="{FF2B5EF4-FFF2-40B4-BE49-F238E27FC236}">
-                        <a16:creationId xmlns:a16="http://schemas.microsoft.com/office/drawing/2014/main" id="{4F4BC159-53C5-4B81-96CA-482C0D0C003D}"/>
-                      </a:ext>
-                    </a:extLst>
-                  </p:cNvPr>
-                  <p:cNvSpPr/>
-                  <p:nvPr/>
-                </p:nvSpPr>
-                <p:spPr>
-                  <a:xfrm flipH="1">
-                    <a:off x="4258439" y="2292005"/>
-                    <a:ext cx="1234440" cy="2926983"/>
-                  </a:xfrm>
-                  <a:prstGeom prst="uturnArrow">
-                    <a:avLst>
-                      <a:gd name="adj1" fmla="val 25000"/>
-                      <a:gd name="adj2" fmla="val 25000"/>
-                      <a:gd name="adj3" fmla="val 25616"/>
-                      <a:gd name="adj4" fmla="val 42247"/>
-                      <a:gd name="adj5" fmla="val 28422"/>
-                    </a:avLst>
-                  </a:prstGeom>
-                  <a:solidFill>
-                    <a:srgbClr val="0563C1"/>
-                  </a:solidFill>
-                  <a:ln>
-                    <a:noFill/>
-                  </a:ln>
-                </p:spPr>
-                <p:style>
-                  <a:lnRef idx="2">
-                    <a:schemeClr val="accent1">
-                      <a:shade val="50000"/>
-                    </a:schemeClr>
-                  </a:lnRef>
-                  <a:fillRef idx="1">
-                    <a:schemeClr val="accent1"/>
-                  </a:fillRef>
-                  <a:effectRef idx="0">
-                    <a:schemeClr val="accent1"/>
-                  </a:effectRef>
-                  <a:fontRef idx="minor">
-                    <a:schemeClr val="lt1"/>
-                  </a:fontRef>
-                </p:style>
-                <p:txBody>
-                  <a:bodyPr rtlCol="0" anchor="ctr"/>
-                  <a:lstStyle/>
-                  <a:p>
-                    <a:pPr algn="ctr"/>
-                    <a:endParaRPr lang="en-US">
-                      <a:solidFill>
-                        <a:schemeClr val="tx1"/>
-                      </a:solidFill>
-                    </a:endParaRPr>
-                  </a:p>
-                </p:txBody>
-              </p:sp>
-              <p:sp>
-                <p:nvSpPr>
-                  <p:cNvPr id="30" name="Arrow: Up 29">
-                    <a:extLst>
-                      <a:ext uri="{FF2B5EF4-FFF2-40B4-BE49-F238E27FC236}">
-                        <a16:creationId xmlns:a16="http://schemas.microsoft.com/office/drawing/2014/main" id="{2D51BD65-5F71-4556-995C-2301D7549D5C}"/>
-                      </a:ext>
-                    </a:extLst>
-                  </p:cNvPr>
-                  <p:cNvSpPr/>
-                  <p:nvPr/>
-                </p:nvSpPr>
-                <p:spPr>
-                  <a:xfrm>
-                    <a:off x="5257003" y="3692113"/>
-                    <a:ext cx="189505" cy="1200682"/>
-                  </a:xfrm>
-                  <a:prstGeom prst="upArrow">
-                    <a:avLst/>
-                  </a:prstGeom>
-                </p:spPr>
-                <p:style>
-                  <a:lnRef idx="2">
-                    <a:schemeClr val="accent1">
-                      <a:shade val="50000"/>
-                    </a:schemeClr>
-                  </a:lnRef>
-                  <a:fillRef idx="1">
-                    <a:schemeClr val="accent1"/>
-                  </a:fillRef>
-                  <a:effectRef idx="0">
-                    <a:schemeClr val="accent1"/>
-                  </a:effectRef>
-                  <a:fontRef idx="minor">
-                    <a:schemeClr val="lt1"/>
-                  </a:fontRef>
-                </p:style>
-                <p:txBody>
-                  <a:bodyPr rtlCol="0" anchor="ctr"/>
-                  <a:lstStyle/>
-                  <a:p>
-                    <a:pPr algn="ctr"/>
-                    <a:endParaRPr lang="en-US"/>
-                  </a:p>
-                </p:txBody>
-              </p:sp>
-            </p:grpSp>
+              <p:style>
+                <a:lnRef idx="1">
+                  <a:schemeClr val="dk1"/>
+                </a:lnRef>
+                <a:fillRef idx="0">
+                  <a:schemeClr val="dk1"/>
+                </a:fillRef>
+                <a:effectRef idx="0">
+                  <a:schemeClr val="dk1"/>
+                </a:effectRef>
+                <a:fontRef idx="minor">
+                  <a:schemeClr val="tx1"/>
+                </a:fontRef>
+              </p:style>
+            </p:cxnSp>
           </p:grpSp>
           <p:sp>
             <p:nvSpPr>
-              <p:cNvPr id="33" name="Oval 32">
+              <p:cNvPr id="47" name="Oval 46">
                 <a:extLst>
                   <a:ext uri="{FF2B5EF4-FFF2-40B4-BE49-F238E27FC236}">
-                    <a16:creationId xmlns:a16="http://schemas.microsoft.com/office/drawing/2014/main" id="{58E03121-E633-4C56-93E4-9DE553DA5A71}"/>
+                    <a16:creationId xmlns:a16="http://schemas.microsoft.com/office/drawing/2014/main" id="{296D39F2-BE75-4427-8417-1AFBEE64EBCE}"/>
                   </a:ext>
                 </a:extLst>
               </p:cNvPr>
@@ -4741,81 +4928,8 @@
             </p:nvSpPr>
             <p:spPr bwMode="auto">
               <a:xfrm>
-                <a:off x="6729393" y="2211671"/>
-                <a:ext cx="149807" cy="149807"/>
-              </a:xfrm>
-              <a:prstGeom prst="ellipse">
-                <a:avLst/>
-              </a:prstGeom>
-              <a:solidFill>
-                <a:srgbClr val="C00000"/>
-              </a:solidFill>
-              <a:ln w="12700" cap="flat" cmpd="sng" algn="ctr">
-                <a:solidFill>
-                  <a:srgbClr val="C00000"/>
-                </a:solidFill>
-                <a:prstDash val="solid"/>
-                <a:round/>
-                <a:headEnd type="none" w="lg" len="med"/>
-                <a:tailEnd type="none" w="lg" len="med"/>
-              </a:ln>
-              <a:effectLst/>
-            </p:spPr>
-            <p:txBody>
-              <a:bodyPr vert="horz" wrap="square" lIns="91440" tIns="45720" rIns="91440" bIns="45720" numCol="1" rtlCol="0" anchor="ctr" anchorCtr="0" compatLnSpc="1">
-                <a:prstTxWarp prst="textNoShape">
-                  <a:avLst/>
-                </a:prstTxWarp>
-                <a:spAutoFit/>
-              </a:bodyPr>
-              <a:lstStyle/>
-              <a:p>
-                <a:pPr marL="0" marR="0" indent="0" algn="l" defTabSz="914400" rtl="0" eaLnBrk="1" fontAlgn="base" latinLnBrk="0" hangingPunct="1">
-                  <a:lnSpc>
-                    <a:spcPct val="100000"/>
-                  </a:lnSpc>
-                  <a:spcBef>
-                    <a:spcPct val="0"/>
-                  </a:spcBef>
-                  <a:spcAft>
-                    <a:spcPct val="0"/>
-                  </a:spcAft>
-                  <a:buClrTx/>
-                  <a:buSzTx/>
-                  <a:buFontTx/>
-                  <a:buNone/>
-                  <a:tabLst/>
-                </a:pPr>
-                <a:endParaRPr kumimoji="0" lang="en-US" sz="1800" b="0" i="0" u="none" strike="noStrike" cap="none" normalizeH="0" baseline="0">
-                  <a:ln>
-                    <a:noFill/>
-                  </a:ln>
-                  <a:solidFill>
-                    <a:schemeClr val="tx1"/>
-                  </a:solidFill>
-                  <a:effectLst/>
-                  <a:latin typeface="Century Gothic" pitchFamily="34" charset="0"/>
-                  <a:cs typeface="Arial" charset="0"/>
-                </a:endParaRPr>
-              </a:p>
-            </p:txBody>
-          </p:sp>
-          <p:sp>
-            <p:nvSpPr>
-              <p:cNvPr id="34" name="Oval 33">
-                <a:extLst>
-                  <a:ext uri="{FF2B5EF4-FFF2-40B4-BE49-F238E27FC236}">
-                    <a16:creationId xmlns:a16="http://schemas.microsoft.com/office/drawing/2014/main" id="{994E1818-2EF6-4FBA-9794-BFFCF85AEFB5}"/>
-                  </a:ext>
-                </a:extLst>
-              </p:cNvPr>
-              <p:cNvSpPr/>
-              <p:nvPr/>
-            </p:nvSpPr>
-            <p:spPr bwMode="auto">
-              <a:xfrm>
-                <a:off x="7553282" y="2198478"/>
-                <a:ext cx="149807" cy="149807"/>
+                <a:off x="7136347" y="5170408"/>
+                <a:ext cx="141137" cy="141137"/>
               </a:xfrm>
               <a:prstGeom prst="ellipse">
                 <a:avLst/>
@@ -4875,23 +4989,22 @@
           </p:sp>
           <p:cxnSp>
             <p:nvCxnSpPr>
-              <p:cNvPr id="3" name="Straight Connector 2">
+              <p:cNvPr id="48" name="Straight Connector 47">
                 <a:extLst>
                   <a:ext uri="{FF2B5EF4-FFF2-40B4-BE49-F238E27FC236}">
-                    <a16:creationId xmlns:a16="http://schemas.microsoft.com/office/drawing/2014/main" id="{BB464499-4CFC-4B40-A0EF-2756FECE2114}"/>
+                    <a16:creationId xmlns:a16="http://schemas.microsoft.com/office/drawing/2014/main" id="{BC854EB2-CE05-4BEC-B7FF-353200332BE1}"/>
                   </a:ext>
                 </a:extLst>
               </p:cNvPr>
               <p:cNvCxnSpPr>
-                <a:cxnSpLocks/>
-                <a:endCxn id="44" idx="1"/>
+                <a:stCxn id="47" idx="4"/>
               </p:cNvCxnSpPr>
               <p:nvPr/>
             </p:nvCxnSpPr>
             <p:spPr>
-              <a:xfrm flipV="1">
-                <a:off x="3057675" y="1589466"/>
-                <a:ext cx="466172" cy="15398"/>
+              <a:xfrm flipH="1">
+                <a:off x="7206915" y="5311545"/>
+                <a:ext cx="1" cy="173369"/>
               </a:xfrm>
               <a:prstGeom prst="line">
                 <a:avLst/>
@@ -4912,12 +5025,53 @@
               </a:fontRef>
             </p:style>
           </p:cxnSp>
+          <p:sp>
+            <p:nvSpPr>
+              <p:cNvPr id="51" name="TextBox 50">
+                <a:extLst>
+                  <a:ext uri="{FF2B5EF4-FFF2-40B4-BE49-F238E27FC236}">
+                    <a16:creationId xmlns:a16="http://schemas.microsoft.com/office/drawing/2014/main" id="{82D1D3C3-CA4E-488C-AC4F-A86359E4E7F2}"/>
+                  </a:ext>
+                </a:extLst>
+              </p:cNvPr>
+              <p:cNvSpPr txBox="1"/>
+              <p:nvPr/>
+            </p:nvSpPr>
+            <p:spPr>
+              <a:xfrm>
+                <a:off x="9322370" y="4917810"/>
+                <a:ext cx="1493069" cy="752253"/>
+              </a:xfrm>
+              <a:prstGeom prst="rect">
+                <a:avLst/>
+              </a:prstGeom>
+              <a:solidFill>
+                <a:schemeClr val="bg1"/>
+              </a:solidFill>
+            </p:spPr>
+            <p:txBody>
+              <a:bodyPr wrap="square" rtlCol="0">
+                <a:spAutoFit/>
+              </a:bodyPr>
+              <a:lstStyle/>
+              <a:p>
+                <a:pPr algn="ctr"/>
+                <a:r>
+                  <a:rPr lang="en-US" dirty="0">
+                    <a:latin typeface="Times New Roman" panose="02020603050405020304" pitchFamily="18" charset="0"/>
+                    <a:cs typeface="Times New Roman" panose="02020603050405020304" pitchFamily="18" charset="0"/>
+                  </a:rPr>
+                  <a:t>Reference elevation</a:t>
+                </a:r>
+              </a:p>
+            </p:txBody>
+          </p:sp>
           <p:cxnSp>
             <p:nvCxnSpPr>
-              <p:cNvPr id="45" name="Straight Connector 44">
+              <p:cNvPr id="52" name="Straight Arrow Connector 51">
                 <a:extLst>
                   <a:ext uri="{FF2B5EF4-FFF2-40B4-BE49-F238E27FC236}">
-                    <a16:creationId xmlns:a16="http://schemas.microsoft.com/office/drawing/2014/main" id="{FC382F06-1410-47AC-8FC6-444E1A4A6FB0}"/>
+                    <a16:creationId xmlns:a16="http://schemas.microsoft.com/office/drawing/2014/main" id="{D0C0DBED-AAA5-474E-A50C-11A708625030}"/>
                   </a:ext>
                 </a:extLst>
               </p:cNvPr>
@@ -4927,23 +5081,30 @@
               <p:nvPr/>
             </p:nvCxnSpPr>
             <p:spPr>
-              <a:xfrm>
-                <a:off x="6638249" y="1598642"/>
-                <a:ext cx="989936" cy="0"/>
+              <a:xfrm flipH="1">
+                <a:off x="9000870" y="5284827"/>
+                <a:ext cx="446324" cy="6429"/>
               </a:xfrm>
-              <a:prstGeom prst="line">
+              <a:prstGeom prst="straightConnector1">
                 <a:avLst/>
               </a:prstGeom>
+              <a:ln w="19050">
+                <a:solidFill>
+                  <a:schemeClr val="tx1"/>
+                </a:solidFill>
+                <a:headEnd type="none" w="lg" len="lg"/>
+                <a:tailEnd type="triangle" w="lg" len="lg"/>
+              </a:ln>
             </p:spPr>
             <p:style>
               <a:lnRef idx="1">
-                <a:schemeClr val="dk1"/>
+                <a:schemeClr val="accent1"/>
               </a:lnRef>
               <a:fillRef idx="0">
-                <a:schemeClr val="dk1"/>
+                <a:schemeClr val="accent1"/>
               </a:fillRef>
               <a:effectRef idx="0">
-                <a:schemeClr val="dk1"/>
+                <a:schemeClr val="accent1"/>
               </a:effectRef>
               <a:fontRef idx="minor">
                 <a:schemeClr val="tx1"/>
@@ -4951,203 +5112,6 @@
             </p:style>
           </p:cxnSp>
         </p:grpSp>
-        <p:sp>
-          <p:nvSpPr>
-            <p:cNvPr id="47" name="Oval 46">
-              <a:extLst>
-                <a:ext uri="{FF2B5EF4-FFF2-40B4-BE49-F238E27FC236}">
-                  <a16:creationId xmlns:a16="http://schemas.microsoft.com/office/drawing/2014/main" id="{296D39F2-BE75-4427-8417-1AFBEE64EBCE}"/>
-                </a:ext>
-              </a:extLst>
-            </p:cNvPr>
-            <p:cNvSpPr/>
-            <p:nvPr/>
-          </p:nvSpPr>
-          <p:spPr bwMode="auto">
-            <a:xfrm>
-              <a:off x="7136347" y="5170408"/>
-              <a:ext cx="141137" cy="141137"/>
-            </a:xfrm>
-            <a:prstGeom prst="ellipse">
-              <a:avLst/>
-            </a:prstGeom>
-            <a:solidFill>
-              <a:srgbClr val="C00000"/>
-            </a:solidFill>
-            <a:ln w="12700" cap="flat" cmpd="sng" algn="ctr">
-              <a:solidFill>
-                <a:srgbClr val="C00000"/>
-              </a:solidFill>
-              <a:prstDash val="solid"/>
-              <a:round/>
-              <a:headEnd type="none" w="lg" len="med"/>
-              <a:tailEnd type="none" w="lg" len="med"/>
-            </a:ln>
-            <a:effectLst/>
-          </p:spPr>
-          <p:txBody>
-            <a:bodyPr vert="horz" wrap="square" lIns="91440" tIns="45720" rIns="91440" bIns="45720" numCol="1" rtlCol="0" anchor="ctr" anchorCtr="0" compatLnSpc="1">
-              <a:prstTxWarp prst="textNoShape">
-                <a:avLst/>
-              </a:prstTxWarp>
-              <a:spAutoFit/>
-            </a:bodyPr>
-            <a:lstStyle/>
-            <a:p>
-              <a:pPr marL="0" marR="0" indent="0" algn="l" defTabSz="914400" rtl="0" eaLnBrk="1" fontAlgn="base" latinLnBrk="0" hangingPunct="1">
-                <a:lnSpc>
-                  <a:spcPct val="100000"/>
-                </a:lnSpc>
-                <a:spcBef>
-                  <a:spcPct val="0"/>
-                </a:spcBef>
-                <a:spcAft>
-                  <a:spcPct val="0"/>
-                </a:spcAft>
-                <a:buClrTx/>
-                <a:buSzTx/>
-                <a:buFontTx/>
-                <a:buNone/>
-                <a:tabLst/>
-              </a:pPr>
-              <a:endParaRPr kumimoji="0" lang="en-US" sz="1800" b="0" i="0" u="none" strike="noStrike" cap="none" normalizeH="0" baseline="0">
-                <a:ln>
-                  <a:noFill/>
-                </a:ln>
-                <a:solidFill>
-                  <a:schemeClr val="tx1"/>
-                </a:solidFill>
-                <a:effectLst/>
-                <a:latin typeface="Century Gothic" pitchFamily="34" charset="0"/>
-                <a:cs typeface="Arial" charset="0"/>
-              </a:endParaRPr>
-            </a:p>
-          </p:txBody>
-        </p:sp>
-        <p:cxnSp>
-          <p:nvCxnSpPr>
-            <p:cNvPr id="48" name="Straight Connector 47">
-              <a:extLst>
-                <a:ext uri="{FF2B5EF4-FFF2-40B4-BE49-F238E27FC236}">
-                  <a16:creationId xmlns:a16="http://schemas.microsoft.com/office/drawing/2014/main" id="{BC854EB2-CE05-4BEC-B7FF-353200332BE1}"/>
-                </a:ext>
-              </a:extLst>
-            </p:cNvPr>
-            <p:cNvCxnSpPr>
-              <a:stCxn id="47" idx="4"/>
-            </p:cNvCxnSpPr>
-            <p:nvPr/>
-          </p:nvCxnSpPr>
-          <p:spPr>
-            <a:xfrm flipH="1">
-              <a:off x="7206915" y="5311545"/>
-              <a:ext cx="1" cy="173369"/>
-            </a:xfrm>
-            <a:prstGeom prst="line">
-              <a:avLst/>
-            </a:prstGeom>
-          </p:spPr>
-          <p:style>
-            <a:lnRef idx="1">
-              <a:schemeClr val="dk1"/>
-            </a:lnRef>
-            <a:fillRef idx="0">
-              <a:schemeClr val="dk1"/>
-            </a:fillRef>
-            <a:effectRef idx="0">
-              <a:schemeClr val="dk1"/>
-            </a:effectRef>
-            <a:fontRef idx="minor">
-              <a:schemeClr val="tx1"/>
-            </a:fontRef>
-          </p:style>
-        </p:cxnSp>
-        <p:sp>
-          <p:nvSpPr>
-            <p:cNvPr id="51" name="TextBox 50">
-              <a:extLst>
-                <a:ext uri="{FF2B5EF4-FFF2-40B4-BE49-F238E27FC236}">
-                  <a16:creationId xmlns:a16="http://schemas.microsoft.com/office/drawing/2014/main" id="{82D1D3C3-CA4E-488C-AC4F-A86359E4E7F2}"/>
-                </a:ext>
-              </a:extLst>
-            </p:cNvPr>
-            <p:cNvSpPr txBox="1"/>
-            <p:nvPr/>
-          </p:nvSpPr>
-          <p:spPr>
-            <a:xfrm>
-              <a:off x="9322370" y="4917810"/>
-              <a:ext cx="1493069" cy="752253"/>
-            </a:xfrm>
-            <a:prstGeom prst="rect">
-              <a:avLst/>
-            </a:prstGeom>
-            <a:solidFill>
-              <a:schemeClr val="bg1"/>
-            </a:solidFill>
-          </p:spPr>
-          <p:txBody>
-            <a:bodyPr wrap="square" rtlCol="0">
-              <a:spAutoFit/>
-            </a:bodyPr>
-            <a:lstStyle/>
-            <a:p>
-              <a:pPr algn="ctr"/>
-              <a:r>
-                <a:rPr lang="en-US" dirty="0">
-                  <a:latin typeface="Times New Roman" panose="02020603050405020304" pitchFamily="18" charset="0"/>
-                  <a:cs typeface="Times New Roman" panose="02020603050405020304" pitchFamily="18" charset="0"/>
-                </a:rPr>
-                <a:t>Reference elevation</a:t>
-              </a:r>
-            </a:p>
-          </p:txBody>
-        </p:sp>
-        <p:cxnSp>
-          <p:nvCxnSpPr>
-            <p:cNvPr id="52" name="Straight Arrow Connector 51">
-              <a:extLst>
-                <a:ext uri="{FF2B5EF4-FFF2-40B4-BE49-F238E27FC236}">
-                  <a16:creationId xmlns:a16="http://schemas.microsoft.com/office/drawing/2014/main" id="{D0C0DBED-AAA5-474E-A50C-11A708625030}"/>
-                </a:ext>
-              </a:extLst>
-            </p:cNvPr>
-            <p:cNvCxnSpPr>
-              <a:cxnSpLocks/>
-            </p:cNvCxnSpPr>
-            <p:nvPr/>
-          </p:nvCxnSpPr>
-          <p:spPr>
-            <a:xfrm flipH="1">
-              <a:off x="9000870" y="5284827"/>
-              <a:ext cx="446324" cy="6429"/>
-            </a:xfrm>
-            <a:prstGeom prst="straightConnector1">
-              <a:avLst/>
-            </a:prstGeom>
-            <a:ln w="19050">
-              <a:solidFill>
-                <a:schemeClr val="tx1"/>
-              </a:solidFill>
-              <a:headEnd type="none" w="lg" len="lg"/>
-              <a:tailEnd type="triangle" w="lg" len="lg"/>
-            </a:ln>
-          </p:spPr>
-          <p:style>
-            <a:lnRef idx="1">
-              <a:schemeClr val="accent1"/>
-            </a:lnRef>
-            <a:fillRef idx="0">
-              <a:schemeClr val="accent1"/>
-            </a:fillRef>
-            <a:effectRef idx="0">
-              <a:schemeClr val="accent1"/>
-            </a:effectRef>
-            <a:fontRef idx="minor">
-              <a:schemeClr val="tx1"/>
-            </a:fontRef>
-          </p:style>
-        </p:cxnSp>
       </p:grpSp>
     </p:spTree>
     <p:extLst>
@@ -5179,475 +5143,124 @@
           <a:chExt cx="0" cy="0"/>
         </a:xfrm>
       </p:grpSpPr>
-      <p:sp>
-        <p:nvSpPr>
-          <p:cNvPr id="23" name="Rectangle 24">
+      <p:grpSp>
+        <p:nvGrpSpPr>
+          <p:cNvPr id="2" name="Group 1">
             <a:extLst>
               <a:ext uri="{FF2B5EF4-FFF2-40B4-BE49-F238E27FC236}">
-                <a16:creationId xmlns:a16="http://schemas.microsoft.com/office/drawing/2014/main" id="{DC1F7809-2FD3-4B9B-BA3C-BB60F4C22CD5}"/>
+                <a16:creationId xmlns:a16="http://schemas.microsoft.com/office/drawing/2014/main" id="{2FD5A4B2-AEFF-4F46-A113-4A7DC3B9A6DE}"/>
               </a:ext>
             </a:extLst>
           </p:cNvPr>
-          <p:cNvSpPr>
-            <a:spLocks noChangeArrowheads="1"/>
-          </p:cNvSpPr>
-          <p:nvPr/>
-        </p:nvSpPr>
-        <p:spPr bwMode="auto">
-          <a:xfrm>
-            <a:off x="3757613" y="2759075"/>
-            <a:ext cx="362280" cy="366767"/>
-          </a:xfrm>
-          <a:prstGeom prst="rect">
-            <a:avLst/>
-          </a:prstGeom>
-          <a:noFill/>
-          <a:ln w="12700">
-            <a:noFill/>
-            <a:miter lim="800000"/>
-            <a:headEnd/>
-            <a:tailEnd/>
-          </a:ln>
-        </p:spPr>
-        <p:txBody>
-          <a:bodyPr wrap="none" lIns="90488" tIns="44450" rIns="90488" bIns="44450">
-            <a:spAutoFit/>
-          </a:bodyPr>
-          <a:lstStyle/>
-          <a:p>
-            <a:r>
-              <a:rPr lang="en-US" sz="1800" dirty="0">
-                <a:latin typeface="Times New Roman" panose="02020603050405020304" pitchFamily="18" charset="0"/>
-                <a:cs typeface="Times New Roman" panose="02020603050405020304" pitchFamily="18" charset="0"/>
-              </a:rPr>
-              <a:t>in</a:t>
-            </a:r>
-          </a:p>
-        </p:txBody>
-      </p:sp>
-      <p:sp>
-        <p:nvSpPr>
-          <p:cNvPr id="24" name="Rectangle 25">
-            <a:extLst>
-              <a:ext uri="{FF2B5EF4-FFF2-40B4-BE49-F238E27FC236}">
-                <a16:creationId xmlns:a16="http://schemas.microsoft.com/office/drawing/2014/main" id="{492488D3-6357-43D9-964E-7FFB4DF26363}"/>
-              </a:ext>
-            </a:extLst>
-          </p:cNvPr>
-          <p:cNvSpPr>
-            <a:spLocks noChangeArrowheads="1"/>
-          </p:cNvSpPr>
-          <p:nvPr/>
-        </p:nvSpPr>
-        <p:spPr bwMode="auto">
-          <a:xfrm>
-            <a:off x="5205413" y="2757488"/>
-            <a:ext cx="567777" cy="366767"/>
-          </a:xfrm>
-          <a:prstGeom prst="rect">
-            <a:avLst/>
-          </a:prstGeom>
-          <a:noFill/>
-          <a:ln w="12700">
-            <a:noFill/>
-            <a:miter lim="800000"/>
-            <a:headEnd/>
-            <a:tailEnd/>
-          </a:ln>
-        </p:spPr>
-        <p:txBody>
-          <a:bodyPr wrap="square" lIns="90488" tIns="44450" rIns="90488" bIns="44450">
-            <a:spAutoFit/>
-          </a:bodyPr>
-          <a:lstStyle/>
-          <a:p>
-            <a:r>
-              <a:rPr lang="en-US" sz="1800" dirty="0">
-                <a:latin typeface="Times New Roman" panose="02020603050405020304" pitchFamily="18" charset="0"/>
-                <a:cs typeface="Times New Roman" panose="02020603050405020304" pitchFamily="18" charset="0"/>
-              </a:rPr>
-              <a:t>out</a:t>
-            </a:r>
-          </a:p>
-        </p:txBody>
-      </p:sp>
-      <p:sp>
-        <p:nvSpPr>
-          <p:cNvPr id="25" name="Freeform 23">
-            <a:extLst>
-              <a:ext uri="{FF2B5EF4-FFF2-40B4-BE49-F238E27FC236}">
-                <a16:creationId xmlns:a16="http://schemas.microsoft.com/office/drawing/2014/main" id="{9142750E-6941-46D8-885D-85A33455C45B}"/>
-              </a:ext>
-            </a:extLst>
-          </p:cNvPr>
-          <p:cNvSpPr>
-            <a:spLocks/>
-          </p:cNvSpPr>
-          <p:nvPr/>
-        </p:nvSpPr>
-        <p:spPr bwMode="auto">
-          <a:xfrm>
-            <a:off x="1676400" y="1816100"/>
-            <a:ext cx="4406900" cy="774700"/>
-          </a:xfrm>
-          <a:custGeom>
-            <a:avLst/>
-            <a:gdLst>
-              <a:gd name="T0" fmla="*/ 0 w 2776"/>
-              <a:gd name="T1" fmla="*/ 546100 h 488"/>
-              <a:gd name="T2" fmla="*/ 2209800 w 2776"/>
-              <a:gd name="T3" fmla="*/ 546100 h 488"/>
-              <a:gd name="T4" fmla="*/ 2209800 w 2776"/>
-              <a:gd name="T5" fmla="*/ 774700 h 488"/>
-              <a:gd name="T6" fmla="*/ 4406900 w 2776"/>
-              <a:gd name="T7" fmla="*/ 774700 h 488"/>
-              <a:gd name="T8" fmla="*/ 4406900 w 2776"/>
-              <a:gd name="T9" fmla="*/ 0 h 488"/>
-              <a:gd name="T10" fmla="*/ 2209800 w 2776"/>
-              <a:gd name="T11" fmla="*/ 0 h 488"/>
-              <a:gd name="T12" fmla="*/ 2209800 w 2776"/>
-              <a:gd name="T13" fmla="*/ 241300 h 488"/>
-              <a:gd name="T14" fmla="*/ 0 w 2776"/>
-              <a:gd name="T15" fmla="*/ 241300 h 488"/>
-              <a:gd name="T16" fmla="*/ 0 60000 65536"/>
-              <a:gd name="T17" fmla="*/ 0 60000 65536"/>
-              <a:gd name="T18" fmla="*/ 0 60000 65536"/>
-              <a:gd name="T19" fmla="*/ 0 60000 65536"/>
-              <a:gd name="T20" fmla="*/ 0 60000 65536"/>
-              <a:gd name="T21" fmla="*/ 0 60000 65536"/>
-              <a:gd name="T22" fmla="*/ 0 60000 65536"/>
-              <a:gd name="T23" fmla="*/ 0 60000 65536"/>
-              <a:gd name="T24" fmla="*/ 0 w 2776"/>
-              <a:gd name="T25" fmla="*/ 0 h 488"/>
-              <a:gd name="T26" fmla="*/ 2776 w 2776"/>
-              <a:gd name="T27" fmla="*/ 488 h 488"/>
-            </a:gdLst>
-            <a:ahLst/>
-            <a:cxnLst>
-              <a:cxn ang="T16">
-                <a:pos x="T0" y="T1"/>
-              </a:cxn>
-              <a:cxn ang="T17">
-                <a:pos x="T2" y="T3"/>
-              </a:cxn>
-              <a:cxn ang="T18">
-                <a:pos x="T4" y="T5"/>
-              </a:cxn>
-              <a:cxn ang="T19">
-                <a:pos x="T6" y="T7"/>
-              </a:cxn>
-              <a:cxn ang="T20">
-                <a:pos x="T8" y="T9"/>
-              </a:cxn>
-              <a:cxn ang="T21">
-                <a:pos x="T10" y="T11"/>
-              </a:cxn>
-              <a:cxn ang="T22">
-                <a:pos x="T12" y="T13"/>
-              </a:cxn>
-              <a:cxn ang="T23">
-                <a:pos x="T14" y="T15"/>
-              </a:cxn>
-            </a:cxnLst>
-            <a:rect l="T24" t="T25" r="T26" b="T27"/>
-            <a:pathLst>
-              <a:path w="2776" h="488">
-                <a:moveTo>
-                  <a:pt x="0" y="344"/>
-                </a:moveTo>
-                <a:lnTo>
-                  <a:pt x="1392" y="344"/>
-                </a:lnTo>
-                <a:lnTo>
-                  <a:pt x="1392" y="488"/>
-                </a:lnTo>
-                <a:lnTo>
-                  <a:pt x="2776" y="488"/>
-                </a:lnTo>
-                <a:lnTo>
-                  <a:pt x="2776" y="0"/>
-                </a:lnTo>
-                <a:lnTo>
-                  <a:pt x="1392" y="0"/>
-                </a:lnTo>
-                <a:lnTo>
-                  <a:pt x="1392" y="152"/>
-                </a:lnTo>
-                <a:lnTo>
-                  <a:pt x="0" y="152"/>
-                </a:lnTo>
-              </a:path>
-            </a:pathLst>
-          </a:custGeom>
-          <a:solidFill>
-            <a:schemeClr val="hlink"/>
-          </a:solidFill>
-          <a:ln w="12700" cap="flat" cmpd="sng">
-            <a:noFill/>
-            <a:prstDash val="solid"/>
-            <a:round/>
-            <a:headEnd type="none" w="sm" len="sm"/>
-            <a:tailEnd type="none" w="lg" len="med"/>
-          </a:ln>
-        </p:spPr>
-        <p:txBody>
-          <a:bodyPr wrap="none" anchor="ctr"/>
-          <a:lstStyle/>
-          <a:p>
-            <a:endParaRPr lang="en-US"/>
-          </a:p>
-        </p:txBody>
-      </p:sp>
-      <p:sp>
-        <p:nvSpPr>
-          <p:cNvPr id="26" name="Line 28">
-            <a:extLst>
-              <a:ext uri="{FF2B5EF4-FFF2-40B4-BE49-F238E27FC236}">
-                <a16:creationId xmlns:a16="http://schemas.microsoft.com/office/drawing/2014/main" id="{2F92B689-95B6-47F0-B671-9E41D2EA5996}"/>
-              </a:ext>
-            </a:extLst>
-          </p:cNvPr>
-          <p:cNvSpPr>
-            <a:spLocks noChangeShapeType="1"/>
-          </p:cNvSpPr>
-          <p:nvPr/>
-        </p:nvSpPr>
-        <p:spPr bwMode="auto">
-          <a:xfrm>
-            <a:off x="2152650" y="2222500"/>
-            <a:ext cx="635000" cy="0"/>
-          </a:xfrm>
-          <a:prstGeom prst="line">
-            <a:avLst/>
-          </a:prstGeom>
-          <a:noFill/>
-          <a:ln w="38100">
-            <a:solidFill>
-              <a:schemeClr val="tx1"/>
-            </a:solidFill>
-            <a:round/>
-            <a:headEnd/>
-            <a:tailEnd type="triangle" w="med" len="med"/>
-          </a:ln>
-        </p:spPr>
-        <p:txBody>
-          <a:bodyPr wrap="none" anchor="ctr"/>
-          <a:lstStyle/>
-          <a:p>
-            <a:endParaRPr lang="en-US"/>
-          </a:p>
-        </p:txBody>
-      </p:sp>
-      <p:sp>
-        <p:nvSpPr>
-          <p:cNvPr id="27" name="Freeform 29">
-            <a:extLst>
-              <a:ext uri="{FF2B5EF4-FFF2-40B4-BE49-F238E27FC236}">
-                <a16:creationId xmlns:a16="http://schemas.microsoft.com/office/drawing/2014/main" id="{E4DAF995-7794-45D7-9436-E4BCA805B57D}"/>
-              </a:ext>
-            </a:extLst>
-          </p:cNvPr>
-          <p:cNvSpPr>
-            <a:spLocks/>
-          </p:cNvSpPr>
-          <p:nvPr/>
-        </p:nvSpPr>
-        <p:spPr bwMode="auto">
-          <a:xfrm>
-            <a:off x="1676400" y="1828800"/>
-            <a:ext cx="4419600" cy="228600"/>
-          </a:xfrm>
-          <a:custGeom>
-            <a:avLst/>
-            <a:gdLst>
-              <a:gd name="T0" fmla="*/ 0 w 2784"/>
-              <a:gd name="T1" fmla="*/ 228600 h 144"/>
-              <a:gd name="T2" fmla="*/ 2209800 w 2784"/>
-              <a:gd name="T3" fmla="*/ 228600 h 144"/>
-              <a:gd name="T4" fmla="*/ 2209800 w 2784"/>
-              <a:gd name="T5" fmla="*/ 0 h 144"/>
-              <a:gd name="T6" fmla="*/ 4419600 w 2784"/>
-              <a:gd name="T7" fmla="*/ 0 h 144"/>
-              <a:gd name="T8" fmla="*/ 0 60000 65536"/>
-              <a:gd name="T9" fmla="*/ 0 60000 65536"/>
-              <a:gd name="T10" fmla="*/ 0 60000 65536"/>
-              <a:gd name="T11" fmla="*/ 0 60000 65536"/>
-              <a:gd name="T12" fmla="*/ 0 w 2784"/>
-              <a:gd name="T13" fmla="*/ 0 h 144"/>
-              <a:gd name="T14" fmla="*/ 2784 w 2784"/>
-              <a:gd name="T15" fmla="*/ 144 h 144"/>
-            </a:gdLst>
-            <a:ahLst/>
-            <a:cxnLst>
-              <a:cxn ang="T8">
-                <a:pos x="T0" y="T1"/>
-              </a:cxn>
-              <a:cxn ang="T9">
-                <a:pos x="T2" y="T3"/>
-              </a:cxn>
-              <a:cxn ang="T10">
-                <a:pos x="T4" y="T5"/>
-              </a:cxn>
-              <a:cxn ang="T11">
-                <a:pos x="T6" y="T7"/>
-              </a:cxn>
-            </a:cxnLst>
-            <a:rect l="T12" t="T13" r="T14" b="T15"/>
-            <a:pathLst>
-              <a:path w="2784" h="144">
-                <a:moveTo>
-                  <a:pt x="0" y="144"/>
-                </a:moveTo>
-                <a:lnTo>
-                  <a:pt x="1392" y="144"/>
-                </a:lnTo>
-                <a:lnTo>
-                  <a:pt x="1392" y="0"/>
-                </a:lnTo>
-                <a:lnTo>
-                  <a:pt x="2784" y="0"/>
-                </a:lnTo>
-              </a:path>
-            </a:pathLst>
-          </a:custGeom>
-          <a:noFill/>
-          <a:ln w="28575" cap="flat" cmpd="sng">
-            <a:solidFill>
-              <a:schemeClr val="tx1"/>
-            </a:solidFill>
-            <a:prstDash val="solid"/>
-            <a:round/>
-            <a:headEnd type="none" w="med" len="med"/>
-            <a:tailEnd type="none" w="med" len="med"/>
-          </a:ln>
-        </p:spPr>
-        <p:txBody>
-          <a:bodyPr wrap="none" anchor="ctr"/>
-          <a:lstStyle/>
-          <a:p>
-            <a:endParaRPr lang="en-US"/>
-          </a:p>
-        </p:txBody>
-      </p:sp>
-      <p:sp>
-        <p:nvSpPr>
-          <p:cNvPr id="28" name="Freeform 30">
-            <a:extLst>
-              <a:ext uri="{FF2B5EF4-FFF2-40B4-BE49-F238E27FC236}">
-                <a16:creationId xmlns:a16="http://schemas.microsoft.com/office/drawing/2014/main" id="{8C6221E9-57F2-40BE-B725-B777474F1882}"/>
-              </a:ext>
-            </a:extLst>
-          </p:cNvPr>
-          <p:cNvSpPr>
-            <a:spLocks/>
-          </p:cNvSpPr>
-          <p:nvPr/>
-        </p:nvSpPr>
-        <p:spPr bwMode="auto">
-          <a:xfrm flipV="1">
-            <a:off x="1676400" y="2362200"/>
-            <a:ext cx="4419600" cy="228600"/>
-          </a:xfrm>
-          <a:custGeom>
-            <a:avLst/>
-            <a:gdLst>
-              <a:gd name="T0" fmla="*/ 0 w 2784"/>
-              <a:gd name="T1" fmla="*/ 228600 h 144"/>
-              <a:gd name="T2" fmla="*/ 2209800 w 2784"/>
-              <a:gd name="T3" fmla="*/ 228600 h 144"/>
-              <a:gd name="T4" fmla="*/ 2209800 w 2784"/>
-              <a:gd name="T5" fmla="*/ 0 h 144"/>
-              <a:gd name="T6" fmla="*/ 4419600 w 2784"/>
-              <a:gd name="T7" fmla="*/ 0 h 144"/>
-              <a:gd name="T8" fmla="*/ 0 60000 65536"/>
-              <a:gd name="T9" fmla="*/ 0 60000 65536"/>
-              <a:gd name="T10" fmla="*/ 0 60000 65536"/>
-              <a:gd name="T11" fmla="*/ 0 60000 65536"/>
-              <a:gd name="T12" fmla="*/ 0 w 2784"/>
-              <a:gd name="T13" fmla="*/ 0 h 144"/>
-              <a:gd name="T14" fmla="*/ 2784 w 2784"/>
-              <a:gd name="T15" fmla="*/ 144 h 144"/>
-            </a:gdLst>
-            <a:ahLst/>
-            <a:cxnLst>
-              <a:cxn ang="T8">
-                <a:pos x="T0" y="T1"/>
-              </a:cxn>
-              <a:cxn ang="T9">
-                <a:pos x="T2" y="T3"/>
-              </a:cxn>
-              <a:cxn ang="T10">
-                <a:pos x="T4" y="T5"/>
-              </a:cxn>
-              <a:cxn ang="T11">
-                <a:pos x="T6" y="T7"/>
-              </a:cxn>
-            </a:cxnLst>
-            <a:rect l="T12" t="T13" r="T14" b="T15"/>
-            <a:pathLst>
-              <a:path w="2784" h="144">
-                <a:moveTo>
-                  <a:pt x="0" y="144"/>
-                </a:moveTo>
-                <a:lnTo>
-                  <a:pt x="1392" y="144"/>
-                </a:lnTo>
-                <a:lnTo>
-                  <a:pt x="1392" y="0"/>
-                </a:lnTo>
-                <a:lnTo>
-                  <a:pt x="2784" y="0"/>
-                </a:lnTo>
-              </a:path>
-            </a:pathLst>
-          </a:custGeom>
-          <a:noFill/>
-          <a:ln w="28575" cap="flat" cmpd="sng">
-            <a:solidFill>
-              <a:schemeClr val="tx1"/>
-            </a:solidFill>
-            <a:prstDash val="solid"/>
-            <a:round/>
-            <a:headEnd type="none" w="med" len="med"/>
-            <a:tailEnd type="none" w="med" len="med"/>
-          </a:ln>
-        </p:spPr>
-        <p:txBody>
-          <a:bodyPr wrap="none" anchor="ctr"/>
-          <a:lstStyle/>
-          <a:p>
-            <a:endParaRPr lang="en-US"/>
-          </a:p>
-        </p:txBody>
-      </p:sp>
-      <p:grpSp>
-        <p:nvGrpSpPr>
-          <p:cNvPr id="29" name="Group 36">
-            <a:extLst>
-              <a:ext uri="{FF2B5EF4-FFF2-40B4-BE49-F238E27FC236}">
-                <a16:creationId xmlns:a16="http://schemas.microsoft.com/office/drawing/2014/main" id="{DE66AE5E-4D42-4B64-B5E2-80CDE0D9C1DD}"/>
-              </a:ext>
-            </a:extLst>
-          </p:cNvPr>
-          <p:cNvGrpSpPr>
-            <a:grpSpLocks/>
-          </p:cNvGrpSpPr>
+          <p:cNvGrpSpPr/>
           <p:nvPr/>
         </p:nvGrpSpPr>
-        <p:grpSpPr bwMode="auto">
+        <p:grpSpPr>
           <a:xfrm>
-            <a:off x="3886200" y="2347913"/>
-            <a:ext cx="1460500" cy="238125"/>
-            <a:chOff x="2448" y="1482"/>
-            <a:chExt cx="920" cy="150"/>
+            <a:off x="326137" y="1758950"/>
+            <a:ext cx="7421728" cy="1366892"/>
+            <a:chOff x="326137" y="1758950"/>
+            <a:chExt cx="7421728" cy="1366892"/>
           </a:xfrm>
         </p:grpSpPr>
         <p:sp>
           <p:nvSpPr>
-            <p:cNvPr id="30" name="Freeform 31">
+            <p:cNvPr id="23" name="Rectangle 24">
               <a:extLst>
                 <a:ext uri="{FF2B5EF4-FFF2-40B4-BE49-F238E27FC236}">
-                  <a16:creationId xmlns:a16="http://schemas.microsoft.com/office/drawing/2014/main" id="{60319F21-8D99-416C-9F5D-160EB3FB649B}"/>
+                  <a16:creationId xmlns:a16="http://schemas.microsoft.com/office/drawing/2014/main" id="{DC1F7809-2FD3-4B9B-BA3C-BB60F4C22CD5}"/>
+                </a:ext>
+              </a:extLst>
+            </p:cNvPr>
+            <p:cNvSpPr>
+              <a:spLocks noChangeArrowheads="1"/>
+            </p:cNvSpPr>
+            <p:nvPr/>
+          </p:nvSpPr>
+          <p:spPr bwMode="auto">
+            <a:xfrm>
+              <a:off x="3757613" y="2759075"/>
+              <a:ext cx="362280" cy="366767"/>
+            </a:xfrm>
+            <a:prstGeom prst="rect">
+              <a:avLst/>
+            </a:prstGeom>
+            <a:noFill/>
+            <a:ln w="12700">
+              <a:noFill/>
+              <a:miter lim="800000"/>
+              <a:headEnd/>
+              <a:tailEnd/>
+            </a:ln>
+          </p:spPr>
+          <p:txBody>
+            <a:bodyPr wrap="none" lIns="90488" tIns="44450" rIns="90488" bIns="44450">
+              <a:spAutoFit/>
+            </a:bodyPr>
+            <a:lstStyle/>
+            <a:p>
+              <a:r>
+                <a:rPr lang="en-US" sz="1800" dirty="0">
+                  <a:latin typeface="Times New Roman" panose="02020603050405020304" pitchFamily="18" charset="0"/>
+                  <a:cs typeface="Times New Roman" panose="02020603050405020304" pitchFamily="18" charset="0"/>
+                </a:rPr>
+                <a:t>in</a:t>
+              </a:r>
+            </a:p>
+          </p:txBody>
+        </p:sp>
+        <p:sp>
+          <p:nvSpPr>
+            <p:cNvPr id="24" name="Rectangle 25">
+              <a:extLst>
+                <a:ext uri="{FF2B5EF4-FFF2-40B4-BE49-F238E27FC236}">
+                  <a16:creationId xmlns:a16="http://schemas.microsoft.com/office/drawing/2014/main" id="{492488D3-6357-43D9-964E-7FFB4DF26363}"/>
+                </a:ext>
+              </a:extLst>
+            </p:cNvPr>
+            <p:cNvSpPr>
+              <a:spLocks noChangeArrowheads="1"/>
+            </p:cNvSpPr>
+            <p:nvPr/>
+          </p:nvSpPr>
+          <p:spPr bwMode="auto">
+            <a:xfrm>
+              <a:off x="5205413" y="2757488"/>
+              <a:ext cx="567777" cy="366767"/>
+            </a:xfrm>
+            <a:prstGeom prst="rect">
+              <a:avLst/>
+            </a:prstGeom>
+            <a:noFill/>
+            <a:ln w="12700">
+              <a:noFill/>
+              <a:miter lim="800000"/>
+              <a:headEnd/>
+              <a:tailEnd/>
+            </a:ln>
+          </p:spPr>
+          <p:txBody>
+            <a:bodyPr wrap="square" lIns="90488" tIns="44450" rIns="90488" bIns="44450">
+              <a:spAutoFit/>
+            </a:bodyPr>
+            <a:lstStyle/>
+            <a:p>
+              <a:r>
+                <a:rPr lang="en-US" sz="1800" dirty="0">
+                  <a:latin typeface="Times New Roman" panose="02020603050405020304" pitchFamily="18" charset="0"/>
+                  <a:cs typeface="Times New Roman" panose="02020603050405020304" pitchFamily="18" charset="0"/>
+                </a:rPr>
+                <a:t>out</a:t>
+              </a:r>
+            </a:p>
+          </p:txBody>
+        </p:sp>
+        <p:sp>
+          <p:nvSpPr>
+            <p:cNvPr id="25" name="Freeform 23">
+              <a:extLst>
+                <a:ext uri="{FF2B5EF4-FFF2-40B4-BE49-F238E27FC236}">
+                  <a16:creationId xmlns:a16="http://schemas.microsoft.com/office/drawing/2014/main" id="{9142750E-6941-46D8-885D-85A33455C45B}"/>
                 </a:ext>
               </a:extLst>
             </p:cNvPr>
@@ -5658,28 +5271,195 @@
           </p:nvSpPr>
           <p:spPr bwMode="auto">
             <a:xfrm>
-              <a:off x="2448" y="1482"/>
-              <a:ext cx="920" cy="150"/>
+              <a:off x="1676400" y="1816100"/>
+              <a:ext cx="4406900" cy="774700"/>
             </a:xfrm>
             <a:custGeom>
               <a:avLst/>
               <a:gdLst>
-                <a:gd name="T0" fmla="*/ 0 w 920"/>
-                <a:gd name="T1" fmla="*/ 2 h 162"/>
-                <a:gd name="T2" fmla="*/ 920 w 920"/>
-                <a:gd name="T3" fmla="*/ 150 h 162"/>
-                <a:gd name="T4" fmla="*/ 0 w 920"/>
-                <a:gd name="T5" fmla="*/ 150 h 162"/>
-                <a:gd name="T6" fmla="*/ 0 w 920"/>
-                <a:gd name="T7" fmla="*/ 2 h 162"/>
+                <a:gd name="T0" fmla="*/ 0 w 2776"/>
+                <a:gd name="T1" fmla="*/ 546100 h 488"/>
+                <a:gd name="T2" fmla="*/ 2209800 w 2776"/>
+                <a:gd name="T3" fmla="*/ 546100 h 488"/>
+                <a:gd name="T4" fmla="*/ 2209800 w 2776"/>
+                <a:gd name="T5" fmla="*/ 774700 h 488"/>
+                <a:gd name="T6" fmla="*/ 4406900 w 2776"/>
+                <a:gd name="T7" fmla="*/ 774700 h 488"/>
+                <a:gd name="T8" fmla="*/ 4406900 w 2776"/>
+                <a:gd name="T9" fmla="*/ 0 h 488"/>
+                <a:gd name="T10" fmla="*/ 2209800 w 2776"/>
+                <a:gd name="T11" fmla="*/ 0 h 488"/>
+                <a:gd name="T12" fmla="*/ 2209800 w 2776"/>
+                <a:gd name="T13" fmla="*/ 241300 h 488"/>
+                <a:gd name="T14" fmla="*/ 0 w 2776"/>
+                <a:gd name="T15" fmla="*/ 241300 h 488"/>
+                <a:gd name="T16" fmla="*/ 0 60000 65536"/>
+                <a:gd name="T17" fmla="*/ 0 60000 65536"/>
+                <a:gd name="T18" fmla="*/ 0 60000 65536"/>
+                <a:gd name="T19" fmla="*/ 0 60000 65536"/>
+                <a:gd name="T20" fmla="*/ 0 60000 65536"/>
+                <a:gd name="T21" fmla="*/ 0 60000 65536"/>
+                <a:gd name="T22" fmla="*/ 0 60000 65536"/>
+                <a:gd name="T23" fmla="*/ 0 60000 65536"/>
+                <a:gd name="T24" fmla="*/ 0 w 2776"/>
+                <a:gd name="T25" fmla="*/ 0 h 488"/>
+                <a:gd name="T26" fmla="*/ 2776 w 2776"/>
+                <a:gd name="T27" fmla="*/ 488 h 488"/>
+              </a:gdLst>
+              <a:ahLst/>
+              <a:cxnLst>
+                <a:cxn ang="T16">
+                  <a:pos x="T0" y="T1"/>
+                </a:cxn>
+                <a:cxn ang="T17">
+                  <a:pos x="T2" y="T3"/>
+                </a:cxn>
+                <a:cxn ang="T18">
+                  <a:pos x="T4" y="T5"/>
+                </a:cxn>
+                <a:cxn ang="T19">
+                  <a:pos x="T6" y="T7"/>
+                </a:cxn>
+                <a:cxn ang="T20">
+                  <a:pos x="T8" y="T9"/>
+                </a:cxn>
+                <a:cxn ang="T21">
+                  <a:pos x="T10" y="T11"/>
+                </a:cxn>
+                <a:cxn ang="T22">
+                  <a:pos x="T12" y="T13"/>
+                </a:cxn>
+                <a:cxn ang="T23">
+                  <a:pos x="T14" y="T15"/>
+                </a:cxn>
+              </a:cxnLst>
+              <a:rect l="T24" t="T25" r="T26" b="T27"/>
+              <a:pathLst>
+                <a:path w="2776" h="488">
+                  <a:moveTo>
+                    <a:pt x="0" y="344"/>
+                  </a:moveTo>
+                  <a:lnTo>
+                    <a:pt x="1392" y="344"/>
+                  </a:lnTo>
+                  <a:lnTo>
+                    <a:pt x="1392" y="488"/>
+                  </a:lnTo>
+                  <a:lnTo>
+                    <a:pt x="2776" y="488"/>
+                  </a:lnTo>
+                  <a:lnTo>
+                    <a:pt x="2776" y="0"/>
+                  </a:lnTo>
+                  <a:lnTo>
+                    <a:pt x="1392" y="0"/>
+                  </a:lnTo>
+                  <a:lnTo>
+                    <a:pt x="1392" y="152"/>
+                  </a:lnTo>
+                  <a:lnTo>
+                    <a:pt x="0" y="152"/>
+                  </a:lnTo>
+                </a:path>
+              </a:pathLst>
+            </a:custGeom>
+            <a:solidFill>
+              <a:schemeClr val="hlink"/>
+            </a:solidFill>
+            <a:ln w="12700" cap="flat" cmpd="sng">
+              <a:noFill/>
+              <a:prstDash val="solid"/>
+              <a:round/>
+              <a:headEnd type="none" w="sm" len="sm"/>
+              <a:tailEnd type="none" w="lg" len="med"/>
+            </a:ln>
+          </p:spPr>
+          <p:txBody>
+            <a:bodyPr wrap="none" anchor="ctr"/>
+            <a:lstStyle/>
+            <a:p>
+              <a:endParaRPr lang="en-US"/>
+            </a:p>
+          </p:txBody>
+        </p:sp>
+        <p:sp>
+          <p:nvSpPr>
+            <p:cNvPr id="26" name="Line 28">
+              <a:extLst>
+                <a:ext uri="{FF2B5EF4-FFF2-40B4-BE49-F238E27FC236}">
+                  <a16:creationId xmlns:a16="http://schemas.microsoft.com/office/drawing/2014/main" id="{2F92B689-95B6-47F0-B671-9E41D2EA5996}"/>
+                </a:ext>
+              </a:extLst>
+            </p:cNvPr>
+            <p:cNvSpPr>
+              <a:spLocks noChangeShapeType="1"/>
+            </p:cNvSpPr>
+            <p:nvPr/>
+          </p:nvSpPr>
+          <p:spPr bwMode="auto">
+            <a:xfrm>
+              <a:off x="2152650" y="2222500"/>
+              <a:ext cx="635000" cy="0"/>
+            </a:xfrm>
+            <a:prstGeom prst="line">
+              <a:avLst/>
+            </a:prstGeom>
+            <a:noFill/>
+            <a:ln w="38100">
+              <a:solidFill>
+                <a:schemeClr val="tx1"/>
+              </a:solidFill>
+              <a:round/>
+              <a:headEnd/>
+              <a:tailEnd type="triangle" w="med" len="med"/>
+            </a:ln>
+          </p:spPr>
+          <p:txBody>
+            <a:bodyPr wrap="none" anchor="ctr"/>
+            <a:lstStyle/>
+            <a:p>
+              <a:endParaRPr lang="en-US"/>
+            </a:p>
+          </p:txBody>
+        </p:sp>
+        <p:sp>
+          <p:nvSpPr>
+            <p:cNvPr id="27" name="Freeform 29">
+              <a:extLst>
+                <a:ext uri="{FF2B5EF4-FFF2-40B4-BE49-F238E27FC236}">
+                  <a16:creationId xmlns:a16="http://schemas.microsoft.com/office/drawing/2014/main" id="{E4DAF995-7794-45D7-9436-E4BCA805B57D}"/>
+                </a:ext>
+              </a:extLst>
+            </p:cNvPr>
+            <p:cNvSpPr>
+              <a:spLocks/>
+            </p:cNvSpPr>
+            <p:nvPr/>
+          </p:nvSpPr>
+          <p:spPr bwMode="auto">
+            <a:xfrm>
+              <a:off x="1676400" y="1828800"/>
+              <a:ext cx="4419600" cy="228600"/>
+            </a:xfrm>
+            <a:custGeom>
+              <a:avLst/>
+              <a:gdLst>
+                <a:gd name="T0" fmla="*/ 0 w 2784"/>
+                <a:gd name="T1" fmla="*/ 228600 h 144"/>
+                <a:gd name="T2" fmla="*/ 2209800 w 2784"/>
+                <a:gd name="T3" fmla="*/ 228600 h 144"/>
+                <a:gd name="T4" fmla="*/ 2209800 w 2784"/>
+                <a:gd name="T5" fmla="*/ 0 h 144"/>
+                <a:gd name="T6" fmla="*/ 4419600 w 2784"/>
+                <a:gd name="T7" fmla="*/ 0 h 144"/>
                 <a:gd name="T8" fmla="*/ 0 60000 65536"/>
                 <a:gd name="T9" fmla="*/ 0 60000 65536"/>
                 <a:gd name="T10" fmla="*/ 0 60000 65536"/>
                 <a:gd name="T11" fmla="*/ 0 60000 65536"/>
-                <a:gd name="T12" fmla="*/ 0 w 920"/>
-                <a:gd name="T13" fmla="*/ 0 h 162"/>
-                <a:gd name="T14" fmla="*/ 920 w 920"/>
-                <a:gd name="T15" fmla="*/ 162 h 162"/>
+                <a:gd name="T12" fmla="*/ 0 w 2784"/>
+                <a:gd name="T13" fmla="*/ 0 h 144"/>
+                <a:gd name="T14" fmla="*/ 2784 w 2784"/>
+                <a:gd name="T15" fmla="*/ 144 h 144"/>
               </a:gdLst>
               <a:ahLst/>
               <a:cxnLst>
@@ -5698,40 +5478,31 @@
               </a:cxnLst>
               <a:rect l="T12" t="T13" r="T14" b="T15"/>
               <a:pathLst>
-                <a:path w="920" h="162">
+                <a:path w="2784" h="144">
                   <a:moveTo>
-                    <a:pt x="0" y="2"/>
+                    <a:pt x="0" y="144"/>
                   </a:moveTo>
-                  <a:cubicBezTo>
-                    <a:pt x="147" y="0"/>
-                    <a:pt x="573" y="48"/>
-                    <a:pt x="920" y="162"/>
-                  </a:cubicBezTo>
-                  <a:cubicBezTo>
-                    <a:pt x="573" y="162"/>
-                    <a:pt x="156" y="162"/>
-                    <a:pt x="0" y="162"/>
-                  </a:cubicBezTo>
-                  <a:cubicBezTo>
-                    <a:pt x="0" y="36"/>
-                    <a:pt x="0" y="126"/>
-                    <a:pt x="0" y="2"/>
-                  </a:cubicBezTo>
-                  <a:close/>
+                  <a:lnTo>
+                    <a:pt x="1392" y="144"/>
+                  </a:lnTo>
+                  <a:lnTo>
+                    <a:pt x="1392" y="0"/>
+                  </a:lnTo>
+                  <a:lnTo>
+                    <a:pt x="2784" y="0"/>
+                  </a:lnTo>
                 </a:path>
               </a:pathLst>
             </a:custGeom>
-            <a:solidFill>
-              <a:schemeClr val="hlink"/>
-            </a:solidFill>
-            <a:ln w="12700" cap="flat" cmpd="sng">
+            <a:noFill/>
+            <a:ln w="28575" cap="flat" cmpd="sng">
               <a:solidFill>
                 <a:schemeClr val="tx1"/>
               </a:solidFill>
               <a:prstDash val="solid"/>
               <a:round/>
-              <a:headEnd type="none" w="sm" len="sm"/>
-              <a:tailEnd type="none" w="lg" len="med"/>
+              <a:headEnd type="none" w="med" len="med"/>
+              <a:tailEnd type="none" w="med" len="med"/>
             </a:ln>
           </p:spPr>
           <p:txBody>
@@ -5744,10 +5515,10 @@
         </p:sp>
         <p:sp>
           <p:nvSpPr>
-            <p:cNvPr id="31" name="Freeform 32">
+            <p:cNvPr id="28" name="Freeform 30">
               <a:extLst>
                 <a:ext uri="{FF2B5EF4-FFF2-40B4-BE49-F238E27FC236}">
-                  <a16:creationId xmlns:a16="http://schemas.microsoft.com/office/drawing/2014/main" id="{C09C5102-6E47-411F-955A-297823347F82}"/>
+                  <a16:creationId xmlns:a16="http://schemas.microsoft.com/office/drawing/2014/main" id="{8C6221E9-57F2-40BE-B725-B777474F1882}"/>
                 </a:ext>
               </a:extLst>
             </p:cNvPr>
@@ -5757,205 +5528,29 @@
             <p:nvPr/>
           </p:nvSpPr>
           <p:spPr bwMode="auto">
-            <a:xfrm>
-              <a:off x="2790" y="1536"/>
-              <a:ext cx="155" cy="64"/>
+            <a:xfrm flipV="1">
+              <a:off x="1676400" y="2362200"/>
+              <a:ext cx="4419600" cy="228600"/>
             </a:xfrm>
             <a:custGeom>
               <a:avLst/>
               <a:gdLst>
-                <a:gd name="T0" fmla="*/ 15 w 155"/>
-                <a:gd name="T1" fmla="*/ 0 h 64"/>
-                <a:gd name="T2" fmla="*/ 153 w 155"/>
-                <a:gd name="T3" fmla="*/ 54 h 64"/>
-                <a:gd name="T4" fmla="*/ 0 w 155"/>
-                <a:gd name="T5" fmla="*/ 63 h 64"/>
-                <a:gd name="T6" fmla="*/ 0 60000 65536"/>
-                <a:gd name="T7" fmla="*/ 0 60000 65536"/>
-                <a:gd name="T8" fmla="*/ 0 60000 65536"/>
-                <a:gd name="T9" fmla="*/ 0 w 155"/>
-                <a:gd name="T10" fmla="*/ 0 h 64"/>
-                <a:gd name="T11" fmla="*/ 155 w 155"/>
-                <a:gd name="T12" fmla="*/ 64 h 64"/>
-              </a:gdLst>
-              <a:ahLst/>
-              <a:cxnLst>
-                <a:cxn ang="T6">
-                  <a:pos x="T0" y="T1"/>
-                </a:cxn>
-                <a:cxn ang="T7">
-                  <a:pos x="T2" y="T3"/>
-                </a:cxn>
-                <a:cxn ang="T8">
-                  <a:pos x="T4" y="T5"/>
-                </a:cxn>
-              </a:cxnLst>
-              <a:rect l="T9" t="T10" r="T11" b="T12"/>
-              <a:pathLst>
-                <a:path w="155" h="64">
-                  <a:moveTo>
-                    <a:pt x="15" y="0"/>
-                  </a:moveTo>
-                  <a:cubicBezTo>
-                    <a:pt x="85" y="22"/>
-                    <a:pt x="155" y="44"/>
-                    <a:pt x="153" y="54"/>
-                  </a:cubicBezTo>
-                  <a:cubicBezTo>
-                    <a:pt x="151" y="64"/>
-                    <a:pt x="75" y="63"/>
-                    <a:pt x="0" y="63"/>
-                  </a:cubicBezTo>
-                </a:path>
-              </a:pathLst>
-            </a:custGeom>
-            <a:solidFill>
-              <a:schemeClr val="hlink"/>
-            </a:solidFill>
-            <a:ln w="12700" cap="flat" cmpd="sng">
-              <a:solidFill>
-                <a:schemeClr val="tx1"/>
-              </a:solidFill>
-              <a:prstDash val="solid"/>
-              <a:round/>
-              <a:headEnd type="none" w="sm" len="sm"/>
-              <a:tailEnd type="triangle" w="sm" len="med"/>
-            </a:ln>
-          </p:spPr>
-          <p:txBody>
-            <a:bodyPr wrap="none" anchor="ctr"/>
-            <a:lstStyle/>
-            <a:p>
-              <a:endParaRPr lang="en-US"/>
-            </a:p>
-          </p:txBody>
-        </p:sp>
-        <p:sp>
-          <p:nvSpPr>
-            <p:cNvPr id="32" name="Freeform 34">
-              <a:extLst>
-                <a:ext uri="{FF2B5EF4-FFF2-40B4-BE49-F238E27FC236}">
-                  <a16:creationId xmlns:a16="http://schemas.microsoft.com/office/drawing/2014/main" id="{15D770E8-D5E2-41EE-914F-4B867CAA6553}"/>
-                </a:ext>
-              </a:extLst>
-            </p:cNvPr>
-            <p:cNvSpPr>
-              <a:spLocks/>
-            </p:cNvSpPr>
-            <p:nvPr/>
-          </p:nvSpPr>
-          <p:spPr bwMode="auto">
-            <a:xfrm>
-              <a:off x="2625" y="1518"/>
-              <a:ext cx="99" cy="90"/>
-            </a:xfrm>
-            <a:custGeom>
-              <a:avLst/>
-              <a:gdLst>
-                <a:gd name="T0" fmla="*/ 0 w 99"/>
-                <a:gd name="T1" fmla="*/ 0 h 90"/>
-                <a:gd name="T2" fmla="*/ 99 w 99"/>
-                <a:gd name="T3" fmla="*/ 48 h 90"/>
-                <a:gd name="T4" fmla="*/ 0 w 99"/>
-                <a:gd name="T5" fmla="*/ 90 h 90"/>
-                <a:gd name="T6" fmla="*/ 0 60000 65536"/>
-                <a:gd name="T7" fmla="*/ 0 60000 65536"/>
-                <a:gd name="T8" fmla="*/ 0 60000 65536"/>
-                <a:gd name="T9" fmla="*/ 0 w 99"/>
-                <a:gd name="T10" fmla="*/ 0 h 90"/>
-                <a:gd name="T11" fmla="*/ 99 w 99"/>
-                <a:gd name="T12" fmla="*/ 90 h 90"/>
-              </a:gdLst>
-              <a:ahLst/>
-              <a:cxnLst>
-                <a:cxn ang="T6">
-                  <a:pos x="T0" y="T1"/>
-                </a:cxn>
-                <a:cxn ang="T7">
-                  <a:pos x="T2" y="T3"/>
-                </a:cxn>
-                <a:cxn ang="T8">
-                  <a:pos x="T4" y="T5"/>
-                </a:cxn>
-              </a:cxnLst>
-              <a:rect l="T9" t="T10" r="T11" b="T12"/>
-              <a:pathLst>
-                <a:path w="99" h="90">
-                  <a:moveTo>
-                    <a:pt x="0" y="0"/>
-                  </a:moveTo>
-                  <a:cubicBezTo>
-                    <a:pt x="16" y="8"/>
-                    <a:pt x="99" y="33"/>
-                    <a:pt x="99" y="48"/>
-                  </a:cubicBezTo>
-                  <a:cubicBezTo>
-                    <a:pt x="99" y="63"/>
-                    <a:pt x="21" y="81"/>
-                    <a:pt x="0" y="90"/>
-                  </a:cubicBezTo>
-                </a:path>
-              </a:pathLst>
-            </a:custGeom>
-            <a:solidFill>
-              <a:schemeClr val="hlink"/>
-            </a:solidFill>
-            <a:ln w="12700" cap="flat" cmpd="sng">
-              <a:solidFill>
-                <a:schemeClr val="tx1"/>
-              </a:solidFill>
-              <a:prstDash val="solid"/>
-              <a:round/>
-              <a:headEnd type="none" w="sm" len="sm"/>
-              <a:tailEnd type="triangle" w="sm" len="med"/>
-            </a:ln>
-          </p:spPr>
-          <p:txBody>
-            <a:bodyPr wrap="none" anchor="ctr"/>
-            <a:lstStyle/>
-            <a:p>
-              <a:endParaRPr lang="en-US"/>
-            </a:p>
-          </p:txBody>
-        </p:sp>
-        <p:sp>
-          <p:nvSpPr>
-            <p:cNvPr id="33" name="Freeform 35">
-              <a:extLst>
-                <a:ext uri="{FF2B5EF4-FFF2-40B4-BE49-F238E27FC236}">
-                  <a16:creationId xmlns:a16="http://schemas.microsoft.com/office/drawing/2014/main" id="{82571B74-F3FD-4F62-9CAE-9BBA5167B1B3}"/>
-                </a:ext>
-              </a:extLst>
-            </p:cNvPr>
-            <p:cNvSpPr>
-              <a:spLocks/>
-            </p:cNvSpPr>
-            <p:nvPr/>
-          </p:nvSpPr>
-          <p:spPr bwMode="auto">
-            <a:xfrm>
-              <a:off x="2472" y="1518"/>
-              <a:ext cx="111" cy="93"/>
-            </a:xfrm>
-            <a:custGeom>
-              <a:avLst/>
-              <a:gdLst>
-                <a:gd name="T0" fmla="*/ 108 w 111"/>
-                <a:gd name="T1" fmla="*/ 89 h 93"/>
-                <a:gd name="T2" fmla="*/ 21 w 111"/>
-                <a:gd name="T3" fmla="*/ 81 h 93"/>
-                <a:gd name="T4" fmla="*/ 15 w 111"/>
-                <a:gd name="T5" fmla="*/ 18 h 93"/>
-                <a:gd name="T6" fmla="*/ 111 w 111"/>
-                <a:gd name="T7" fmla="*/ 0 h 93"/>
+                <a:gd name="T0" fmla="*/ 0 w 2784"/>
+                <a:gd name="T1" fmla="*/ 228600 h 144"/>
+                <a:gd name="T2" fmla="*/ 2209800 w 2784"/>
+                <a:gd name="T3" fmla="*/ 228600 h 144"/>
+                <a:gd name="T4" fmla="*/ 2209800 w 2784"/>
+                <a:gd name="T5" fmla="*/ 0 h 144"/>
+                <a:gd name="T6" fmla="*/ 4419600 w 2784"/>
+                <a:gd name="T7" fmla="*/ 0 h 144"/>
                 <a:gd name="T8" fmla="*/ 0 60000 65536"/>
                 <a:gd name="T9" fmla="*/ 0 60000 65536"/>
                 <a:gd name="T10" fmla="*/ 0 60000 65536"/>
                 <a:gd name="T11" fmla="*/ 0 60000 65536"/>
-                <a:gd name="T12" fmla="*/ 0 w 111"/>
-                <a:gd name="T13" fmla="*/ 0 h 93"/>
-                <a:gd name="T14" fmla="*/ 111 w 111"/>
-                <a:gd name="T15" fmla="*/ 93 h 93"/>
+                <a:gd name="T12" fmla="*/ 0 w 2784"/>
+                <a:gd name="T13" fmla="*/ 0 h 144"/>
+                <a:gd name="T14" fmla="*/ 2784 w 2784"/>
+                <a:gd name="T15" fmla="*/ 144 h 144"/>
               </a:gdLst>
               <a:ahLst/>
               <a:cxnLst>
@@ -5974,39 +5569,31 @@
               </a:cxnLst>
               <a:rect l="T12" t="T13" r="T14" b="T15"/>
               <a:pathLst>
-                <a:path w="111" h="93">
+                <a:path w="2784" h="144">
                   <a:moveTo>
-                    <a:pt x="108" y="89"/>
+                    <a:pt x="0" y="144"/>
                   </a:moveTo>
-                  <a:cubicBezTo>
-                    <a:pt x="94" y="88"/>
-                    <a:pt x="36" y="93"/>
-                    <a:pt x="21" y="81"/>
-                  </a:cubicBezTo>
-                  <a:cubicBezTo>
-                    <a:pt x="6" y="69"/>
-                    <a:pt x="0" y="32"/>
-                    <a:pt x="15" y="18"/>
-                  </a:cubicBezTo>
-                  <a:cubicBezTo>
-                    <a:pt x="30" y="4"/>
-                    <a:pt x="91" y="4"/>
-                    <a:pt x="111" y="0"/>
-                  </a:cubicBezTo>
+                  <a:lnTo>
+                    <a:pt x="1392" y="144"/>
+                  </a:lnTo>
+                  <a:lnTo>
+                    <a:pt x="1392" y="0"/>
+                  </a:lnTo>
+                  <a:lnTo>
+                    <a:pt x="2784" y="0"/>
+                  </a:lnTo>
                 </a:path>
               </a:pathLst>
             </a:custGeom>
-            <a:solidFill>
-              <a:schemeClr val="hlink"/>
-            </a:solidFill>
-            <a:ln w="12700" cap="flat" cmpd="sng">
+            <a:noFill/>
+            <a:ln w="28575" cap="flat" cmpd="sng">
               <a:solidFill>
                 <a:schemeClr val="tx1"/>
               </a:solidFill>
               <a:prstDash val="solid"/>
               <a:round/>
-              <a:headEnd type="none" w="sm" len="sm"/>
-              <a:tailEnd type="triangle" w="sm" len="med"/>
+              <a:headEnd type="none" w="med" len="med"/>
+              <a:tailEnd type="none" w="med" len="med"/>
             </a:ln>
           </p:spPr>
           <p:txBody>
@@ -6017,116 +5604,831 @@
             </a:p>
           </p:txBody>
         </p:sp>
-      </p:grpSp>
-      <p:grpSp>
-        <p:nvGrpSpPr>
-          <p:cNvPr id="34" name="Group 37">
-            <a:extLst>
-              <a:ext uri="{FF2B5EF4-FFF2-40B4-BE49-F238E27FC236}">
-                <a16:creationId xmlns:a16="http://schemas.microsoft.com/office/drawing/2014/main" id="{E4E5F70D-5890-4D00-807C-947898717920}"/>
-              </a:ext>
-            </a:extLst>
-          </p:cNvPr>
-          <p:cNvGrpSpPr>
-            <a:grpSpLocks/>
-          </p:cNvGrpSpPr>
-          <p:nvPr/>
-        </p:nvGrpSpPr>
-        <p:grpSpPr bwMode="auto">
-          <a:xfrm flipV="1">
-            <a:off x="3886200" y="1828800"/>
-            <a:ext cx="1460500" cy="238125"/>
-            <a:chOff x="2448" y="1482"/>
-            <a:chExt cx="920" cy="150"/>
-          </a:xfrm>
-        </p:grpSpPr>
+        <p:grpSp>
+          <p:nvGrpSpPr>
+            <p:cNvPr id="29" name="Group 36">
+              <a:extLst>
+                <a:ext uri="{FF2B5EF4-FFF2-40B4-BE49-F238E27FC236}">
+                  <a16:creationId xmlns:a16="http://schemas.microsoft.com/office/drawing/2014/main" id="{DE66AE5E-4D42-4B64-B5E2-80CDE0D9C1DD}"/>
+                </a:ext>
+              </a:extLst>
+            </p:cNvPr>
+            <p:cNvGrpSpPr>
+              <a:grpSpLocks/>
+            </p:cNvGrpSpPr>
+            <p:nvPr/>
+          </p:nvGrpSpPr>
+          <p:grpSpPr bwMode="auto">
+            <a:xfrm>
+              <a:off x="3886200" y="2347913"/>
+              <a:ext cx="1460500" cy="238125"/>
+              <a:chOff x="2448" y="1482"/>
+              <a:chExt cx="920" cy="150"/>
+            </a:xfrm>
+          </p:grpSpPr>
+          <p:sp>
+            <p:nvSpPr>
+              <p:cNvPr id="30" name="Freeform 31">
+                <a:extLst>
+                  <a:ext uri="{FF2B5EF4-FFF2-40B4-BE49-F238E27FC236}">
+                    <a16:creationId xmlns:a16="http://schemas.microsoft.com/office/drawing/2014/main" id="{60319F21-8D99-416C-9F5D-160EB3FB649B}"/>
+                  </a:ext>
+                </a:extLst>
+              </p:cNvPr>
+              <p:cNvSpPr>
+                <a:spLocks/>
+              </p:cNvSpPr>
+              <p:nvPr/>
+            </p:nvSpPr>
+            <p:spPr bwMode="auto">
+              <a:xfrm>
+                <a:off x="2448" y="1482"/>
+                <a:ext cx="920" cy="150"/>
+              </a:xfrm>
+              <a:custGeom>
+                <a:avLst/>
+                <a:gdLst>
+                  <a:gd name="T0" fmla="*/ 0 w 920"/>
+                  <a:gd name="T1" fmla="*/ 2 h 162"/>
+                  <a:gd name="T2" fmla="*/ 920 w 920"/>
+                  <a:gd name="T3" fmla="*/ 150 h 162"/>
+                  <a:gd name="T4" fmla="*/ 0 w 920"/>
+                  <a:gd name="T5" fmla="*/ 150 h 162"/>
+                  <a:gd name="T6" fmla="*/ 0 w 920"/>
+                  <a:gd name="T7" fmla="*/ 2 h 162"/>
+                  <a:gd name="T8" fmla="*/ 0 60000 65536"/>
+                  <a:gd name="T9" fmla="*/ 0 60000 65536"/>
+                  <a:gd name="T10" fmla="*/ 0 60000 65536"/>
+                  <a:gd name="T11" fmla="*/ 0 60000 65536"/>
+                  <a:gd name="T12" fmla="*/ 0 w 920"/>
+                  <a:gd name="T13" fmla="*/ 0 h 162"/>
+                  <a:gd name="T14" fmla="*/ 920 w 920"/>
+                  <a:gd name="T15" fmla="*/ 162 h 162"/>
+                </a:gdLst>
+                <a:ahLst/>
+                <a:cxnLst>
+                  <a:cxn ang="T8">
+                    <a:pos x="T0" y="T1"/>
+                  </a:cxn>
+                  <a:cxn ang="T9">
+                    <a:pos x="T2" y="T3"/>
+                  </a:cxn>
+                  <a:cxn ang="T10">
+                    <a:pos x="T4" y="T5"/>
+                  </a:cxn>
+                  <a:cxn ang="T11">
+                    <a:pos x="T6" y="T7"/>
+                  </a:cxn>
+                </a:cxnLst>
+                <a:rect l="T12" t="T13" r="T14" b="T15"/>
+                <a:pathLst>
+                  <a:path w="920" h="162">
+                    <a:moveTo>
+                      <a:pt x="0" y="2"/>
+                    </a:moveTo>
+                    <a:cubicBezTo>
+                      <a:pt x="147" y="0"/>
+                      <a:pt x="573" y="48"/>
+                      <a:pt x="920" y="162"/>
+                    </a:cubicBezTo>
+                    <a:cubicBezTo>
+                      <a:pt x="573" y="162"/>
+                      <a:pt x="156" y="162"/>
+                      <a:pt x="0" y="162"/>
+                    </a:cubicBezTo>
+                    <a:cubicBezTo>
+                      <a:pt x="0" y="36"/>
+                      <a:pt x="0" y="126"/>
+                      <a:pt x="0" y="2"/>
+                    </a:cubicBezTo>
+                    <a:close/>
+                  </a:path>
+                </a:pathLst>
+              </a:custGeom>
+              <a:solidFill>
+                <a:schemeClr val="hlink"/>
+              </a:solidFill>
+              <a:ln w="12700" cap="flat" cmpd="sng">
+                <a:solidFill>
+                  <a:schemeClr val="tx1"/>
+                </a:solidFill>
+                <a:prstDash val="solid"/>
+                <a:round/>
+                <a:headEnd type="none" w="sm" len="sm"/>
+                <a:tailEnd type="none" w="lg" len="med"/>
+              </a:ln>
+            </p:spPr>
+            <p:txBody>
+              <a:bodyPr wrap="none" anchor="ctr"/>
+              <a:lstStyle/>
+              <a:p>
+                <a:endParaRPr lang="en-US"/>
+              </a:p>
+            </p:txBody>
+          </p:sp>
+          <p:sp>
+            <p:nvSpPr>
+              <p:cNvPr id="31" name="Freeform 32">
+                <a:extLst>
+                  <a:ext uri="{FF2B5EF4-FFF2-40B4-BE49-F238E27FC236}">
+                    <a16:creationId xmlns:a16="http://schemas.microsoft.com/office/drawing/2014/main" id="{C09C5102-6E47-411F-955A-297823347F82}"/>
+                  </a:ext>
+                </a:extLst>
+              </p:cNvPr>
+              <p:cNvSpPr>
+                <a:spLocks/>
+              </p:cNvSpPr>
+              <p:nvPr/>
+            </p:nvSpPr>
+            <p:spPr bwMode="auto">
+              <a:xfrm>
+                <a:off x="2790" y="1536"/>
+                <a:ext cx="155" cy="64"/>
+              </a:xfrm>
+              <a:custGeom>
+                <a:avLst/>
+                <a:gdLst>
+                  <a:gd name="T0" fmla="*/ 15 w 155"/>
+                  <a:gd name="T1" fmla="*/ 0 h 64"/>
+                  <a:gd name="T2" fmla="*/ 153 w 155"/>
+                  <a:gd name="T3" fmla="*/ 54 h 64"/>
+                  <a:gd name="T4" fmla="*/ 0 w 155"/>
+                  <a:gd name="T5" fmla="*/ 63 h 64"/>
+                  <a:gd name="T6" fmla="*/ 0 60000 65536"/>
+                  <a:gd name="T7" fmla="*/ 0 60000 65536"/>
+                  <a:gd name="T8" fmla="*/ 0 60000 65536"/>
+                  <a:gd name="T9" fmla="*/ 0 w 155"/>
+                  <a:gd name="T10" fmla="*/ 0 h 64"/>
+                  <a:gd name="T11" fmla="*/ 155 w 155"/>
+                  <a:gd name="T12" fmla="*/ 64 h 64"/>
+                </a:gdLst>
+                <a:ahLst/>
+                <a:cxnLst>
+                  <a:cxn ang="T6">
+                    <a:pos x="T0" y="T1"/>
+                  </a:cxn>
+                  <a:cxn ang="T7">
+                    <a:pos x="T2" y="T3"/>
+                  </a:cxn>
+                  <a:cxn ang="T8">
+                    <a:pos x="T4" y="T5"/>
+                  </a:cxn>
+                </a:cxnLst>
+                <a:rect l="T9" t="T10" r="T11" b="T12"/>
+                <a:pathLst>
+                  <a:path w="155" h="64">
+                    <a:moveTo>
+                      <a:pt x="15" y="0"/>
+                    </a:moveTo>
+                    <a:cubicBezTo>
+                      <a:pt x="85" y="22"/>
+                      <a:pt x="155" y="44"/>
+                      <a:pt x="153" y="54"/>
+                    </a:cubicBezTo>
+                    <a:cubicBezTo>
+                      <a:pt x="151" y="64"/>
+                      <a:pt x="75" y="63"/>
+                      <a:pt x="0" y="63"/>
+                    </a:cubicBezTo>
+                  </a:path>
+                </a:pathLst>
+              </a:custGeom>
+              <a:solidFill>
+                <a:schemeClr val="hlink"/>
+              </a:solidFill>
+              <a:ln w="12700" cap="flat" cmpd="sng">
+                <a:solidFill>
+                  <a:schemeClr val="tx1"/>
+                </a:solidFill>
+                <a:prstDash val="solid"/>
+                <a:round/>
+                <a:headEnd type="none" w="sm" len="sm"/>
+                <a:tailEnd type="triangle" w="sm" len="med"/>
+              </a:ln>
+            </p:spPr>
+            <p:txBody>
+              <a:bodyPr wrap="none" anchor="ctr"/>
+              <a:lstStyle/>
+              <a:p>
+                <a:endParaRPr lang="en-US"/>
+              </a:p>
+            </p:txBody>
+          </p:sp>
+          <p:sp>
+            <p:nvSpPr>
+              <p:cNvPr id="32" name="Freeform 34">
+                <a:extLst>
+                  <a:ext uri="{FF2B5EF4-FFF2-40B4-BE49-F238E27FC236}">
+                    <a16:creationId xmlns:a16="http://schemas.microsoft.com/office/drawing/2014/main" id="{15D770E8-D5E2-41EE-914F-4B867CAA6553}"/>
+                  </a:ext>
+                </a:extLst>
+              </p:cNvPr>
+              <p:cNvSpPr>
+                <a:spLocks/>
+              </p:cNvSpPr>
+              <p:nvPr/>
+            </p:nvSpPr>
+            <p:spPr bwMode="auto">
+              <a:xfrm>
+                <a:off x="2625" y="1518"/>
+                <a:ext cx="99" cy="90"/>
+              </a:xfrm>
+              <a:custGeom>
+                <a:avLst/>
+                <a:gdLst>
+                  <a:gd name="T0" fmla="*/ 0 w 99"/>
+                  <a:gd name="T1" fmla="*/ 0 h 90"/>
+                  <a:gd name="T2" fmla="*/ 99 w 99"/>
+                  <a:gd name="T3" fmla="*/ 48 h 90"/>
+                  <a:gd name="T4" fmla="*/ 0 w 99"/>
+                  <a:gd name="T5" fmla="*/ 90 h 90"/>
+                  <a:gd name="T6" fmla="*/ 0 60000 65536"/>
+                  <a:gd name="T7" fmla="*/ 0 60000 65536"/>
+                  <a:gd name="T8" fmla="*/ 0 60000 65536"/>
+                  <a:gd name="T9" fmla="*/ 0 w 99"/>
+                  <a:gd name="T10" fmla="*/ 0 h 90"/>
+                  <a:gd name="T11" fmla="*/ 99 w 99"/>
+                  <a:gd name="T12" fmla="*/ 90 h 90"/>
+                </a:gdLst>
+                <a:ahLst/>
+                <a:cxnLst>
+                  <a:cxn ang="T6">
+                    <a:pos x="T0" y="T1"/>
+                  </a:cxn>
+                  <a:cxn ang="T7">
+                    <a:pos x="T2" y="T3"/>
+                  </a:cxn>
+                  <a:cxn ang="T8">
+                    <a:pos x="T4" y="T5"/>
+                  </a:cxn>
+                </a:cxnLst>
+                <a:rect l="T9" t="T10" r="T11" b="T12"/>
+                <a:pathLst>
+                  <a:path w="99" h="90">
+                    <a:moveTo>
+                      <a:pt x="0" y="0"/>
+                    </a:moveTo>
+                    <a:cubicBezTo>
+                      <a:pt x="16" y="8"/>
+                      <a:pt x="99" y="33"/>
+                      <a:pt x="99" y="48"/>
+                    </a:cubicBezTo>
+                    <a:cubicBezTo>
+                      <a:pt x="99" y="63"/>
+                      <a:pt x="21" y="81"/>
+                      <a:pt x="0" y="90"/>
+                    </a:cubicBezTo>
+                  </a:path>
+                </a:pathLst>
+              </a:custGeom>
+              <a:solidFill>
+                <a:schemeClr val="hlink"/>
+              </a:solidFill>
+              <a:ln w="12700" cap="flat" cmpd="sng">
+                <a:solidFill>
+                  <a:schemeClr val="tx1"/>
+                </a:solidFill>
+                <a:prstDash val="solid"/>
+                <a:round/>
+                <a:headEnd type="none" w="sm" len="sm"/>
+                <a:tailEnd type="triangle" w="sm" len="med"/>
+              </a:ln>
+            </p:spPr>
+            <p:txBody>
+              <a:bodyPr wrap="none" anchor="ctr"/>
+              <a:lstStyle/>
+              <a:p>
+                <a:endParaRPr lang="en-US"/>
+              </a:p>
+            </p:txBody>
+          </p:sp>
+          <p:sp>
+            <p:nvSpPr>
+              <p:cNvPr id="33" name="Freeform 35">
+                <a:extLst>
+                  <a:ext uri="{FF2B5EF4-FFF2-40B4-BE49-F238E27FC236}">
+                    <a16:creationId xmlns:a16="http://schemas.microsoft.com/office/drawing/2014/main" id="{82571B74-F3FD-4F62-9CAE-9BBA5167B1B3}"/>
+                  </a:ext>
+                </a:extLst>
+              </p:cNvPr>
+              <p:cNvSpPr>
+                <a:spLocks/>
+              </p:cNvSpPr>
+              <p:nvPr/>
+            </p:nvSpPr>
+            <p:spPr bwMode="auto">
+              <a:xfrm>
+                <a:off x="2472" y="1518"/>
+                <a:ext cx="111" cy="93"/>
+              </a:xfrm>
+              <a:custGeom>
+                <a:avLst/>
+                <a:gdLst>
+                  <a:gd name="T0" fmla="*/ 108 w 111"/>
+                  <a:gd name="T1" fmla="*/ 89 h 93"/>
+                  <a:gd name="T2" fmla="*/ 21 w 111"/>
+                  <a:gd name="T3" fmla="*/ 81 h 93"/>
+                  <a:gd name="T4" fmla="*/ 15 w 111"/>
+                  <a:gd name="T5" fmla="*/ 18 h 93"/>
+                  <a:gd name="T6" fmla="*/ 111 w 111"/>
+                  <a:gd name="T7" fmla="*/ 0 h 93"/>
+                  <a:gd name="T8" fmla="*/ 0 60000 65536"/>
+                  <a:gd name="T9" fmla="*/ 0 60000 65536"/>
+                  <a:gd name="T10" fmla="*/ 0 60000 65536"/>
+                  <a:gd name="T11" fmla="*/ 0 60000 65536"/>
+                  <a:gd name="T12" fmla="*/ 0 w 111"/>
+                  <a:gd name="T13" fmla="*/ 0 h 93"/>
+                  <a:gd name="T14" fmla="*/ 111 w 111"/>
+                  <a:gd name="T15" fmla="*/ 93 h 93"/>
+                </a:gdLst>
+                <a:ahLst/>
+                <a:cxnLst>
+                  <a:cxn ang="T8">
+                    <a:pos x="T0" y="T1"/>
+                  </a:cxn>
+                  <a:cxn ang="T9">
+                    <a:pos x="T2" y="T3"/>
+                  </a:cxn>
+                  <a:cxn ang="T10">
+                    <a:pos x="T4" y="T5"/>
+                  </a:cxn>
+                  <a:cxn ang="T11">
+                    <a:pos x="T6" y="T7"/>
+                  </a:cxn>
+                </a:cxnLst>
+                <a:rect l="T12" t="T13" r="T14" b="T15"/>
+                <a:pathLst>
+                  <a:path w="111" h="93">
+                    <a:moveTo>
+                      <a:pt x="108" y="89"/>
+                    </a:moveTo>
+                    <a:cubicBezTo>
+                      <a:pt x="94" y="88"/>
+                      <a:pt x="36" y="93"/>
+                      <a:pt x="21" y="81"/>
+                    </a:cubicBezTo>
+                    <a:cubicBezTo>
+                      <a:pt x="6" y="69"/>
+                      <a:pt x="0" y="32"/>
+                      <a:pt x="15" y="18"/>
+                    </a:cubicBezTo>
+                    <a:cubicBezTo>
+                      <a:pt x="30" y="4"/>
+                      <a:pt x="91" y="4"/>
+                      <a:pt x="111" y="0"/>
+                    </a:cubicBezTo>
+                  </a:path>
+                </a:pathLst>
+              </a:custGeom>
+              <a:solidFill>
+                <a:schemeClr val="hlink"/>
+              </a:solidFill>
+              <a:ln w="12700" cap="flat" cmpd="sng">
+                <a:solidFill>
+                  <a:schemeClr val="tx1"/>
+                </a:solidFill>
+                <a:prstDash val="solid"/>
+                <a:round/>
+                <a:headEnd type="none" w="sm" len="sm"/>
+                <a:tailEnd type="triangle" w="sm" len="med"/>
+              </a:ln>
+            </p:spPr>
+            <p:txBody>
+              <a:bodyPr wrap="none" anchor="ctr"/>
+              <a:lstStyle/>
+              <a:p>
+                <a:endParaRPr lang="en-US"/>
+              </a:p>
+            </p:txBody>
+          </p:sp>
+        </p:grpSp>
+        <p:grpSp>
+          <p:nvGrpSpPr>
+            <p:cNvPr id="34" name="Group 37">
+              <a:extLst>
+                <a:ext uri="{FF2B5EF4-FFF2-40B4-BE49-F238E27FC236}">
+                  <a16:creationId xmlns:a16="http://schemas.microsoft.com/office/drawing/2014/main" id="{E4E5F70D-5890-4D00-807C-947898717920}"/>
+                </a:ext>
+              </a:extLst>
+            </p:cNvPr>
+            <p:cNvGrpSpPr>
+              <a:grpSpLocks/>
+            </p:cNvGrpSpPr>
+            <p:nvPr/>
+          </p:nvGrpSpPr>
+          <p:grpSpPr bwMode="auto">
+            <a:xfrm flipV="1">
+              <a:off x="3886200" y="1828800"/>
+              <a:ext cx="1460500" cy="238125"/>
+              <a:chOff x="2448" y="1482"/>
+              <a:chExt cx="920" cy="150"/>
+            </a:xfrm>
+          </p:grpSpPr>
+          <p:sp>
+            <p:nvSpPr>
+              <p:cNvPr id="35" name="Freeform 38">
+                <a:extLst>
+                  <a:ext uri="{FF2B5EF4-FFF2-40B4-BE49-F238E27FC236}">
+                    <a16:creationId xmlns:a16="http://schemas.microsoft.com/office/drawing/2014/main" id="{53E00AB9-6A5B-4221-9A78-65CF5013D644}"/>
+                  </a:ext>
+                </a:extLst>
+              </p:cNvPr>
+              <p:cNvSpPr>
+                <a:spLocks/>
+              </p:cNvSpPr>
+              <p:nvPr/>
+            </p:nvSpPr>
+            <p:spPr bwMode="auto">
+              <a:xfrm>
+                <a:off x="2448" y="1482"/>
+                <a:ext cx="920" cy="150"/>
+              </a:xfrm>
+              <a:custGeom>
+                <a:avLst/>
+                <a:gdLst>
+                  <a:gd name="T0" fmla="*/ 0 w 920"/>
+                  <a:gd name="T1" fmla="*/ 2 h 162"/>
+                  <a:gd name="T2" fmla="*/ 920 w 920"/>
+                  <a:gd name="T3" fmla="*/ 150 h 162"/>
+                  <a:gd name="T4" fmla="*/ 0 w 920"/>
+                  <a:gd name="T5" fmla="*/ 150 h 162"/>
+                  <a:gd name="T6" fmla="*/ 0 w 920"/>
+                  <a:gd name="T7" fmla="*/ 2 h 162"/>
+                  <a:gd name="T8" fmla="*/ 0 60000 65536"/>
+                  <a:gd name="T9" fmla="*/ 0 60000 65536"/>
+                  <a:gd name="T10" fmla="*/ 0 60000 65536"/>
+                  <a:gd name="T11" fmla="*/ 0 60000 65536"/>
+                  <a:gd name="T12" fmla="*/ 0 w 920"/>
+                  <a:gd name="T13" fmla="*/ 0 h 162"/>
+                  <a:gd name="T14" fmla="*/ 920 w 920"/>
+                  <a:gd name="T15" fmla="*/ 162 h 162"/>
+                </a:gdLst>
+                <a:ahLst/>
+                <a:cxnLst>
+                  <a:cxn ang="T8">
+                    <a:pos x="T0" y="T1"/>
+                  </a:cxn>
+                  <a:cxn ang="T9">
+                    <a:pos x="T2" y="T3"/>
+                  </a:cxn>
+                  <a:cxn ang="T10">
+                    <a:pos x="T4" y="T5"/>
+                  </a:cxn>
+                  <a:cxn ang="T11">
+                    <a:pos x="T6" y="T7"/>
+                  </a:cxn>
+                </a:cxnLst>
+                <a:rect l="T12" t="T13" r="T14" b="T15"/>
+                <a:pathLst>
+                  <a:path w="920" h="162">
+                    <a:moveTo>
+                      <a:pt x="0" y="2"/>
+                    </a:moveTo>
+                    <a:cubicBezTo>
+                      <a:pt x="147" y="0"/>
+                      <a:pt x="573" y="48"/>
+                      <a:pt x="920" y="162"/>
+                    </a:cubicBezTo>
+                    <a:cubicBezTo>
+                      <a:pt x="573" y="162"/>
+                      <a:pt x="156" y="162"/>
+                      <a:pt x="0" y="162"/>
+                    </a:cubicBezTo>
+                    <a:cubicBezTo>
+                      <a:pt x="0" y="36"/>
+                      <a:pt x="0" y="126"/>
+                      <a:pt x="0" y="2"/>
+                    </a:cubicBezTo>
+                    <a:close/>
+                  </a:path>
+                </a:pathLst>
+              </a:custGeom>
+              <a:solidFill>
+                <a:schemeClr val="hlink"/>
+              </a:solidFill>
+              <a:ln w="12700" cap="flat" cmpd="sng">
+                <a:solidFill>
+                  <a:schemeClr val="tx1"/>
+                </a:solidFill>
+                <a:prstDash val="solid"/>
+                <a:round/>
+                <a:headEnd type="none" w="sm" len="sm"/>
+                <a:tailEnd type="none" w="lg" len="med"/>
+              </a:ln>
+            </p:spPr>
+            <p:txBody>
+              <a:bodyPr wrap="none" anchor="ctr"/>
+              <a:lstStyle/>
+              <a:p>
+                <a:endParaRPr lang="en-US"/>
+              </a:p>
+            </p:txBody>
+          </p:sp>
+          <p:sp>
+            <p:nvSpPr>
+              <p:cNvPr id="36" name="Freeform 39">
+                <a:extLst>
+                  <a:ext uri="{FF2B5EF4-FFF2-40B4-BE49-F238E27FC236}">
+                    <a16:creationId xmlns:a16="http://schemas.microsoft.com/office/drawing/2014/main" id="{7AF1D832-491E-4980-86F7-2EEAB2919188}"/>
+                  </a:ext>
+                </a:extLst>
+              </p:cNvPr>
+              <p:cNvSpPr>
+                <a:spLocks/>
+              </p:cNvSpPr>
+              <p:nvPr/>
+            </p:nvSpPr>
+            <p:spPr bwMode="auto">
+              <a:xfrm>
+                <a:off x="2790" y="1536"/>
+                <a:ext cx="155" cy="64"/>
+              </a:xfrm>
+              <a:custGeom>
+                <a:avLst/>
+                <a:gdLst>
+                  <a:gd name="T0" fmla="*/ 15 w 155"/>
+                  <a:gd name="T1" fmla="*/ 0 h 64"/>
+                  <a:gd name="T2" fmla="*/ 153 w 155"/>
+                  <a:gd name="T3" fmla="*/ 54 h 64"/>
+                  <a:gd name="T4" fmla="*/ 0 w 155"/>
+                  <a:gd name="T5" fmla="*/ 63 h 64"/>
+                  <a:gd name="T6" fmla="*/ 0 60000 65536"/>
+                  <a:gd name="T7" fmla="*/ 0 60000 65536"/>
+                  <a:gd name="T8" fmla="*/ 0 60000 65536"/>
+                  <a:gd name="T9" fmla="*/ 0 w 155"/>
+                  <a:gd name="T10" fmla="*/ 0 h 64"/>
+                  <a:gd name="T11" fmla="*/ 155 w 155"/>
+                  <a:gd name="T12" fmla="*/ 64 h 64"/>
+                </a:gdLst>
+                <a:ahLst/>
+                <a:cxnLst>
+                  <a:cxn ang="T6">
+                    <a:pos x="T0" y="T1"/>
+                  </a:cxn>
+                  <a:cxn ang="T7">
+                    <a:pos x="T2" y="T3"/>
+                  </a:cxn>
+                  <a:cxn ang="T8">
+                    <a:pos x="T4" y="T5"/>
+                  </a:cxn>
+                </a:cxnLst>
+                <a:rect l="T9" t="T10" r="T11" b="T12"/>
+                <a:pathLst>
+                  <a:path w="155" h="64">
+                    <a:moveTo>
+                      <a:pt x="15" y="0"/>
+                    </a:moveTo>
+                    <a:cubicBezTo>
+                      <a:pt x="85" y="22"/>
+                      <a:pt x="155" y="44"/>
+                      <a:pt x="153" y="54"/>
+                    </a:cubicBezTo>
+                    <a:cubicBezTo>
+                      <a:pt x="151" y="64"/>
+                      <a:pt x="75" y="63"/>
+                      <a:pt x="0" y="63"/>
+                    </a:cubicBezTo>
+                  </a:path>
+                </a:pathLst>
+              </a:custGeom>
+              <a:solidFill>
+                <a:schemeClr val="hlink"/>
+              </a:solidFill>
+              <a:ln w="12700" cap="flat" cmpd="sng">
+                <a:solidFill>
+                  <a:schemeClr val="tx1"/>
+                </a:solidFill>
+                <a:prstDash val="solid"/>
+                <a:round/>
+                <a:headEnd type="none" w="sm" len="sm"/>
+                <a:tailEnd type="triangle" w="sm" len="med"/>
+              </a:ln>
+            </p:spPr>
+            <p:txBody>
+              <a:bodyPr wrap="none" anchor="ctr"/>
+              <a:lstStyle/>
+              <a:p>
+                <a:endParaRPr lang="en-US"/>
+              </a:p>
+            </p:txBody>
+          </p:sp>
+          <p:sp>
+            <p:nvSpPr>
+              <p:cNvPr id="37" name="Freeform 40">
+                <a:extLst>
+                  <a:ext uri="{FF2B5EF4-FFF2-40B4-BE49-F238E27FC236}">
+                    <a16:creationId xmlns:a16="http://schemas.microsoft.com/office/drawing/2014/main" id="{5D432A6B-6652-429E-BC5F-38E6EBF400F9}"/>
+                  </a:ext>
+                </a:extLst>
+              </p:cNvPr>
+              <p:cNvSpPr>
+                <a:spLocks/>
+              </p:cNvSpPr>
+              <p:nvPr/>
+            </p:nvSpPr>
+            <p:spPr bwMode="auto">
+              <a:xfrm>
+                <a:off x="2625" y="1518"/>
+                <a:ext cx="99" cy="90"/>
+              </a:xfrm>
+              <a:custGeom>
+                <a:avLst/>
+                <a:gdLst>
+                  <a:gd name="T0" fmla="*/ 0 w 99"/>
+                  <a:gd name="T1" fmla="*/ 0 h 90"/>
+                  <a:gd name="T2" fmla="*/ 99 w 99"/>
+                  <a:gd name="T3" fmla="*/ 48 h 90"/>
+                  <a:gd name="T4" fmla="*/ 0 w 99"/>
+                  <a:gd name="T5" fmla="*/ 90 h 90"/>
+                  <a:gd name="T6" fmla="*/ 0 60000 65536"/>
+                  <a:gd name="T7" fmla="*/ 0 60000 65536"/>
+                  <a:gd name="T8" fmla="*/ 0 60000 65536"/>
+                  <a:gd name="T9" fmla="*/ 0 w 99"/>
+                  <a:gd name="T10" fmla="*/ 0 h 90"/>
+                  <a:gd name="T11" fmla="*/ 99 w 99"/>
+                  <a:gd name="T12" fmla="*/ 90 h 90"/>
+                </a:gdLst>
+                <a:ahLst/>
+                <a:cxnLst>
+                  <a:cxn ang="T6">
+                    <a:pos x="T0" y="T1"/>
+                  </a:cxn>
+                  <a:cxn ang="T7">
+                    <a:pos x="T2" y="T3"/>
+                  </a:cxn>
+                  <a:cxn ang="T8">
+                    <a:pos x="T4" y="T5"/>
+                  </a:cxn>
+                </a:cxnLst>
+                <a:rect l="T9" t="T10" r="T11" b="T12"/>
+                <a:pathLst>
+                  <a:path w="99" h="90">
+                    <a:moveTo>
+                      <a:pt x="0" y="0"/>
+                    </a:moveTo>
+                    <a:cubicBezTo>
+                      <a:pt x="16" y="8"/>
+                      <a:pt x="99" y="33"/>
+                      <a:pt x="99" y="48"/>
+                    </a:cubicBezTo>
+                    <a:cubicBezTo>
+                      <a:pt x="99" y="63"/>
+                      <a:pt x="21" y="81"/>
+                      <a:pt x="0" y="90"/>
+                    </a:cubicBezTo>
+                  </a:path>
+                </a:pathLst>
+              </a:custGeom>
+              <a:solidFill>
+                <a:schemeClr val="hlink"/>
+              </a:solidFill>
+              <a:ln w="12700" cap="flat" cmpd="sng">
+                <a:solidFill>
+                  <a:schemeClr val="tx1"/>
+                </a:solidFill>
+                <a:prstDash val="solid"/>
+                <a:round/>
+                <a:headEnd type="none" w="sm" len="sm"/>
+                <a:tailEnd type="triangle" w="sm" len="med"/>
+              </a:ln>
+            </p:spPr>
+            <p:txBody>
+              <a:bodyPr wrap="none" anchor="ctr"/>
+              <a:lstStyle/>
+              <a:p>
+                <a:endParaRPr lang="en-US"/>
+              </a:p>
+            </p:txBody>
+          </p:sp>
+          <p:sp>
+            <p:nvSpPr>
+              <p:cNvPr id="38" name="Freeform 41">
+                <a:extLst>
+                  <a:ext uri="{FF2B5EF4-FFF2-40B4-BE49-F238E27FC236}">
+                    <a16:creationId xmlns:a16="http://schemas.microsoft.com/office/drawing/2014/main" id="{869ED562-0A32-41A0-B42F-7A8A875CDA70}"/>
+                  </a:ext>
+                </a:extLst>
+              </p:cNvPr>
+              <p:cNvSpPr>
+                <a:spLocks/>
+              </p:cNvSpPr>
+              <p:nvPr/>
+            </p:nvSpPr>
+            <p:spPr bwMode="auto">
+              <a:xfrm>
+                <a:off x="2472" y="1518"/>
+                <a:ext cx="111" cy="93"/>
+              </a:xfrm>
+              <a:custGeom>
+                <a:avLst/>
+                <a:gdLst>
+                  <a:gd name="T0" fmla="*/ 108 w 111"/>
+                  <a:gd name="T1" fmla="*/ 89 h 93"/>
+                  <a:gd name="T2" fmla="*/ 21 w 111"/>
+                  <a:gd name="T3" fmla="*/ 81 h 93"/>
+                  <a:gd name="T4" fmla="*/ 15 w 111"/>
+                  <a:gd name="T5" fmla="*/ 18 h 93"/>
+                  <a:gd name="T6" fmla="*/ 111 w 111"/>
+                  <a:gd name="T7" fmla="*/ 0 h 93"/>
+                  <a:gd name="T8" fmla="*/ 0 60000 65536"/>
+                  <a:gd name="T9" fmla="*/ 0 60000 65536"/>
+                  <a:gd name="T10" fmla="*/ 0 60000 65536"/>
+                  <a:gd name="T11" fmla="*/ 0 60000 65536"/>
+                  <a:gd name="T12" fmla="*/ 0 w 111"/>
+                  <a:gd name="T13" fmla="*/ 0 h 93"/>
+                  <a:gd name="T14" fmla="*/ 111 w 111"/>
+                  <a:gd name="T15" fmla="*/ 93 h 93"/>
+                </a:gdLst>
+                <a:ahLst/>
+                <a:cxnLst>
+                  <a:cxn ang="T8">
+                    <a:pos x="T0" y="T1"/>
+                  </a:cxn>
+                  <a:cxn ang="T9">
+                    <a:pos x="T2" y="T3"/>
+                  </a:cxn>
+                  <a:cxn ang="T10">
+                    <a:pos x="T4" y="T5"/>
+                  </a:cxn>
+                  <a:cxn ang="T11">
+                    <a:pos x="T6" y="T7"/>
+                  </a:cxn>
+                </a:cxnLst>
+                <a:rect l="T12" t="T13" r="T14" b="T15"/>
+                <a:pathLst>
+                  <a:path w="111" h="93">
+                    <a:moveTo>
+                      <a:pt x="108" y="89"/>
+                    </a:moveTo>
+                    <a:cubicBezTo>
+                      <a:pt x="94" y="88"/>
+                      <a:pt x="36" y="93"/>
+                      <a:pt x="21" y="81"/>
+                    </a:cubicBezTo>
+                    <a:cubicBezTo>
+                      <a:pt x="6" y="69"/>
+                      <a:pt x="0" y="32"/>
+                      <a:pt x="15" y="18"/>
+                    </a:cubicBezTo>
+                    <a:cubicBezTo>
+                      <a:pt x="30" y="4"/>
+                      <a:pt x="91" y="4"/>
+                      <a:pt x="111" y="0"/>
+                    </a:cubicBezTo>
+                  </a:path>
+                </a:pathLst>
+              </a:custGeom>
+              <a:solidFill>
+                <a:schemeClr val="hlink"/>
+              </a:solidFill>
+              <a:ln w="12700" cap="flat" cmpd="sng">
+                <a:solidFill>
+                  <a:schemeClr val="tx1"/>
+                </a:solidFill>
+                <a:prstDash val="solid"/>
+                <a:round/>
+                <a:headEnd type="none" w="sm" len="sm"/>
+                <a:tailEnd type="triangle" w="sm" len="med"/>
+              </a:ln>
+            </p:spPr>
+            <p:txBody>
+              <a:bodyPr wrap="none" anchor="ctr"/>
+              <a:lstStyle/>
+              <a:p>
+                <a:endParaRPr lang="en-US"/>
+              </a:p>
+            </p:txBody>
+          </p:sp>
+        </p:grpSp>
         <p:sp>
           <p:nvSpPr>
-            <p:cNvPr id="35" name="Freeform 38">
+            <p:cNvPr id="39" name="Oval 48">
               <a:extLst>
                 <a:ext uri="{FF2B5EF4-FFF2-40B4-BE49-F238E27FC236}">
-                  <a16:creationId xmlns:a16="http://schemas.microsoft.com/office/drawing/2014/main" id="{53E00AB9-6A5B-4221-9A78-65CF5013D644}"/>
+                  <a16:creationId xmlns:a16="http://schemas.microsoft.com/office/drawing/2014/main" id="{1E05FAE5-AB89-4F1C-A1A7-17DA30667780}"/>
                 </a:ext>
               </a:extLst>
             </p:cNvPr>
             <p:cNvSpPr>
-              <a:spLocks/>
+              <a:spLocks noChangeArrowheads="1"/>
             </p:cNvSpPr>
             <p:nvPr/>
           </p:nvSpPr>
           <p:spPr bwMode="auto">
             <a:xfrm>
-              <a:off x="2448" y="1482"/>
-              <a:ext cx="920" cy="150"/>
+              <a:off x="432520" y="2066925"/>
+              <a:ext cx="317500" cy="317500"/>
             </a:xfrm>
-            <a:custGeom>
+            <a:prstGeom prst="ellipse">
               <a:avLst/>
-              <a:gdLst>
-                <a:gd name="T0" fmla="*/ 0 w 920"/>
-                <a:gd name="T1" fmla="*/ 2 h 162"/>
-                <a:gd name="T2" fmla="*/ 920 w 920"/>
-                <a:gd name="T3" fmla="*/ 150 h 162"/>
-                <a:gd name="T4" fmla="*/ 0 w 920"/>
-                <a:gd name="T5" fmla="*/ 150 h 162"/>
-                <a:gd name="T6" fmla="*/ 0 w 920"/>
-                <a:gd name="T7" fmla="*/ 2 h 162"/>
-                <a:gd name="T8" fmla="*/ 0 60000 65536"/>
-                <a:gd name="T9" fmla="*/ 0 60000 65536"/>
-                <a:gd name="T10" fmla="*/ 0 60000 65536"/>
-                <a:gd name="T11" fmla="*/ 0 60000 65536"/>
-                <a:gd name="T12" fmla="*/ 0 w 920"/>
-                <a:gd name="T13" fmla="*/ 0 h 162"/>
-                <a:gd name="T14" fmla="*/ 920 w 920"/>
-                <a:gd name="T15" fmla="*/ 162 h 162"/>
-              </a:gdLst>
-              <a:ahLst/>
-              <a:cxnLst>
-                <a:cxn ang="T8">
-                  <a:pos x="T0" y="T1"/>
-                </a:cxn>
-                <a:cxn ang="T9">
-                  <a:pos x="T2" y="T3"/>
-                </a:cxn>
-                <a:cxn ang="T10">
-                  <a:pos x="T4" y="T5"/>
-                </a:cxn>
-                <a:cxn ang="T11">
-                  <a:pos x="T6" y="T7"/>
-                </a:cxn>
-              </a:cxnLst>
-              <a:rect l="T12" t="T13" r="T14" b="T15"/>
-              <a:pathLst>
-                <a:path w="920" h="162">
-                  <a:moveTo>
-                    <a:pt x="0" y="2"/>
-                  </a:moveTo>
-                  <a:cubicBezTo>
-                    <a:pt x="147" y="0"/>
-                    <a:pt x="573" y="48"/>
-                    <a:pt x="920" y="162"/>
-                  </a:cubicBezTo>
-                  <a:cubicBezTo>
-                    <a:pt x="573" y="162"/>
-                    <a:pt x="156" y="162"/>
-                    <a:pt x="0" y="162"/>
-                  </a:cubicBezTo>
-                  <a:cubicBezTo>
-                    <a:pt x="0" y="36"/>
-                    <a:pt x="0" y="126"/>
-                    <a:pt x="0" y="2"/>
-                  </a:cubicBezTo>
-                  <a:close/>
-                </a:path>
-              </a:pathLst>
-            </a:custGeom>
+            </a:prstGeom>
             <a:solidFill>
               <a:schemeClr val="hlink"/>
             </a:solidFill>
-            <a:ln w="12700" cap="flat" cmpd="sng">
+            <a:ln w="12700">
               <a:solidFill>
                 <a:schemeClr val="tx1"/>
               </a:solidFill>
-              <a:prstDash val="solid"/>
               <a:round/>
               <a:headEnd type="none" w="sm" len="sm"/>
               <a:tailEnd type="none" w="lg" len="med"/>
@@ -6142,82 +6444,191 @@
         </p:sp>
         <p:sp>
           <p:nvSpPr>
-            <p:cNvPr id="36" name="Freeform 39">
+            <p:cNvPr id="40" name="Text Box 49">
               <a:extLst>
                 <a:ext uri="{FF2B5EF4-FFF2-40B4-BE49-F238E27FC236}">
-                  <a16:creationId xmlns:a16="http://schemas.microsoft.com/office/drawing/2014/main" id="{7AF1D832-491E-4980-86F7-2EEAB2919188}"/>
+                  <a16:creationId xmlns:a16="http://schemas.microsoft.com/office/drawing/2014/main" id="{3347C798-081E-4CEC-BE2F-F02C29EC47CB}"/>
                 </a:ext>
               </a:extLst>
             </p:cNvPr>
-            <p:cNvSpPr>
-              <a:spLocks/>
+            <p:cNvSpPr txBox="1">
+              <a:spLocks noChangeArrowheads="1"/>
             </p:cNvSpPr>
             <p:nvPr/>
           </p:nvSpPr>
           <p:spPr bwMode="auto">
             <a:xfrm>
-              <a:off x="2790" y="1536"/>
-              <a:ext cx="155" cy="64"/>
+              <a:off x="326137" y="2295823"/>
+              <a:ext cx="567784" cy="461665"/>
             </a:xfrm>
-            <a:custGeom>
+            <a:prstGeom prst="rect">
               <a:avLst/>
-              <a:gdLst>
-                <a:gd name="T0" fmla="*/ 15 w 155"/>
-                <a:gd name="T1" fmla="*/ 0 h 64"/>
-                <a:gd name="T2" fmla="*/ 153 w 155"/>
-                <a:gd name="T3" fmla="*/ 54 h 64"/>
-                <a:gd name="T4" fmla="*/ 0 w 155"/>
-                <a:gd name="T5" fmla="*/ 63 h 64"/>
-                <a:gd name="T6" fmla="*/ 0 60000 65536"/>
-                <a:gd name="T7" fmla="*/ 0 60000 65536"/>
-                <a:gd name="T8" fmla="*/ 0 60000 65536"/>
-                <a:gd name="T9" fmla="*/ 0 w 155"/>
-                <a:gd name="T10" fmla="*/ 0 h 64"/>
-                <a:gd name="T11" fmla="*/ 155 w 155"/>
-                <a:gd name="T12" fmla="*/ 64 h 64"/>
-              </a:gdLst>
-              <a:ahLst/>
-              <a:cxnLst>
-                <a:cxn ang="T6">
-                  <a:pos x="T0" y="T1"/>
-                </a:cxn>
-                <a:cxn ang="T7">
-                  <a:pos x="T2" y="T3"/>
-                </a:cxn>
-                <a:cxn ang="T8">
-                  <a:pos x="T4" y="T5"/>
-                </a:cxn>
-              </a:cxnLst>
-              <a:rect l="T9" t="T10" r="T11" b="T12"/>
-              <a:pathLst>
-                <a:path w="155" h="64">
-                  <a:moveTo>
-                    <a:pt x="15" y="0"/>
-                  </a:moveTo>
-                  <a:cubicBezTo>
-                    <a:pt x="85" y="22"/>
-                    <a:pt x="155" y="44"/>
-                    <a:pt x="153" y="54"/>
-                  </a:cubicBezTo>
-                  <a:cubicBezTo>
-                    <a:pt x="151" y="64"/>
-                    <a:pt x="75" y="63"/>
-                    <a:pt x="0" y="63"/>
-                  </a:cubicBezTo>
-                </a:path>
-              </a:pathLst>
-            </a:custGeom>
+            </a:prstGeom>
+            <a:noFill/>
+            <a:ln w="12700">
+              <a:noFill/>
+              <a:miter lim="800000"/>
+              <a:headEnd type="none" w="sm" len="sm"/>
+              <a:tailEnd type="none" w="lg" len="med"/>
+            </a:ln>
+          </p:spPr>
+          <p:txBody>
+            <a:bodyPr wrap="none">
+              <a:spAutoFit/>
+            </a:bodyPr>
+            <a:lstStyle/>
+            <a:p>
+              <a:r>
+                <a:rPr lang="en-US" sz="2400" dirty="0" err="1">
+                  <a:latin typeface="Times New Roman" panose="02020603050405020304" pitchFamily="18" charset="0"/>
+                  <a:cs typeface="Times New Roman" panose="02020603050405020304" pitchFamily="18" charset="0"/>
+                </a:rPr>
+                <a:t>A</a:t>
+              </a:r>
+              <a:r>
+                <a:rPr lang="en-US" sz="2400" baseline="-25000" dirty="0" err="1">
+                  <a:latin typeface="Times New Roman" panose="02020603050405020304" pitchFamily="18" charset="0"/>
+                  <a:cs typeface="Times New Roman" panose="02020603050405020304" pitchFamily="18" charset="0"/>
+                </a:rPr>
+                <a:t>in</a:t>
+              </a:r>
+              <a:endParaRPr lang="en-US" sz="2400" dirty="0">
+                <a:latin typeface="Times New Roman" panose="02020603050405020304" pitchFamily="18" charset="0"/>
+                <a:cs typeface="Times New Roman" panose="02020603050405020304" pitchFamily="18" charset="0"/>
+              </a:endParaRPr>
+            </a:p>
+          </p:txBody>
+        </p:sp>
+        <p:sp>
+          <p:nvSpPr>
+            <p:cNvPr id="41" name="Oval 50">
+              <a:extLst>
+                <a:ext uri="{FF2B5EF4-FFF2-40B4-BE49-F238E27FC236}">
+                  <a16:creationId xmlns:a16="http://schemas.microsoft.com/office/drawing/2014/main" id="{7E02EE8F-0E1E-4CDC-9CB7-D60BA82CD8C3}"/>
+                </a:ext>
+              </a:extLst>
+            </p:cNvPr>
+            <p:cNvSpPr>
+              <a:spLocks noChangeArrowheads="1"/>
+            </p:cNvSpPr>
+            <p:nvPr/>
+          </p:nvSpPr>
+          <p:spPr bwMode="auto">
+            <a:xfrm>
+              <a:off x="6983585" y="1879600"/>
+              <a:ext cx="749300" cy="749300"/>
+            </a:xfrm>
+            <a:prstGeom prst="ellipse">
+              <a:avLst/>
+            </a:prstGeom>
             <a:solidFill>
               <a:schemeClr val="hlink"/>
             </a:solidFill>
-            <a:ln w="12700" cap="flat" cmpd="sng">
+            <a:ln w="12700">
               <a:solidFill>
                 <a:schemeClr val="tx1"/>
               </a:solidFill>
-              <a:prstDash val="solid"/>
               <a:round/>
               <a:headEnd type="none" w="sm" len="sm"/>
-              <a:tailEnd type="triangle" w="sm" len="med"/>
+              <a:tailEnd type="none" w="lg" len="med"/>
+            </a:ln>
+          </p:spPr>
+          <p:txBody>
+            <a:bodyPr wrap="none" anchor="ctr"/>
+            <a:lstStyle/>
+            <a:p>
+              <a:endParaRPr lang="en-US" dirty="0"/>
+            </a:p>
+          </p:txBody>
+        </p:sp>
+        <p:sp>
+          <p:nvSpPr>
+            <p:cNvPr id="42" name="Text Box 51">
+              <a:extLst>
+                <a:ext uri="{FF2B5EF4-FFF2-40B4-BE49-F238E27FC236}">
+                  <a16:creationId xmlns:a16="http://schemas.microsoft.com/office/drawing/2014/main" id="{16F5FB94-B885-47F2-8BE8-884EB166D73D}"/>
+                </a:ext>
+              </a:extLst>
+            </p:cNvPr>
+            <p:cNvSpPr txBox="1">
+              <a:spLocks noChangeArrowheads="1"/>
+            </p:cNvSpPr>
+            <p:nvPr/>
+          </p:nvSpPr>
+          <p:spPr bwMode="auto">
+            <a:xfrm>
+              <a:off x="7077489" y="2560638"/>
+              <a:ext cx="670376" cy="461665"/>
+            </a:xfrm>
+            <a:prstGeom prst="rect">
+              <a:avLst/>
+            </a:prstGeom>
+            <a:noFill/>
+            <a:ln w="12700">
+              <a:noFill/>
+              <a:miter lim="800000"/>
+              <a:headEnd type="none" w="sm" len="sm"/>
+              <a:tailEnd type="none" w="lg" len="med"/>
+            </a:ln>
+          </p:spPr>
+          <p:txBody>
+            <a:bodyPr wrap="none">
+              <a:spAutoFit/>
+            </a:bodyPr>
+            <a:lstStyle/>
+            <a:p>
+              <a:r>
+                <a:rPr lang="en-US" sz="2400" dirty="0" err="1">
+                  <a:latin typeface="Times New Roman" panose="02020603050405020304" pitchFamily="18" charset="0"/>
+                  <a:cs typeface="Times New Roman" panose="02020603050405020304" pitchFamily="18" charset="0"/>
+                </a:rPr>
+                <a:t>A</a:t>
+              </a:r>
+              <a:r>
+                <a:rPr lang="en-US" sz="2400" baseline="-25000" dirty="0" err="1">
+                  <a:latin typeface="Times New Roman" panose="02020603050405020304" pitchFamily="18" charset="0"/>
+                  <a:cs typeface="Times New Roman" panose="02020603050405020304" pitchFamily="18" charset="0"/>
+                </a:rPr>
+                <a:t>out</a:t>
+              </a:r>
+              <a:endParaRPr lang="en-US" sz="2400" dirty="0">
+                <a:latin typeface="Times New Roman" panose="02020603050405020304" pitchFamily="18" charset="0"/>
+                <a:cs typeface="Times New Roman" panose="02020603050405020304" pitchFamily="18" charset="0"/>
+              </a:endParaRPr>
+            </a:p>
+          </p:txBody>
+        </p:sp>
+        <p:sp>
+          <p:nvSpPr>
+            <p:cNvPr id="45" name="Line 27">
+              <a:extLst>
+                <a:ext uri="{FF2B5EF4-FFF2-40B4-BE49-F238E27FC236}">
+                  <a16:creationId xmlns:a16="http://schemas.microsoft.com/office/drawing/2014/main" id="{1CAA820F-0C62-437A-BF9F-3E0E1ADAB25A}"/>
+                </a:ext>
+              </a:extLst>
+            </p:cNvPr>
+            <p:cNvSpPr>
+              <a:spLocks noChangeShapeType="1"/>
+            </p:cNvSpPr>
+            <p:nvPr/>
+          </p:nvSpPr>
+          <p:spPr bwMode="auto">
+            <a:xfrm>
+              <a:off x="5346700" y="1771650"/>
+              <a:ext cx="0" cy="901700"/>
+            </a:xfrm>
+            <a:prstGeom prst="line">
+              <a:avLst/>
+            </a:prstGeom>
+            <a:noFill/>
+            <a:ln w="38100">
+              <a:solidFill>
+                <a:schemeClr val="folHlink"/>
+              </a:solidFill>
+              <a:prstDash val="sysDot"/>
+              <a:round/>
+              <a:headEnd/>
+              <a:tailEnd/>
             </a:ln>
           </p:spPr>
           <p:txBody>
@@ -6230,82 +6641,35 @@
         </p:sp>
         <p:sp>
           <p:nvSpPr>
-            <p:cNvPr id="37" name="Freeform 40">
+            <p:cNvPr id="46" name="Line 26">
               <a:extLst>
                 <a:ext uri="{FF2B5EF4-FFF2-40B4-BE49-F238E27FC236}">
-                  <a16:creationId xmlns:a16="http://schemas.microsoft.com/office/drawing/2014/main" id="{5D432A6B-6652-429E-BC5F-38E6EBF400F9}"/>
+                  <a16:creationId xmlns:a16="http://schemas.microsoft.com/office/drawing/2014/main" id="{47F6B720-34E4-4668-AE2F-FFF81A1DB652}"/>
                 </a:ext>
               </a:extLst>
             </p:cNvPr>
             <p:cNvSpPr>
-              <a:spLocks/>
+              <a:spLocks noChangeShapeType="1"/>
             </p:cNvSpPr>
             <p:nvPr/>
           </p:nvSpPr>
           <p:spPr bwMode="auto">
             <a:xfrm>
-              <a:off x="2625" y="1518"/>
-              <a:ext cx="99" cy="90"/>
+              <a:off x="3886200" y="1758950"/>
+              <a:ext cx="0" cy="927100"/>
             </a:xfrm>
-            <a:custGeom>
+            <a:prstGeom prst="line">
               <a:avLst/>
-              <a:gdLst>
-                <a:gd name="T0" fmla="*/ 0 w 99"/>
-                <a:gd name="T1" fmla="*/ 0 h 90"/>
-                <a:gd name="T2" fmla="*/ 99 w 99"/>
-                <a:gd name="T3" fmla="*/ 48 h 90"/>
-                <a:gd name="T4" fmla="*/ 0 w 99"/>
-                <a:gd name="T5" fmla="*/ 90 h 90"/>
-                <a:gd name="T6" fmla="*/ 0 60000 65536"/>
-                <a:gd name="T7" fmla="*/ 0 60000 65536"/>
-                <a:gd name="T8" fmla="*/ 0 60000 65536"/>
-                <a:gd name="T9" fmla="*/ 0 w 99"/>
-                <a:gd name="T10" fmla="*/ 0 h 90"/>
-                <a:gd name="T11" fmla="*/ 99 w 99"/>
-                <a:gd name="T12" fmla="*/ 90 h 90"/>
-              </a:gdLst>
-              <a:ahLst/>
-              <a:cxnLst>
-                <a:cxn ang="T6">
-                  <a:pos x="T0" y="T1"/>
-                </a:cxn>
-                <a:cxn ang="T7">
-                  <a:pos x="T2" y="T3"/>
-                </a:cxn>
-                <a:cxn ang="T8">
-                  <a:pos x="T4" y="T5"/>
-                </a:cxn>
-              </a:cxnLst>
-              <a:rect l="T9" t="T10" r="T11" b="T12"/>
-              <a:pathLst>
-                <a:path w="99" h="90">
-                  <a:moveTo>
-                    <a:pt x="0" y="0"/>
-                  </a:moveTo>
-                  <a:cubicBezTo>
-                    <a:pt x="16" y="8"/>
-                    <a:pt x="99" y="33"/>
-                    <a:pt x="99" y="48"/>
-                  </a:cubicBezTo>
-                  <a:cubicBezTo>
-                    <a:pt x="99" y="63"/>
-                    <a:pt x="21" y="81"/>
-                    <a:pt x="0" y="90"/>
-                  </a:cubicBezTo>
-                </a:path>
-              </a:pathLst>
-            </a:custGeom>
-            <a:solidFill>
-              <a:schemeClr val="hlink"/>
-            </a:solidFill>
-            <a:ln w="12700" cap="flat" cmpd="sng">
+            </a:prstGeom>
+            <a:noFill/>
+            <a:ln w="38100">
               <a:solidFill>
-                <a:schemeClr val="tx1"/>
+                <a:schemeClr val="folHlink"/>
               </a:solidFill>
-              <a:prstDash val="solid"/>
+              <a:prstDash val="sysDot"/>
               <a:round/>
-              <a:headEnd type="none" w="sm" len="sm"/>
-              <a:tailEnd type="triangle" w="sm" len="med"/>
+              <a:headEnd/>
+              <a:tailEnd/>
             </a:ln>
           </p:spPr>
           <p:txBody>
@@ -6318,498 +6682,119 @@
         </p:sp>
         <p:sp>
           <p:nvSpPr>
-            <p:cNvPr id="38" name="Freeform 41">
+            <p:cNvPr id="47" name="Text Box 49">
               <a:extLst>
                 <a:ext uri="{FF2B5EF4-FFF2-40B4-BE49-F238E27FC236}">
-                  <a16:creationId xmlns:a16="http://schemas.microsoft.com/office/drawing/2014/main" id="{869ED562-0A32-41A0-B42F-7A8A875CDA70}"/>
+                  <a16:creationId xmlns:a16="http://schemas.microsoft.com/office/drawing/2014/main" id="{47F62C1F-11BF-498E-AB48-5132B41AE167}"/>
                 </a:ext>
               </a:extLst>
             </p:cNvPr>
-            <p:cNvSpPr>
-              <a:spLocks/>
+            <p:cNvSpPr txBox="1">
+              <a:spLocks noChangeArrowheads="1"/>
             </p:cNvSpPr>
             <p:nvPr/>
           </p:nvSpPr>
           <p:spPr bwMode="auto">
             <a:xfrm>
-              <a:off x="2472" y="1518"/>
-              <a:ext cx="111" cy="93"/>
+              <a:off x="1139581" y="1969452"/>
+              <a:ext cx="549318" cy="461665"/>
             </a:xfrm>
-            <a:custGeom>
+            <a:prstGeom prst="rect">
               <a:avLst/>
-              <a:gdLst>
-                <a:gd name="T0" fmla="*/ 108 w 111"/>
-                <a:gd name="T1" fmla="*/ 89 h 93"/>
-                <a:gd name="T2" fmla="*/ 21 w 111"/>
-                <a:gd name="T3" fmla="*/ 81 h 93"/>
-                <a:gd name="T4" fmla="*/ 15 w 111"/>
-                <a:gd name="T5" fmla="*/ 18 h 93"/>
-                <a:gd name="T6" fmla="*/ 111 w 111"/>
-                <a:gd name="T7" fmla="*/ 0 h 93"/>
-                <a:gd name="T8" fmla="*/ 0 60000 65536"/>
-                <a:gd name="T9" fmla="*/ 0 60000 65536"/>
-                <a:gd name="T10" fmla="*/ 0 60000 65536"/>
-                <a:gd name="T11" fmla="*/ 0 60000 65536"/>
-                <a:gd name="T12" fmla="*/ 0 w 111"/>
-                <a:gd name="T13" fmla="*/ 0 h 93"/>
-                <a:gd name="T14" fmla="*/ 111 w 111"/>
-                <a:gd name="T15" fmla="*/ 93 h 93"/>
-              </a:gdLst>
-              <a:ahLst/>
-              <a:cxnLst>
-                <a:cxn ang="T8">
-                  <a:pos x="T0" y="T1"/>
-                </a:cxn>
-                <a:cxn ang="T9">
-                  <a:pos x="T2" y="T3"/>
-                </a:cxn>
-                <a:cxn ang="T10">
-                  <a:pos x="T4" y="T5"/>
-                </a:cxn>
-                <a:cxn ang="T11">
-                  <a:pos x="T6" y="T7"/>
-                </a:cxn>
-              </a:cxnLst>
-              <a:rect l="T12" t="T13" r="T14" b="T15"/>
-              <a:pathLst>
-                <a:path w="111" h="93">
-                  <a:moveTo>
-                    <a:pt x="108" y="89"/>
-                  </a:moveTo>
-                  <a:cubicBezTo>
-                    <a:pt x="94" y="88"/>
-                    <a:pt x="36" y="93"/>
-                    <a:pt x="21" y="81"/>
-                  </a:cubicBezTo>
-                  <a:cubicBezTo>
-                    <a:pt x="6" y="69"/>
-                    <a:pt x="0" y="32"/>
-                    <a:pt x="15" y="18"/>
-                  </a:cubicBezTo>
-                  <a:cubicBezTo>
-                    <a:pt x="30" y="4"/>
-                    <a:pt x="91" y="4"/>
-                    <a:pt x="111" y="0"/>
-                  </a:cubicBezTo>
-                </a:path>
-              </a:pathLst>
-            </a:custGeom>
-            <a:solidFill>
-              <a:schemeClr val="hlink"/>
-            </a:solidFill>
-            <a:ln w="12700" cap="flat" cmpd="sng">
-              <a:solidFill>
-                <a:schemeClr val="tx1"/>
-              </a:solidFill>
-              <a:prstDash val="solid"/>
-              <a:round/>
+            </a:prstGeom>
+            <a:noFill/>
+            <a:ln w="12700">
+              <a:noFill/>
+              <a:miter lim="800000"/>
               <a:headEnd type="none" w="sm" len="sm"/>
-              <a:tailEnd type="triangle" w="sm" len="med"/>
+              <a:tailEnd type="none" w="lg" len="med"/>
             </a:ln>
           </p:spPr>
           <p:txBody>
-            <a:bodyPr wrap="none" anchor="ctr"/>
+            <a:bodyPr wrap="none">
+              <a:spAutoFit/>
+            </a:bodyPr>
             <a:lstStyle/>
             <a:p>
-              <a:endParaRPr lang="en-US"/>
+              <a:r>
+                <a:rPr lang="en-US" sz="2400" dirty="0">
+                  <a:latin typeface="Times New Roman" panose="02020603050405020304" pitchFamily="18" charset="0"/>
+                  <a:cs typeface="Times New Roman" panose="02020603050405020304" pitchFamily="18" charset="0"/>
+                </a:rPr>
+                <a:t>V</a:t>
+              </a:r>
+              <a:r>
+                <a:rPr lang="en-US" sz="2400" baseline="-25000" dirty="0">
+                  <a:latin typeface="Times New Roman" panose="02020603050405020304" pitchFamily="18" charset="0"/>
+                  <a:cs typeface="Times New Roman" panose="02020603050405020304" pitchFamily="18" charset="0"/>
+                </a:rPr>
+                <a:t>in</a:t>
+              </a:r>
+              <a:endParaRPr lang="en-US" sz="2400" dirty="0">
+                <a:latin typeface="Times New Roman" panose="02020603050405020304" pitchFamily="18" charset="0"/>
+                <a:cs typeface="Times New Roman" panose="02020603050405020304" pitchFamily="18" charset="0"/>
+              </a:endParaRPr>
+            </a:p>
+          </p:txBody>
+        </p:sp>
+        <p:sp>
+          <p:nvSpPr>
+            <p:cNvPr id="49" name="Text Box 49">
+              <a:extLst>
+                <a:ext uri="{FF2B5EF4-FFF2-40B4-BE49-F238E27FC236}">
+                  <a16:creationId xmlns:a16="http://schemas.microsoft.com/office/drawing/2014/main" id="{67A3C4D3-DF84-4E9B-97B0-C637EA9F7E65}"/>
+                </a:ext>
+              </a:extLst>
+            </p:cNvPr>
+            <p:cNvSpPr txBox="1">
+              <a:spLocks noChangeArrowheads="1"/>
+            </p:cNvSpPr>
+            <p:nvPr/>
+          </p:nvSpPr>
+          <p:spPr bwMode="auto">
+            <a:xfrm>
+              <a:off x="6010433" y="1939353"/>
+              <a:ext cx="549318" cy="461665"/>
+            </a:xfrm>
+            <a:prstGeom prst="rect">
+              <a:avLst/>
+            </a:prstGeom>
+            <a:noFill/>
+            <a:ln w="12700">
+              <a:noFill/>
+              <a:miter lim="800000"/>
+              <a:headEnd type="none" w="sm" len="sm"/>
+              <a:tailEnd type="none" w="lg" len="med"/>
+            </a:ln>
+          </p:spPr>
+          <p:txBody>
+            <a:bodyPr wrap="none">
+              <a:spAutoFit/>
+            </a:bodyPr>
+            <a:lstStyle/>
+            <a:p>
+              <a:r>
+                <a:rPr lang="en-US" sz="2400" dirty="0">
+                  <a:latin typeface="Times New Roman" panose="02020603050405020304" pitchFamily="18" charset="0"/>
+                  <a:cs typeface="Times New Roman" panose="02020603050405020304" pitchFamily="18" charset="0"/>
+                </a:rPr>
+                <a:t>V</a:t>
+              </a:r>
+              <a:r>
+                <a:rPr lang="en-US" sz="2400" baseline="-25000" dirty="0">
+                  <a:latin typeface="Times New Roman" panose="02020603050405020304" pitchFamily="18" charset="0"/>
+                  <a:cs typeface="Times New Roman" panose="02020603050405020304" pitchFamily="18" charset="0"/>
+                </a:rPr>
+                <a:t>in</a:t>
+              </a:r>
+              <a:endParaRPr lang="en-US" sz="2400" dirty="0">
+                <a:latin typeface="Times New Roman" panose="02020603050405020304" pitchFamily="18" charset="0"/>
+                <a:cs typeface="Times New Roman" panose="02020603050405020304" pitchFamily="18" charset="0"/>
+              </a:endParaRPr>
             </a:p>
           </p:txBody>
         </p:sp>
       </p:grpSp>
-      <p:sp>
-        <p:nvSpPr>
-          <p:cNvPr id="39" name="Oval 48">
-            <a:extLst>
-              <a:ext uri="{FF2B5EF4-FFF2-40B4-BE49-F238E27FC236}">
-                <a16:creationId xmlns:a16="http://schemas.microsoft.com/office/drawing/2014/main" id="{1E05FAE5-AB89-4F1C-A1A7-17DA30667780}"/>
-              </a:ext>
-            </a:extLst>
-          </p:cNvPr>
-          <p:cNvSpPr>
-            <a:spLocks noChangeArrowheads="1"/>
-          </p:cNvSpPr>
-          <p:nvPr/>
-        </p:nvSpPr>
-        <p:spPr bwMode="auto">
-          <a:xfrm>
-            <a:off x="432520" y="2066925"/>
-            <a:ext cx="317500" cy="317500"/>
-          </a:xfrm>
-          <a:prstGeom prst="ellipse">
-            <a:avLst/>
-          </a:prstGeom>
-          <a:solidFill>
-            <a:schemeClr val="hlink"/>
-          </a:solidFill>
-          <a:ln w="12700">
-            <a:solidFill>
-              <a:schemeClr val="tx1"/>
-            </a:solidFill>
-            <a:round/>
-            <a:headEnd type="none" w="sm" len="sm"/>
-            <a:tailEnd type="none" w="lg" len="med"/>
-          </a:ln>
-        </p:spPr>
-        <p:txBody>
-          <a:bodyPr wrap="none" anchor="ctr"/>
-          <a:lstStyle/>
-          <a:p>
-            <a:endParaRPr lang="en-US"/>
-          </a:p>
-        </p:txBody>
-      </p:sp>
-      <p:sp>
-        <p:nvSpPr>
-          <p:cNvPr id="40" name="Text Box 49">
-            <a:extLst>
-              <a:ext uri="{FF2B5EF4-FFF2-40B4-BE49-F238E27FC236}">
-                <a16:creationId xmlns:a16="http://schemas.microsoft.com/office/drawing/2014/main" id="{3347C798-081E-4CEC-BE2F-F02C29EC47CB}"/>
-              </a:ext>
-            </a:extLst>
-          </p:cNvPr>
-          <p:cNvSpPr txBox="1">
-            <a:spLocks noChangeArrowheads="1"/>
-          </p:cNvSpPr>
-          <p:nvPr/>
-        </p:nvSpPr>
-        <p:spPr bwMode="auto">
-          <a:xfrm>
-            <a:off x="326137" y="2295823"/>
-            <a:ext cx="567784" cy="461665"/>
-          </a:xfrm>
-          <a:prstGeom prst="rect">
-            <a:avLst/>
-          </a:prstGeom>
-          <a:noFill/>
-          <a:ln w="12700">
-            <a:noFill/>
-            <a:miter lim="800000"/>
-            <a:headEnd type="none" w="sm" len="sm"/>
-            <a:tailEnd type="none" w="lg" len="med"/>
-          </a:ln>
-        </p:spPr>
-        <p:txBody>
-          <a:bodyPr wrap="none">
-            <a:spAutoFit/>
-          </a:bodyPr>
-          <a:lstStyle/>
-          <a:p>
-            <a:r>
-              <a:rPr lang="en-US" sz="2400" dirty="0" err="1">
-                <a:latin typeface="Times New Roman" panose="02020603050405020304" pitchFamily="18" charset="0"/>
-                <a:cs typeface="Times New Roman" panose="02020603050405020304" pitchFamily="18" charset="0"/>
-              </a:rPr>
-              <a:t>A</a:t>
-            </a:r>
-            <a:r>
-              <a:rPr lang="en-US" sz="2400" baseline="-25000" dirty="0" err="1">
-                <a:latin typeface="Times New Roman" panose="02020603050405020304" pitchFamily="18" charset="0"/>
-                <a:cs typeface="Times New Roman" panose="02020603050405020304" pitchFamily="18" charset="0"/>
-              </a:rPr>
-              <a:t>in</a:t>
-            </a:r>
-            <a:endParaRPr lang="en-US" sz="2400" dirty="0">
-              <a:latin typeface="Times New Roman" panose="02020603050405020304" pitchFamily="18" charset="0"/>
-              <a:cs typeface="Times New Roman" panose="02020603050405020304" pitchFamily="18" charset="0"/>
-            </a:endParaRPr>
-          </a:p>
-        </p:txBody>
-      </p:sp>
-      <p:sp>
-        <p:nvSpPr>
-          <p:cNvPr id="41" name="Oval 50">
-            <a:extLst>
-              <a:ext uri="{FF2B5EF4-FFF2-40B4-BE49-F238E27FC236}">
-                <a16:creationId xmlns:a16="http://schemas.microsoft.com/office/drawing/2014/main" id="{7E02EE8F-0E1E-4CDC-9CB7-D60BA82CD8C3}"/>
-              </a:ext>
-            </a:extLst>
-          </p:cNvPr>
-          <p:cNvSpPr>
-            <a:spLocks noChangeArrowheads="1"/>
-          </p:cNvSpPr>
-          <p:nvPr/>
-        </p:nvSpPr>
-        <p:spPr bwMode="auto">
-          <a:xfrm>
-            <a:off x="6983585" y="1879600"/>
-            <a:ext cx="749300" cy="749300"/>
-          </a:xfrm>
-          <a:prstGeom prst="ellipse">
-            <a:avLst/>
-          </a:prstGeom>
-          <a:solidFill>
-            <a:schemeClr val="hlink"/>
-          </a:solidFill>
-          <a:ln w="12700">
-            <a:solidFill>
-              <a:schemeClr val="tx1"/>
-            </a:solidFill>
-            <a:round/>
-            <a:headEnd type="none" w="sm" len="sm"/>
-            <a:tailEnd type="none" w="lg" len="med"/>
-          </a:ln>
-        </p:spPr>
-        <p:txBody>
-          <a:bodyPr wrap="none" anchor="ctr"/>
-          <a:lstStyle/>
-          <a:p>
-            <a:endParaRPr lang="en-US" dirty="0"/>
-          </a:p>
-        </p:txBody>
-      </p:sp>
-      <p:sp>
-        <p:nvSpPr>
-          <p:cNvPr id="42" name="Text Box 51">
-            <a:extLst>
-              <a:ext uri="{FF2B5EF4-FFF2-40B4-BE49-F238E27FC236}">
-                <a16:creationId xmlns:a16="http://schemas.microsoft.com/office/drawing/2014/main" id="{16F5FB94-B885-47F2-8BE8-884EB166D73D}"/>
-              </a:ext>
-            </a:extLst>
-          </p:cNvPr>
-          <p:cNvSpPr txBox="1">
-            <a:spLocks noChangeArrowheads="1"/>
-          </p:cNvSpPr>
-          <p:nvPr/>
-        </p:nvSpPr>
-        <p:spPr bwMode="auto">
-          <a:xfrm>
-            <a:off x="7077489" y="2560638"/>
-            <a:ext cx="670376" cy="461665"/>
-          </a:xfrm>
-          <a:prstGeom prst="rect">
-            <a:avLst/>
-          </a:prstGeom>
-          <a:noFill/>
-          <a:ln w="12700">
-            <a:noFill/>
-            <a:miter lim="800000"/>
-            <a:headEnd type="none" w="sm" len="sm"/>
-            <a:tailEnd type="none" w="lg" len="med"/>
-          </a:ln>
-        </p:spPr>
-        <p:txBody>
-          <a:bodyPr wrap="none">
-            <a:spAutoFit/>
-          </a:bodyPr>
-          <a:lstStyle/>
-          <a:p>
-            <a:r>
-              <a:rPr lang="en-US" sz="2400" dirty="0" err="1">
-                <a:latin typeface="Times New Roman" panose="02020603050405020304" pitchFamily="18" charset="0"/>
-                <a:cs typeface="Times New Roman" panose="02020603050405020304" pitchFamily="18" charset="0"/>
-              </a:rPr>
-              <a:t>A</a:t>
-            </a:r>
-            <a:r>
-              <a:rPr lang="en-US" sz="2400" baseline="-25000" dirty="0" err="1">
-                <a:latin typeface="Times New Roman" panose="02020603050405020304" pitchFamily="18" charset="0"/>
-                <a:cs typeface="Times New Roman" panose="02020603050405020304" pitchFamily="18" charset="0"/>
-              </a:rPr>
-              <a:t>out</a:t>
-            </a:r>
-            <a:endParaRPr lang="en-US" sz="2400" dirty="0">
-              <a:latin typeface="Times New Roman" panose="02020603050405020304" pitchFamily="18" charset="0"/>
-              <a:cs typeface="Times New Roman" panose="02020603050405020304" pitchFamily="18" charset="0"/>
-            </a:endParaRPr>
-          </a:p>
-        </p:txBody>
-      </p:sp>
-      <p:sp>
-        <p:nvSpPr>
-          <p:cNvPr id="45" name="Line 27">
-            <a:extLst>
-              <a:ext uri="{FF2B5EF4-FFF2-40B4-BE49-F238E27FC236}">
-                <a16:creationId xmlns:a16="http://schemas.microsoft.com/office/drawing/2014/main" id="{1CAA820F-0C62-437A-BF9F-3E0E1ADAB25A}"/>
-              </a:ext>
-            </a:extLst>
-          </p:cNvPr>
-          <p:cNvSpPr>
-            <a:spLocks noChangeShapeType="1"/>
-          </p:cNvSpPr>
-          <p:nvPr/>
-        </p:nvSpPr>
-        <p:spPr bwMode="auto">
-          <a:xfrm>
-            <a:off x="5346700" y="1771650"/>
-            <a:ext cx="0" cy="901700"/>
-          </a:xfrm>
-          <a:prstGeom prst="line">
-            <a:avLst/>
-          </a:prstGeom>
-          <a:noFill/>
-          <a:ln w="38100">
-            <a:solidFill>
-              <a:schemeClr val="folHlink"/>
-            </a:solidFill>
-            <a:prstDash val="sysDot"/>
-            <a:round/>
-            <a:headEnd/>
-            <a:tailEnd/>
-          </a:ln>
-        </p:spPr>
-        <p:txBody>
-          <a:bodyPr wrap="none" anchor="ctr"/>
-          <a:lstStyle/>
-          <a:p>
-            <a:endParaRPr lang="en-US"/>
-          </a:p>
-        </p:txBody>
-      </p:sp>
-      <p:sp>
-        <p:nvSpPr>
-          <p:cNvPr id="46" name="Line 26">
-            <a:extLst>
-              <a:ext uri="{FF2B5EF4-FFF2-40B4-BE49-F238E27FC236}">
-                <a16:creationId xmlns:a16="http://schemas.microsoft.com/office/drawing/2014/main" id="{47F6B720-34E4-4668-AE2F-FFF81A1DB652}"/>
-              </a:ext>
-            </a:extLst>
-          </p:cNvPr>
-          <p:cNvSpPr>
-            <a:spLocks noChangeShapeType="1"/>
-          </p:cNvSpPr>
-          <p:nvPr/>
-        </p:nvSpPr>
-        <p:spPr bwMode="auto">
-          <a:xfrm>
-            <a:off x="3886200" y="1758950"/>
-            <a:ext cx="0" cy="927100"/>
-          </a:xfrm>
-          <a:prstGeom prst="line">
-            <a:avLst/>
-          </a:prstGeom>
-          <a:noFill/>
-          <a:ln w="38100">
-            <a:solidFill>
-              <a:schemeClr val="folHlink"/>
-            </a:solidFill>
-            <a:prstDash val="sysDot"/>
-            <a:round/>
-            <a:headEnd/>
-            <a:tailEnd/>
-          </a:ln>
-        </p:spPr>
-        <p:txBody>
-          <a:bodyPr wrap="none" anchor="ctr"/>
-          <a:lstStyle/>
-          <a:p>
-            <a:endParaRPr lang="en-US"/>
-          </a:p>
-        </p:txBody>
-      </p:sp>
-      <p:sp>
-        <p:nvSpPr>
-          <p:cNvPr id="47" name="Text Box 49">
-            <a:extLst>
-              <a:ext uri="{FF2B5EF4-FFF2-40B4-BE49-F238E27FC236}">
-                <a16:creationId xmlns:a16="http://schemas.microsoft.com/office/drawing/2014/main" id="{47F62C1F-11BF-498E-AB48-5132B41AE167}"/>
-              </a:ext>
-            </a:extLst>
-          </p:cNvPr>
-          <p:cNvSpPr txBox="1">
-            <a:spLocks noChangeArrowheads="1"/>
-          </p:cNvSpPr>
-          <p:nvPr/>
-        </p:nvSpPr>
-        <p:spPr bwMode="auto">
-          <a:xfrm>
-            <a:off x="1139581" y="1969452"/>
-            <a:ext cx="549318" cy="461665"/>
-          </a:xfrm>
-          <a:prstGeom prst="rect">
-            <a:avLst/>
-          </a:prstGeom>
-          <a:noFill/>
-          <a:ln w="12700">
-            <a:noFill/>
-            <a:miter lim="800000"/>
-            <a:headEnd type="none" w="sm" len="sm"/>
-            <a:tailEnd type="none" w="lg" len="med"/>
-          </a:ln>
-        </p:spPr>
-        <p:txBody>
-          <a:bodyPr wrap="none">
-            <a:spAutoFit/>
-          </a:bodyPr>
-          <a:lstStyle/>
-          <a:p>
-            <a:r>
-              <a:rPr lang="en-US" sz="2400" dirty="0">
-                <a:latin typeface="Times New Roman" panose="02020603050405020304" pitchFamily="18" charset="0"/>
-                <a:cs typeface="Times New Roman" panose="02020603050405020304" pitchFamily="18" charset="0"/>
-              </a:rPr>
-              <a:t>V</a:t>
-            </a:r>
-            <a:r>
-              <a:rPr lang="en-US" sz="2400" baseline="-25000" dirty="0">
-                <a:latin typeface="Times New Roman" panose="02020603050405020304" pitchFamily="18" charset="0"/>
-                <a:cs typeface="Times New Roman" panose="02020603050405020304" pitchFamily="18" charset="0"/>
-              </a:rPr>
-              <a:t>in</a:t>
-            </a:r>
-            <a:endParaRPr lang="en-US" sz="2400" dirty="0">
-              <a:latin typeface="Times New Roman" panose="02020603050405020304" pitchFamily="18" charset="0"/>
-              <a:cs typeface="Times New Roman" panose="02020603050405020304" pitchFamily="18" charset="0"/>
-            </a:endParaRPr>
-          </a:p>
-        </p:txBody>
-      </p:sp>
-      <p:sp>
-        <p:nvSpPr>
-          <p:cNvPr id="49" name="Text Box 49">
-            <a:extLst>
-              <a:ext uri="{FF2B5EF4-FFF2-40B4-BE49-F238E27FC236}">
-                <a16:creationId xmlns:a16="http://schemas.microsoft.com/office/drawing/2014/main" id="{67A3C4D3-DF84-4E9B-97B0-C637EA9F7E65}"/>
-              </a:ext>
-            </a:extLst>
-          </p:cNvPr>
-          <p:cNvSpPr txBox="1">
-            <a:spLocks noChangeArrowheads="1"/>
-          </p:cNvSpPr>
-          <p:nvPr/>
-        </p:nvSpPr>
-        <p:spPr bwMode="auto">
-          <a:xfrm>
-            <a:off x="6010433" y="1939353"/>
-            <a:ext cx="549318" cy="461665"/>
-          </a:xfrm>
-          <a:prstGeom prst="rect">
-            <a:avLst/>
-          </a:prstGeom>
-          <a:noFill/>
-          <a:ln w="12700">
-            <a:noFill/>
-            <a:miter lim="800000"/>
-            <a:headEnd type="none" w="sm" len="sm"/>
-            <a:tailEnd type="none" w="lg" len="med"/>
-          </a:ln>
-        </p:spPr>
-        <p:txBody>
-          <a:bodyPr wrap="none">
-            <a:spAutoFit/>
-          </a:bodyPr>
-          <a:lstStyle/>
-          <a:p>
-            <a:r>
-              <a:rPr lang="en-US" sz="2400" dirty="0">
-                <a:latin typeface="Times New Roman" panose="02020603050405020304" pitchFamily="18" charset="0"/>
-                <a:cs typeface="Times New Roman" panose="02020603050405020304" pitchFamily="18" charset="0"/>
-              </a:rPr>
-              <a:t>V</a:t>
-            </a:r>
-            <a:r>
-              <a:rPr lang="en-US" sz="2400" baseline="-25000" dirty="0">
-                <a:latin typeface="Times New Roman" panose="02020603050405020304" pitchFamily="18" charset="0"/>
-                <a:cs typeface="Times New Roman" panose="02020603050405020304" pitchFamily="18" charset="0"/>
-              </a:rPr>
-              <a:t>in</a:t>
-            </a:r>
-            <a:endParaRPr lang="en-US" sz="2400" dirty="0">
-              <a:latin typeface="Times New Roman" panose="02020603050405020304" pitchFamily="18" charset="0"/>
-              <a:cs typeface="Times New Roman" panose="02020603050405020304" pitchFamily="18" charset="0"/>
-            </a:endParaRPr>
-          </a:p>
-        </p:txBody>
-      </p:sp>
     </p:spTree>
     <p:extLst>
       <p:ext uri="{BB962C8B-B14F-4D97-AF65-F5344CB8AC3E}">
@@ -6820,130 +6805,6 @@
   <p:clrMapOvr>
     <a:masterClrMapping/>
   </p:clrMapOvr>
-  <p:timing>
-    <p:tnLst>
-      <p:par>
-        <p:cTn id="1" dur="indefinite" restart="never" nodeType="tmRoot">
-          <p:childTnLst>
-            <p:seq concurrent="1" nextAc="seek">
-              <p:cTn id="2" dur="indefinite" nodeType="mainSeq">
-                <p:childTnLst>
-                  <p:par>
-                    <p:cTn id="3" fill="hold">
-                      <p:stCondLst>
-                        <p:cond delay="indefinite"/>
-                      </p:stCondLst>
-                      <p:childTnLst>
-                        <p:par>
-                          <p:cTn id="4" fill="hold">
-                            <p:stCondLst>
-                              <p:cond delay="0"/>
-                            </p:stCondLst>
-                            <p:childTnLst>
-                              <p:par>
-                                <p:cTn id="5" presetID="1" presetClass="entr" presetSubtype="0" fill="hold" grpId="0" nodeType="clickEffect">
-                                  <p:stCondLst>
-                                    <p:cond delay="0"/>
-                                  </p:stCondLst>
-                                  <p:childTnLst>
-                                    <p:set>
-                                      <p:cBhvr>
-                                        <p:cTn id="6" dur="1" fill="hold">
-                                          <p:stCondLst>
-                                            <p:cond delay="499"/>
-                                          </p:stCondLst>
-                                        </p:cTn>
-                                        <p:tgtEl>
-                                          <p:spTgt spid="46"/>
-                                        </p:tgtEl>
-                                        <p:attrNameLst>
-                                          <p:attrName>style.visibility</p:attrName>
-                                        </p:attrNameLst>
-                                      </p:cBhvr>
-                                      <p:to>
-                                        <p:strVal val="visible"/>
-                                      </p:to>
-                                    </p:set>
-                                  </p:childTnLst>
-                                </p:cTn>
-                              </p:par>
-                            </p:childTnLst>
-                          </p:cTn>
-                        </p:par>
-                      </p:childTnLst>
-                    </p:cTn>
-                  </p:par>
-                  <p:par>
-                    <p:cTn id="7" fill="hold">
-                      <p:stCondLst>
-                        <p:cond delay="indefinite"/>
-                      </p:stCondLst>
-                      <p:childTnLst>
-                        <p:par>
-                          <p:cTn id="8" fill="hold">
-                            <p:stCondLst>
-                              <p:cond delay="0"/>
-                            </p:stCondLst>
-                            <p:childTnLst>
-                              <p:par>
-                                <p:cTn id="9" presetID="1" presetClass="entr" presetSubtype="0" fill="hold" grpId="0" nodeType="clickEffect">
-                                  <p:stCondLst>
-                                    <p:cond delay="0"/>
-                                  </p:stCondLst>
-                                  <p:childTnLst>
-                                    <p:set>
-                                      <p:cBhvr>
-                                        <p:cTn id="10" dur="1" fill="hold">
-                                          <p:stCondLst>
-                                            <p:cond delay="499"/>
-                                          </p:stCondLst>
-                                        </p:cTn>
-                                        <p:tgtEl>
-                                          <p:spTgt spid="45"/>
-                                        </p:tgtEl>
-                                        <p:attrNameLst>
-                                          <p:attrName>style.visibility</p:attrName>
-                                        </p:attrNameLst>
-                                      </p:cBhvr>
-                                      <p:to>
-                                        <p:strVal val="visible"/>
-                                      </p:to>
-                                    </p:set>
-                                  </p:childTnLst>
-                                </p:cTn>
-                              </p:par>
-                            </p:childTnLst>
-                          </p:cTn>
-                        </p:par>
-                      </p:childTnLst>
-                    </p:cTn>
-                  </p:par>
-                </p:childTnLst>
-              </p:cTn>
-              <p:prevCondLst>
-                <p:cond evt="onPrev" delay="0">
-                  <p:tgtEl>
-                    <p:sldTgt/>
-                  </p:tgtEl>
-                </p:cond>
-              </p:prevCondLst>
-              <p:nextCondLst>
-                <p:cond evt="onNext" delay="0">
-                  <p:tgtEl>
-                    <p:sldTgt/>
-                  </p:tgtEl>
-                </p:cond>
-              </p:nextCondLst>
-            </p:seq>
-          </p:childTnLst>
-        </p:cTn>
-      </p:par>
-    </p:tnLst>
-    <p:bldLst>
-      <p:bldP spid="45" grpId="0" animBg="1"/>
-      <p:bldP spid="46" grpId="0" animBg="1"/>
-    </p:bldLst>
-  </p:timing>
 </p:sld>
 </file>
 
